--- a/视觉slam调研/视觉SLAM调研.pptx
+++ b/视觉slam调研/视觉SLAM调研.pptx
@@ -5,22 +5,24 @@
     <p:sldMasterId id="2147483648" r:id="rId1"/>
   </p:sldMasterIdLst>
   <p:notesMasterIdLst>
-    <p:notesMasterId r:id="rId10"/>
+    <p:notesMasterId r:id="rId12"/>
   </p:notesMasterIdLst>
   <p:sldIdLst>
     <p:sldId id="1128" r:id="rId2"/>
     <p:sldId id="1130" r:id="rId3"/>
     <p:sldId id="1140" r:id="rId4"/>
-    <p:sldId id="1141" r:id="rId5"/>
-    <p:sldId id="1142" r:id="rId6"/>
-    <p:sldId id="1143" r:id="rId7"/>
-    <p:sldId id="1144" r:id="rId8"/>
-    <p:sldId id="1134" r:id="rId9"/>
+    <p:sldId id="1145" r:id="rId5"/>
+    <p:sldId id="1148" r:id="rId6"/>
+    <p:sldId id="1146" r:id="rId7"/>
+    <p:sldId id="1141" r:id="rId8"/>
+    <p:sldId id="1142" r:id="rId9"/>
+    <p:sldId id="1143" r:id="rId10"/>
+    <p:sldId id="1134" r:id="rId11"/>
   </p:sldIdLst>
   <p:sldSz cx="12192000" cy="6858000"/>
   <p:notesSz cx="6858000" cy="9144000"/>
   <p:custDataLst>
-    <p:tags r:id="rId11"/>
+    <p:tags r:id="rId13"/>
   </p:custDataLst>
   <p:defaultTextStyle>
     <a:defPPr>
@@ -218,7 +220,7 @@
           <a:p>
             <a:fld id="{2DA0BD0A-AFE7-4B1C-88B5-4D75FFEE5390}" type="datetimeFigureOut">
               <a:rPr lang="zh-CN" altLang="en-US" smtClean="0"/>
-              <a:t>2022/11/22</a:t>
+              <a:t>2022/11/23</a:t>
             </a:fld>
             <a:endParaRPr lang="zh-CN" altLang="en-US"/>
           </a:p>
@@ -569,6 +571,90 @@
 </p:notes>
 </file>
 
+<file path=ppt/notesSlides/notesSlide10.xml><?xml version="1.0" encoding="utf-8"?>
+<p:notes xmlns:a="http://schemas.openxmlformats.org/drawingml/2006/main" xmlns:r="http://schemas.openxmlformats.org/officeDocument/2006/relationships" xmlns:p="http://schemas.openxmlformats.org/presentationml/2006/main">
+  <p:cSld>
+    <p:spTree>
+      <p:nvGrpSpPr>
+        <p:cNvPr id="1" name=""/>
+        <p:cNvGrpSpPr/>
+        <p:nvPr/>
+      </p:nvGrpSpPr>
+      <p:grpSpPr>
+        <a:xfrm>
+          <a:off x="0" y="0"/>
+          <a:ext cx="0" cy="0"/>
+          <a:chOff x="0" y="0"/>
+          <a:chExt cx="0" cy="0"/>
+        </a:xfrm>
+      </p:grpSpPr>
+      <p:sp>
+        <p:nvSpPr>
+          <p:cNvPr id="2" name="幻灯片图像占位符 1"/>
+          <p:cNvSpPr>
+            <a:spLocks noGrp="1" noRot="1" noChangeAspect="1"/>
+          </p:cNvSpPr>
+          <p:nvPr>
+            <p:ph type="sldImg"/>
+          </p:nvPr>
+        </p:nvSpPr>
+        <p:spPr/>
+      </p:sp>
+      <p:sp>
+        <p:nvSpPr>
+          <p:cNvPr id="3" name="备注占位符 2"/>
+          <p:cNvSpPr>
+            <a:spLocks noGrp="1"/>
+          </p:cNvSpPr>
+          <p:nvPr>
+            <p:ph type="body" idx="1"/>
+          </p:nvPr>
+        </p:nvSpPr>
+        <p:spPr/>
+        <p:txBody>
+          <a:bodyPr/>
+          <a:lstStyle/>
+          <a:p>
+            <a:endParaRPr lang="zh-CN" altLang="en-US"/>
+          </a:p>
+        </p:txBody>
+      </p:sp>
+      <p:sp>
+        <p:nvSpPr>
+          <p:cNvPr id="4" name="灯片编号占位符 3"/>
+          <p:cNvSpPr>
+            <a:spLocks noGrp="1"/>
+          </p:cNvSpPr>
+          <p:nvPr>
+            <p:ph type="sldNum" sz="quarter" idx="5"/>
+          </p:nvPr>
+        </p:nvSpPr>
+        <p:spPr/>
+        <p:txBody>
+          <a:bodyPr/>
+          <a:lstStyle/>
+          <a:p>
+            <a:fld id="{794A878E-AAE2-4BE1-A2D3-DBE24A330026}" type="slidenum">
+              <a:rPr lang="zh-CN" altLang="en-US" smtClean="0"/>
+              <a:t>10</a:t>
+            </a:fld>
+            <a:endParaRPr lang="zh-CN" altLang="en-US"/>
+          </a:p>
+        </p:txBody>
+      </p:sp>
+    </p:spTree>
+    <p:extLst>
+      <p:ext uri="{BB962C8B-B14F-4D97-AF65-F5344CB8AC3E}">
+        <p14:creationId xmlns:p14="http://schemas.microsoft.com/office/powerpoint/2010/main" val="4086917687"/>
+      </p:ext>
+    </p:extLst>
+  </p:cSld>
+  <p:clrMapOvr>
+    <a:masterClrMapping/>
+  </p:clrMapOvr>
+</p:notes>
+</file>
+
 <file path=ppt/notesSlides/notesSlide2.xml><?xml version="1.0" encoding="utf-8"?>
 <p:notes xmlns:a="http://schemas.openxmlformats.org/drawingml/2006/main" xmlns:r="http://schemas.openxmlformats.org/officeDocument/2006/relationships" xmlns:p="http://schemas.openxmlformats.org/presentationml/2006/main">
   <p:cSld>
@@ -811,7 +897,7 @@
     </p:spTree>
     <p:extLst>
       <p:ext uri="{BB962C8B-B14F-4D97-AF65-F5344CB8AC3E}">
-        <p14:creationId xmlns:p14="http://schemas.microsoft.com/office/powerpoint/2010/main" val="2024572943"/>
+        <p14:creationId xmlns:p14="http://schemas.microsoft.com/office/powerpoint/2010/main" val="711238370"/>
       </p:ext>
     </p:extLst>
   </p:cSld>
@@ -895,7 +981,7 @@
     </p:spTree>
     <p:extLst>
       <p:ext uri="{BB962C8B-B14F-4D97-AF65-F5344CB8AC3E}">
-        <p14:creationId xmlns:p14="http://schemas.microsoft.com/office/powerpoint/2010/main" val="523123669"/>
+        <p14:creationId xmlns:p14="http://schemas.microsoft.com/office/powerpoint/2010/main" val="1061856219"/>
       </p:ext>
     </p:extLst>
   </p:cSld>
@@ -979,7 +1065,7 @@
     </p:spTree>
     <p:extLst>
       <p:ext uri="{BB962C8B-B14F-4D97-AF65-F5344CB8AC3E}">
-        <p14:creationId xmlns:p14="http://schemas.microsoft.com/office/powerpoint/2010/main" val="1006967147"/>
+        <p14:creationId xmlns:p14="http://schemas.microsoft.com/office/powerpoint/2010/main" val="1086809440"/>
       </p:ext>
     </p:extLst>
   </p:cSld>
@@ -1063,7 +1149,7 @@
     </p:spTree>
     <p:extLst>
       <p:ext uri="{BB962C8B-B14F-4D97-AF65-F5344CB8AC3E}">
-        <p14:creationId xmlns:p14="http://schemas.microsoft.com/office/powerpoint/2010/main" val="3409095102"/>
+        <p14:creationId xmlns:p14="http://schemas.microsoft.com/office/powerpoint/2010/main" val="2024572943"/>
       </p:ext>
     </p:extLst>
   </p:cSld>
@@ -1147,7 +1233,91 @@
     </p:spTree>
     <p:extLst>
       <p:ext uri="{BB962C8B-B14F-4D97-AF65-F5344CB8AC3E}">
-        <p14:creationId xmlns:p14="http://schemas.microsoft.com/office/powerpoint/2010/main" val="4086917687"/>
+        <p14:creationId xmlns:p14="http://schemas.microsoft.com/office/powerpoint/2010/main" val="523123669"/>
+      </p:ext>
+    </p:extLst>
+  </p:cSld>
+  <p:clrMapOvr>
+    <a:masterClrMapping/>
+  </p:clrMapOvr>
+</p:notes>
+</file>
+
+<file path=ppt/notesSlides/notesSlide9.xml><?xml version="1.0" encoding="utf-8"?>
+<p:notes xmlns:a="http://schemas.openxmlformats.org/drawingml/2006/main" xmlns:r="http://schemas.openxmlformats.org/officeDocument/2006/relationships" xmlns:p="http://schemas.openxmlformats.org/presentationml/2006/main">
+  <p:cSld>
+    <p:spTree>
+      <p:nvGrpSpPr>
+        <p:cNvPr id="1" name=""/>
+        <p:cNvGrpSpPr/>
+        <p:nvPr/>
+      </p:nvGrpSpPr>
+      <p:grpSpPr>
+        <a:xfrm>
+          <a:off x="0" y="0"/>
+          <a:ext cx="0" cy="0"/>
+          <a:chOff x="0" y="0"/>
+          <a:chExt cx="0" cy="0"/>
+        </a:xfrm>
+      </p:grpSpPr>
+      <p:sp>
+        <p:nvSpPr>
+          <p:cNvPr id="2" name="幻灯片图像占位符 1"/>
+          <p:cNvSpPr>
+            <a:spLocks noGrp="1" noRot="1" noChangeAspect="1"/>
+          </p:cNvSpPr>
+          <p:nvPr>
+            <p:ph type="sldImg"/>
+          </p:nvPr>
+        </p:nvSpPr>
+        <p:spPr/>
+      </p:sp>
+      <p:sp>
+        <p:nvSpPr>
+          <p:cNvPr id="3" name="备注占位符 2"/>
+          <p:cNvSpPr>
+            <a:spLocks noGrp="1"/>
+          </p:cNvSpPr>
+          <p:nvPr>
+            <p:ph type="body" idx="1"/>
+          </p:nvPr>
+        </p:nvSpPr>
+        <p:spPr/>
+        <p:txBody>
+          <a:bodyPr/>
+          <a:lstStyle/>
+          <a:p>
+            <a:endParaRPr lang="zh-CN" altLang="en-US"/>
+          </a:p>
+        </p:txBody>
+      </p:sp>
+      <p:sp>
+        <p:nvSpPr>
+          <p:cNvPr id="4" name="灯片编号占位符 3"/>
+          <p:cNvSpPr>
+            <a:spLocks noGrp="1"/>
+          </p:cNvSpPr>
+          <p:nvPr>
+            <p:ph type="sldNum" sz="quarter" idx="5"/>
+          </p:nvPr>
+        </p:nvSpPr>
+        <p:spPr/>
+        <p:txBody>
+          <a:bodyPr/>
+          <a:lstStyle/>
+          <a:p>
+            <a:fld id="{794A878E-AAE2-4BE1-A2D3-DBE24A330026}" type="slidenum">
+              <a:rPr lang="zh-CN" altLang="en-US" smtClean="0"/>
+              <a:t>9</a:t>
+            </a:fld>
+            <a:endParaRPr lang="zh-CN" altLang="en-US"/>
+          </a:p>
+        </p:txBody>
+      </p:sp>
+    </p:spTree>
+    <p:extLst>
+      <p:ext uri="{BB962C8B-B14F-4D97-AF65-F5344CB8AC3E}">
+        <p14:creationId xmlns:p14="http://schemas.microsoft.com/office/powerpoint/2010/main" val="1006967147"/>
       </p:ext>
     </p:extLst>
   </p:cSld>
@@ -2597,6 +2767,2519 @@
 </p:sld>
 </file>
 
+<file path=ppt/slides/slide10.xml><?xml version="1.0" encoding="utf-8"?>
+<p:sld xmlns:a="http://schemas.openxmlformats.org/drawingml/2006/main" xmlns:r="http://schemas.openxmlformats.org/officeDocument/2006/relationships" xmlns:p="http://schemas.openxmlformats.org/presentationml/2006/main">
+  <p:cSld>
+    <p:spTree>
+      <p:nvGrpSpPr>
+        <p:cNvPr id="1" name=""/>
+        <p:cNvGrpSpPr/>
+        <p:nvPr/>
+      </p:nvGrpSpPr>
+      <p:grpSpPr>
+        <a:xfrm>
+          <a:off x="0" y="0"/>
+          <a:ext cx="0" cy="0"/>
+          <a:chOff x="0" y="0"/>
+          <a:chExt cx="0" cy="0"/>
+        </a:xfrm>
+      </p:grpSpPr>
+      <p:grpSp>
+        <p:nvGrpSpPr>
+          <p:cNvPr id="15" name="组合 14">
+            <a:extLst>
+              <a:ext uri="{FF2B5EF4-FFF2-40B4-BE49-F238E27FC236}">
+                <a16:creationId xmlns:a16="http://schemas.microsoft.com/office/drawing/2014/main" id="{3BD1A270-5326-D5A4-A4AA-10709BF76778}"/>
+              </a:ext>
+            </a:extLst>
+          </p:cNvPr>
+          <p:cNvGrpSpPr/>
+          <p:nvPr/>
+        </p:nvGrpSpPr>
+        <p:grpSpPr>
+          <a:xfrm>
+            <a:off x="609600" y="447997"/>
+            <a:ext cx="914400" cy="300379"/>
+            <a:chOff x="609600" y="447997"/>
+            <a:chExt cx="914400" cy="300379"/>
+          </a:xfrm>
+        </p:grpSpPr>
+        <p:sp>
+          <p:nvSpPr>
+            <p:cNvPr id="62" name="TextBox 58">
+              <a:extLst>
+                <a:ext uri="{FF2B5EF4-FFF2-40B4-BE49-F238E27FC236}">
+                  <a16:creationId xmlns:a16="http://schemas.microsoft.com/office/drawing/2014/main" id="{EA22077C-6958-04B9-2AC5-29CA9A641CE0}"/>
+                </a:ext>
+              </a:extLst>
+            </p:cNvPr>
+            <p:cNvSpPr txBox="1"/>
+            <p:nvPr>
+              <p:custDataLst>
+                <p:tags r:id="rId1"/>
+              </p:custDataLst>
+            </p:nvPr>
+          </p:nvSpPr>
+          <p:spPr>
+            <a:xfrm>
+              <a:off x="609600" y="522600"/>
+              <a:ext cx="914400" cy="151174"/>
+            </a:xfrm>
+            <a:custGeom>
+              <a:avLst/>
+              <a:gdLst/>
+              <a:ahLst/>
+              <a:cxnLst/>
+              <a:rect l="l" t="t" r="r" b="b"/>
+              <a:pathLst>
+                <a:path w="6179857" h="1021690">
+                  <a:moveTo>
+                    <a:pt x="361854" y="607162"/>
+                  </a:moveTo>
+                  <a:lnTo>
+                    <a:pt x="296380" y="799795"/>
+                  </a:lnTo>
+                  <a:lnTo>
+                    <a:pt x="415861" y="799795"/>
+                  </a:lnTo>
+                  <a:cubicBezTo>
+                    <a:pt x="480885" y="799795"/>
+                    <a:pt x="533978" y="791261"/>
+                    <a:pt x="575138" y="774192"/>
+                  </a:cubicBezTo>
+                  <a:cubicBezTo>
+                    <a:pt x="616299" y="757123"/>
+                    <a:pt x="642404" y="732333"/>
+                    <a:pt x="653453" y="699821"/>
+                  </a:cubicBezTo>
+                  <a:cubicBezTo>
+                    <a:pt x="663664" y="669747"/>
+                    <a:pt x="653786" y="646786"/>
+                    <a:pt x="623821" y="630936"/>
+                  </a:cubicBezTo>
+                  <a:cubicBezTo>
+                    <a:pt x="593855" y="615087"/>
+                    <a:pt x="545954" y="607162"/>
+                    <a:pt x="480117" y="607162"/>
+                  </a:cubicBezTo>
+                  <a:close/>
+                  <a:moveTo>
+                    <a:pt x="4747832" y="312115"/>
+                  </a:moveTo>
+                  <a:lnTo>
+                    <a:pt x="4557026" y="593751"/>
+                  </a:lnTo>
+                  <a:lnTo>
+                    <a:pt x="4754537" y="593751"/>
+                  </a:lnTo>
+                  <a:lnTo>
+                    <a:pt x="4755146" y="312115"/>
+                  </a:lnTo>
+                  <a:close/>
+                  <a:moveTo>
+                    <a:pt x="492785" y="221895"/>
+                  </a:moveTo>
+                  <a:lnTo>
+                    <a:pt x="431463" y="402336"/>
+                  </a:lnTo>
+                  <a:lnTo>
+                    <a:pt x="537533" y="402336"/>
+                  </a:lnTo>
+                  <a:cubicBezTo>
+                    <a:pt x="591991" y="402336"/>
+                    <a:pt x="636613" y="394208"/>
+                    <a:pt x="671398" y="377952"/>
+                  </a:cubicBezTo>
+                  <a:cubicBezTo>
+                    <a:pt x="706183" y="361696"/>
+                    <a:pt x="728681" y="338531"/>
+                    <a:pt x="738892" y="308458"/>
+                  </a:cubicBezTo>
+                  <a:cubicBezTo>
+                    <a:pt x="748290" y="280823"/>
+                    <a:pt x="741118" y="259487"/>
+                    <a:pt x="717375" y="244450"/>
+                  </a:cubicBezTo>
+                  <a:cubicBezTo>
+                    <a:pt x="693633" y="229413"/>
+                    <a:pt x="654532" y="221895"/>
+                    <a:pt x="600075" y="221895"/>
+                  </a:cubicBezTo>
+                  <a:close/>
+                  <a:moveTo>
+                    <a:pt x="5784837" y="212141"/>
+                  </a:moveTo>
+                  <a:cubicBezTo>
+                    <a:pt x="5715749" y="212141"/>
+                    <a:pt x="5651973" y="238963"/>
+                    <a:pt x="5593508" y="292608"/>
+                  </a:cubicBezTo>
+                  <a:cubicBezTo>
+                    <a:pt x="5535044" y="346253"/>
+                    <a:pt x="5490203" y="418999"/>
+                    <a:pt x="5458986" y="510845"/>
+                  </a:cubicBezTo>
+                  <a:cubicBezTo>
+                    <a:pt x="5427770" y="602691"/>
+                    <a:pt x="5423163" y="675437"/>
+                    <a:pt x="5445166" y="729082"/>
+                  </a:cubicBezTo>
+                  <a:cubicBezTo>
+                    <a:pt x="5467169" y="782727"/>
+                    <a:pt x="5512715" y="809549"/>
+                    <a:pt x="5581802" y="809549"/>
+                  </a:cubicBezTo>
+                  <a:cubicBezTo>
+                    <a:pt x="5650890" y="809549"/>
+                    <a:pt x="5714666" y="782727"/>
+                    <a:pt x="5773131" y="729082"/>
+                  </a:cubicBezTo>
+                  <a:cubicBezTo>
+                    <a:pt x="5831595" y="675437"/>
+                    <a:pt x="5876436" y="602691"/>
+                    <a:pt x="5907652" y="510845"/>
+                  </a:cubicBezTo>
+                  <a:cubicBezTo>
+                    <a:pt x="5938869" y="418999"/>
+                    <a:pt x="5943476" y="346253"/>
+                    <a:pt x="5921473" y="292608"/>
+                  </a:cubicBezTo>
+                  <a:cubicBezTo>
+                    <a:pt x="5899471" y="238963"/>
+                    <a:pt x="5853925" y="212141"/>
+                    <a:pt x="5784837" y="212141"/>
+                  </a:cubicBezTo>
+                  <a:close/>
+                  <a:moveTo>
+                    <a:pt x="4735944" y="17069"/>
+                  </a:moveTo>
+                  <a:lnTo>
+                    <a:pt x="4967592" y="17069"/>
+                  </a:lnTo>
+                  <a:lnTo>
+                    <a:pt x="4995291" y="1004621"/>
+                  </a:lnTo>
+                  <a:lnTo>
+                    <a:pt x="4755108" y="1004621"/>
+                  </a:lnTo>
+                  <a:lnTo>
+                    <a:pt x="4755585" y="805891"/>
+                  </a:lnTo>
+                  <a:lnTo>
+                    <a:pt x="4411770" y="805891"/>
+                  </a:lnTo>
+                  <a:lnTo>
+                    <a:pt x="4277182" y="1004621"/>
+                  </a:lnTo>
+                  <a:lnTo>
+                    <a:pt x="4036999" y="1004621"/>
+                  </a:lnTo>
+                  <a:close/>
+                  <a:moveTo>
+                    <a:pt x="3440773" y="17069"/>
+                  </a:moveTo>
+                  <a:lnTo>
+                    <a:pt x="3667544" y="17069"/>
+                  </a:lnTo>
+                  <a:lnTo>
+                    <a:pt x="3540747" y="390144"/>
+                  </a:lnTo>
+                  <a:lnTo>
+                    <a:pt x="3928453" y="390144"/>
+                  </a:lnTo>
+                  <a:lnTo>
+                    <a:pt x="4055249" y="17069"/>
+                  </a:lnTo>
+                  <a:lnTo>
+                    <a:pt x="4282021" y="17069"/>
+                  </a:lnTo>
+                  <a:lnTo>
+                    <a:pt x="3946398" y="1004621"/>
+                  </a:lnTo>
+                  <a:lnTo>
+                    <a:pt x="3719627" y="1004621"/>
+                  </a:lnTo>
+                  <a:lnTo>
+                    <a:pt x="3856367" y="602285"/>
+                  </a:lnTo>
+                  <a:lnTo>
+                    <a:pt x="3468662" y="602285"/>
+                  </a:lnTo>
+                  <a:lnTo>
+                    <a:pt x="3331921" y="1004621"/>
+                  </a:lnTo>
+                  <a:lnTo>
+                    <a:pt x="3105149" y="1004621"/>
+                  </a:lnTo>
+                  <a:close/>
+                  <a:moveTo>
+                    <a:pt x="1631023" y="17069"/>
+                  </a:moveTo>
+                  <a:lnTo>
+                    <a:pt x="1838287" y="17069"/>
+                  </a:lnTo>
+                  <a:lnTo>
+                    <a:pt x="2017509" y="576682"/>
+                  </a:lnTo>
+                  <a:lnTo>
+                    <a:pt x="2024824" y="576682"/>
+                  </a:lnTo>
+                  <a:lnTo>
+                    <a:pt x="2215019" y="17069"/>
+                  </a:lnTo>
+                  <a:lnTo>
+                    <a:pt x="2441791" y="17069"/>
+                  </a:lnTo>
+                  <a:lnTo>
+                    <a:pt x="2106168" y="1004621"/>
+                  </a:lnTo>
+                  <a:lnTo>
+                    <a:pt x="1911096" y="1004621"/>
+                  </a:lnTo>
+                  <a:lnTo>
+                    <a:pt x="1719662" y="445008"/>
+                  </a:lnTo>
+                  <a:lnTo>
+                    <a:pt x="1712347" y="445008"/>
+                  </a:lnTo>
+                  <a:lnTo>
+                    <a:pt x="1522171" y="1004621"/>
+                  </a:lnTo>
+                  <a:lnTo>
+                    <a:pt x="1295400" y="1004621"/>
+                  </a:lnTo>
+                  <a:close/>
+                  <a:moveTo>
+                    <a:pt x="1250023" y="17069"/>
+                  </a:moveTo>
+                  <a:lnTo>
+                    <a:pt x="1476794" y="17069"/>
+                  </a:lnTo>
+                  <a:lnTo>
+                    <a:pt x="1141171" y="1004621"/>
+                  </a:lnTo>
+                  <a:lnTo>
+                    <a:pt x="914400" y="1004621"/>
+                  </a:lnTo>
+                  <a:close/>
+                  <a:moveTo>
+                    <a:pt x="335623" y="17069"/>
+                  </a:moveTo>
+                  <a:lnTo>
+                    <a:pt x="696506" y="17069"/>
+                  </a:lnTo>
+                  <a:cubicBezTo>
+                    <a:pt x="816800" y="17069"/>
+                    <a:pt x="901728" y="39218"/>
+                    <a:pt x="951290" y="83515"/>
+                  </a:cubicBezTo>
+                  <a:cubicBezTo>
+                    <a:pt x="1000852" y="127813"/>
+                    <a:pt x="1011682" y="191008"/>
+                    <a:pt x="983780" y="273101"/>
+                  </a:cubicBezTo>
+                  <a:cubicBezTo>
+                    <a:pt x="945108" y="386893"/>
+                    <a:pt x="860501" y="461264"/>
+                    <a:pt x="729958" y="496215"/>
+                  </a:cubicBezTo>
+                  <a:lnTo>
+                    <a:pt x="727462" y="503530"/>
+                  </a:lnTo>
+                  <a:cubicBezTo>
+                    <a:pt x="797845" y="514096"/>
+                    <a:pt x="845512" y="538277"/>
+                    <a:pt x="870461" y="576072"/>
+                  </a:cubicBezTo>
+                  <a:cubicBezTo>
+                    <a:pt x="895410" y="613867"/>
+                    <a:pt x="897248" y="664058"/>
+                    <a:pt x="875976" y="726643"/>
+                  </a:cubicBezTo>
+                  <a:cubicBezTo>
+                    <a:pt x="845598" y="816051"/>
+                    <a:pt x="786901" y="884733"/>
+                    <a:pt x="699887" y="932688"/>
+                  </a:cubicBezTo>
+                  <a:cubicBezTo>
+                    <a:pt x="612873" y="980643"/>
+                    <a:pt x="503936" y="1004621"/>
+                    <a:pt x="373075" y="1004621"/>
+                  </a:cubicBezTo>
+                  <a:lnTo>
+                    <a:pt x="0" y="1004621"/>
+                  </a:lnTo>
+                  <a:close/>
+                  <a:moveTo>
+                    <a:pt x="5856922" y="0"/>
+                  </a:moveTo>
+                  <a:cubicBezTo>
+                    <a:pt x="5949582" y="0"/>
+                    <a:pt x="6023210" y="20727"/>
+                    <a:pt x="6077807" y="62179"/>
+                  </a:cubicBezTo>
+                  <a:cubicBezTo>
+                    <a:pt x="6132404" y="103632"/>
+                    <a:pt x="6165142" y="162763"/>
+                    <a:pt x="6176019" y="239573"/>
+                  </a:cubicBezTo>
+                  <a:cubicBezTo>
+                    <a:pt x="6186897" y="316383"/>
+                    <a:pt x="6174657" y="406807"/>
+                    <a:pt x="6139300" y="510845"/>
+                  </a:cubicBezTo>
+                  <a:cubicBezTo>
+                    <a:pt x="6103944" y="614883"/>
+                    <a:pt x="6054722" y="705307"/>
+                    <a:pt x="5991634" y="782117"/>
+                  </a:cubicBezTo>
+                  <a:cubicBezTo>
+                    <a:pt x="5928547" y="858927"/>
+                    <a:pt x="5855617" y="918058"/>
+                    <a:pt x="5772845" y="959511"/>
+                  </a:cubicBezTo>
+                  <a:cubicBezTo>
+                    <a:pt x="5690073" y="1000963"/>
+                    <a:pt x="5602357" y="1021690"/>
+                    <a:pt x="5509698" y="1021690"/>
+                  </a:cubicBezTo>
+                  <a:cubicBezTo>
+                    <a:pt x="5417038" y="1021690"/>
+                    <a:pt x="5343413" y="1000963"/>
+                    <a:pt x="5288822" y="959511"/>
+                  </a:cubicBezTo>
+                  <a:cubicBezTo>
+                    <a:pt x="5234232" y="918058"/>
+                    <a:pt x="5201498" y="858927"/>
+                    <a:pt x="5190620" y="782117"/>
+                  </a:cubicBezTo>
+                  <a:cubicBezTo>
+                    <a:pt x="5179742" y="705307"/>
+                    <a:pt x="5191982" y="614883"/>
+                    <a:pt x="5227339" y="510845"/>
+                  </a:cubicBezTo>
+                  <a:cubicBezTo>
+                    <a:pt x="5262696" y="406807"/>
+                    <a:pt x="5311918" y="316383"/>
+                    <a:pt x="5375005" y="239573"/>
+                  </a:cubicBezTo>
+                  <a:cubicBezTo>
+                    <a:pt x="5438092" y="162763"/>
+                    <a:pt x="5511019" y="103632"/>
+                    <a:pt x="5593785" y="62179"/>
+                  </a:cubicBezTo>
+                  <a:cubicBezTo>
+                    <a:pt x="5676551" y="20727"/>
+                    <a:pt x="5764263" y="0"/>
+                    <a:pt x="5856922" y="0"/>
+                  </a:cubicBezTo>
+                  <a:close/>
+                  <a:moveTo>
+                    <a:pt x="2957055" y="0"/>
+                  </a:moveTo>
+                  <a:cubicBezTo>
+                    <a:pt x="3130994" y="0"/>
+                    <a:pt x="3228549" y="80061"/>
+                    <a:pt x="3249720" y="240183"/>
+                  </a:cubicBezTo>
+                  <a:lnTo>
+                    <a:pt x="3023577" y="331623"/>
+                  </a:lnTo>
+                  <a:cubicBezTo>
+                    <a:pt x="3017634" y="286919"/>
+                    <a:pt x="3003346" y="254813"/>
+                    <a:pt x="2980715" y="235306"/>
+                  </a:cubicBezTo>
+                  <a:cubicBezTo>
+                    <a:pt x="2958083" y="215799"/>
+                    <a:pt x="2926042" y="206045"/>
+                    <a:pt x="2884589" y="206045"/>
+                  </a:cubicBezTo>
+                  <a:cubicBezTo>
+                    <a:pt x="2845574" y="206045"/>
+                    <a:pt x="2810233" y="214376"/>
+                    <a:pt x="2778566" y="231039"/>
+                  </a:cubicBezTo>
+                  <a:cubicBezTo>
+                    <a:pt x="2746899" y="247701"/>
+                    <a:pt x="2726918" y="268224"/>
+                    <a:pt x="2718625" y="292608"/>
+                  </a:cubicBezTo>
+                  <a:cubicBezTo>
+                    <a:pt x="2711996" y="312115"/>
+                    <a:pt x="2711621" y="328168"/>
+                    <a:pt x="2717501" y="340767"/>
+                  </a:cubicBezTo>
+                  <a:cubicBezTo>
+                    <a:pt x="2723381" y="353365"/>
+                    <a:pt x="2736919" y="364947"/>
+                    <a:pt x="2758116" y="375514"/>
+                  </a:cubicBezTo>
+                  <a:cubicBezTo>
+                    <a:pt x="2779312" y="386080"/>
+                    <a:pt x="2812764" y="398272"/>
+                    <a:pt x="2858471" y="412090"/>
+                  </a:cubicBezTo>
+                  <a:cubicBezTo>
+                    <a:pt x="2916878" y="429159"/>
+                    <a:pt x="2964850" y="447040"/>
+                    <a:pt x="3002384" y="465735"/>
+                  </a:cubicBezTo>
+                  <a:cubicBezTo>
+                    <a:pt x="3039919" y="484429"/>
+                    <a:pt x="3068583" y="513690"/>
+                    <a:pt x="3088376" y="553517"/>
+                  </a:cubicBezTo>
+                  <a:cubicBezTo>
+                    <a:pt x="3108169" y="593344"/>
+                    <a:pt x="3106737" y="646583"/>
+                    <a:pt x="3084080" y="713232"/>
+                  </a:cubicBezTo>
+                  <a:cubicBezTo>
+                    <a:pt x="3063087" y="775005"/>
+                    <a:pt x="3028394" y="829259"/>
+                    <a:pt x="2980001" y="875995"/>
+                  </a:cubicBezTo>
+                  <a:cubicBezTo>
+                    <a:pt x="2931607" y="922731"/>
+                    <a:pt x="2874070" y="958698"/>
+                    <a:pt x="2807389" y="983895"/>
+                  </a:cubicBezTo>
+                  <a:cubicBezTo>
+                    <a:pt x="2740707" y="1009091"/>
+                    <a:pt x="2669977" y="1021690"/>
+                    <a:pt x="2595200" y="1021690"/>
+                  </a:cubicBezTo>
+                  <a:cubicBezTo>
+                    <a:pt x="2503354" y="1021690"/>
+                    <a:pt x="2431233" y="998931"/>
+                    <a:pt x="2378840" y="953415"/>
+                  </a:cubicBezTo>
+                  <a:cubicBezTo>
+                    <a:pt x="2326446" y="907898"/>
+                    <a:pt x="2296699" y="847751"/>
+                    <a:pt x="2289600" y="772973"/>
+                  </a:cubicBezTo>
+                  <a:lnTo>
+                    <a:pt x="2516962" y="681533"/>
+                  </a:lnTo>
+                  <a:cubicBezTo>
+                    <a:pt x="2518295" y="725424"/>
+                    <a:pt x="2532367" y="758749"/>
+                    <a:pt x="2559177" y="781507"/>
+                  </a:cubicBezTo>
+                  <a:cubicBezTo>
+                    <a:pt x="2585986" y="804266"/>
+                    <a:pt x="2621743" y="815645"/>
+                    <a:pt x="2666447" y="815645"/>
+                  </a:cubicBezTo>
+                  <a:cubicBezTo>
+                    <a:pt x="2712777" y="815645"/>
+                    <a:pt x="2752388" y="807314"/>
+                    <a:pt x="2785281" y="790651"/>
+                  </a:cubicBezTo>
+                  <a:cubicBezTo>
+                    <a:pt x="2818174" y="773989"/>
+                    <a:pt x="2839180" y="752247"/>
+                    <a:pt x="2848298" y="725424"/>
+                  </a:cubicBezTo>
+                  <a:cubicBezTo>
+                    <a:pt x="2854648" y="706730"/>
+                    <a:pt x="2855020" y="691287"/>
+                    <a:pt x="2849413" y="679095"/>
+                  </a:cubicBezTo>
+                  <a:cubicBezTo>
+                    <a:pt x="2843806" y="666903"/>
+                    <a:pt x="2830268" y="655320"/>
+                    <a:pt x="2808798" y="644347"/>
+                  </a:cubicBezTo>
+                  <a:cubicBezTo>
+                    <a:pt x="2787329" y="633375"/>
+                    <a:pt x="2754153" y="620979"/>
+                    <a:pt x="2709272" y="607162"/>
+                  </a:cubicBezTo>
+                  <a:cubicBezTo>
+                    <a:pt x="2649785" y="588467"/>
+                    <a:pt x="2601474" y="569773"/>
+                    <a:pt x="2564339" y="551079"/>
+                  </a:cubicBezTo>
+                  <a:cubicBezTo>
+                    <a:pt x="2527205" y="532384"/>
+                    <a:pt x="2498813" y="502920"/>
+                    <a:pt x="2479166" y="462687"/>
+                  </a:cubicBezTo>
+                  <a:cubicBezTo>
+                    <a:pt x="2459520" y="422453"/>
+                    <a:pt x="2460879" y="369418"/>
+                    <a:pt x="2483244" y="303581"/>
+                  </a:cubicBezTo>
+                  <a:cubicBezTo>
+                    <a:pt x="2503132" y="245059"/>
+                    <a:pt x="2537339" y="192837"/>
+                    <a:pt x="2585865" y="146914"/>
+                  </a:cubicBezTo>
+                  <a:cubicBezTo>
+                    <a:pt x="2634392" y="100991"/>
+                    <a:pt x="2691320" y="65024"/>
+                    <a:pt x="2756649" y="39015"/>
+                  </a:cubicBezTo>
+                  <a:cubicBezTo>
+                    <a:pt x="2821978" y="13005"/>
+                    <a:pt x="2888780" y="0"/>
+                    <a:pt x="2957055" y="0"/>
+                  </a:cubicBezTo>
+                  <a:close/>
+                </a:path>
+              </a:pathLst>
+            </a:custGeom>
+            <a:noFill/>
+            <a:ln>
+              <a:gradFill flip="none" rotWithShape="1">
+                <a:gsLst>
+                  <a:gs pos="50000">
+                    <a:schemeClr val="bg1">
+                      <a:alpha val="0"/>
+                    </a:schemeClr>
+                  </a:gs>
+                  <a:gs pos="100000">
+                    <a:schemeClr val="accent1"/>
+                  </a:gs>
+                </a:gsLst>
+                <a:lin ang="5400000" scaled="1"/>
+                <a:tileRect/>
+              </a:gradFill>
+            </a:ln>
+            <a:effectLst>
+              <a:glow>
+                <a:srgbClr val="000000"/>
+              </a:glow>
+            </a:effectLst>
+          </p:spPr>
+          <p:txBody>
+            <a:bodyPr rot="0" spcFirstLastPara="0" vertOverflow="overflow" horzOverflow="overflow" vert="horz" wrap="square" lIns="91440" tIns="45720" rIns="91440" bIns="45720" numCol="1" spcCol="0" rtlCol="0" fromWordArt="0" anchor="t" anchorCtr="0" forceAA="0" compatLnSpc="1">
+              <a:prstTxWarp prst="textNoShape">
+                <a:avLst/>
+              </a:prstTxWarp>
+              <a:noAutofit/>
+            </a:bodyPr>
+            <a:lstStyle>
+              <a:defPPr>
+                <a:defRPr lang="zh-CN"/>
+              </a:defPPr>
+              <a:lvl1pPr algn="ctr">
+                <a:defRPr sz="6600" i="1">
+                  <a:solidFill>
+                    <a:schemeClr val="bg1"/>
+                  </a:solidFill>
+                  <a:latin typeface="+mj-ea"/>
+                  <a:ea typeface="+mj-ea"/>
+                </a:defRPr>
+              </a:lvl1pPr>
+            </a:lstStyle>
+            <a:p>
+              <a:endParaRPr lang="zh-CN" altLang="en-US" dirty="0"/>
+            </a:p>
+          </p:txBody>
+        </p:sp>
+        <p:sp>
+          <p:nvSpPr>
+            <p:cNvPr id="63" name="TextBox 58">
+              <a:extLst>
+                <a:ext uri="{FF2B5EF4-FFF2-40B4-BE49-F238E27FC236}">
+                  <a16:creationId xmlns:a16="http://schemas.microsoft.com/office/drawing/2014/main" id="{A56FD1C3-5626-00BA-8075-F8E86164EB19}"/>
+                </a:ext>
+              </a:extLst>
+            </p:cNvPr>
+            <p:cNvSpPr txBox="1"/>
+            <p:nvPr>
+              <p:custDataLst>
+                <p:tags r:id="rId2"/>
+              </p:custDataLst>
+            </p:nvPr>
+          </p:nvSpPr>
+          <p:spPr>
+            <a:xfrm>
+              <a:off x="609600" y="597202"/>
+              <a:ext cx="914400" cy="151174"/>
+            </a:xfrm>
+            <a:custGeom>
+              <a:avLst/>
+              <a:gdLst/>
+              <a:ahLst/>
+              <a:cxnLst/>
+              <a:rect l="l" t="t" r="r" b="b"/>
+              <a:pathLst>
+                <a:path w="6179857" h="1021690">
+                  <a:moveTo>
+                    <a:pt x="361854" y="607162"/>
+                  </a:moveTo>
+                  <a:lnTo>
+                    <a:pt x="296380" y="799795"/>
+                  </a:lnTo>
+                  <a:lnTo>
+                    <a:pt x="415861" y="799795"/>
+                  </a:lnTo>
+                  <a:cubicBezTo>
+                    <a:pt x="480885" y="799795"/>
+                    <a:pt x="533978" y="791261"/>
+                    <a:pt x="575138" y="774192"/>
+                  </a:cubicBezTo>
+                  <a:cubicBezTo>
+                    <a:pt x="616299" y="757123"/>
+                    <a:pt x="642404" y="732333"/>
+                    <a:pt x="653453" y="699821"/>
+                  </a:cubicBezTo>
+                  <a:cubicBezTo>
+                    <a:pt x="663664" y="669747"/>
+                    <a:pt x="653786" y="646786"/>
+                    <a:pt x="623821" y="630936"/>
+                  </a:cubicBezTo>
+                  <a:cubicBezTo>
+                    <a:pt x="593855" y="615087"/>
+                    <a:pt x="545954" y="607162"/>
+                    <a:pt x="480117" y="607162"/>
+                  </a:cubicBezTo>
+                  <a:close/>
+                  <a:moveTo>
+                    <a:pt x="4747832" y="312115"/>
+                  </a:moveTo>
+                  <a:lnTo>
+                    <a:pt x="4557026" y="593751"/>
+                  </a:lnTo>
+                  <a:lnTo>
+                    <a:pt x="4754537" y="593751"/>
+                  </a:lnTo>
+                  <a:lnTo>
+                    <a:pt x="4755146" y="312115"/>
+                  </a:lnTo>
+                  <a:close/>
+                  <a:moveTo>
+                    <a:pt x="492785" y="221895"/>
+                  </a:moveTo>
+                  <a:lnTo>
+                    <a:pt x="431463" y="402336"/>
+                  </a:lnTo>
+                  <a:lnTo>
+                    <a:pt x="537533" y="402336"/>
+                  </a:lnTo>
+                  <a:cubicBezTo>
+                    <a:pt x="591991" y="402336"/>
+                    <a:pt x="636613" y="394208"/>
+                    <a:pt x="671398" y="377952"/>
+                  </a:cubicBezTo>
+                  <a:cubicBezTo>
+                    <a:pt x="706183" y="361696"/>
+                    <a:pt x="728681" y="338531"/>
+                    <a:pt x="738892" y="308458"/>
+                  </a:cubicBezTo>
+                  <a:cubicBezTo>
+                    <a:pt x="748290" y="280823"/>
+                    <a:pt x="741118" y="259487"/>
+                    <a:pt x="717375" y="244450"/>
+                  </a:cubicBezTo>
+                  <a:cubicBezTo>
+                    <a:pt x="693633" y="229413"/>
+                    <a:pt x="654532" y="221895"/>
+                    <a:pt x="600075" y="221895"/>
+                  </a:cubicBezTo>
+                  <a:close/>
+                  <a:moveTo>
+                    <a:pt x="5784837" y="212141"/>
+                  </a:moveTo>
+                  <a:cubicBezTo>
+                    <a:pt x="5715749" y="212141"/>
+                    <a:pt x="5651973" y="238963"/>
+                    <a:pt x="5593508" y="292608"/>
+                  </a:cubicBezTo>
+                  <a:cubicBezTo>
+                    <a:pt x="5535044" y="346253"/>
+                    <a:pt x="5490203" y="418999"/>
+                    <a:pt x="5458986" y="510845"/>
+                  </a:cubicBezTo>
+                  <a:cubicBezTo>
+                    <a:pt x="5427770" y="602691"/>
+                    <a:pt x="5423163" y="675437"/>
+                    <a:pt x="5445166" y="729082"/>
+                  </a:cubicBezTo>
+                  <a:cubicBezTo>
+                    <a:pt x="5467169" y="782727"/>
+                    <a:pt x="5512715" y="809549"/>
+                    <a:pt x="5581802" y="809549"/>
+                  </a:cubicBezTo>
+                  <a:cubicBezTo>
+                    <a:pt x="5650890" y="809549"/>
+                    <a:pt x="5714666" y="782727"/>
+                    <a:pt x="5773131" y="729082"/>
+                  </a:cubicBezTo>
+                  <a:cubicBezTo>
+                    <a:pt x="5831595" y="675437"/>
+                    <a:pt x="5876436" y="602691"/>
+                    <a:pt x="5907652" y="510845"/>
+                  </a:cubicBezTo>
+                  <a:cubicBezTo>
+                    <a:pt x="5938869" y="418999"/>
+                    <a:pt x="5943476" y="346253"/>
+                    <a:pt x="5921473" y="292608"/>
+                  </a:cubicBezTo>
+                  <a:cubicBezTo>
+                    <a:pt x="5899471" y="238963"/>
+                    <a:pt x="5853925" y="212141"/>
+                    <a:pt x="5784837" y="212141"/>
+                  </a:cubicBezTo>
+                  <a:close/>
+                  <a:moveTo>
+                    <a:pt x="4735944" y="17069"/>
+                  </a:moveTo>
+                  <a:lnTo>
+                    <a:pt x="4967592" y="17069"/>
+                  </a:lnTo>
+                  <a:lnTo>
+                    <a:pt x="4995291" y="1004621"/>
+                  </a:lnTo>
+                  <a:lnTo>
+                    <a:pt x="4755108" y="1004621"/>
+                  </a:lnTo>
+                  <a:lnTo>
+                    <a:pt x="4755585" y="805891"/>
+                  </a:lnTo>
+                  <a:lnTo>
+                    <a:pt x="4411770" y="805891"/>
+                  </a:lnTo>
+                  <a:lnTo>
+                    <a:pt x="4277182" y="1004621"/>
+                  </a:lnTo>
+                  <a:lnTo>
+                    <a:pt x="4036999" y="1004621"/>
+                  </a:lnTo>
+                  <a:close/>
+                  <a:moveTo>
+                    <a:pt x="3440773" y="17069"/>
+                  </a:moveTo>
+                  <a:lnTo>
+                    <a:pt x="3667544" y="17069"/>
+                  </a:lnTo>
+                  <a:lnTo>
+                    <a:pt x="3540747" y="390144"/>
+                  </a:lnTo>
+                  <a:lnTo>
+                    <a:pt x="3928453" y="390144"/>
+                  </a:lnTo>
+                  <a:lnTo>
+                    <a:pt x="4055249" y="17069"/>
+                  </a:lnTo>
+                  <a:lnTo>
+                    <a:pt x="4282021" y="17069"/>
+                  </a:lnTo>
+                  <a:lnTo>
+                    <a:pt x="3946398" y="1004621"/>
+                  </a:lnTo>
+                  <a:lnTo>
+                    <a:pt x="3719627" y="1004621"/>
+                  </a:lnTo>
+                  <a:lnTo>
+                    <a:pt x="3856367" y="602285"/>
+                  </a:lnTo>
+                  <a:lnTo>
+                    <a:pt x="3468662" y="602285"/>
+                  </a:lnTo>
+                  <a:lnTo>
+                    <a:pt x="3331921" y="1004621"/>
+                  </a:lnTo>
+                  <a:lnTo>
+                    <a:pt x="3105149" y="1004621"/>
+                  </a:lnTo>
+                  <a:close/>
+                  <a:moveTo>
+                    <a:pt x="1631023" y="17069"/>
+                  </a:moveTo>
+                  <a:lnTo>
+                    <a:pt x="1838287" y="17069"/>
+                  </a:lnTo>
+                  <a:lnTo>
+                    <a:pt x="2017509" y="576682"/>
+                  </a:lnTo>
+                  <a:lnTo>
+                    <a:pt x="2024824" y="576682"/>
+                  </a:lnTo>
+                  <a:lnTo>
+                    <a:pt x="2215019" y="17069"/>
+                  </a:lnTo>
+                  <a:lnTo>
+                    <a:pt x="2441791" y="17069"/>
+                  </a:lnTo>
+                  <a:lnTo>
+                    <a:pt x="2106168" y="1004621"/>
+                  </a:lnTo>
+                  <a:lnTo>
+                    <a:pt x="1911096" y="1004621"/>
+                  </a:lnTo>
+                  <a:lnTo>
+                    <a:pt x="1719662" y="445008"/>
+                  </a:lnTo>
+                  <a:lnTo>
+                    <a:pt x="1712347" y="445008"/>
+                  </a:lnTo>
+                  <a:lnTo>
+                    <a:pt x="1522171" y="1004621"/>
+                  </a:lnTo>
+                  <a:lnTo>
+                    <a:pt x="1295400" y="1004621"/>
+                  </a:lnTo>
+                  <a:close/>
+                  <a:moveTo>
+                    <a:pt x="1250023" y="17069"/>
+                  </a:moveTo>
+                  <a:lnTo>
+                    <a:pt x="1476794" y="17069"/>
+                  </a:lnTo>
+                  <a:lnTo>
+                    <a:pt x="1141171" y="1004621"/>
+                  </a:lnTo>
+                  <a:lnTo>
+                    <a:pt x="914400" y="1004621"/>
+                  </a:lnTo>
+                  <a:close/>
+                  <a:moveTo>
+                    <a:pt x="335623" y="17069"/>
+                  </a:moveTo>
+                  <a:lnTo>
+                    <a:pt x="696506" y="17069"/>
+                  </a:lnTo>
+                  <a:cubicBezTo>
+                    <a:pt x="816800" y="17069"/>
+                    <a:pt x="901728" y="39218"/>
+                    <a:pt x="951290" y="83515"/>
+                  </a:cubicBezTo>
+                  <a:cubicBezTo>
+                    <a:pt x="1000852" y="127813"/>
+                    <a:pt x="1011682" y="191008"/>
+                    <a:pt x="983780" y="273101"/>
+                  </a:cubicBezTo>
+                  <a:cubicBezTo>
+                    <a:pt x="945108" y="386893"/>
+                    <a:pt x="860501" y="461264"/>
+                    <a:pt x="729958" y="496215"/>
+                  </a:cubicBezTo>
+                  <a:lnTo>
+                    <a:pt x="727462" y="503530"/>
+                  </a:lnTo>
+                  <a:cubicBezTo>
+                    <a:pt x="797845" y="514096"/>
+                    <a:pt x="845512" y="538277"/>
+                    <a:pt x="870461" y="576072"/>
+                  </a:cubicBezTo>
+                  <a:cubicBezTo>
+                    <a:pt x="895410" y="613867"/>
+                    <a:pt x="897248" y="664058"/>
+                    <a:pt x="875976" y="726643"/>
+                  </a:cubicBezTo>
+                  <a:cubicBezTo>
+                    <a:pt x="845598" y="816051"/>
+                    <a:pt x="786901" y="884733"/>
+                    <a:pt x="699887" y="932688"/>
+                  </a:cubicBezTo>
+                  <a:cubicBezTo>
+                    <a:pt x="612873" y="980643"/>
+                    <a:pt x="503936" y="1004621"/>
+                    <a:pt x="373075" y="1004621"/>
+                  </a:cubicBezTo>
+                  <a:lnTo>
+                    <a:pt x="0" y="1004621"/>
+                  </a:lnTo>
+                  <a:close/>
+                  <a:moveTo>
+                    <a:pt x="5856922" y="0"/>
+                  </a:moveTo>
+                  <a:cubicBezTo>
+                    <a:pt x="5949582" y="0"/>
+                    <a:pt x="6023210" y="20727"/>
+                    <a:pt x="6077807" y="62179"/>
+                  </a:cubicBezTo>
+                  <a:cubicBezTo>
+                    <a:pt x="6132404" y="103632"/>
+                    <a:pt x="6165142" y="162763"/>
+                    <a:pt x="6176019" y="239573"/>
+                  </a:cubicBezTo>
+                  <a:cubicBezTo>
+                    <a:pt x="6186897" y="316383"/>
+                    <a:pt x="6174657" y="406807"/>
+                    <a:pt x="6139300" y="510845"/>
+                  </a:cubicBezTo>
+                  <a:cubicBezTo>
+                    <a:pt x="6103944" y="614883"/>
+                    <a:pt x="6054722" y="705307"/>
+                    <a:pt x="5991634" y="782117"/>
+                  </a:cubicBezTo>
+                  <a:cubicBezTo>
+                    <a:pt x="5928547" y="858927"/>
+                    <a:pt x="5855617" y="918058"/>
+                    <a:pt x="5772845" y="959511"/>
+                  </a:cubicBezTo>
+                  <a:cubicBezTo>
+                    <a:pt x="5690073" y="1000963"/>
+                    <a:pt x="5602357" y="1021690"/>
+                    <a:pt x="5509698" y="1021690"/>
+                  </a:cubicBezTo>
+                  <a:cubicBezTo>
+                    <a:pt x="5417038" y="1021690"/>
+                    <a:pt x="5343413" y="1000963"/>
+                    <a:pt x="5288822" y="959511"/>
+                  </a:cubicBezTo>
+                  <a:cubicBezTo>
+                    <a:pt x="5234232" y="918058"/>
+                    <a:pt x="5201498" y="858927"/>
+                    <a:pt x="5190620" y="782117"/>
+                  </a:cubicBezTo>
+                  <a:cubicBezTo>
+                    <a:pt x="5179742" y="705307"/>
+                    <a:pt x="5191982" y="614883"/>
+                    <a:pt x="5227339" y="510845"/>
+                  </a:cubicBezTo>
+                  <a:cubicBezTo>
+                    <a:pt x="5262696" y="406807"/>
+                    <a:pt x="5311918" y="316383"/>
+                    <a:pt x="5375005" y="239573"/>
+                  </a:cubicBezTo>
+                  <a:cubicBezTo>
+                    <a:pt x="5438092" y="162763"/>
+                    <a:pt x="5511019" y="103632"/>
+                    <a:pt x="5593785" y="62179"/>
+                  </a:cubicBezTo>
+                  <a:cubicBezTo>
+                    <a:pt x="5676551" y="20727"/>
+                    <a:pt x="5764263" y="0"/>
+                    <a:pt x="5856922" y="0"/>
+                  </a:cubicBezTo>
+                  <a:close/>
+                  <a:moveTo>
+                    <a:pt x="2957055" y="0"/>
+                  </a:moveTo>
+                  <a:cubicBezTo>
+                    <a:pt x="3130994" y="0"/>
+                    <a:pt x="3228549" y="80061"/>
+                    <a:pt x="3249720" y="240183"/>
+                  </a:cubicBezTo>
+                  <a:lnTo>
+                    <a:pt x="3023577" y="331623"/>
+                  </a:lnTo>
+                  <a:cubicBezTo>
+                    <a:pt x="3017634" y="286919"/>
+                    <a:pt x="3003346" y="254813"/>
+                    <a:pt x="2980715" y="235306"/>
+                  </a:cubicBezTo>
+                  <a:cubicBezTo>
+                    <a:pt x="2958083" y="215799"/>
+                    <a:pt x="2926042" y="206045"/>
+                    <a:pt x="2884589" y="206045"/>
+                  </a:cubicBezTo>
+                  <a:cubicBezTo>
+                    <a:pt x="2845574" y="206045"/>
+                    <a:pt x="2810233" y="214376"/>
+                    <a:pt x="2778566" y="231039"/>
+                  </a:cubicBezTo>
+                  <a:cubicBezTo>
+                    <a:pt x="2746899" y="247701"/>
+                    <a:pt x="2726918" y="268224"/>
+                    <a:pt x="2718625" y="292608"/>
+                  </a:cubicBezTo>
+                  <a:cubicBezTo>
+                    <a:pt x="2711996" y="312115"/>
+                    <a:pt x="2711621" y="328168"/>
+                    <a:pt x="2717501" y="340767"/>
+                  </a:cubicBezTo>
+                  <a:cubicBezTo>
+                    <a:pt x="2723381" y="353365"/>
+                    <a:pt x="2736919" y="364947"/>
+                    <a:pt x="2758116" y="375514"/>
+                  </a:cubicBezTo>
+                  <a:cubicBezTo>
+                    <a:pt x="2779312" y="386080"/>
+                    <a:pt x="2812764" y="398272"/>
+                    <a:pt x="2858471" y="412090"/>
+                  </a:cubicBezTo>
+                  <a:cubicBezTo>
+                    <a:pt x="2916878" y="429159"/>
+                    <a:pt x="2964850" y="447040"/>
+                    <a:pt x="3002384" y="465735"/>
+                  </a:cubicBezTo>
+                  <a:cubicBezTo>
+                    <a:pt x="3039919" y="484429"/>
+                    <a:pt x="3068583" y="513690"/>
+                    <a:pt x="3088376" y="553517"/>
+                  </a:cubicBezTo>
+                  <a:cubicBezTo>
+                    <a:pt x="3108169" y="593344"/>
+                    <a:pt x="3106737" y="646583"/>
+                    <a:pt x="3084080" y="713232"/>
+                  </a:cubicBezTo>
+                  <a:cubicBezTo>
+                    <a:pt x="3063087" y="775005"/>
+                    <a:pt x="3028394" y="829259"/>
+                    <a:pt x="2980001" y="875995"/>
+                  </a:cubicBezTo>
+                  <a:cubicBezTo>
+                    <a:pt x="2931607" y="922731"/>
+                    <a:pt x="2874070" y="958698"/>
+                    <a:pt x="2807389" y="983895"/>
+                  </a:cubicBezTo>
+                  <a:cubicBezTo>
+                    <a:pt x="2740707" y="1009091"/>
+                    <a:pt x="2669977" y="1021690"/>
+                    <a:pt x="2595200" y="1021690"/>
+                  </a:cubicBezTo>
+                  <a:cubicBezTo>
+                    <a:pt x="2503354" y="1021690"/>
+                    <a:pt x="2431233" y="998931"/>
+                    <a:pt x="2378840" y="953415"/>
+                  </a:cubicBezTo>
+                  <a:cubicBezTo>
+                    <a:pt x="2326446" y="907898"/>
+                    <a:pt x="2296699" y="847751"/>
+                    <a:pt x="2289600" y="772973"/>
+                  </a:cubicBezTo>
+                  <a:lnTo>
+                    <a:pt x="2516962" y="681533"/>
+                  </a:lnTo>
+                  <a:cubicBezTo>
+                    <a:pt x="2518295" y="725424"/>
+                    <a:pt x="2532367" y="758749"/>
+                    <a:pt x="2559177" y="781507"/>
+                  </a:cubicBezTo>
+                  <a:cubicBezTo>
+                    <a:pt x="2585986" y="804266"/>
+                    <a:pt x="2621743" y="815645"/>
+                    <a:pt x="2666447" y="815645"/>
+                  </a:cubicBezTo>
+                  <a:cubicBezTo>
+                    <a:pt x="2712777" y="815645"/>
+                    <a:pt x="2752388" y="807314"/>
+                    <a:pt x="2785281" y="790651"/>
+                  </a:cubicBezTo>
+                  <a:cubicBezTo>
+                    <a:pt x="2818174" y="773989"/>
+                    <a:pt x="2839180" y="752247"/>
+                    <a:pt x="2848298" y="725424"/>
+                  </a:cubicBezTo>
+                  <a:cubicBezTo>
+                    <a:pt x="2854648" y="706730"/>
+                    <a:pt x="2855020" y="691287"/>
+                    <a:pt x="2849413" y="679095"/>
+                  </a:cubicBezTo>
+                  <a:cubicBezTo>
+                    <a:pt x="2843806" y="666903"/>
+                    <a:pt x="2830268" y="655320"/>
+                    <a:pt x="2808798" y="644347"/>
+                  </a:cubicBezTo>
+                  <a:cubicBezTo>
+                    <a:pt x="2787329" y="633375"/>
+                    <a:pt x="2754153" y="620979"/>
+                    <a:pt x="2709272" y="607162"/>
+                  </a:cubicBezTo>
+                  <a:cubicBezTo>
+                    <a:pt x="2649785" y="588467"/>
+                    <a:pt x="2601474" y="569773"/>
+                    <a:pt x="2564339" y="551079"/>
+                  </a:cubicBezTo>
+                  <a:cubicBezTo>
+                    <a:pt x="2527205" y="532384"/>
+                    <a:pt x="2498813" y="502920"/>
+                    <a:pt x="2479166" y="462687"/>
+                  </a:cubicBezTo>
+                  <a:cubicBezTo>
+                    <a:pt x="2459520" y="422453"/>
+                    <a:pt x="2460879" y="369418"/>
+                    <a:pt x="2483244" y="303581"/>
+                  </a:cubicBezTo>
+                  <a:cubicBezTo>
+                    <a:pt x="2503132" y="245059"/>
+                    <a:pt x="2537339" y="192837"/>
+                    <a:pt x="2585865" y="146914"/>
+                  </a:cubicBezTo>
+                  <a:cubicBezTo>
+                    <a:pt x="2634392" y="100991"/>
+                    <a:pt x="2691320" y="65024"/>
+                    <a:pt x="2756649" y="39015"/>
+                  </a:cubicBezTo>
+                  <a:cubicBezTo>
+                    <a:pt x="2821978" y="13005"/>
+                    <a:pt x="2888780" y="0"/>
+                    <a:pt x="2957055" y="0"/>
+                  </a:cubicBezTo>
+                  <a:close/>
+                </a:path>
+              </a:pathLst>
+            </a:custGeom>
+            <a:noFill/>
+            <a:ln>
+              <a:gradFill flip="none" rotWithShape="1">
+                <a:gsLst>
+                  <a:gs pos="50000">
+                    <a:schemeClr val="bg1">
+                      <a:alpha val="0"/>
+                    </a:schemeClr>
+                  </a:gs>
+                  <a:gs pos="100000">
+                    <a:schemeClr val="accent1"/>
+                  </a:gs>
+                </a:gsLst>
+                <a:lin ang="5400000" scaled="1"/>
+                <a:tileRect/>
+              </a:gradFill>
+            </a:ln>
+            <a:effectLst>
+              <a:glow>
+                <a:srgbClr val="000000"/>
+              </a:glow>
+            </a:effectLst>
+          </p:spPr>
+          <p:txBody>
+            <a:bodyPr rot="0" spcFirstLastPara="0" vertOverflow="overflow" horzOverflow="overflow" vert="horz" wrap="square" lIns="91440" tIns="45720" rIns="91440" bIns="45720" numCol="1" spcCol="0" rtlCol="0" fromWordArt="0" anchor="t" anchorCtr="0" forceAA="0" compatLnSpc="1">
+              <a:prstTxWarp prst="textNoShape">
+                <a:avLst/>
+              </a:prstTxWarp>
+              <a:noAutofit/>
+            </a:bodyPr>
+            <a:lstStyle>
+              <a:defPPr>
+                <a:defRPr lang="zh-CN"/>
+              </a:defPPr>
+              <a:lvl1pPr algn="ctr">
+                <a:defRPr sz="6600" i="1">
+                  <a:solidFill>
+                    <a:schemeClr val="bg1"/>
+                  </a:solidFill>
+                  <a:latin typeface="+mj-ea"/>
+                  <a:ea typeface="+mj-ea"/>
+                </a:defRPr>
+              </a:lvl1pPr>
+            </a:lstStyle>
+            <a:p>
+              <a:endParaRPr lang="zh-CN" altLang="en-US" dirty="0"/>
+            </a:p>
+          </p:txBody>
+        </p:sp>
+        <p:sp>
+          <p:nvSpPr>
+            <p:cNvPr id="65" name="TextBox 58">
+              <a:extLst>
+                <a:ext uri="{FF2B5EF4-FFF2-40B4-BE49-F238E27FC236}">
+                  <a16:creationId xmlns:a16="http://schemas.microsoft.com/office/drawing/2014/main" id="{E586AE69-3E6F-8091-51CD-1661B44B2468}"/>
+                </a:ext>
+              </a:extLst>
+            </p:cNvPr>
+            <p:cNvSpPr txBox="1"/>
+            <p:nvPr>
+              <p:custDataLst>
+                <p:tags r:id="rId3"/>
+              </p:custDataLst>
+            </p:nvPr>
+          </p:nvSpPr>
+          <p:spPr>
+            <a:xfrm>
+              <a:off x="609600" y="447997"/>
+              <a:ext cx="914400" cy="151174"/>
+            </a:xfrm>
+            <a:custGeom>
+              <a:avLst/>
+              <a:gdLst/>
+              <a:ahLst/>
+              <a:cxnLst/>
+              <a:rect l="l" t="t" r="r" b="b"/>
+              <a:pathLst>
+                <a:path w="6179857" h="1021690">
+                  <a:moveTo>
+                    <a:pt x="361854" y="607162"/>
+                  </a:moveTo>
+                  <a:lnTo>
+                    <a:pt x="296380" y="799795"/>
+                  </a:lnTo>
+                  <a:lnTo>
+                    <a:pt x="415861" y="799795"/>
+                  </a:lnTo>
+                  <a:cubicBezTo>
+                    <a:pt x="480885" y="799795"/>
+                    <a:pt x="533978" y="791261"/>
+                    <a:pt x="575138" y="774192"/>
+                  </a:cubicBezTo>
+                  <a:cubicBezTo>
+                    <a:pt x="616299" y="757123"/>
+                    <a:pt x="642404" y="732333"/>
+                    <a:pt x="653453" y="699821"/>
+                  </a:cubicBezTo>
+                  <a:cubicBezTo>
+                    <a:pt x="663664" y="669747"/>
+                    <a:pt x="653786" y="646786"/>
+                    <a:pt x="623821" y="630936"/>
+                  </a:cubicBezTo>
+                  <a:cubicBezTo>
+                    <a:pt x="593855" y="615087"/>
+                    <a:pt x="545954" y="607162"/>
+                    <a:pt x="480117" y="607162"/>
+                  </a:cubicBezTo>
+                  <a:close/>
+                  <a:moveTo>
+                    <a:pt x="4747832" y="312115"/>
+                  </a:moveTo>
+                  <a:lnTo>
+                    <a:pt x="4557026" y="593751"/>
+                  </a:lnTo>
+                  <a:lnTo>
+                    <a:pt x="4754537" y="593751"/>
+                  </a:lnTo>
+                  <a:lnTo>
+                    <a:pt x="4755146" y="312115"/>
+                  </a:lnTo>
+                  <a:close/>
+                  <a:moveTo>
+                    <a:pt x="492785" y="221895"/>
+                  </a:moveTo>
+                  <a:lnTo>
+                    <a:pt x="431463" y="402336"/>
+                  </a:lnTo>
+                  <a:lnTo>
+                    <a:pt x="537533" y="402336"/>
+                  </a:lnTo>
+                  <a:cubicBezTo>
+                    <a:pt x="591991" y="402336"/>
+                    <a:pt x="636613" y="394208"/>
+                    <a:pt x="671398" y="377952"/>
+                  </a:cubicBezTo>
+                  <a:cubicBezTo>
+                    <a:pt x="706183" y="361696"/>
+                    <a:pt x="728681" y="338531"/>
+                    <a:pt x="738892" y="308458"/>
+                  </a:cubicBezTo>
+                  <a:cubicBezTo>
+                    <a:pt x="748290" y="280823"/>
+                    <a:pt x="741118" y="259487"/>
+                    <a:pt x="717375" y="244450"/>
+                  </a:cubicBezTo>
+                  <a:cubicBezTo>
+                    <a:pt x="693633" y="229413"/>
+                    <a:pt x="654532" y="221895"/>
+                    <a:pt x="600075" y="221895"/>
+                  </a:cubicBezTo>
+                  <a:close/>
+                  <a:moveTo>
+                    <a:pt x="5784837" y="212141"/>
+                  </a:moveTo>
+                  <a:cubicBezTo>
+                    <a:pt x="5715749" y="212141"/>
+                    <a:pt x="5651973" y="238963"/>
+                    <a:pt x="5593508" y="292608"/>
+                  </a:cubicBezTo>
+                  <a:cubicBezTo>
+                    <a:pt x="5535044" y="346253"/>
+                    <a:pt x="5490203" y="418999"/>
+                    <a:pt x="5458986" y="510845"/>
+                  </a:cubicBezTo>
+                  <a:cubicBezTo>
+                    <a:pt x="5427770" y="602691"/>
+                    <a:pt x="5423163" y="675437"/>
+                    <a:pt x="5445166" y="729082"/>
+                  </a:cubicBezTo>
+                  <a:cubicBezTo>
+                    <a:pt x="5467169" y="782727"/>
+                    <a:pt x="5512715" y="809549"/>
+                    <a:pt x="5581802" y="809549"/>
+                  </a:cubicBezTo>
+                  <a:cubicBezTo>
+                    <a:pt x="5650890" y="809549"/>
+                    <a:pt x="5714666" y="782727"/>
+                    <a:pt x="5773131" y="729082"/>
+                  </a:cubicBezTo>
+                  <a:cubicBezTo>
+                    <a:pt x="5831595" y="675437"/>
+                    <a:pt x="5876436" y="602691"/>
+                    <a:pt x="5907652" y="510845"/>
+                  </a:cubicBezTo>
+                  <a:cubicBezTo>
+                    <a:pt x="5938869" y="418999"/>
+                    <a:pt x="5943476" y="346253"/>
+                    <a:pt x="5921473" y="292608"/>
+                  </a:cubicBezTo>
+                  <a:cubicBezTo>
+                    <a:pt x="5899471" y="238963"/>
+                    <a:pt x="5853925" y="212141"/>
+                    <a:pt x="5784837" y="212141"/>
+                  </a:cubicBezTo>
+                  <a:close/>
+                  <a:moveTo>
+                    <a:pt x="4735944" y="17069"/>
+                  </a:moveTo>
+                  <a:lnTo>
+                    <a:pt x="4967592" y="17069"/>
+                  </a:lnTo>
+                  <a:lnTo>
+                    <a:pt x="4995291" y="1004621"/>
+                  </a:lnTo>
+                  <a:lnTo>
+                    <a:pt x="4755108" y="1004621"/>
+                  </a:lnTo>
+                  <a:lnTo>
+                    <a:pt x="4755585" y="805891"/>
+                  </a:lnTo>
+                  <a:lnTo>
+                    <a:pt x="4411770" y="805891"/>
+                  </a:lnTo>
+                  <a:lnTo>
+                    <a:pt x="4277182" y="1004621"/>
+                  </a:lnTo>
+                  <a:lnTo>
+                    <a:pt x="4036999" y="1004621"/>
+                  </a:lnTo>
+                  <a:close/>
+                  <a:moveTo>
+                    <a:pt x="3440773" y="17069"/>
+                  </a:moveTo>
+                  <a:lnTo>
+                    <a:pt x="3667544" y="17069"/>
+                  </a:lnTo>
+                  <a:lnTo>
+                    <a:pt x="3540747" y="390144"/>
+                  </a:lnTo>
+                  <a:lnTo>
+                    <a:pt x="3928453" y="390144"/>
+                  </a:lnTo>
+                  <a:lnTo>
+                    <a:pt x="4055249" y="17069"/>
+                  </a:lnTo>
+                  <a:lnTo>
+                    <a:pt x="4282021" y="17069"/>
+                  </a:lnTo>
+                  <a:lnTo>
+                    <a:pt x="3946398" y="1004621"/>
+                  </a:lnTo>
+                  <a:lnTo>
+                    <a:pt x="3719627" y="1004621"/>
+                  </a:lnTo>
+                  <a:lnTo>
+                    <a:pt x="3856367" y="602285"/>
+                  </a:lnTo>
+                  <a:lnTo>
+                    <a:pt x="3468662" y="602285"/>
+                  </a:lnTo>
+                  <a:lnTo>
+                    <a:pt x="3331921" y="1004621"/>
+                  </a:lnTo>
+                  <a:lnTo>
+                    <a:pt x="3105149" y="1004621"/>
+                  </a:lnTo>
+                  <a:close/>
+                  <a:moveTo>
+                    <a:pt x="1631023" y="17069"/>
+                  </a:moveTo>
+                  <a:lnTo>
+                    <a:pt x="1838287" y="17069"/>
+                  </a:lnTo>
+                  <a:lnTo>
+                    <a:pt x="2017509" y="576682"/>
+                  </a:lnTo>
+                  <a:lnTo>
+                    <a:pt x="2024824" y="576682"/>
+                  </a:lnTo>
+                  <a:lnTo>
+                    <a:pt x="2215019" y="17069"/>
+                  </a:lnTo>
+                  <a:lnTo>
+                    <a:pt x="2441791" y="17069"/>
+                  </a:lnTo>
+                  <a:lnTo>
+                    <a:pt x="2106168" y="1004621"/>
+                  </a:lnTo>
+                  <a:lnTo>
+                    <a:pt x="1911096" y="1004621"/>
+                  </a:lnTo>
+                  <a:lnTo>
+                    <a:pt x="1719662" y="445008"/>
+                  </a:lnTo>
+                  <a:lnTo>
+                    <a:pt x="1712347" y="445008"/>
+                  </a:lnTo>
+                  <a:lnTo>
+                    <a:pt x="1522171" y="1004621"/>
+                  </a:lnTo>
+                  <a:lnTo>
+                    <a:pt x="1295400" y="1004621"/>
+                  </a:lnTo>
+                  <a:close/>
+                  <a:moveTo>
+                    <a:pt x="1250023" y="17069"/>
+                  </a:moveTo>
+                  <a:lnTo>
+                    <a:pt x="1476794" y="17069"/>
+                  </a:lnTo>
+                  <a:lnTo>
+                    <a:pt x="1141171" y="1004621"/>
+                  </a:lnTo>
+                  <a:lnTo>
+                    <a:pt x="914400" y="1004621"/>
+                  </a:lnTo>
+                  <a:close/>
+                  <a:moveTo>
+                    <a:pt x="335623" y="17069"/>
+                  </a:moveTo>
+                  <a:lnTo>
+                    <a:pt x="696506" y="17069"/>
+                  </a:lnTo>
+                  <a:cubicBezTo>
+                    <a:pt x="816800" y="17069"/>
+                    <a:pt x="901728" y="39218"/>
+                    <a:pt x="951290" y="83515"/>
+                  </a:cubicBezTo>
+                  <a:cubicBezTo>
+                    <a:pt x="1000852" y="127813"/>
+                    <a:pt x="1011682" y="191008"/>
+                    <a:pt x="983780" y="273101"/>
+                  </a:cubicBezTo>
+                  <a:cubicBezTo>
+                    <a:pt x="945108" y="386893"/>
+                    <a:pt x="860501" y="461264"/>
+                    <a:pt x="729958" y="496215"/>
+                  </a:cubicBezTo>
+                  <a:lnTo>
+                    <a:pt x="727462" y="503530"/>
+                  </a:lnTo>
+                  <a:cubicBezTo>
+                    <a:pt x="797845" y="514096"/>
+                    <a:pt x="845512" y="538277"/>
+                    <a:pt x="870461" y="576072"/>
+                  </a:cubicBezTo>
+                  <a:cubicBezTo>
+                    <a:pt x="895410" y="613867"/>
+                    <a:pt x="897248" y="664058"/>
+                    <a:pt x="875976" y="726643"/>
+                  </a:cubicBezTo>
+                  <a:cubicBezTo>
+                    <a:pt x="845598" y="816051"/>
+                    <a:pt x="786901" y="884733"/>
+                    <a:pt x="699887" y="932688"/>
+                  </a:cubicBezTo>
+                  <a:cubicBezTo>
+                    <a:pt x="612873" y="980643"/>
+                    <a:pt x="503936" y="1004621"/>
+                    <a:pt x="373075" y="1004621"/>
+                  </a:cubicBezTo>
+                  <a:lnTo>
+                    <a:pt x="0" y="1004621"/>
+                  </a:lnTo>
+                  <a:close/>
+                  <a:moveTo>
+                    <a:pt x="5856922" y="0"/>
+                  </a:moveTo>
+                  <a:cubicBezTo>
+                    <a:pt x="5949582" y="0"/>
+                    <a:pt x="6023210" y="20727"/>
+                    <a:pt x="6077807" y="62179"/>
+                  </a:cubicBezTo>
+                  <a:cubicBezTo>
+                    <a:pt x="6132404" y="103632"/>
+                    <a:pt x="6165142" y="162763"/>
+                    <a:pt x="6176019" y="239573"/>
+                  </a:cubicBezTo>
+                  <a:cubicBezTo>
+                    <a:pt x="6186897" y="316383"/>
+                    <a:pt x="6174657" y="406807"/>
+                    <a:pt x="6139300" y="510845"/>
+                  </a:cubicBezTo>
+                  <a:cubicBezTo>
+                    <a:pt x="6103944" y="614883"/>
+                    <a:pt x="6054722" y="705307"/>
+                    <a:pt x="5991634" y="782117"/>
+                  </a:cubicBezTo>
+                  <a:cubicBezTo>
+                    <a:pt x="5928547" y="858927"/>
+                    <a:pt x="5855617" y="918058"/>
+                    <a:pt x="5772845" y="959511"/>
+                  </a:cubicBezTo>
+                  <a:cubicBezTo>
+                    <a:pt x="5690073" y="1000963"/>
+                    <a:pt x="5602357" y="1021690"/>
+                    <a:pt x="5509698" y="1021690"/>
+                  </a:cubicBezTo>
+                  <a:cubicBezTo>
+                    <a:pt x="5417038" y="1021690"/>
+                    <a:pt x="5343413" y="1000963"/>
+                    <a:pt x="5288822" y="959511"/>
+                  </a:cubicBezTo>
+                  <a:cubicBezTo>
+                    <a:pt x="5234232" y="918058"/>
+                    <a:pt x="5201498" y="858927"/>
+                    <a:pt x="5190620" y="782117"/>
+                  </a:cubicBezTo>
+                  <a:cubicBezTo>
+                    <a:pt x="5179742" y="705307"/>
+                    <a:pt x="5191982" y="614883"/>
+                    <a:pt x="5227339" y="510845"/>
+                  </a:cubicBezTo>
+                  <a:cubicBezTo>
+                    <a:pt x="5262696" y="406807"/>
+                    <a:pt x="5311918" y="316383"/>
+                    <a:pt x="5375005" y="239573"/>
+                  </a:cubicBezTo>
+                  <a:cubicBezTo>
+                    <a:pt x="5438092" y="162763"/>
+                    <a:pt x="5511019" y="103632"/>
+                    <a:pt x="5593785" y="62179"/>
+                  </a:cubicBezTo>
+                  <a:cubicBezTo>
+                    <a:pt x="5676551" y="20727"/>
+                    <a:pt x="5764263" y="0"/>
+                    <a:pt x="5856922" y="0"/>
+                  </a:cubicBezTo>
+                  <a:close/>
+                  <a:moveTo>
+                    <a:pt x="2957055" y="0"/>
+                  </a:moveTo>
+                  <a:cubicBezTo>
+                    <a:pt x="3130994" y="0"/>
+                    <a:pt x="3228549" y="80061"/>
+                    <a:pt x="3249720" y="240183"/>
+                  </a:cubicBezTo>
+                  <a:lnTo>
+                    <a:pt x="3023577" y="331623"/>
+                  </a:lnTo>
+                  <a:cubicBezTo>
+                    <a:pt x="3017634" y="286919"/>
+                    <a:pt x="3003346" y="254813"/>
+                    <a:pt x="2980715" y="235306"/>
+                  </a:cubicBezTo>
+                  <a:cubicBezTo>
+                    <a:pt x="2958083" y="215799"/>
+                    <a:pt x="2926042" y="206045"/>
+                    <a:pt x="2884589" y="206045"/>
+                  </a:cubicBezTo>
+                  <a:cubicBezTo>
+                    <a:pt x="2845574" y="206045"/>
+                    <a:pt x="2810233" y="214376"/>
+                    <a:pt x="2778566" y="231039"/>
+                  </a:cubicBezTo>
+                  <a:cubicBezTo>
+                    <a:pt x="2746899" y="247701"/>
+                    <a:pt x="2726918" y="268224"/>
+                    <a:pt x="2718625" y="292608"/>
+                  </a:cubicBezTo>
+                  <a:cubicBezTo>
+                    <a:pt x="2711996" y="312115"/>
+                    <a:pt x="2711621" y="328168"/>
+                    <a:pt x="2717501" y="340767"/>
+                  </a:cubicBezTo>
+                  <a:cubicBezTo>
+                    <a:pt x="2723381" y="353365"/>
+                    <a:pt x="2736919" y="364947"/>
+                    <a:pt x="2758116" y="375514"/>
+                  </a:cubicBezTo>
+                  <a:cubicBezTo>
+                    <a:pt x="2779312" y="386080"/>
+                    <a:pt x="2812764" y="398272"/>
+                    <a:pt x="2858471" y="412090"/>
+                  </a:cubicBezTo>
+                  <a:cubicBezTo>
+                    <a:pt x="2916878" y="429159"/>
+                    <a:pt x="2964850" y="447040"/>
+                    <a:pt x="3002384" y="465735"/>
+                  </a:cubicBezTo>
+                  <a:cubicBezTo>
+                    <a:pt x="3039919" y="484429"/>
+                    <a:pt x="3068583" y="513690"/>
+                    <a:pt x="3088376" y="553517"/>
+                  </a:cubicBezTo>
+                  <a:cubicBezTo>
+                    <a:pt x="3108169" y="593344"/>
+                    <a:pt x="3106737" y="646583"/>
+                    <a:pt x="3084080" y="713232"/>
+                  </a:cubicBezTo>
+                  <a:cubicBezTo>
+                    <a:pt x="3063087" y="775005"/>
+                    <a:pt x="3028394" y="829259"/>
+                    <a:pt x="2980001" y="875995"/>
+                  </a:cubicBezTo>
+                  <a:cubicBezTo>
+                    <a:pt x="2931607" y="922731"/>
+                    <a:pt x="2874070" y="958698"/>
+                    <a:pt x="2807389" y="983895"/>
+                  </a:cubicBezTo>
+                  <a:cubicBezTo>
+                    <a:pt x="2740707" y="1009091"/>
+                    <a:pt x="2669977" y="1021690"/>
+                    <a:pt x="2595200" y="1021690"/>
+                  </a:cubicBezTo>
+                  <a:cubicBezTo>
+                    <a:pt x="2503354" y="1021690"/>
+                    <a:pt x="2431233" y="998931"/>
+                    <a:pt x="2378840" y="953415"/>
+                  </a:cubicBezTo>
+                  <a:cubicBezTo>
+                    <a:pt x="2326446" y="907898"/>
+                    <a:pt x="2296699" y="847751"/>
+                    <a:pt x="2289600" y="772973"/>
+                  </a:cubicBezTo>
+                  <a:lnTo>
+                    <a:pt x="2516962" y="681533"/>
+                  </a:lnTo>
+                  <a:cubicBezTo>
+                    <a:pt x="2518295" y="725424"/>
+                    <a:pt x="2532367" y="758749"/>
+                    <a:pt x="2559177" y="781507"/>
+                  </a:cubicBezTo>
+                  <a:cubicBezTo>
+                    <a:pt x="2585986" y="804266"/>
+                    <a:pt x="2621743" y="815645"/>
+                    <a:pt x="2666447" y="815645"/>
+                  </a:cubicBezTo>
+                  <a:cubicBezTo>
+                    <a:pt x="2712777" y="815645"/>
+                    <a:pt x="2752388" y="807314"/>
+                    <a:pt x="2785281" y="790651"/>
+                  </a:cubicBezTo>
+                  <a:cubicBezTo>
+                    <a:pt x="2818174" y="773989"/>
+                    <a:pt x="2839180" y="752247"/>
+                    <a:pt x="2848298" y="725424"/>
+                  </a:cubicBezTo>
+                  <a:cubicBezTo>
+                    <a:pt x="2854648" y="706730"/>
+                    <a:pt x="2855020" y="691287"/>
+                    <a:pt x="2849413" y="679095"/>
+                  </a:cubicBezTo>
+                  <a:cubicBezTo>
+                    <a:pt x="2843806" y="666903"/>
+                    <a:pt x="2830268" y="655320"/>
+                    <a:pt x="2808798" y="644347"/>
+                  </a:cubicBezTo>
+                  <a:cubicBezTo>
+                    <a:pt x="2787329" y="633375"/>
+                    <a:pt x="2754153" y="620979"/>
+                    <a:pt x="2709272" y="607162"/>
+                  </a:cubicBezTo>
+                  <a:cubicBezTo>
+                    <a:pt x="2649785" y="588467"/>
+                    <a:pt x="2601474" y="569773"/>
+                    <a:pt x="2564339" y="551079"/>
+                  </a:cubicBezTo>
+                  <a:cubicBezTo>
+                    <a:pt x="2527205" y="532384"/>
+                    <a:pt x="2498813" y="502920"/>
+                    <a:pt x="2479166" y="462687"/>
+                  </a:cubicBezTo>
+                  <a:cubicBezTo>
+                    <a:pt x="2459520" y="422453"/>
+                    <a:pt x="2460879" y="369418"/>
+                    <a:pt x="2483244" y="303581"/>
+                  </a:cubicBezTo>
+                  <a:cubicBezTo>
+                    <a:pt x="2503132" y="245059"/>
+                    <a:pt x="2537339" y="192837"/>
+                    <a:pt x="2585865" y="146914"/>
+                  </a:cubicBezTo>
+                  <a:cubicBezTo>
+                    <a:pt x="2634392" y="100991"/>
+                    <a:pt x="2691320" y="65024"/>
+                    <a:pt x="2756649" y="39015"/>
+                  </a:cubicBezTo>
+                  <a:cubicBezTo>
+                    <a:pt x="2821978" y="13005"/>
+                    <a:pt x="2888780" y="0"/>
+                    <a:pt x="2957055" y="0"/>
+                  </a:cubicBezTo>
+                  <a:close/>
+                </a:path>
+              </a:pathLst>
+            </a:custGeom>
+            <a:solidFill>
+              <a:schemeClr val="accent1"/>
+            </a:solidFill>
+            <a:ln>
+              <a:noFill/>
+            </a:ln>
+            <a:effectLst>
+              <a:glow>
+                <a:srgbClr val="000000"/>
+              </a:glow>
+            </a:effectLst>
+          </p:spPr>
+          <p:txBody>
+            <a:bodyPr rot="0" spcFirstLastPara="0" vertOverflow="overflow" horzOverflow="overflow" vert="horz" wrap="square" lIns="91440" tIns="45720" rIns="91440" bIns="45720" numCol="1" spcCol="0" rtlCol="0" fromWordArt="0" anchor="t" anchorCtr="0" forceAA="0" compatLnSpc="1">
+              <a:prstTxWarp prst="textNoShape">
+                <a:avLst/>
+              </a:prstTxWarp>
+              <a:noAutofit/>
+            </a:bodyPr>
+            <a:lstStyle/>
+            <a:p>
+              <a:pPr algn="ctr"/>
+              <a:endParaRPr lang="zh-CN" altLang="en-US" sz="6600" i="1" dirty="0">
+                <a:solidFill>
+                  <a:schemeClr val="bg1"/>
+                </a:solidFill>
+                <a:latin typeface="+mj-ea"/>
+                <a:ea typeface="+mj-ea"/>
+              </a:endParaRPr>
+            </a:p>
+          </p:txBody>
+        </p:sp>
+      </p:grpSp>
+      <p:sp>
+        <p:nvSpPr>
+          <p:cNvPr id="659" name="文本框 658">
+            <a:extLst>
+              <a:ext uri="{FF2B5EF4-FFF2-40B4-BE49-F238E27FC236}">
+                <a16:creationId xmlns:a16="http://schemas.microsoft.com/office/drawing/2014/main" id="{5E83D321-7A7F-E8B8-D2B3-93B0C57B1F51}"/>
+              </a:ext>
+            </a:extLst>
+          </p:cNvPr>
+          <p:cNvSpPr txBox="1"/>
+          <p:nvPr/>
+        </p:nvSpPr>
+        <p:spPr>
+          <a:xfrm>
+            <a:off x="2041205" y="2367171"/>
+            <a:ext cx="8109591" cy="2123658"/>
+          </a:xfrm>
+          <a:prstGeom prst="rect">
+            <a:avLst/>
+          </a:prstGeom>
+          <a:noFill/>
+        </p:spPr>
+        <p:txBody>
+          <a:bodyPr wrap="none" lIns="0" tIns="0" rIns="0" bIns="0" rtlCol="0">
+            <a:spAutoFit/>
+          </a:bodyPr>
+          <a:lstStyle/>
+          <a:p>
+            <a:pPr algn="ctr"/>
+            <a:r>
+              <a:rPr lang="en-US" altLang="zh-CN" sz="13800" dirty="0">
+                <a:gradFill flip="none" rotWithShape="1">
+                  <a:gsLst>
+                    <a:gs pos="59000">
+                      <a:schemeClr val="accent1"/>
+                    </a:gs>
+                    <a:gs pos="100000">
+                      <a:schemeClr val="accent1">
+                        <a:lumMod val="25000"/>
+                        <a:lumOff val="75000"/>
+                      </a:schemeClr>
+                    </a:gs>
+                  </a:gsLst>
+                  <a:lin ang="2700000" scaled="1"/>
+                  <a:tileRect/>
+                </a:gradFill>
+                <a:latin typeface="+mj-ea"/>
+                <a:ea typeface="+mj-ea"/>
+              </a:rPr>
+              <a:t>THANKS</a:t>
+            </a:r>
+            <a:endParaRPr lang="zh-CN" altLang="en-US" sz="13800" dirty="0">
+              <a:gradFill flip="none" rotWithShape="1">
+                <a:gsLst>
+                  <a:gs pos="59000">
+                    <a:schemeClr val="accent1"/>
+                  </a:gs>
+                  <a:gs pos="100000">
+                    <a:schemeClr val="accent1">
+                      <a:lumMod val="25000"/>
+                      <a:lumOff val="75000"/>
+                    </a:schemeClr>
+                  </a:gs>
+                </a:gsLst>
+                <a:lin ang="2700000" scaled="1"/>
+                <a:tileRect/>
+              </a:gradFill>
+              <a:latin typeface="+mj-ea"/>
+              <a:ea typeface="+mj-ea"/>
+            </a:endParaRPr>
+          </a:p>
+        </p:txBody>
+      </p:sp>
+      <p:sp>
+        <p:nvSpPr>
+          <p:cNvPr id="2" name="矩形 1">
+            <a:extLst>
+              <a:ext uri="{FF2B5EF4-FFF2-40B4-BE49-F238E27FC236}">
+                <a16:creationId xmlns:a16="http://schemas.microsoft.com/office/drawing/2014/main" id="{C78A307F-98D3-4383-4014-BCB2CD231521}"/>
+              </a:ext>
+            </a:extLst>
+          </p:cNvPr>
+          <p:cNvSpPr/>
+          <p:nvPr/>
+        </p:nvSpPr>
+        <p:spPr>
+          <a:xfrm>
+            <a:off x="0" y="0"/>
+            <a:ext cx="12192000" cy="334665"/>
+          </a:xfrm>
+          <a:prstGeom prst="rect">
+            <a:avLst/>
+          </a:prstGeom>
+          <a:ln>
+            <a:noFill/>
+          </a:ln>
+        </p:spPr>
+        <p:style>
+          <a:lnRef idx="2">
+            <a:schemeClr val="accent1">
+              <a:shade val="50000"/>
+            </a:schemeClr>
+          </a:lnRef>
+          <a:fillRef idx="1">
+            <a:schemeClr val="accent1"/>
+          </a:fillRef>
+          <a:effectRef idx="0">
+            <a:schemeClr val="accent1"/>
+          </a:effectRef>
+          <a:fontRef idx="minor">
+            <a:schemeClr val="lt1"/>
+          </a:fontRef>
+        </p:style>
+        <p:txBody>
+          <a:bodyPr rtlCol="0" anchor="ctr"/>
+          <a:lstStyle/>
+          <a:p>
+            <a:pPr algn="ctr"/>
+            <a:endParaRPr lang="zh-CN" altLang="en-US"/>
+          </a:p>
+        </p:txBody>
+      </p:sp>
+      <p:sp>
+        <p:nvSpPr>
+          <p:cNvPr id="3" name="椭圆 2">
+            <a:extLst>
+              <a:ext uri="{FF2B5EF4-FFF2-40B4-BE49-F238E27FC236}">
+                <a16:creationId xmlns:a16="http://schemas.microsoft.com/office/drawing/2014/main" id="{84B989A1-8AEC-A934-4A06-EFE298A58D49}"/>
+              </a:ext>
+            </a:extLst>
+          </p:cNvPr>
+          <p:cNvSpPr/>
+          <p:nvPr/>
+        </p:nvSpPr>
+        <p:spPr>
+          <a:xfrm>
+            <a:off x="268020" y="113332"/>
+            <a:ext cx="108000" cy="108000"/>
+          </a:xfrm>
+          <a:prstGeom prst="ellipse">
+            <a:avLst/>
+          </a:prstGeom>
+          <a:solidFill>
+            <a:schemeClr val="bg1"/>
+          </a:solidFill>
+          <a:ln>
+            <a:noFill/>
+          </a:ln>
+        </p:spPr>
+        <p:style>
+          <a:lnRef idx="2">
+            <a:schemeClr val="accent1">
+              <a:shade val="50000"/>
+            </a:schemeClr>
+          </a:lnRef>
+          <a:fillRef idx="1">
+            <a:schemeClr val="accent1"/>
+          </a:fillRef>
+          <a:effectRef idx="0">
+            <a:schemeClr val="accent1"/>
+          </a:effectRef>
+          <a:fontRef idx="minor">
+            <a:schemeClr val="lt1"/>
+          </a:fontRef>
+        </p:style>
+        <p:txBody>
+          <a:bodyPr rtlCol="0" anchor="ctr"/>
+          <a:lstStyle/>
+          <a:p>
+            <a:pPr algn="ctr"/>
+            <a:endParaRPr lang="zh-CN" altLang="en-US"/>
+          </a:p>
+        </p:txBody>
+      </p:sp>
+      <p:sp>
+        <p:nvSpPr>
+          <p:cNvPr id="4" name="椭圆 3">
+            <a:extLst>
+              <a:ext uri="{FF2B5EF4-FFF2-40B4-BE49-F238E27FC236}">
+                <a16:creationId xmlns:a16="http://schemas.microsoft.com/office/drawing/2014/main" id="{EE13081F-9BFD-5C3C-BBF7-701F07FF52F0}"/>
+              </a:ext>
+            </a:extLst>
+          </p:cNvPr>
+          <p:cNvSpPr/>
+          <p:nvPr/>
+        </p:nvSpPr>
+        <p:spPr>
+          <a:xfrm>
+            <a:off x="456030" y="113332"/>
+            <a:ext cx="108000" cy="108000"/>
+          </a:xfrm>
+          <a:prstGeom prst="ellipse">
+            <a:avLst/>
+          </a:prstGeom>
+          <a:solidFill>
+            <a:schemeClr val="bg1"/>
+          </a:solidFill>
+          <a:ln>
+            <a:noFill/>
+          </a:ln>
+        </p:spPr>
+        <p:style>
+          <a:lnRef idx="2">
+            <a:schemeClr val="accent1">
+              <a:shade val="50000"/>
+            </a:schemeClr>
+          </a:lnRef>
+          <a:fillRef idx="1">
+            <a:schemeClr val="accent1"/>
+          </a:fillRef>
+          <a:effectRef idx="0">
+            <a:schemeClr val="accent1"/>
+          </a:effectRef>
+          <a:fontRef idx="minor">
+            <a:schemeClr val="lt1"/>
+          </a:fontRef>
+        </p:style>
+        <p:txBody>
+          <a:bodyPr rtlCol="0" anchor="ctr"/>
+          <a:lstStyle/>
+          <a:p>
+            <a:pPr algn="ctr"/>
+            <a:endParaRPr lang="zh-CN" altLang="en-US"/>
+          </a:p>
+        </p:txBody>
+      </p:sp>
+      <p:sp>
+        <p:nvSpPr>
+          <p:cNvPr id="5" name="椭圆 4">
+            <a:extLst>
+              <a:ext uri="{FF2B5EF4-FFF2-40B4-BE49-F238E27FC236}">
+                <a16:creationId xmlns:a16="http://schemas.microsoft.com/office/drawing/2014/main" id="{075270D0-8FDD-C032-8E9B-2916B117314D}"/>
+              </a:ext>
+            </a:extLst>
+          </p:cNvPr>
+          <p:cNvSpPr/>
+          <p:nvPr/>
+        </p:nvSpPr>
+        <p:spPr>
+          <a:xfrm>
+            <a:off x="644040" y="113332"/>
+            <a:ext cx="108000" cy="108000"/>
+          </a:xfrm>
+          <a:prstGeom prst="ellipse">
+            <a:avLst/>
+          </a:prstGeom>
+          <a:solidFill>
+            <a:schemeClr val="bg1"/>
+          </a:solidFill>
+          <a:ln>
+            <a:noFill/>
+          </a:ln>
+        </p:spPr>
+        <p:style>
+          <a:lnRef idx="2">
+            <a:schemeClr val="accent1">
+              <a:shade val="50000"/>
+            </a:schemeClr>
+          </a:lnRef>
+          <a:fillRef idx="1">
+            <a:schemeClr val="accent1"/>
+          </a:fillRef>
+          <a:effectRef idx="0">
+            <a:schemeClr val="accent1"/>
+          </a:effectRef>
+          <a:fontRef idx="minor">
+            <a:schemeClr val="lt1"/>
+          </a:fontRef>
+        </p:style>
+        <p:txBody>
+          <a:bodyPr rtlCol="0" anchor="ctr"/>
+          <a:lstStyle/>
+          <a:p>
+            <a:pPr algn="ctr"/>
+            <a:endParaRPr lang="zh-CN" altLang="en-US"/>
+          </a:p>
+        </p:txBody>
+      </p:sp>
+      <p:grpSp>
+        <p:nvGrpSpPr>
+          <p:cNvPr id="10" name="组合 9">
+            <a:extLst>
+              <a:ext uri="{FF2B5EF4-FFF2-40B4-BE49-F238E27FC236}">
+                <a16:creationId xmlns:a16="http://schemas.microsoft.com/office/drawing/2014/main" id="{E51183F8-FAFB-E163-F6DC-40711A1B11BD}"/>
+              </a:ext>
+            </a:extLst>
+          </p:cNvPr>
+          <p:cNvGrpSpPr/>
+          <p:nvPr/>
+        </p:nvGrpSpPr>
+        <p:grpSpPr>
+          <a:xfrm>
+            <a:off x="11743980" y="85054"/>
+            <a:ext cx="180000" cy="164557"/>
+            <a:chOff x="11743980" y="92775"/>
+            <a:chExt cx="180000" cy="164557"/>
+          </a:xfrm>
+        </p:grpSpPr>
+        <p:sp>
+          <p:nvSpPr>
+            <p:cNvPr id="7" name="矩形 6">
+              <a:extLst>
+                <a:ext uri="{FF2B5EF4-FFF2-40B4-BE49-F238E27FC236}">
+                  <a16:creationId xmlns:a16="http://schemas.microsoft.com/office/drawing/2014/main" id="{48624736-172F-644F-3921-02B2CEABC0F2}"/>
+                </a:ext>
+              </a:extLst>
+            </p:cNvPr>
+            <p:cNvSpPr/>
+            <p:nvPr/>
+          </p:nvSpPr>
+          <p:spPr>
+            <a:xfrm>
+              <a:off x="11743980" y="92775"/>
+              <a:ext cx="180000" cy="36000"/>
+            </a:xfrm>
+            <a:prstGeom prst="rect">
+              <a:avLst/>
+            </a:prstGeom>
+            <a:solidFill>
+              <a:schemeClr val="bg1"/>
+            </a:solidFill>
+            <a:ln>
+              <a:noFill/>
+            </a:ln>
+          </p:spPr>
+          <p:style>
+            <a:lnRef idx="2">
+              <a:schemeClr val="accent1">
+                <a:shade val="50000"/>
+              </a:schemeClr>
+            </a:lnRef>
+            <a:fillRef idx="1">
+              <a:schemeClr val="accent1"/>
+            </a:fillRef>
+            <a:effectRef idx="0">
+              <a:schemeClr val="accent1"/>
+            </a:effectRef>
+            <a:fontRef idx="minor">
+              <a:schemeClr val="lt1"/>
+            </a:fontRef>
+          </p:style>
+          <p:txBody>
+            <a:bodyPr rtlCol="0" anchor="ctr"/>
+            <a:lstStyle/>
+            <a:p>
+              <a:pPr algn="ctr"/>
+              <a:endParaRPr lang="zh-CN" altLang="en-US"/>
+            </a:p>
+          </p:txBody>
+        </p:sp>
+        <p:sp>
+          <p:nvSpPr>
+            <p:cNvPr id="8" name="矩形 7">
+              <a:extLst>
+                <a:ext uri="{FF2B5EF4-FFF2-40B4-BE49-F238E27FC236}">
+                  <a16:creationId xmlns:a16="http://schemas.microsoft.com/office/drawing/2014/main" id="{5D09B6FD-D303-8B7E-553A-9CC387EED7D4}"/>
+                </a:ext>
+              </a:extLst>
+            </p:cNvPr>
+            <p:cNvSpPr/>
+            <p:nvPr/>
+          </p:nvSpPr>
+          <p:spPr>
+            <a:xfrm>
+              <a:off x="11743980" y="157054"/>
+              <a:ext cx="180000" cy="36000"/>
+            </a:xfrm>
+            <a:prstGeom prst="rect">
+              <a:avLst/>
+            </a:prstGeom>
+            <a:solidFill>
+              <a:schemeClr val="bg1"/>
+            </a:solidFill>
+            <a:ln>
+              <a:noFill/>
+            </a:ln>
+          </p:spPr>
+          <p:style>
+            <a:lnRef idx="2">
+              <a:schemeClr val="accent1">
+                <a:shade val="50000"/>
+              </a:schemeClr>
+            </a:lnRef>
+            <a:fillRef idx="1">
+              <a:schemeClr val="accent1"/>
+            </a:fillRef>
+            <a:effectRef idx="0">
+              <a:schemeClr val="accent1"/>
+            </a:effectRef>
+            <a:fontRef idx="minor">
+              <a:schemeClr val="lt1"/>
+            </a:fontRef>
+          </p:style>
+          <p:txBody>
+            <a:bodyPr rtlCol="0" anchor="ctr"/>
+            <a:lstStyle/>
+            <a:p>
+              <a:pPr algn="ctr"/>
+              <a:endParaRPr lang="zh-CN" altLang="en-US"/>
+            </a:p>
+          </p:txBody>
+        </p:sp>
+        <p:sp>
+          <p:nvSpPr>
+            <p:cNvPr id="9" name="矩形 8">
+              <a:extLst>
+                <a:ext uri="{FF2B5EF4-FFF2-40B4-BE49-F238E27FC236}">
+                  <a16:creationId xmlns:a16="http://schemas.microsoft.com/office/drawing/2014/main" id="{8E5DE636-BACA-D1B8-F688-63140FBEBEA3}"/>
+                </a:ext>
+              </a:extLst>
+            </p:cNvPr>
+            <p:cNvSpPr/>
+            <p:nvPr/>
+          </p:nvSpPr>
+          <p:spPr>
+            <a:xfrm>
+              <a:off x="11743980" y="221332"/>
+              <a:ext cx="180000" cy="36000"/>
+            </a:xfrm>
+            <a:prstGeom prst="rect">
+              <a:avLst/>
+            </a:prstGeom>
+            <a:solidFill>
+              <a:schemeClr val="bg1"/>
+            </a:solidFill>
+            <a:ln>
+              <a:noFill/>
+            </a:ln>
+          </p:spPr>
+          <p:style>
+            <a:lnRef idx="2">
+              <a:schemeClr val="accent1">
+                <a:shade val="50000"/>
+              </a:schemeClr>
+            </a:lnRef>
+            <a:fillRef idx="1">
+              <a:schemeClr val="accent1"/>
+            </a:fillRef>
+            <a:effectRef idx="0">
+              <a:schemeClr val="accent1"/>
+            </a:effectRef>
+            <a:fontRef idx="minor">
+              <a:schemeClr val="lt1"/>
+            </a:fontRef>
+          </p:style>
+          <p:txBody>
+            <a:bodyPr rtlCol="0" anchor="ctr"/>
+            <a:lstStyle/>
+            <a:p>
+              <a:pPr algn="ctr"/>
+              <a:endParaRPr lang="zh-CN" altLang="en-US"/>
+            </a:p>
+          </p:txBody>
+        </p:sp>
+      </p:grpSp>
+      <p:grpSp>
+        <p:nvGrpSpPr>
+          <p:cNvPr id="11" name="组合 10">
+            <a:extLst>
+              <a:ext uri="{FF2B5EF4-FFF2-40B4-BE49-F238E27FC236}">
+                <a16:creationId xmlns:a16="http://schemas.microsoft.com/office/drawing/2014/main" id="{55AFBF35-AD23-4C2C-ABAA-3E3F1209F2E4}"/>
+              </a:ext>
+            </a:extLst>
+          </p:cNvPr>
+          <p:cNvGrpSpPr/>
+          <p:nvPr/>
+        </p:nvGrpSpPr>
+        <p:grpSpPr>
+          <a:xfrm>
+            <a:off x="11391900" y="6324600"/>
+            <a:ext cx="190500" cy="190500"/>
+            <a:chOff x="10896600" y="5829299"/>
+            <a:chExt cx="685800" cy="685801"/>
+          </a:xfrm>
+          <a:solidFill>
+            <a:schemeClr val="accent1"/>
+          </a:solidFill>
+        </p:grpSpPr>
+        <p:sp>
+          <p:nvSpPr>
+            <p:cNvPr id="12" name="任意多边形: 形状 11">
+              <a:extLst>
+                <a:ext uri="{FF2B5EF4-FFF2-40B4-BE49-F238E27FC236}">
+                  <a16:creationId xmlns:a16="http://schemas.microsoft.com/office/drawing/2014/main" id="{09FBCA90-A7AC-5F96-243A-A1A77AE37CE7}"/>
+                </a:ext>
+              </a:extLst>
+            </p:cNvPr>
+            <p:cNvSpPr/>
+            <p:nvPr/>
+          </p:nvSpPr>
+          <p:spPr>
+            <a:xfrm rot="16200000">
+              <a:off x="10896600" y="5829300"/>
+              <a:ext cx="685800" cy="685800"/>
+            </a:xfrm>
+            <a:custGeom>
+              <a:avLst/>
+              <a:gdLst>
+                <a:gd name="connsiteX0" fmla="*/ 685800 w 685800"/>
+                <a:gd name="connsiteY0" fmla="*/ 406400 h 685800"/>
+                <a:gd name="connsiteX1" fmla="*/ 685800 w 685800"/>
+                <a:gd name="connsiteY1" fmla="*/ 685800 h 685800"/>
+                <a:gd name="connsiteX2" fmla="*/ 279400 w 685800"/>
+                <a:gd name="connsiteY2" fmla="*/ 685800 h 685800"/>
+                <a:gd name="connsiteX3" fmla="*/ 0 w 685800"/>
+                <a:gd name="connsiteY3" fmla="*/ 685800 h 685800"/>
+                <a:gd name="connsiteX4" fmla="*/ 0 w 685800"/>
+                <a:gd name="connsiteY4" fmla="*/ 406400 h 685800"/>
+                <a:gd name="connsiteX5" fmla="*/ 0 w 685800"/>
+                <a:gd name="connsiteY5" fmla="*/ 0 h 685800"/>
+                <a:gd name="connsiteX6" fmla="*/ 279400 w 685800"/>
+                <a:gd name="connsiteY6" fmla="*/ 0 h 685800"/>
+                <a:gd name="connsiteX7" fmla="*/ 279400 w 685800"/>
+                <a:gd name="connsiteY7" fmla="*/ 406400 h 685800"/>
+              </a:gdLst>
+              <a:ahLst/>
+              <a:cxnLst>
+                <a:cxn ang="0">
+                  <a:pos x="connsiteX0" y="connsiteY0"/>
+                </a:cxn>
+                <a:cxn ang="0">
+                  <a:pos x="connsiteX1" y="connsiteY1"/>
+                </a:cxn>
+                <a:cxn ang="0">
+                  <a:pos x="connsiteX2" y="connsiteY2"/>
+                </a:cxn>
+                <a:cxn ang="0">
+                  <a:pos x="connsiteX3" y="connsiteY3"/>
+                </a:cxn>
+                <a:cxn ang="0">
+                  <a:pos x="connsiteX4" y="connsiteY4"/>
+                </a:cxn>
+                <a:cxn ang="0">
+                  <a:pos x="connsiteX5" y="connsiteY5"/>
+                </a:cxn>
+                <a:cxn ang="0">
+                  <a:pos x="connsiteX6" y="connsiteY6"/>
+                </a:cxn>
+                <a:cxn ang="0">
+                  <a:pos x="connsiteX7" y="connsiteY7"/>
+                </a:cxn>
+              </a:cxnLst>
+              <a:rect l="l" t="t" r="r" b="b"/>
+              <a:pathLst>
+                <a:path w="685800" h="685800">
+                  <a:moveTo>
+                    <a:pt x="685800" y="406400"/>
+                  </a:moveTo>
+                  <a:lnTo>
+                    <a:pt x="685800" y="685800"/>
+                  </a:lnTo>
+                  <a:lnTo>
+                    <a:pt x="279400" y="685800"/>
+                  </a:lnTo>
+                  <a:lnTo>
+                    <a:pt x="0" y="685800"/>
+                  </a:lnTo>
+                  <a:lnTo>
+                    <a:pt x="0" y="406400"/>
+                  </a:lnTo>
+                  <a:lnTo>
+                    <a:pt x="0" y="0"/>
+                  </a:lnTo>
+                  <a:lnTo>
+                    <a:pt x="279400" y="0"/>
+                  </a:lnTo>
+                  <a:lnTo>
+                    <a:pt x="279400" y="406400"/>
+                  </a:lnTo>
+                  <a:close/>
+                </a:path>
+              </a:pathLst>
+            </a:custGeom>
+            <a:grpFill/>
+            <a:ln>
+              <a:noFill/>
+            </a:ln>
+          </p:spPr>
+          <p:style>
+            <a:lnRef idx="2">
+              <a:schemeClr val="accent1">
+                <a:shade val="50000"/>
+              </a:schemeClr>
+            </a:lnRef>
+            <a:fillRef idx="1">
+              <a:schemeClr val="accent1"/>
+            </a:fillRef>
+            <a:effectRef idx="0">
+              <a:schemeClr val="accent1"/>
+            </a:effectRef>
+            <a:fontRef idx="minor">
+              <a:schemeClr val="lt1"/>
+            </a:fontRef>
+          </p:style>
+          <p:txBody>
+            <a:bodyPr wrap="square" rtlCol="0" anchor="ctr">
+              <a:noAutofit/>
+            </a:bodyPr>
+            <a:lstStyle/>
+            <a:p>
+              <a:pPr algn="ctr"/>
+              <a:endParaRPr lang="zh-CN" altLang="en-US"/>
+            </a:p>
+          </p:txBody>
+        </p:sp>
+        <p:sp>
+          <p:nvSpPr>
+            <p:cNvPr id="13" name="任意多边形: 形状 12">
+              <a:extLst>
+                <a:ext uri="{FF2B5EF4-FFF2-40B4-BE49-F238E27FC236}">
+                  <a16:creationId xmlns:a16="http://schemas.microsoft.com/office/drawing/2014/main" id="{3E20355F-5C8D-EE1A-3162-D0FB0C55514D}"/>
+                </a:ext>
+              </a:extLst>
+            </p:cNvPr>
+            <p:cNvSpPr/>
+            <p:nvPr/>
+          </p:nvSpPr>
+          <p:spPr>
+            <a:xfrm rot="16200000">
+              <a:off x="10896600" y="5829299"/>
+              <a:ext cx="279400" cy="279400"/>
+            </a:xfrm>
+            <a:custGeom>
+              <a:avLst/>
+              <a:gdLst>
+                <a:gd name="connsiteX0" fmla="*/ 279400 w 279400"/>
+                <a:gd name="connsiteY0" fmla="*/ 0 h 279400"/>
+                <a:gd name="connsiteX1" fmla="*/ 279400 w 279400"/>
+                <a:gd name="connsiteY1" fmla="*/ 279400 h 279400"/>
+                <a:gd name="connsiteX2" fmla="*/ 0 w 279400"/>
+                <a:gd name="connsiteY2" fmla="*/ 279400 h 279400"/>
+                <a:gd name="connsiteX3" fmla="*/ 0 w 279400"/>
+                <a:gd name="connsiteY3" fmla="*/ 0 h 279400"/>
+              </a:gdLst>
+              <a:ahLst/>
+              <a:cxnLst>
+                <a:cxn ang="0">
+                  <a:pos x="connsiteX0" y="connsiteY0"/>
+                </a:cxn>
+                <a:cxn ang="0">
+                  <a:pos x="connsiteX1" y="connsiteY1"/>
+                </a:cxn>
+                <a:cxn ang="0">
+                  <a:pos x="connsiteX2" y="connsiteY2"/>
+                </a:cxn>
+                <a:cxn ang="0">
+                  <a:pos x="connsiteX3" y="connsiteY3"/>
+                </a:cxn>
+              </a:cxnLst>
+              <a:rect l="l" t="t" r="r" b="b"/>
+              <a:pathLst>
+                <a:path w="279400" h="279400">
+                  <a:moveTo>
+                    <a:pt x="279400" y="0"/>
+                  </a:moveTo>
+                  <a:lnTo>
+                    <a:pt x="279400" y="279400"/>
+                  </a:lnTo>
+                  <a:lnTo>
+                    <a:pt x="0" y="279400"/>
+                  </a:lnTo>
+                  <a:lnTo>
+                    <a:pt x="0" y="0"/>
+                  </a:lnTo>
+                  <a:close/>
+                </a:path>
+              </a:pathLst>
+            </a:custGeom>
+            <a:grpFill/>
+            <a:ln>
+              <a:noFill/>
+            </a:ln>
+          </p:spPr>
+          <p:style>
+            <a:lnRef idx="2">
+              <a:schemeClr val="accent1">
+                <a:shade val="50000"/>
+              </a:schemeClr>
+            </a:lnRef>
+            <a:fillRef idx="1">
+              <a:schemeClr val="accent1"/>
+            </a:fillRef>
+            <a:effectRef idx="0">
+              <a:schemeClr val="accent1"/>
+            </a:effectRef>
+            <a:fontRef idx="minor">
+              <a:schemeClr val="lt1"/>
+            </a:fontRef>
+          </p:style>
+          <p:txBody>
+            <a:bodyPr wrap="square" rtlCol="0" anchor="ctr">
+              <a:noAutofit/>
+            </a:bodyPr>
+            <a:lstStyle/>
+            <a:p>
+              <a:pPr algn="ctr"/>
+              <a:endParaRPr lang="zh-CN" altLang="en-US"/>
+            </a:p>
+          </p:txBody>
+        </p:sp>
+      </p:grpSp>
+      <p:sp>
+        <p:nvSpPr>
+          <p:cNvPr id="14" name="文本框 13">
+            <a:extLst>
+              <a:ext uri="{FF2B5EF4-FFF2-40B4-BE49-F238E27FC236}">
+                <a16:creationId xmlns:a16="http://schemas.microsoft.com/office/drawing/2014/main" id="{933C2F62-3509-146F-2507-227C7F8A589A}"/>
+              </a:ext>
+            </a:extLst>
+          </p:cNvPr>
+          <p:cNvSpPr txBox="1"/>
+          <p:nvPr/>
+        </p:nvSpPr>
+        <p:spPr>
+          <a:xfrm>
+            <a:off x="4841796" y="447997"/>
+            <a:ext cx="6771084" cy="276999"/>
+          </a:xfrm>
+          <a:prstGeom prst="rect">
+            <a:avLst/>
+          </a:prstGeom>
+          <a:noFill/>
+        </p:spPr>
+        <p:txBody>
+          <a:bodyPr wrap="square" lIns="0" tIns="0" rIns="0" bIns="0" rtlCol="0">
+            <a:spAutoFit/>
+          </a:bodyPr>
+          <a:lstStyle/>
+          <a:p>
+            <a:pPr algn="r"/>
+            <a:r>
+              <a:rPr lang="en-US" altLang="zh-CN" dirty="0">
+                <a:solidFill>
+                  <a:schemeClr val="accent1"/>
+                </a:solidFill>
+                <a:latin typeface="+mn-ea"/>
+              </a:rPr>
+              <a:t>20XX-XX-XX</a:t>
+            </a:r>
+            <a:endParaRPr lang="zh-CN" altLang="en-US" dirty="0">
+              <a:solidFill>
+                <a:schemeClr val="accent1"/>
+              </a:solidFill>
+              <a:latin typeface="+mn-ea"/>
+            </a:endParaRPr>
+          </a:p>
+        </p:txBody>
+      </p:sp>
+    </p:spTree>
+    <p:extLst>
+      <p:ext uri="{BB962C8B-B14F-4D97-AF65-F5344CB8AC3E}">
+        <p14:creationId xmlns:p14="http://schemas.microsoft.com/office/powerpoint/2010/main" val="4087428213"/>
+      </p:ext>
+    </p:extLst>
+  </p:cSld>
+  <p:clrMapOvr>
+    <a:masterClrMapping/>
+  </p:clrMapOvr>
+</p:sld>
+</file>
+
 <file path=ppt/slides/slide2.xml><?xml version="1.0" encoding="utf-8"?>
 <p:sld xmlns:a="http://schemas.openxmlformats.org/drawingml/2006/main" xmlns:r="http://schemas.openxmlformats.org/officeDocument/2006/relationships" xmlns:p="http://schemas.openxmlformats.org/presentationml/2006/main">
   <p:cSld>
@@ -4280,7 +6963,7 @@
         </p:blipFill>
         <p:spPr>
           <a:xfrm>
-            <a:off x="4978145" y="1801696"/>
+            <a:off x="4679042" y="1852971"/>
             <a:ext cx="6054476" cy="4258593"/>
           </a:xfrm>
           <a:prstGeom prst="rect">
@@ -4288,6 +6971,102 @@
           </a:prstGeom>
         </p:spPr>
       </p:pic>
+      <p:sp>
+        <p:nvSpPr>
+          <p:cNvPr id="19" name="文本框 18">
+            <a:extLst>
+              <a:ext uri="{FF2B5EF4-FFF2-40B4-BE49-F238E27FC236}">
+                <a16:creationId xmlns:a16="http://schemas.microsoft.com/office/drawing/2014/main" id="{B40FC262-C3D8-431C-B41D-41E86D85C599}"/>
+              </a:ext>
+            </a:extLst>
+          </p:cNvPr>
+          <p:cNvSpPr txBox="1"/>
+          <p:nvPr/>
+        </p:nvSpPr>
+        <p:spPr>
+          <a:xfrm>
+            <a:off x="1057275" y="2714625"/>
+            <a:ext cx="1724831" cy="553998"/>
+          </a:xfrm>
+          <a:prstGeom prst="rect">
+            <a:avLst/>
+          </a:prstGeom>
+          <a:noFill/>
+        </p:spPr>
+        <p:txBody>
+          <a:bodyPr wrap="none" lIns="0" tIns="0" rIns="0" bIns="0" rtlCol="0">
+            <a:spAutoFit/>
+          </a:bodyPr>
+          <a:lstStyle/>
+          <a:p>
+            <a:pPr algn="l"/>
+            <a:r>
+              <a:rPr lang="zh-CN" altLang="en-US" dirty="0"/>
+              <a:t>旋转矩阵：</a:t>
+            </a:r>
+            <a:r>
+              <a:rPr lang="en-US" altLang="zh-CN" dirty="0"/>
+              <a:t>SO(3)</a:t>
+            </a:r>
+          </a:p>
+          <a:p>
+            <a:pPr algn="l"/>
+            <a:endParaRPr lang="zh-CN" altLang="en-US" dirty="0"/>
+          </a:p>
+        </p:txBody>
+      </p:sp>
+      <p:sp>
+        <p:nvSpPr>
+          <p:cNvPr id="20" name="文本框 19">
+            <a:extLst>
+              <a:ext uri="{FF2B5EF4-FFF2-40B4-BE49-F238E27FC236}">
+                <a16:creationId xmlns:a16="http://schemas.microsoft.com/office/drawing/2014/main" id="{D170B56B-CEF3-4C06-9180-EF0A3D668500}"/>
+              </a:ext>
+            </a:extLst>
+          </p:cNvPr>
+          <p:cNvSpPr txBox="1"/>
+          <p:nvPr/>
+        </p:nvSpPr>
+        <p:spPr>
+          <a:xfrm>
+            <a:off x="1057275" y="4824412"/>
+            <a:ext cx="2067874" cy="553998"/>
+          </a:xfrm>
+          <a:prstGeom prst="rect">
+            <a:avLst/>
+          </a:prstGeom>
+          <a:noFill/>
+        </p:spPr>
+        <p:txBody>
+          <a:bodyPr wrap="none" lIns="0" tIns="0" rIns="0" bIns="0" rtlCol="0">
+            <a:spAutoFit/>
+          </a:bodyPr>
+          <a:lstStyle/>
+          <a:p>
+            <a:pPr algn="l"/>
+            <a:r>
+              <a:rPr lang="zh-CN" altLang="en-US" dirty="0"/>
+              <a:t>变换矩阵：</a:t>
+            </a:r>
+            <a:r>
+              <a:rPr lang="en-US" altLang="zh-CN" dirty="0"/>
+              <a:t>SE(3)</a:t>
+            </a:r>
+            <a:r>
+              <a:rPr lang="zh-CN" altLang="en-US" dirty="0"/>
+              <a:t>，</a:t>
+            </a:r>
+            <a:r>
+              <a:rPr lang="en-US" altLang="zh-CN" dirty="0"/>
+              <a:t>T</a:t>
+            </a:r>
+          </a:p>
+          <a:p>
+            <a:pPr algn="l"/>
+            <a:endParaRPr lang="zh-CN" altLang="en-US" dirty="0"/>
+          </a:p>
+        </p:txBody>
+      </p:sp>
     </p:spTree>
     <p:extLst>
       <p:ext uri="{BB962C8B-B14F-4D97-AF65-F5344CB8AC3E}">
@@ -4961,7 +7740,7 @@
         <p:spPr>
           <a:xfrm>
             <a:off x="207947" y="666393"/>
-            <a:ext cx="10824674" cy="492443"/>
+            <a:ext cx="11261564" cy="492443"/>
           </a:xfrm>
           <a:prstGeom prst="rect">
             <a:avLst/>
@@ -4974,28 +7753,6 @@
           </a:bodyPr>
           <a:lstStyle/>
           <a:p>
-            <a:r>
-              <a:rPr lang="en-US" altLang="zh-CN" sz="3200" dirty="0" err="1">
-                <a:gradFill flip="none" rotWithShape="1">
-                  <a:gsLst>
-                    <a:gs pos="59000">
-                      <a:schemeClr val="accent1"/>
-                    </a:gs>
-                    <a:gs pos="100000">
-                      <a:schemeClr val="accent1">
-                        <a:lumMod val="25000"/>
-                        <a:lumOff val="75000"/>
-                      </a:schemeClr>
-                    </a:gs>
-                  </a:gsLst>
-                  <a:lin ang="2700000" scaled="1"/>
-                  <a:tileRect/>
-                </a:gradFill>
-                <a:latin typeface="+mj-ea"/>
-                <a:ea typeface="+mj-ea"/>
-              </a:rPr>
-              <a:t>MonoSLAM</a:t>
-            </a:r>
             <a:r>
               <a:rPr lang="en-US" altLang="zh-CN" sz="3200" dirty="0">
                 <a:gradFill flip="none" rotWithShape="1">
@@ -5016,7 +7773,7 @@
                 <a:latin typeface="+mj-ea"/>
                 <a:ea typeface="+mj-ea"/>
               </a:rPr>
-              <a:t>: Real-Time Single Camera SLAM</a:t>
+              <a:t>Visual SLAM algorithms: a survey from 2010 to 2016</a:t>
             </a:r>
             <a:endParaRPr lang="zh-CN" altLang="en-US" sz="3200" dirty="0">
               <a:gradFill flip="none" rotWithShape="1">
@@ -5042,10 +7799,10 @@
       </p:sp>
       <p:sp>
         <p:nvSpPr>
-          <p:cNvPr id="38" name="文本框 137">
+          <p:cNvPr id="14" name="文本框 13">
             <a:extLst>
               <a:ext uri="{FF2B5EF4-FFF2-40B4-BE49-F238E27FC236}">
-                <a16:creationId xmlns:a16="http://schemas.microsoft.com/office/drawing/2014/main" id="{E4BE3456-3B60-4CFB-83C9-E66D1C3A7312}"/>
+                <a16:creationId xmlns:a16="http://schemas.microsoft.com/office/drawing/2014/main" id="{24A73864-B3F4-48B0-A16E-84A4494C43F0}"/>
               </a:ext>
             </a:extLst>
           </p:cNvPr>
@@ -5054,175 +7811,8 @@
         </p:nvSpPr>
         <p:spPr>
           <a:xfrm>
-            <a:off x="207947" y="1290509"/>
-            <a:ext cx="2048591" cy="400110"/>
-          </a:xfrm>
-          <a:prstGeom prst="rect">
-            <a:avLst/>
-          </a:prstGeom>
-          <a:noFill/>
-        </p:spPr>
-        <p:txBody>
-          <a:bodyPr wrap="square">
-            <a:spAutoFit/>
-          </a:bodyPr>
-          <a:lstStyle>
-            <a:defPPr>
-              <a:defRPr lang="zh-CN"/>
-            </a:defPPr>
-            <a:lvl1pPr marL="0" algn="l" defTabSz="914400" rtl="0" eaLnBrk="1" latinLnBrk="0" hangingPunct="1">
-              <a:defRPr sz="1800" kern="1200">
-                <a:solidFill>
-                  <a:schemeClr val="tx1"/>
-                </a:solidFill>
-                <a:latin typeface="+mn-lt"/>
-                <a:ea typeface="+mn-ea"/>
-                <a:cs typeface="+mn-cs"/>
-              </a:defRPr>
-            </a:lvl1pPr>
-            <a:lvl2pPr marL="457200" algn="l" defTabSz="914400" rtl="0" eaLnBrk="1" latinLnBrk="0" hangingPunct="1">
-              <a:defRPr sz="1800" kern="1200">
-                <a:solidFill>
-                  <a:schemeClr val="tx1"/>
-                </a:solidFill>
-                <a:latin typeface="+mn-lt"/>
-                <a:ea typeface="+mn-ea"/>
-                <a:cs typeface="+mn-cs"/>
-              </a:defRPr>
-            </a:lvl2pPr>
-            <a:lvl3pPr marL="914400" algn="l" defTabSz="914400" rtl="0" eaLnBrk="1" latinLnBrk="0" hangingPunct="1">
-              <a:defRPr sz="1800" kern="1200">
-                <a:solidFill>
-                  <a:schemeClr val="tx1"/>
-                </a:solidFill>
-                <a:latin typeface="+mn-lt"/>
-                <a:ea typeface="+mn-ea"/>
-                <a:cs typeface="+mn-cs"/>
-              </a:defRPr>
-            </a:lvl3pPr>
-            <a:lvl4pPr marL="1371600" algn="l" defTabSz="914400" rtl="0" eaLnBrk="1" latinLnBrk="0" hangingPunct="1">
-              <a:defRPr sz="1800" kern="1200">
-                <a:solidFill>
-                  <a:schemeClr val="tx1"/>
-                </a:solidFill>
-                <a:latin typeface="+mn-lt"/>
-                <a:ea typeface="+mn-ea"/>
-                <a:cs typeface="+mn-cs"/>
-              </a:defRPr>
-            </a:lvl4pPr>
-            <a:lvl5pPr marL="1828800" algn="l" defTabSz="914400" rtl="0" eaLnBrk="1" latinLnBrk="0" hangingPunct="1">
-              <a:defRPr sz="1800" kern="1200">
-                <a:solidFill>
-                  <a:schemeClr val="tx1"/>
-                </a:solidFill>
-                <a:latin typeface="+mn-lt"/>
-                <a:ea typeface="+mn-ea"/>
-                <a:cs typeface="+mn-cs"/>
-              </a:defRPr>
-            </a:lvl5pPr>
-            <a:lvl6pPr marL="2286000" algn="l" defTabSz="914400" rtl="0" eaLnBrk="1" latinLnBrk="0" hangingPunct="1">
-              <a:defRPr sz="1800" kern="1200">
-                <a:solidFill>
-                  <a:schemeClr val="tx1"/>
-                </a:solidFill>
-                <a:latin typeface="+mn-lt"/>
-                <a:ea typeface="+mn-ea"/>
-                <a:cs typeface="+mn-cs"/>
-              </a:defRPr>
-            </a:lvl6pPr>
-            <a:lvl7pPr marL="2743200" algn="l" defTabSz="914400" rtl="0" eaLnBrk="1" latinLnBrk="0" hangingPunct="1">
-              <a:defRPr sz="1800" kern="1200">
-                <a:solidFill>
-                  <a:schemeClr val="tx1"/>
-                </a:solidFill>
-                <a:latin typeface="+mn-lt"/>
-                <a:ea typeface="+mn-ea"/>
-                <a:cs typeface="+mn-cs"/>
-              </a:defRPr>
-            </a:lvl7pPr>
-            <a:lvl8pPr marL="3200400" algn="l" defTabSz="914400" rtl="0" eaLnBrk="1" latinLnBrk="0" hangingPunct="1">
-              <a:defRPr sz="1800" kern="1200">
-                <a:solidFill>
-                  <a:schemeClr val="tx1"/>
-                </a:solidFill>
-                <a:latin typeface="+mn-lt"/>
-                <a:ea typeface="+mn-ea"/>
-                <a:cs typeface="+mn-cs"/>
-              </a:defRPr>
-            </a:lvl8pPr>
-            <a:lvl9pPr marL="3657600" algn="l" defTabSz="914400" rtl="0" eaLnBrk="1" latinLnBrk="0" hangingPunct="1">
-              <a:defRPr sz="1800" kern="1200">
-                <a:solidFill>
-                  <a:schemeClr val="tx1"/>
-                </a:solidFill>
-                <a:latin typeface="+mn-lt"/>
-                <a:ea typeface="+mn-ea"/>
-                <a:cs typeface="+mn-cs"/>
-              </a:defRPr>
-            </a:lvl9pPr>
-          </a:lstStyle>
-          <a:p>
-            <a:pPr algn="ctr"/>
-            <a:r>
-              <a:rPr lang="en-US" altLang="zh-CN" sz="2000" dirty="0">
-                <a:gradFill flip="none" rotWithShape="1">
-                  <a:gsLst>
-                    <a:gs pos="59000">
-                      <a:schemeClr val="accent1"/>
-                    </a:gs>
-                    <a:gs pos="100000">
-                      <a:schemeClr val="accent1">
-                        <a:lumMod val="25000"/>
-                        <a:lumOff val="75000"/>
-                      </a:schemeClr>
-                    </a:gs>
-                  </a:gsLst>
-                  <a:lin ang="2700000" scaled="1"/>
-                  <a:tileRect/>
-                </a:gradFill>
-                <a:latin typeface="+mj-ea"/>
-                <a:ea typeface="+mj-ea"/>
-              </a:rPr>
-              <a:t>Contributions</a:t>
-            </a:r>
-            <a:endParaRPr lang="zh-CN" altLang="en-US" sz="2000" dirty="0">
-              <a:gradFill flip="none" rotWithShape="1">
-                <a:gsLst>
-                  <a:gs pos="59000">
-                    <a:schemeClr val="accent1"/>
-                  </a:gs>
-                  <a:gs pos="100000">
-                    <a:schemeClr val="accent1">
-                      <a:lumMod val="25000"/>
-                      <a:lumOff val="75000"/>
-                    </a:schemeClr>
-                  </a:gs>
-                </a:gsLst>
-                <a:lin ang="2700000" scaled="1"/>
-                <a:tileRect/>
-              </a:gradFill>
-              <a:latin typeface="+mj-ea"/>
-              <a:ea typeface="+mj-ea"/>
-            </a:endParaRPr>
-          </a:p>
-        </p:txBody>
-      </p:sp>
-      <p:sp>
-        <p:nvSpPr>
-          <p:cNvPr id="23" name="文本框 22">
-            <a:extLst>
-              <a:ext uri="{FF2B5EF4-FFF2-40B4-BE49-F238E27FC236}">
-                <a16:creationId xmlns:a16="http://schemas.microsoft.com/office/drawing/2014/main" id="{2B52958B-1403-443A-B696-DD88FBB3C790}"/>
-              </a:ext>
-            </a:extLst>
-          </p:cNvPr>
-          <p:cNvSpPr txBox="1"/>
-          <p:nvPr/>
-        </p:nvSpPr>
-        <p:spPr>
-          <a:xfrm>
-            <a:off x="698040" y="1770557"/>
-            <a:ext cx="6744160" cy="1477328"/>
+            <a:off x="510030" y="1490564"/>
+            <a:ext cx="9571305" cy="2215991"/>
           </a:xfrm>
           <a:prstGeom prst="rect">
             <a:avLst/>
@@ -5235,145 +7825,130 @@
           </a:bodyPr>
           <a:lstStyle/>
           <a:p>
-            <a:pPr algn="l"/>
-            <a:r>
-              <a:rPr lang="zh-CN" altLang="en-US" sz="1600" dirty="0">
-                <a:latin typeface="微软雅黑" panose="020B0503020204020204" pitchFamily="34" charset="-122"/>
-                <a:ea typeface="微软雅黑" panose="020B0503020204020204" pitchFamily="34" charset="-122"/>
-              </a:rPr>
-              <a:t>第一个单眼</a:t>
-            </a:r>
-            <a:r>
-              <a:rPr lang="en-US" altLang="zh-CN" sz="1600" dirty="0" err="1">
-                <a:latin typeface="微软雅黑" panose="020B0503020204020204" pitchFamily="34" charset="-122"/>
-                <a:ea typeface="微软雅黑" panose="020B0503020204020204" pitchFamily="34" charset="-122"/>
-              </a:rPr>
+            <a:pPr marL="285750" indent="-285750" algn="l">
+              <a:buFont typeface="Arial" panose="020B0604020202020204" pitchFamily="34" charset="0"/>
+              <a:buChar char="•"/>
+            </a:pPr>
+            <a:r>
+              <a:rPr lang="en-US" altLang="zh-CN" dirty="0" err="1"/>
               <a:t>vSLAM</a:t>
             </a:r>
             <a:r>
-              <a:rPr lang="zh-CN" altLang="en-US" sz="1600" dirty="0">
-                <a:latin typeface="微软雅黑" panose="020B0503020204020204" pitchFamily="34" charset="-122"/>
-                <a:ea typeface="微软雅黑" panose="020B0503020204020204" pitchFamily="34" charset="-122"/>
-              </a:rPr>
-              <a:t>，</a:t>
-            </a:r>
-            <a:r>
-              <a:rPr lang="en-US" altLang="zh-CN" sz="1600" dirty="0">
-                <a:latin typeface="微软雅黑" panose="020B0503020204020204" pitchFamily="34" charset="-122"/>
-                <a:ea typeface="微软雅黑" panose="020B0503020204020204" pitchFamily="34" charset="-122"/>
-              </a:rPr>
-              <a:t>Feature-based</a:t>
-            </a:r>
+              <a:rPr lang="zh-CN" altLang="en-US" dirty="0"/>
+              <a:t>算法基本上由初始化、摄像机运动估计、三维结构估计、全局优化和重新定位组成。近年来，</a:t>
+            </a:r>
+            <a:r>
+              <a:rPr lang="en-US" altLang="zh-CN" dirty="0"/>
+              <a:t>direct-method</a:t>
+            </a:r>
+            <a:r>
+              <a:rPr lang="zh-CN" altLang="en-US" dirty="0"/>
+              <a:t>是单眼</a:t>
+            </a:r>
+            <a:r>
+              <a:rPr lang="en-US" altLang="zh-CN" dirty="0" err="1"/>
+              <a:t>vSLAM</a:t>
+            </a:r>
+            <a:r>
+              <a:rPr lang="zh-CN" altLang="en-US" dirty="0"/>
+              <a:t>的活跃研究领域。</a:t>
+            </a:r>
+            <a:r>
+              <a:rPr lang="en-US" altLang="zh-CN" dirty="0"/>
+              <a:t>RGB-D </a:t>
+            </a:r>
+            <a:r>
+              <a:rPr lang="en-US" altLang="zh-CN" dirty="0" err="1"/>
+              <a:t>vSLAM</a:t>
+            </a:r>
+            <a:r>
+              <a:rPr lang="zh-CN" altLang="en-US" dirty="0"/>
+              <a:t>近年来也得到了发展，因为许多消费型</a:t>
+            </a:r>
+            <a:r>
+              <a:rPr lang="en-US" altLang="zh-CN" dirty="0"/>
+              <a:t>RGBD</a:t>
+            </a:r>
+            <a:r>
+              <a:rPr lang="zh-CN" altLang="en-US" dirty="0"/>
+              <a:t>相机都可以以一个便宜的价格获得。在</a:t>
+            </a:r>
+            <a:r>
+              <a:rPr lang="en-US" altLang="zh-CN" dirty="0"/>
+              <a:t>AR/MR</a:t>
+            </a:r>
+            <a:r>
+              <a:rPr lang="zh-CN" altLang="en-US" dirty="0"/>
+              <a:t>研究界，实际问题已经得到了解决。尽管</a:t>
+            </a:r>
+            <a:r>
+              <a:rPr lang="en-US" altLang="zh-CN" dirty="0" err="1"/>
+              <a:t>vSLAM</a:t>
+            </a:r>
+            <a:r>
+              <a:rPr lang="zh-CN" altLang="en-US" dirty="0"/>
+              <a:t>算法自</a:t>
+            </a:r>
+            <a:r>
+              <a:rPr lang="en-US" altLang="zh-CN" dirty="0"/>
+              <a:t>2003</a:t>
+            </a:r>
+            <a:r>
+              <a:rPr lang="zh-CN" altLang="en-US" dirty="0"/>
+              <a:t>年以来就已经被开发出来，但</a:t>
+            </a:r>
+            <a:r>
+              <a:rPr lang="en-US" altLang="zh-CN" dirty="0" err="1"/>
+              <a:t>vSLAM</a:t>
+            </a:r>
+            <a:r>
+              <a:rPr lang="zh-CN" altLang="en-US" dirty="0"/>
+              <a:t>仍然是一个活跃的研究领域。</a:t>
+            </a:r>
+            <a:endParaRPr lang="en-US" altLang="zh-CN" dirty="0"/>
           </a:p>
           <a:p>
-            <a:pPr algn="l"/>
-            <a:r>
-              <a:rPr lang="en-US" altLang="zh-CN" sz="1600" dirty="0" err="1">
-                <a:latin typeface="微软雅黑" panose="020B0503020204020204" pitchFamily="34" charset="-122"/>
-                <a:ea typeface="微软雅黑" panose="020B0503020204020204" pitchFamily="34" charset="-122"/>
-              </a:rPr>
-              <a:t>MonoSLAM</a:t>
-            </a:r>
-            <a:r>
-              <a:rPr lang="zh-CN" altLang="en-US" sz="1600" dirty="0">
-                <a:latin typeface="微软雅黑" panose="020B0503020204020204" pitchFamily="34" charset="-122"/>
-                <a:ea typeface="微软雅黑" panose="020B0503020204020204" pitchFamily="34" charset="-122"/>
-              </a:rPr>
-              <a:t>被认为是基于滤波器的</a:t>
-            </a:r>
-            <a:r>
-              <a:rPr lang="en-US" altLang="zh-CN" sz="1600" dirty="0" err="1">
-                <a:latin typeface="微软雅黑" panose="020B0503020204020204" pitchFamily="34" charset="-122"/>
-                <a:ea typeface="微软雅黑" panose="020B0503020204020204" pitchFamily="34" charset="-122"/>
-              </a:rPr>
+            <a:pPr marL="285750" indent="-285750" algn="l">
+              <a:buFont typeface="Arial" panose="020B0604020202020204" pitchFamily="34" charset="0"/>
+              <a:buChar char="•"/>
+            </a:pPr>
+            <a:r>
+              <a:rPr lang="zh-CN" altLang="en-US" dirty="0"/>
+              <a:t>本文主要研究了最近仅使用相机的</a:t>
+            </a:r>
+            <a:r>
+              <a:rPr lang="en-US" altLang="zh-CN" dirty="0" err="1"/>
               <a:t>vSLAM</a:t>
             </a:r>
             <a:r>
-              <a:rPr lang="zh-CN" altLang="en-US" sz="1600" dirty="0">
-                <a:latin typeface="微软雅黑" panose="020B0503020204020204" pitchFamily="34" charset="-122"/>
-                <a:ea typeface="微软雅黑" panose="020B0503020204020204" pitchFamily="34" charset="-122"/>
-              </a:rPr>
-              <a:t>算法中的一种具有代表性的方法。在</a:t>
-            </a:r>
-            <a:r>
-              <a:rPr lang="en-US" altLang="zh-CN" sz="1600" dirty="0" err="1">
-                <a:latin typeface="微软雅黑" panose="020B0503020204020204" pitchFamily="34" charset="-122"/>
-                <a:ea typeface="微软雅黑" panose="020B0503020204020204" pitchFamily="34" charset="-122"/>
-              </a:rPr>
-              <a:t>MonoSLAM</a:t>
-            </a:r>
-            <a:r>
-              <a:rPr lang="zh-CN" altLang="en-US" sz="1600" dirty="0">
-                <a:latin typeface="微软雅黑" panose="020B0503020204020204" pitchFamily="34" charset="-122"/>
-                <a:ea typeface="微软雅黑" panose="020B0503020204020204" pitchFamily="34" charset="-122"/>
-              </a:rPr>
-              <a:t>中，利用扩展卡尔曼滤波器（</a:t>
-            </a:r>
-            <a:r>
-              <a:rPr lang="en-US" altLang="zh-CN" sz="1600" dirty="0">
-                <a:latin typeface="微软雅黑" panose="020B0503020204020204" pitchFamily="34" charset="-122"/>
-                <a:ea typeface="微软雅黑" panose="020B0503020204020204" pitchFamily="34" charset="-122"/>
-              </a:rPr>
-              <a:t>EKF</a:t>
-            </a:r>
-            <a:r>
-              <a:rPr lang="zh-CN" altLang="en-US" sz="1600" dirty="0">
-                <a:latin typeface="微软雅黑" panose="020B0503020204020204" pitchFamily="34" charset="-122"/>
-                <a:ea typeface="微软雅黑" panose="020B0503020204020204" pitchFamily="34" charset="-122"/>
-              </a:rPr>
-              <a:t>）同时估计了未知环境下的摄像机运动和三维结构。</a:t>
-            </a:r>
-            <a:r>
-              <a:rPr lang="en-US" altLang="zh-CN" sz="1600" dirty="0">
-                <a:latin typeface="微软雅黑" panose="020B0503020204020204" pitchFamily="34" charset="-122"/>
-                <a:ea typeface="微软雅黑" panose="020B0503020204020204" pitchFamily="34" charset="-122"/>
-              </a:rPr>
-              <a:t>6</a:t>
-            </a:r>
-            <a:r>
-              <a:rPr lang="zh-CN" altLang="en-US" sz="1600" dirty="0">
-                <a:latin typeface="微软雅黑" panose="020B0503020204020204" pitchFamily="34" charset="-122"/>
-                <a:ea typeface="微软雅黑" panose="020B0503020204020204" pitchFamily="34" charset="-122"/>
-              </a:rPr>
-              <a:t>个自由度（</a:t>
-            </a:r>
-            <a:r>
-              <a:rPr lang="en-US" altLang="zh-CN" sz="1600" dirty="0" err="1">
-                <a:latin typeface="微软雅黑" panose="020B0503020204020204" pitchFamily="34" charset="-122"/>
-                <a:ea typeface="微软雅黑" panose="020B0503020204020204" pitchFamily="34" charset="-122"/>
-              </a:rPr>
-              <a:t>DoF</a:t>
-            </a:r>
-            <a:r>
-              <a:rPr lang="zh-CN" altLang="en-US" sz="1600" dirty="0">
-                <a:latin typeface="微软雅黑" panose="020B0503020204020204" pitchFamily="34" charset="-122"/>
-                <a:ea typeface="微软雅黑" panose="020B0503020204020204" pitchFamily="34" charset="-122"/>
-              </a:rPr>
-              <a:t>）相机运动和特征点的三维位置在</a:t>
-            </a:r>
-            <a:r>
-              <a:rPr lang="en-US" altLang="zh-CN" sz="1600" dirty="0">
-                <a:latin typeface="微软雅黑" panose="020B0503020204020204" pitchFamily="34" charset="-122"/>
-                <a:ea typeface="微软雅黑" panose="020B0503020204020204" pitchFamily="34" charset="-122"/>
-              </a:rPr>
-              <a:t>EKF</a:t>
-            </a:r>
-            <a:r>
-              <a:rPr lang="zh-CN" altLang="en-US" sz="1600" dirty="0">
-                <a:latin typeface="微软雅黑" panose="020B0503020204020204" pitchFamily="34" charset="-122"/>
-                <a:ea typeface="微软雅黑" panose="020B0503020204020204" pitchFamily="34" charset="-122"/>
-              </a:rPr>
-              <a:t>中以状态向量表示。预测模型假设均匀运动，并以特征点跟踪的结果作为观测。根据照相机的移动情况，新的特征点会被添加到状态向量中。</a:t>
+              <a:rPr lang="zh-CN" altLang="en-US" dirty="0"/>
+              <a:t>算法。作为另一种方法，使用视觉和惯性数据的</a:t>
+            </a:r>
+            <a:r>
+              <a:rPr lang="en-US" altLang="zh-CN" dirty="0"/>
+              <a:t>SLAM</a:t>
+            </a:r>
+            <a:r>
+              <a:rPr lang="zh-CN" altLang="en-US" dirty="0"/>
+              <a:t>算法被称为可视化惯性</a:t>
+            </a:r>
+            <a:r>
+              <a:rPr lang="en-US" altLang="zh-CN" dirty="0"/>
+              <a:t>SLAM</a:t>
+            </a:r>
+            <a:r>
+              <a:rPr lang="zh-CN" altLang="en-US" dirty="0"/>
+              <a:t>。通过结合视觉数据和惯性数据，我们可以得到更稳定的估计结果。</a:t>
             </a:r>
           </a:p>
         </p:txBody>
       </p:sp>
       <p:pic>
         <p:nvPicPr>
-          <p:cNvPr id="15" name="图片 14">
+          <p:cNvPr id="20" name="图片 19">
             <a:extLst>
               <a:ext uri="{FF2B5EF4-FFF2-40B4-BE49-F238E27FC236}">
-                <a16:creationId xmlns:a16="http://schemas.microsoft.com/office/drawing/2014/main" id="{35BE7290-4696-4E5B-9BE2-CAF8923AF0FA}"/>
+                <a16:creationId xmlns:a16="http://schemas.microsoft.com/office/drawing/2014/main" id="{53DDEE4C-D3D7-44F3-A61E-CABE7967858D}"/>
               </a:ext>
             </a:extLst>
           </p:cNvPr>
@@ -5390,90 +7965,18 @@
         </p:blipFill>
         <p:spPr>
           <a:xfrm>
-            <a:off x="207947" y="3327823"/>
-            <a:ext cx="10579100" cy="3305969"/>
+            <a:off x="644040" y="3706555"/>
+            <a:ext cx="8079436" cy="3104491"/>
           </a:xfrm>
           <a:prstGeom prst="rect">
             <a:avLst/>
           </a:prstGeom>
         </p:spPr>
       </p:pic>
-      <p:sp>
-        <p:nvSpPr>
-          <p:cNvPr id="17" name="文本框 16">
-            <a:extLst>
-              <a:ext uri="{FF2B5EF4-FFF2-40B4-BE49-F238E27FC236}">
-                <a16:creationId xmlns:a16="http://schemas.microsoft.com/office/drawing/2014/main" id="{12DEC324-1169-461C-B301-5097059DA64F}"/>
-              </a:ext>
-            </a:extLst>
-          </p:cNvPr>
-          <p:cNvSpPr txBox="1"/>
-          <p:nvPr/>
-        </p:nvSpPr>
-        <p:spPr>
-          <a:xfrm>
-            <a:off x="7883180" y="1886338"/>
-            <a:ext cx="3860800" cy="1384995"/>
-          </a:xfrm>
-          <a:prstGeom prst="rect">
-            <a:avLst/>
-          </a:prstGeom>
-          <a:noFill/>
-        </p:spPr>
-        <p:txBody>
-          <a:bodyPr wrap="square" lIns="0" tIns="0" rIns="0" bIns="0" rtlCol="0">
-            <a:spAutoFit/>
-          </a:bodyPr>
-          <a:lstStyle/>
-          <a:p>
-            <a:pPr algn="l"/>
-            <a:r>
-              <a:rPr lang="en-US" altLang="zh-CN" dirty="0" err="1"/>
-              <a:t>MonoSLAM</a:t>
-            </a:r>
-            <a:r>
-              <a:rPr lang="zh-CN" altLang="en-US" dirty="0"/>
-              <a:t>由以下组件组成：</a:t>
-            </a:r>
-            <a:endParaRPr lang="en-US" altLang="zh-CN" dirty="0"/>
-          </a:p>
-          <a:p>
-            <a:pPr algn="l"/>
-            <a:r>
-              <a:rPr lang="zh-CN" altLang="en-US" dirty="0"/>
-              <a:t>映射的初始化是通过使用一个已知的对象来完成的。</a:t>
-            </a:r>
-            <a:endParaRPr lang="en-US" altLang="zh-CN" dirty="0"/>
-          </a:p>
-          <a:p>
-            <a:pPr algn="l"/>
-            <a:r>
-              <a:rPr lang="zh-CN" altLang="en-US" dirty="0"/>
-              <a:t>使用</a:t>
-            </a:r>
-            <a:r>
-              <a:rPr lang="en-US" altLang="zh-CN" dirty="0"/>
-              <a:t>EKF</a:t>
-            </a:r>
-            <a:r>
-              <a:rPr lang="zh-CN" altLang="en-US" dirty="0"/>
-              <a:t>估计了</a:t>
-            </a:r>
-            <a:r>
-              <a:rPr lang="en-US" altLang="zh-CN" dirty="0"/>
-              <a:t>•</a:t>
-            </a:r>
-            <a:r>
-              <a:rPr lang="zh-CN" altLang="en-US" dirty="0"/>
-              <a:t>相机的运动和特征点的三维位置。</a:t>
-            </a:r>
-          </a:p>
-        </p:txBody>
-      </p:sp>
     </p:spTree>
     <p:extLst>
       <p:ext uri="{BB962C8B-B14F-4D97-AF65-F5344CB8AC3E}">
-        <p14:creationId xmlns:p14="http://schemas.microsoft.com/office/powerpoint/2010/main" val="986524471"/>
+        <p14:creationId xmlns:p14="http://schemas.microsoft.com/office/powerpoint/2010/main" val="262538770"/>
       </p:ext>
     </p:extLst>
   </p:cSld>
@@ -6143,7 +8646,7 @@
         <p:spPr>
           <a:xfrm>
             <a:off x="207947" y="666393"/>
-            <a:ext cx="10824674" cy="492443"/>
+            <a:ext cx="11261564" cy="492443"/>
           </a:xfrm>
           <a:prstGeom prst="rect">
             <a:avLst/>
@@ -6176,7 +8679,7 @@
                 <a:latin typeface="+mj-ea"/>
                 <a:ea typeface="+mj-ea"/>
               </a:rPr>
-              <a:t>DTAM: Dense Tracking and Mapping in Real-Time</a:t>
+              <a:t>An Overview on Visual SLAM: From Tradition to Semantic</a:t>
             </a:r>
             <a:endParaRPr lang="zh-CN" altLang="en-US" sz="3200" dirty="0">
               <a:gradFill flip="none" rotWithShape="1">
@@ -6200,477 +8703,12 @@
           </a:p>
         </p:txBody>
       </p:sp>
-      <p:sp>
-        <p:nvSpPr>
-          <p:cNvPr id="21" name="文本框 20">
+      <p:pic>
+        <p:nvPicPr>
+          <p:cNvPr id="15" name="图片 14">
             <a:extLst>
               <a:ext uri="{FF2B5EF4-FFF2-40B4-BE49-F238E27FC236}">
-                <a16:creationId xmlns:a16="http://schemas.microsoft.com/office/drawing/2014/main" id="{0D9080BB-7830-4E06-B581-D5FCFD83ECF8}"/>
-              </a:ext>
-            </a:extLst>
-          </p:cNvPr>
-          <p:cNvSpPr txBox="1"/>
-          <p:nvPr/>
-        </p:nvSpPr>
-        <p:spPr>
-          <a:xfrm>
-            <a:off x="5751930" y="1764458"/>
-            <a:ext cx="5639970" cy="1661993"/>
-          </a:xfrm>
-          <a:prstGeom prst="rect">
-            <a:avLst/>
-          </a:prstGeom>
-          <a:noFill/>
-        </p:spPr>
-        <p:txBody>
-          <a:bodyPr wrap="square" lIns="0" tIns="0" rIns="0" bIns="0" rtlCol="0">
-            <a:spAutoFit/>
-          </a:bodyPr>
-          <a:lstStyle/>
-          <a:p>
-            <a:pPr marL="285750" indent="-285750" algn="l">
-              <a:buFont typeface="Arial" panose="020B0604020202020204" pitchFamily="34" charset="0"/>
-              <a:buChar char="•"/>
-            </a:pPr>
-            <a:r>
-              <a:rPr lang="zh-CN" altLang="en-US" dirty="0"/>
-              <a:t>我们的算法的总体结构很简单。给定一个密集的场景模型，我们使用密集的整个图像对齐与该模型来跟踪摄像机运动的帧率。与此紧密交织，给定来自被跟踪的相机姿态的图像，我们通过构建和细化密集的纹理深度地图来更新和扩展模型。一旦引导，系统是完全自支持的，不需要基于特性的骨架或跟踪。</a:t>
-            </a:r>
-          </a:p>
-        </p:txBody>
-      </p:sp>
-      <p:sp>
-        <p:nvSpPr>
-          <p:cNvPr id="36" name="文本框 137">
-            <a:extLst>
-              <a:ext uri="{FF2B5EF4-FFF2-40B4-BE49-F238E27FC236}">
-                <a16:creationId xmlns:a16="http://schemas.microsoft.com/office/drawing/2014/main" id="{F78CD1CC-465A-432A-A641-C72D343573E3}"/>
-              </a:ext>
-            </a:extLst>
-          </p:cNvPr>
-          <p:cNvSpPr txBox="1"/>
-          <p:nvPr/>
-        </p:nvSpPr>
-        <p:spPr>
-          <a:xfrm>
-            <a:off x="5713397" y="1261592"/>
-            <a:ext cx="2048591" cy="400110"/>
-          </a:xfrm>
-          <a:prstGeom prst="rect">
-            <a:avLst/>
-          </a:prstGeom>
-          <a:noFill/>
-        </p:spPr>
-        <p:txBody>
-          <a:bodyPr wrap="square">
-            <a:spAutoFit/>
-          </a:bodyPr>
-          <a:lstStyle>
-            <a:defPPr>
-              <a:defRPr lang="zh-CN"/>
-            </a:defPPr>
-            <a:lvl1pPr marL="0" algn="l" defTabSz="914400" rtl="0" eaLnBrk="1" latinLnBrk="0" hangingPunct="1">
-              <a:defRPr sz="1800" kern="1200">
-                <a:solidFill>
-                  <a:schemeClr val="tx1"/>
-                </a:solidFill>
-                <a:latin typeface="+mn-lt"/>
-                <a:ea typeface="+mn-ea"/>
-                <a:cs typeface="+mn-cs"/>
-              </a:defRPr>
-            </a:lvl1pPr>
-            <a:lvl2pPr marL="457200" algn="l" defTabSz="914400" rtl="0" eaLnBrk="1" latinLnBrk="0" hangingPunct="1">
-              <a:defRPr sz="1800" kern="1200">
-                <a:solidFill>
-                  <a:schemeClr val="tx1"/>
-                </a:solidFill>
-                <a:latin typeface="+mn-lt"/>
-                <a:ea typeface="+mn-ea"/>
-                <a:cs typeface="+mn-cs"/>
-              </a:defRPr>
-            </a:lvl2pPr>
-            <a:lvl3pPr marL="914400" algn="l" defTabSz="914400" rtl="0" eaLnBrk="1" latinLnBrk="0" hangingPunct="1">
-              <a:defRPr sz="1800" kern="1200">
-                <a:solidFill>
-                  <a:schemeClr val="tx1"/>
-                </a:solidFill>
-                <a:latin typeface="+mn-lt"/>
-                <a:ea typeface="+mn-ea"/>
-                <a:cs typeface="+mn-cs"/>
-              </a:defRPr>
-            </a:lvl3pPr>
-            <a:lvl4pPr marL="1371600" algn="l" defTabSz="914400" rtl="0" eaLnBrk="1" latinLnBrk="0" hangingPunct="1">
-              <a:defRPr sz="1800" kern="1200">
-                <a:solidFill>
-                  <a:schemeClr val="tx1"/>
-                </a:solidFill>
-                <a:latin typeface="+mn-lt"/>
-                <a:ea typeface="+mn-ea"/>
-                <a:cs typeface="+mn-cs"/>
-              </a:defRPr>
-            </a:lvl4pPr>
-            <a:lvl5pPr marL="1828800" algn="l" defTabSz="914400" rtl="0" eaLnBrk="1" latinLnBrk="0" hangingPunct="1">
-              <a:defRPr sz="1800" kern="1200">
-                <a:solidFill>
-                  <a:schemeClr val="tx1"/>
-                </a:solidFill>
-                <a:latin typeface="+mn-lt"/>
-                <a:ea typeface="+mn-ea"/>
-                <a:cs typeface="+mn-cs"/>
-              </a:defRPr>
-            </a:lvl5pPr>
-            <a:lvl6pPr marL="2286000" algn="l" defTabSz="914400" rtl="0" eaLnBrk="1" latinLnBrk="0" hangingPunct="1">
-              <a:defRPr sz="1800" kern="1200">
-                <a:solidFill>
-                  <a:schemeClr val="tx1"/>
-                </a:solidFill>
-                <a:latin typeface="+mn-lt"/>
-                <a:ea typeface="+mn-ea"/>
-                <a:cs typeface="+mn-cs"/>
-              </a:defRPr>
-            </a:lvl6pPr>
-            <a:lvl7pPr marL="2743200" algn="l" defTabSz="914400" rtl="0" eaLnBrk="1" latinLnBrk="0" hangingPunct="1">
-              <a:defRPr sz="1800" kern="1200">
-                <a:solidFill>
-                  <a:schemeClr val="tx1"/>
-                </a:solidFill>
-                <a:latin typeface="+mn-lt"/>
-                <a:ea typeface="+mn-ea"/>
-                <a:cs typeface="+mn-cs"/>
-              </a:defRPr>
-            </a:lvl7pPr>
-            <a:lvl8pPr marL="3200400" algn="l" defTabSz="914400" rtl="0" eaLnBrk="1" latinLnBrk="0" hangingPunct="1">
-              <a:defRPr sz="1800" kern="1200">
-                <a:solidFill>
-                  <a:schemeClr val="tx1"/>
-                </a:solidFill>
-                <a:latin typeface="+mn-lt"/>
-                <a:ea typeface="+mn-ea"/>
-                <a:cs typeface="+mn-cs"/>
-              </a:defRPr>
-            </a:lvl8pPr>
-            <a:lvl9pPr marL="3657600" algn="l" defTabSz="914400" rtl="0" eaLnBrk="1" latinLnBrk="0" hangingPunct="1">
-              <a:defRPr sz="1800" kern="1200">
-                <a:solidFill>
-                  <a:schemeClr val="tx1"/>
-                </a:solidFill>
-                <a:latin typeface="+mn-lt"/>
-                <a:ea typeface="+mn-ea"/>
-                <a:cs typeface="+mn-cs"/>
-              </a:defRPr>
-            </a:lvl9pPr>
-          </a:lstStyle>
-          <a:p>
-            <a:pPr algn="ctr"/>
-            <a:r>
-              <a:rPr lang="en-US" altLang="zh-CN" sz="2000" dirty="0">
-                <a:gradFill flip="none" rotWithShape="1">
-                  <a:gsLst>
-                    <a:gs pos="59000">
-                      <a:schemeClr val="accent1"/>
-                    </a:gs>
-                    <a:gs pos="100000">
-                      <a:schemeClr val="accent1">
-                        <a:lumMod val="25000"/>
-                        <a:lumOff val="75000"/>
-                      </a:schemeClr>
-                    </a:gs>
-                  </a:gsLst>
-                  <a:lin ang="2700000" scaled="1"/>
-                  <a:tileRect/>
-                </a:gradFill>
-                <a:latin typeface="+mj-ea"/>
-                <a:ea typeface="+mj-ea"/>
-              </a:rPr>
-              <a:t>Method</a:t>
-            </a:r>
-            <a:endParaRPr lang="zh-CN" altLang="en-US" sz="2000" dirty="0">
-              <a:gradFill flip="none" rotWithShape="1">
-                <a:gsLst>
-                  <a:gs pos="59000">
-                    <a:schemeClr val="accent1"/>
-                  </a:gs>
-                  <a:gs pos="100000">
-                    <a:schemeClr val="accent1">
-                      <a:lumMod val="25000"/>
-                      <a:lumOff val="75000"/>
-                    </a:schemeClr>
-                  </a:gs>
-                </a:gsLst>
-                <a:lin ang="2700000" scaled="1"/>
-                <a:tileRect/>
-              </a:gradFill>
-              <a:latin typeface="+mj-ea"/>
-              <a:ea typeface="+mj-ea"/>
-            </a:endParaRPr>
-          </a:p>
-        </p:txBody>
-      </p:sp>
-      <p:sp>
-        <p:nvSpPr>
-          <p:cNvPr id="38" name="文本框 137">
-            <a:extLst>
-              <a:ext uri="{FF2B5EF4-FFF2-40B4-BE49-F238E27FC236}">
-                <a16:creationId xmlns:a16="http://schemas.microsoft.com/office/drawing/2014/main" id="{E4BE3456-3B60-4CFB-83C9-E66D1C3A7312}"/>
-              </a:ext>
-            </a:extLst>
-          </p:cNvPr>
-          <p:cNvSpPr txBox="1"/>
-          <p:nvPr/>
-        </p:nvSpPr>
-        <p:spPr>
-          <a:xfrm>
-            <a:off x="207947" y="1290509"/>
-            <a:ext cx="2048591" cy="400110"/>
-          </a:xfrm>
-          <a:prstGeom prst="rect">
-            <a:avLst/>
-          </a:prstGeom>
-          <a:noFill/>
-        </p:spPr>
-        <p:txBody>
-          <a:bodyPr wrap="square">
-            <a:spAutoFit/>
-          </a:bodyPr>
-          <a:lstStyle>
-            <a:defPPr>
-              <a:defRPr lang="zh-CN"/>
-            </a:defPPr>
-            <a:lvl1pPr marL="0" algn="l" defTabSz="914400" rtl="0" eaLnBrk="1" latinLnBrk="0" hangingPunct="1">
-              <a:defRPr sz="1800" kern="1200">
-                <a:solidFill>
-                  <a:schemeClr val="tx1"/>
-                </a:solidFill>
-                <a:latin typeface="+mn-lt"/>
-                <a:ea typeface="+mn-ea"/>
-                <a:cs typeface="+mn-cs"/>
-              </a:defRPr>
-            </a:lvl1pPr>
-            <a:lvl2pPr marL="457200" algn="l" defTabSz="914400" rtl="0" eaLnBrk="1" latinLnBrk="0" hangingPunct="1">
-              <a:defRPr sz="1800" kern="1200">
-                <a:solidFill>
-                  <a:schemeClr val="tx1"/>
-                </a:solidFill>
-                <a:latin typeface="+mn-lt"/>
-                <a:ea typeface="+mn-ea"/>
-                <a:cs typeface="+mn-cs"/>
-              </a:defRPr>
-            </a:lvl2pPr>
-            <a:lvl3pPr marL="914400" algn="l" defTabSz="914400" rtl="0" eaLnBrk="1" latinLnBrk="0" hangingPunct="1">
-              <a:defRPr sz="1800" kern="1200">
-                <a:solidFill>
-                  <a:schemeClr val="tx1"/>
-                </a:solidFill>
-                <a:latin typeface="+mn-lt"/>
-                <a:ea typeface="+mn-ea"/>
-                <a:cs typeface="+mn-cs"/>
-              </a:defRPr>
-            </a:lvl3pPr>
-            <a:lvl4pPr marL="1371600" algn="l" defTabSz="914400" rtl="0" eaLnBrk="1" latinLnBrk="0" hangingPunct="1">
-              <a:defRPr sz="1800" kern="1200">
-                <a:solidFill>
-                  <a:schemeClr val="tx1"/>
-                </a:solidFill>
-                <a:latin typeface="+mn-lt"/>
-                <a:ea typeface="+mn-ea"/>
-                <a:cs typeface="+mn-cs"/>
-              </a:defRPr>
-            </a:lvl4pPr>
-            <a:lvl5pPr marL="1828800" algn="l" defTabSz="914400" rtl="0" eaLnBrk="1" latinLnBrk="0" hangingPunct="1">
-              <a:defRPr sz="1800" kern="1200">
-                <a:solidFill>
-                  <a:schemeClr val="tx1"/>
-                </a:solidFill>
-                <a:latin typeface="+mn-lt"/>
-                <a:ea typeface="+mn-ea"/>
-                <a:cs typeface="+mn-cs"/>
-              </a:defRPr>
-            </a:lvl5pPr>
-            <a:lvl6pPr marL="2286000" algn="l" defTabSz="914400" rtl="0" eaLnBrk="1" latinLnBrk="0" hangingPunct="1">
-              <a:defRPr sz="1800" kern="1200">
-                <a:solidFill>
-                  <a:schemeClr val="tx1"/>
-                </a:solidFill>
-                <a:latin typeface="+mn-lt"/>
-                <a:ea typeface="+mn-ea"/>
-                <a:cs typeface="+mn-cs"/>
-              </a:defRPr>
-            </a:lvl6pPr>
-            <a:lvl7pPr marL="2743200" algn="l" defTabSz="914400" rtl="0" eaLnBrk="1" latinLnBrk="0" hangingPunct="1">
-              <a:defRPr sz="1800" kern="1200">
-                <a:solidFill>
-                  <a:schemeClr val="tx1"/>
-                </a:solidFill>
-                <a:latin typeface="+mn-lt"/>
-                <a:ea typeface="+mn-ea"/>
-                <a:cs typeface="+mn-cs"/>
-              </a:defRPr>
-            </a:lvl7pPr>
-            <a:lvl8pPr marL="3200400" algn="l" defTabSz="914400" rtl="0" eaLnBrk="1" latinLnBrk="0" hangingPunct="1">
-              <a:defRPr sz="1800" kern="1200">
-                <a:solidFill>
-                  <a:schemeClr val="tx1"/>
-                </a:solidFill>
-                <a:latin typeface="+mn-lt"/>
-                <a:ea typeface="+mn-ea"/>
-                <a:cs typeface="+mn-cs"/>
-              </a:defRPr>
-            </a:lvl8pPr>
-            <a:lvl9pPr marL="3657600" algn="l" defTabSz="914400" rtl="0" eaLnBrk="1" latinLnBrk="0" hangingPunct="1">
-              <a:defRPr sz="1800" kern="1200">
-                <a:solidFill>
-                  <a:schemeClr val="tx1"/>
-                </a:solidFill>
-                <a:latin typeface="+mn-lt"/>
-                <a:ea typeface="+mn-ea"/>
-                <a:cs typeface="+mn-cs"/>
-              </a:defRPr>
-            </a:lvl9pPr>
-          </a:lstStyle>
-          <a:p>
-            <a:pPr algn="ctr"/>
-            <a:r>
-              <a:rPr lang="en-US" altLang="zh-CN" sz="2000" dirty="0">
-                <a:gradFill flip="none" rotWithShape="1">
-                  <a:gsLst>
-                    <a:gs pos="59000">
-                      <a:schemeClr val="accent1"/>
-                    </a:gs>
-                    <a:gs pos="100000">
-                      <a:schemeClr val="accent1">
-                        <a:lumMod val="25000"/>
-                        <a:lumOff val="75000"/>
-                      </a:schemeClr>
-                    </a:gs>
-                  </a:gsLst>
-                  <a:lin ang="2700000" scaled="1"/>
-                  <a:tileRect/>
-                </a:gradFill>
-                <a:latin typeface="+mj-ea"/>
-                <a:ea typeface="+mj-ea"/>
-              </a:rPr>
-              <a:t>Approach</a:t>
-            </a:r>
-            <a:endParaRPr lang="zh-CN" altLang="en-US" sz="2000" dirty="0">
-              <a:gradFill flip="none" rotWithShape="1">
-                <a:gsLst>
-                  <a:gs pos="59000">
-                    <a:schemeClr val="accent1"/>
-                  </a:gs>
-                  <a:gs pos="100000">
-                    <a:schemeClr val="accent1">
-                      <a:lumMod val="25000"/>
-                      <a:lumOff val="75000"/>
-                    </a:schemeClr>
-                  </a:gs>
-                </a:gsLst>
-                <a:lin ang="2700000" scaled="1"/>
-                <a:tileRect/>
-              </a:gradFill>
-              <a:latin typeface="+mj-ea"/>
-              <a:ea typeface="+mj-ea"/>
-            </a:endParaRPr>
-          </a:p>
-        </p:txBody>
-      </p:sp>
-      <p:sp>
-        <p:nvSpPr>
-          <p:cNvPr id="23" name="文本框 22">
-            <a:extLst>
-              <a:ext uri="{FF2B5EF4-FFF2-40B4-BE49-F238E27FC236}">
-                <a16:creationId xmlns:a16="http://schemas.microsoft.com/office/drawing/2014/main" id="{2B52958B-1403-443A-B696-DD88FBB3C790}"/>
-              </a:ext>
-            </a:extLst>
-          </p:cNvPr>
-          <p:cNvSpPr txBox="1"/>
-          <p:nvPr/>
-        </p:nvSpPr>
-        <p:spPr>
-          <a:xfrm>
-            <a:off x="698040" y="1770557"/>
-            <a:ext cx="4801060" cy="2215991"/>
-          </a:xfrm>
-          <a:prstGeom prst="rect">
-            <a:avLst/>
-          </a:prstGeom>
-          <a:noFill/>
-        </p:spPr>
-        <p:txBody>
-          <a:bodyPr wrap="square" lIns="0" tIns="0" rIns="0" bIns="0" rtlCol="0">
-            <a:spAutoFit/>
-          </a:bodyPr>
-          <a:lstStyle/>
-          <a:p>
-            <a:pPr algn="l"/>
-            <a:r>
-              <a:rPr lang="zh-CN" altLang="en-US" sz="1600" dirty="0"/>
-              <a:t>纽科姆等人提出了一种完全直接的方法</a:t>
-            </a:r>
-            <a:r>
-              <a:rPr lang="en-US" altLang="zh-CN" sz="1600" dirty="0"/>
-              <a:t>[43]</a:t>
-            </a:r>
-            <a:r>
-              <a:rPr lang="zh-CN" altLang="en-US" sz="1600" dirty="0"/>
-              <a:t>，称为</a:t>
-            </a:r>
-            <a:r>
-              <a:rPr lang="en-US" altLang="zh-CN" sz="1600" dirty="0"/>
-              <a:t>DTAM</a:t>
-            </a:r>
-            <a:r>
-              <a:rPr lang="zh-CN" altLang="en-US" sz="1600" dirty="0"/>
-              <a:t>。在</a:t>
-            </a:r>
-            <a:r>
-              <a:rPr lang="en-US" altLang="zh-CN" sz="1600" dirty="0"/>
-              <a:t>DTAM</a:t>
-            </a:r>
-            <a:r>
-              <a:rPr lang="zh-CN" altLang="en-US" sz="1600" dirty="0"/>
-              <a:t>中，跟踪是通过将输入的图像与重建地图生成的合成视图图像进行比较来完成的。这仅仅相当于图像和地图的三维模型之间的配准，并在</a:t>
-            </a:r>
-            <a:r>
-              <a:rPr lang="en-US" altLang="zh-CN" sz="1600" dirty="0"/>
-              <a:t>DTAM</a:t>
-            </a:r>
-            <a:r>
-              <a:rPr lang="zh-CN" altLang="en-US" sz="1600" dirty="0"/>
-              <a:t>中的</a:t>
-            </a:r>
-            <a:r>
-              <a:rPr lang="en-US" altLang="zh-CN" sz="1600" dirty="0"/>
-              <a:t>GPU</a:t>
-            </a:r>
-            <a:r>
-              <a:rPr lang="zh-CN" altLang="en-US" sz="1600" dirty="0"/>
-              <a:t>上有效地实现。利用多基线立体进行映射，然后通过考虑空间连续性对映射进行优化，从而计算出所有像素的三维坐标。初始的深度贴图是使用像</a:t>
-            </a:r>
-            <a:r>
-              <a:rPr lang="en-US" altLang="zh-CN" sz="1600" dirty="0"/>
-              <a:t>PTAM</a:t>
-            </a:r>
-            <a:r>
-              <a:rPr lang="zh-CN" altLang="en-US" sz="1600" dirty="0"/>
-              <a:t>这样的立体测量方法来创建的。总之，</a:t>
-            </a:r>
-            <a:r>
-              <a:rPr lang="en-US" altLang="zh-CN" sz="1600" dirty="0"/>
-              <a:t>DTAM</a:t>
-            </a:r>
-            <a:r>
-              <a:rPr lang="zh-CN" altLang="en-US" sz="1600" dirty="0"/>
-              <a:t>由以下三个组件组成。</a:t>
-            </a:r>
-          </a:p>
-        </p:txBody>
-      </p:sp>
-      <p:pic>
-        <p:nvPicPr>
-          <p:cNvPr id="14" name="图片 13">
-            <a:extLst>
-              <a:ext uri="{FF2B5EF4-FFF2-40B4-BE49-F238E27FC236}">
-                <a16:creationId xmlns:a16="http://schemas.microsoft.com/office/drawing/2014/main" id="{206DEE24-A06D-4E80-BCF9-40991B956A92}"/>
+                <a16:creationId xmlns:a16="http://schemas.microsoft.com/office/drawing/2014/main" id="{2A019C56-F79C-4C9E-A6C1-659A88CAE318}"/>
               </a:ext>
             </a:extLst>
           </p:cNvPr>
@@ -6687,8 +8725,8 @@
         </p:blipFill>
         <p:spPr>
           <a:xfrm>
-            <a:off x="1096870" y="4232741"/>
-            <a:ext cx="9233054" cy="2400838"/>
+            <a:off x="891740" y="1337184"/>
+            <a:ext cx="7960160" cy="5271975"/>
           </a:xfrm>
           <a:prstGeom prst="rect">
             <a:avLst/>
@@ -6698,7 +8736,7 @@
     </p:spTree>
     <p:extLst>
       <p:ext uri="{BB962C8B-B14F-4D97-AF65-F5344CB8AC3E}">
-        <p14:creationId xmlns:p14="http://schemas.microsoft.com/office/powerpoint/2010/main" val="3640631874"/>
+        <p14:creationId xmlns:p14="http://schemas.microsoft.com/office/powerpoint/2010/main" val="3723146335"/>
       </p:ext>
     </p:extLst>
   </p:cSld>
@@ -7367,8 +9405,8 @@
         </p:nvSpPr>
         <p:spPr>
           <a:xfrm>
-            <a:off x="207946" y="666393"/>
-            <a:ext cx="11869753" cy="984885"/>
+            <a:off x="207947" y="666393"/>
+            <a:ext cx="11261564" cy="492443"/>
           </a:xfrm>
           <a:prstGeom prst="rect">
             <a:avLst/>
@@ -7401,51 +9439,7 @@
                 <a:latin typeface="+mj-ea"/>
                 <a:ea typeface="+mj-ea"/>
               </a:rPr>
-              <a:t>SLAM++: Simultaneous </a:t>
-            </a:r>
-            <a:r>
-              <a:rPr lang="en-US" altLang="zh-CN" sz="3200" dirty="0" err="1">
-                <a:gradFill flip="none" rotWithShape="1">
-                  <a:gsLst>
-                    <a:gs pos="59000">
-                      <a:schemeClr val="accent1"/>
-                    </a:gs>
-                    <a:gs pos="100000">
-                      <a:schemeClr val="accent1">
-                        <a:lumMod val="25000"/>
-                        <a:lumOff val="75000"/>
-                      </a:schemeClr>
-                    </a:gs>
-                  </a:gsLst>
-                  <a:lin ang="2700000" scaled="1"/>
-                  <a:tileRect/>
-                </a:gradFill>
-                <a:latin typeface="+mj-ea"/>
-                <a:ea typeface="+mj-ea"/>
-              </a:rPr>
-              <a:t>Localisation</a:t>
-            </a:r>
-            <a:r>
-              <a:rPr lang="en-US" altLang="zh-CN" sz="3200" dirty="0">
-                <a:gradFill flip="none" rotWithShape="1">
-                  <a:gsLst>
-                    <a:gs pos="59000">
-                      <a:schemeClr val="accent1"/>
-                    </a:gs>
-                    <a:gs pos="100000">
-                      <a:schemeClr val="accent1">
-                        <a:lumMod val="25000"/>
-                        <a:lumOff val="75000"/>
-                      </a:schemeClr>
-                    </a:gs>
-                  </a:gsLst>
-                  <a:lin ang="2700000" scaled="1"/>
-                  <a:tileRect/>
-                </a:gradFill>
-                <a:latin typeface="+mj-ea"/>
-                <a:ea typeface="+mj-ea"/>
-              </a:rPr>
-              <a:t> and Mapping at the Level of Objects</a:t>
+              <a:t>Benchmark</a:t>
             </a:r>
             <a:endParaRPr lang="zh-CN" altLang="en-US" sz="3200" dirty="0">
               <a:gradFill flip="none" rotWithShape="1">
@@ -7471,10 +9465,10 @@
       </p:sp>
       <p:sp>
         <p:nvSpPr>
-          <p:cNvPr id="21" name="文本框 20">
+          <p:cNvPr id="14" name="文本框 13">
             <a:extLst>
               <a:ext uri="{FF2B5EF4-FFF2-40B4-BE49-F238E27FC236}">
-                <a16:creationId xmlns:a16="http://schemas.microsoft.com/office/drawing/2014/main" id="{0D9080BB-7830-4E06-B581-D5FCFD83ECF8}"/>
+                <a16:creationId xmlns:a16="http://schemas.microsoft.com/office/drawing/2014/main" id="{24A73864-B3F4-48B0-A16E-84A4494C43F0}"/>
               </a:ext>
             </a:extLst>
           </p:cNvPr>
@@ -7483,8 +9477,8 @@
         </p:nvSpPr>
         <p:spPr>
           <a:xfrm>
-            <a:off x="5942430" y="2003291"/>
-            <a:ext cx="5639970" cy="1661993"/>
+            <a:off x="510030" y="1274564"/>
+            <a:ext cx="9571305" cy="2154436"/>
           </a:xfrm>
           <a:prstGeom prst="rect">
             <a:avLst/>
@@ -7502,30 +9496,54 @@
               <a:buChar char="•"/>
             </a:pPr>
             <a:r>
-              <a:rPr lang="en-US" altLang="zh-CN" dirty="0" err="1"/>
-              <a:t>OneShot</a:t>
-            </a:r>
-            <a:r>
-              <a:rPr lang="zh-CN" altLang="en-US" dirty="0"/>
-              <a:t>：一种新颖的基于</a:t>
-            </a:r>
-            <a:r>
-              <a:rPr lang="en-US" altLang="zh-CN" dirty="0"/>
-              <a:t>3D LiDAR</a:t>
-            </a:r>
-            <a:r>
-              <a:rPr lang="zh-CN" altLang="en-US" dirty="0"/>
-              <a:t>的全局定位方法，该方法使用单次扫描来估计机器人的</a:t>
-            </a:r>
-            <a:r>
-              <a:rPr lang="en-US" altLang="zh-CN" dirty="0"/>
+              <a:rPr lang="en-US" altLang="zh-CN" sz="1400" dirty="0"/>
+              <a:t>TrakMark</a:t>
+            </a:r>
+            <a:r>
+              <a:rPr lang="zh-CN" altLang="en-US" sz="1400" dirty="0"/>
+              <a:t>提供了具有</a:t>
+            </a:r>
+            <a:r>
+              <a:rPr lang="en-US" altLang="zh-CN" sz="1400" dirty="0"/>
               <a:t>6</a:t>
             </a:r>
             <a:r>
-              <a:rPr lang="zh-CN" altLang="en-US" dirty="0"/>
-              <a:t>自由度位姿。</a:t>
-            </a:r>
-            <a:endParaRPr lang="en-US" altLang="zh-CN" dirty="0"/>
+              <a:rPr lang="zh-CN" altLang="en-US" sz="1400" dirty="0"/>
+              <a:t>自由度摄像机运动和固有摄像机参数的图像序列。</a:t>
+            </a:r>
+            <a:r>
+              <a:rPr lang="en-US" altLang="zh-CN" sz="1400" dirty="0"/>
+              <a:t>TrakMark</a:t>
+            </a:r>
+            <a:r>
+              <a:rPr lang="zh-CN" altLang="en-US" sz="1400" dirty="0"/>
+              <a:t>假设被用于评估</a:t>
+            </a:r>
+            <a:r>
+              <a:rPr lang="en-US" altLang="zh-CN" sz="1400" dirty="0"/>
+              <a:t>AR/MR</a:t>
+            </a:r>
+            <a:r>
+              <a:rPr lang="zh-CN" altLang="en-US" sz="1400" dirty="0"/>
+              <a:t>研究社区中</a:t>
+            </a:r>
+            <a:r>
+              <a:rPr lang="en-US" altLang="zh-CN" sz="1400" dirty="0" err="1"/>
+              <a:t>vSLAM</a:t>
+            </a:r>
+            <a:r>
+              <a:rPr lang="zh-CN" altLang="en-US" sz="1400" dirty="0"/>
+              <a:t>算法的性能。他们还从</a:t>
+            </a:r>
+            <a:r>
+              <a:rPr lang="en-US" altLang="zh-CN" sz="1400" dirty="0"/>
+              <a:t>AR/MR</a:t>
+            </a:r>
+            <a:r>
+              <a:rPr lang="zh-CN" altLang="en-US" sz="1400" dirty="0"/>
+              <a:t>研究的角度提出了一个评价标准。</a:t>
+            </a:r>
+            <a:endParaRPr lang="en-US" altLang="zh-CN" sz="1400" dirty="0"/>
           </a:p>
           <a:p>
             <a:pPr marL="285750" indent="-285750" algn="l">
@@ -7533,26 +9551,22 @@
               <a:buChar char="•"/>
             </a:pPr>
             <a:r>
-              <a:rPr lang="zh-CN" altLang="en-US" dirty="0"/>
-              <a:t>基于定制的神经网络的</a:t>
-            </a:r>
-            <a:r>
-              <a:rPr lang="en-US" altLang="zh-CN" dirty="0"/>
-              <a:t>LiDAR - Vision</a:t>
-            </a:r>
-            <a:r>
-              <a:rPr lang="zh-CN" altLang="en-US" dirty="0"/>
-              <a:t>片段描述符，显著改善了仅使用</a:t>
-            </a:r>
-            <a:r>
-              <a:rPr lang="en-US" altLang="zh-CN" dirty="0"/>
-              <a:t>LiDAR</a:t>
-            </a:r>
-            <a:r>
-              <a:rPr lang="zh-CN" altLang="en-US" dirty="0"/>
-              <a:t>描述符的独特性。</a:t>
-            </a:r>
-            <a:endParaRPr lang="en-US" altLang="zh-CN" dirty="0"/>
+              <a:rPr lang="en-US" altLang="zh-CN" sz="1400" dirty="0" err="1"/>
+              <a:t>Martull</a:t>
+            </a:r>
+            <a:r>
+              <a:rPr lang="zh-CN" altLang="en-US" sz="1400" dirty="0"/>
+              <a:t>等人新提供了一个遵循筑波数据集的立体数据集。</a:t>
+            </a:r>
+            <a:r>
+              <a:rPr lang="en-US" altLang="zh-CN" sz="1400" dirty="0" err="1"/>
+              <a:t>Tukuba</a:t>
+            </a:r>
+            <a:r>
+              <a:rPr lang="zh-CN" altLang="en-US" sz="1400" dirty="0"/>
+              <a:t>立体数据集已被用于评价立体算法。他们使用计算机图形学创建了新的图库坝立体声数据集。在数据集中提供了每一帧的图像序列、相机姿态和深度地图。图像序列是创建使用不同的相机轨迹和照明条件。</a:t>
+            </a:r>
+            <a:endParaRPr lang="en-US" altLang="zh-CN" sz="1400" dirty="0"/>
           </a:p>
           <a:p>
             <a:pPr marL="285750" indent="-285750" algn="l">
@@ -7560,497 +9574,92 @@
               <a:buChar char="•"/>
             </a:pPr>
             <a:r>
-              <a:rPr lang="zh-CN" altLang="en-US" dirty="0"/>
-              <a:t>在公开可用的数据集上对所提出的算法进行了广泛的评估，表明在最先进的基线上提高了性能。</a:t>
-            </a:r>
-          </a:p>
-        </p:txBody>
-      </p:sp>
-      <p:sp>
-        <p:nvSpPr>
-          <p:cNvPr id="36" name="文本框 137">
-            <a:extLst>
-              <a:ext uri="{FF2B5EF4-FFF2-40B4-BE49-F238E27FC236}">
-                <a16:creationId xmlns:a16="http://schemas.microsoft.com/office/drawing/2014/main" id="{F78CD1CC-465A-432A-A641-C72D343573E3}"/>
-              </a:ext>
-            </a:extLst>
-          </p:cNvPr>
-          <p:cNvSpPr txBox="1"/>
-          <p:nvPr/>
-        </p:nvSpPr>
-        <p:spPr>
-          <a:xfrm>
-            <a:off x="5713397" y="1261592"/>
-            <a:ext cx="2048591" cy="400110"/>
-          </a:xfrm>
-          <a:prstGeom prst="rect">
-            <a:avLst/>
-          </a:prstGeom>
-          <a:noFill/>
-        </p:spPr>
-        <p:txBody>
-          <a:bodyPr wrap="square">
-            <a:spAutoFit/>
-          </a:bodyPr>
-          <a:lstStyle>
-            <a:defPPr>
-              <a:defRPr lang="zh-CN"/>
-            </a:defPPr>
-            <a:lvl1pPr marL="0" algn="l" defTabSz="914400" rtl="0" eaLnBrk="1" latinLnBrk="0" hangingPunct="1">
-              <a:defRPr sz="1800" kern="1200">
-                <a:solidFill>
-                  <a:schemeClr val="tx1"/>
-                </a:solidFill>
-                <a:latin typeface="+mn-lt"/>
-                <a:ea typeface="+mn-ea"/>
-                <a:cs typeface="+mn-cs"/>
-              </a:defRPr>
-            </a:lvl1pPr>
-            <a:lvl2pPr marL="457200" algn="l" defTabSz="914400" rtl="0" eaLnBrk="1" latinLnBrk="0" hangingPunct="1">
-              <a:defRPr sz="1800" kern="1200">
-                <a:solidFill>
-                  <a:schemeClr val="tx1"/>
-                </a:solidFill>
-                <a:latin typeface="+mn-lt"/>
-                <a:ea typeface="+mn-ea"/>
-                <a:cs typeface="+mn-cs"/>
-              </a:defRPr>
-            </a:lvl2pPr>
-            <a:lvl3pPr marL="914400" algn="l" defTabSz="914400" rtl="0" eaLnBrk="1" latinLnBrk="0" hangingPunct="1">
-              <a:defRPr sz="1800" kern="1200">
-                <a:solidFill>
-                  <a:schemeClr val="tx1"/>
-                </a:solidFill>
-                <a:latin typeface="+mn-lt"/>
-                <a:ea typeface="+mn-ea"/>
-                <a:cs typeface="+mn-cs"/>
-              </a:defRPr>
-            </a:lvl3pPr>
-            <a:lvl4pPr marL="1371600" algn="l" defTabSz="914400" rtl="0" eaLnBrk="1" latinLnBrk="0" hangingPunct="1">
-              <a:defRPr sz="1800" kern="1200">
-                <a:solidFill>
-                  <a:schemeClr val="tx1"/>
-                </a:solidFill>
-                <a:latin typeface="+mn-lt"/>
-                <a:ea typeface="+mn-ea"/>
-                <a:cs typeface="+mn-cs"/>
-              </a:defRPr>
-            </a:lvl4pPr>
-            <a:lvl5pPr marL="1828800" algn="l" defTabSz="914400" rtl="0" eaLnBrk="1" latinLnBrk="0" hangingPunct="1">
-              <a:defRPr sz="1800" kern="1200">
-                <a:solidFill>
-                  <a:schemeClr val="tx1"/>
-                </a:solidFill>
-                <a:latin typeface="+mn-lt"/>
-                <a:ea typeface="+mn-ea"/>
-                <a:cs typeface="+mn-cs"/>
-              </a:defRPr>
-            </a:lvl5pPr>
-            <a:lvl6pPr marL="2286000" algn="l" defTabSz="914400" rtl="0" eaLnBrk="1" latinLnBrk="0" hangingPunct="1">
-              <a:defRPr sz="1800" kern="1200">
-                <a:solidFill>
-                  <a:schemeClr val="tx1"/>
-                </a:solidFill>
-                <a:latin typeface="+mn-lt"/>
-                <a:ea typeface="+mn-ea"/>
-                <a:cs typeface="+mn-cs"/>
-              </a:defRPr>
-            </a:lvl6pPr>
-            <a:lvl7pPr marL="2743200" algn="l" defTabSz="914400" rtl="0" eaLnBrk="1" latinLnBrk="0" hangingPunct="1">
-              <a:defRPr sz="1800" kern="1200">
-                <a:solidFill>
-                  <a:schemeClr val="tx1"/>
-                </a:solidFill>
-                <a:latin typeface="+mn-lt"/>
-                <a:ea typeface="+mn-ea"/>
-                <a:cs typeface="+mn-cs"/>
-              </a:defRPr>
-            </a:lvl7pPr>
-            <a:lvl8pPr marL="3200400" algn="l" defTabSz="914400" rtl="0" eaLnBrk="1" latinLnBrk="0" hangingPunct="1">
-              <a:defRPr sz="1800" kern="1200">
-                <a:solidFill>
-                  <a:schemeClr val="tx1"/>
-                </a:solidFill>
-                <a:latin typeface="+mn-lt"/>
-                <a:ea typeface="+mn-ea"/>
-                <a:cs typeface="+mn-cs"/>
-              </a:defRPr>
-            </a:lvl8pPr>
-            <a:lvl9pPr marL="3657600" algn="l" defTabSz="914400" rtl="0" eaLnBrk="1" latinLnBrk="0" hangingPunct="1">
-              <a:defRPr sz="1800" kern="1200">
-                <a:solidFill>
-                  <a:schemeClr val="tx1"/>
-                </a:solidFill>
-                <a:latin typeface="+mn-lt"/>
-                <a:ea typeface="+mn-ea"/>
-                <a:cs typeface="+mn-cs"/>
-              </a:defRPr>
-            </a:lvl9pPr>
-          </a:lstStyle>
-          <a:p>
-            <a:pPr algn="ctr"/>
-            <a:r>
-              <a:rPr lang="en-US" altLang="zh-CN" sz="2000" dirty="0">
-                <a:gradFill flip="none" rotWithShape="1">
-                  <a:gsLst>
-                    <a:gs pos="59000">
-                      <a:schemeClr val="accent1"/>
-                    </a:gs>
-                    <a:gs pos="100000">
-                      <a:schemeClr val="accent1">
-                        <a:lumMod val="25000"/>
-                        <a:lumOff val="75000"/>
-                      </a:schemeClr>
-                    </a:gs>
-                  </a:gsLst>
-                  <a:lin ang="2700000" scaled="1"/>
-                  <a:tileRect/>
-                </a:gradFill>
-                <a:latin typeface="+mj-ea"/>
-                <a:ea typeface="+mj-ea"/>
-              </a:rPr>
-              <a:t>Contributions</a:t>
-            </a:r>
-            <a:endParaRPr lang="zh-CN" altLang="en-US" sz="2000" dirty="0">
-              <a:gradFill flip="none" rotWithShape="1">
-                <a:gsLst>
-                  <a:gs pos="59000">
-                    <a:schemeClr val="accent1"/>
-                  </a:gs>
-                  <a:gs pos="100000">
-                    <a:schemeClr val="accent1">
-                      <a:lumMod val="25000"/>
-                      <a:lumOff val="75000"/>
-                    </a:schemeClr>
-                  </a:gs>
-                </a:gsLst>
-                <a:lin ang="2700000" scaled="1"/>
-                <a:tileRect/>
-              </a:gradFill>
-              <a:latin typeface="+mj-ea"/>
-              <a:ea typeface="+mj-ea"/>
-            </a:endParaRPr>
-          </a:p>
-        </p:txBody>
-      </p:sp>
-      <p:sp>
-        <p:nvSpPr>
-          <p:cNvPr id="38" name="文本框 137">
-            <a:extLst>
-              <a:ext uri="{FF2B5EF4-FFF2-40B4-BE49-F238E27FC236}">
-                <a16:creationId xmlns:a16="http://schemas.microsoft.com/office/drawing/2014/main" id="{E4BE3456-3B60-4CFB-83C9-E66D1C3A7312}"/>
-              </a:ext>
-            </a:extLst>
-          </p:cNvPr>
-          <p:cNvSpPr txBox="1"/>
-          <p:nvPr/>
-        </p:nvSpPr>
-        <p:spPr>
-          <a:xfrm>
-            <a:off x="1397686" y="1374739"/>
-            <a:ext cx="2048591" cy="400110"/>
-          </a:xfrm>
-          <a:prstGeom prst="rect">
-            <a:avLst/>
-          </a:prstGeom>
-          <a:noFill/>
-        </p:spPr>
-        <p:txBody>
-          <a:bodyPr wrap="square">
-            <a:spAutoFit/>
-          </a:bodyPr>
-          <a:lstStyle>
-            <a:defPPr>
-              <a:defRPr lang="zh-CN"/>
-            </a:defPPr>
-            <a:lvl1pPr marL="0" algn="l" defTabSz="914400" rtl="0" eaLnBrk="1" latinLnBrk="0" hangingPunct="1">
-              <a:defRPr sz="1800" kern="1200">
-                <a:solidFill>
-                  <a:schemeClr val="tx1"/>
-                </a:solidFill>
-                <a:latin typeface="+mn-lt"/>
-                <a:ea typeface="+mn-ea"/>
-                <a:cs typeface="+mn-cs"/>
-              </a:defRPr>
-            </a:lvl1pPr>
-            <a:lvl2pPr marL="457200" algn="l" defTabSz="914400" rtl="0" eaLnBrk="1" latinLnBrk="0" hangingPunct="1">
-              <a:defRPr sz="1800" kern="1200">
-                <a:solidFill>
-                  <a:schemeClr val="tx1"/>
-                </a:solidFill>
-                <a:latin typeface="+mn-lt"/>
-                <a:ea typeface="+mn-ea"/>
-                <a:cs typeface="+mn-cs"/>
-              </a:defRPr>
-            </a:lvl2pPr>
-            <a:lvl3pPr marL="914400" algn="l" defTabSz="914400" rtl="0" eaLnBrk="1" latinLnBrk="0" hangingPunct="1">
-              <a:defRPr sz="1800" kern="1200">
-                <a:solidFill>
-                  <a:schemeClr val="tx1"/>
-                </a:solidFill>
-                <a:latin typeface="+mn-lt"/>
-                <a:ea typeface="+mn-ea"/>
-                <a:cs typeface="+mn-cs"/>
-              </a:defRPr>
-            </a:lvl3pPr>
-            <a:lvl4pPr marL="1371600" algn="l" defTabSz="914400" rtl="0" eaLnBrk="1" latinLnBrk="0" hangingPunct="1">
-              <a:defRPr sz="1800" kern="1200">
-                <a:solidFill>
-                  <a:schemeClr val="tx1"/>
-                </a:solidFill>
-                <a:latin typeface="+mn-lt"/>
-                <a:ea typeface="+mn-ea"/>
-                <a:cs typeface="+mn-cs"/>
-              </a:defRPr>
-            </a:lvl4pPr>
-            <a:lvl5pPr marL="1828800" algn="l" defTabSz="914400" rtl="0" eaLnBrk="1" latinLnBrk="0" hangingPunct="1">
-              <a:defRPr sz="1800" kern="1200">
-                <a:solidFill>
-                  <a:schemeClr val="tx1"/>
-                </a:solidFill>
-                <a:latin typeface="+mn-lt"/>
-                <a:ea typeface="+mn-ea"/>
-                <a:cs typeface="+mn-cs"/>
-              </a:defRPr>
-            </a:lvl5pPr>
-            <a:lvl6pPr marL="2286000" algn="l" defTabSz="914400" rtl="0" eaLnBrk="1" latinLnBrk="0" hangingPunct="1">
-              <a:defRPr sz="1800" kern="1200">
-                <a:solidFill>
-                  <a:schemeClr val="tx1"/>
-                </a:solidFill>
-                <a:latin typeface="+mn-lt"/>
-                <a:ea typeface="+mn-ea"/>
-                <a:cs typeface="+mn-cs"/>
-              </a:defRPr>
-            </a:lvl6pPr>
-            <a:lvl7pPr marL="2743200" algn="l" defTabSz="914400" rtl="0" eaLnBrk="1" latinLnBrk="0" hangingPunct="1">
-              <a:defRPr sz="1800" kern="1200">
-                <a:solidFill>
-                  <a:schemeClr val="tx1"/>
-                </a:solidFill>
-                <a:latin typeface="+mn-lt"/>
-                <a:ea typeface="+mn-ea"/>
-                <a:cs typeface="+mn-cs"/>
-              </a:defRPr>
-            </a:lvl7pPr>
-            <a:lvl8pPr marL="3200400" algn="l" defTabSz="914400" rtl="0" eaLnBrk="1" latinLnBrk="0" hangingPunct="1">
-              <a:defRPr sz="1800" kern="1200">
-                <a:solidFill>
-                  <a:schemeClr val="tx1"/>
-                </a:solidFill>
-                <a:latin typeface="+mn-lt"/>
-                <a:ea typeface="+mn-ea"/>
-                <a:cs typeface="+mn-cs"/>
-              </a:defRPr>
-            </a:lvl8pPr>
-            <a:lvl9pPr marL="3657600" algn="l" defTabSz="914400" rtl="0" eaLnBrk="1" latinLnBrk="0" hangingPunct="1">
-              <a:defRPr sz="1800" kern="1200">
-                <a:solidFill>
-                  <a:schemeClr val="tx1"/>
-                </a:solidFill>
-                <a:latin typeface="+mn-lt"/>
-                <a:ea typeface="+mn-ea"/>
-                <a:cs typeface="+mn-cs"/>
-              </a:defRPr>
-            </a:lvl9pPr>
-          </a:lstStyle>
-          <a:p>
-            <a:pPr algn="ctr"/>
-            <a:r>
-              <a:rPr lang="en-US" altLang="zh-CN" sz="2000" dirty="0">
-                <a:gradFill flip="none" rotWithShape="1">
-                  <a:gsLst>
-                    <a:gs pos="59000">
-                      <a:schemeClr val="accent1"/>
-                    </a:gs>
-                    <a:gs pos="100000">
-                      <a:schemeClr val="accent1">
-                        <a:lumMod val="25000"/>
-                        <a:lumOff val="75000"/>
-                      </a:schemeClr>
-                    </a:gs>
-                  </a:gsLst>
-                  <a:lin ang="2700000" scaled="1"/>
-                  <a:tileRect/>
-                </a:gradFill>
-                <a:latin typeface="+mj-ea"/>
-                <a:ea typeface="+mj-ea"/>
-              </a:rPr>
-              <a:t>Approach</a:t>
-            </a:r>
-            <a:endParaRPr lang="zh-CN" altLang="en-US" sz="2000" dirty="0">
-              <a:gradFill flip="none" rotWithShape="1">
-                <a:gsLst>
-                  <a:gs pos="59000">
-                    <a:schemeClr val="accent1"/>
-                  </a:gs>
-                  <a:gs pos="100000">
-                    <a:schemeClr val="accent1">
-                      <a:lumMod val="25000"/>
-                      <a:lumOff val="75000"/>
-                    </a:schemeClr>
-                  </a:gs>
-                </a:gsLst>
-                <a:lin ang="2700000" scaled="1"/>
-                <a:tileRect/>
-              </a:gradFill>
-              <a:latin typeface="+mj-ea"/>
-              <a:ea typeface="+mj-ea"/>
-            </a:endParaRPr>
-          </a:p>
-        </p:txBody>
-      </p:sp>
-      <p:sp>
-        <p:nvSpPr>
-          <p:cNvPr id="23" name="文本框 22">
-            <a:extLst>
-              <a:ext uri="{FF2B5EF4-FFF2-40B4-BE49-F238E27FC236}">
-                <a16:creationId xmlns:a16="http://schemas.microsoft.com/office/drawing/2014/main" id="{2B52958B-1403-443A-B696-DD88FBB3C790}"/>
-              </a:ext>
-            </a:extLst>
-          </p:cNvPr>
-          <p:cNvSpPr txBox="1"/>
-          <p:nvPr/>
-        </p:nvSpPr>
-        <p:spPr>
-          <a:xfrm>
-            <a:off x="698040" y="1770557"/>
-            <a:ext cx="4801060" cy="2215991"/>
-          </a:xfrm>
-          <a:prstGeom prst="rect">
-            <a:avLst/>
-          </a:prstGeom>
-          <a:noFill/>
-        </p:spPr>
-        <p:txBody>
-          <a:bodyPr wrap="square" lIns="0" tIns="0" rIns="0" bIns="0" rtlCol="0">
-            <a:spAutoFit/>
-          </a:bodyPr>
-          <a:lstStyle/>
-          <a:p>
-            <a:pPr algn="l"/>
-            <a:r>
-              <a:rPr lang="zh-CN" altLang="en-US" sz="1200" b="1" dirty="0"/>
-              <a:t>分割</a:t>
-            </a:r>
-            <a:endParaRPr lang="en-US" altLang="zh-CN" sz="1200" b="1" dirty="0"/>
+              <a:rPr lang="en-US" altLang="zh-CN" sz="1400" dirty="0"/>
+              <a:t>TUM RGB-D</a:t>
+            </a:r>
+            <a:r>
+              <a:rPr lang="zh-CN" altLang="en-US" sz="1400" dirty="0"/>
+              <a:t>基准测试数据集提供了</a:t>
+            </a:r>
+            <a:r>
+              <a:rPr lang="en-US" altLang="zh-CN" sz="1400" dirty="0"/>
+              <a:t>RGB-D</a:t>
+            </a:r>
+            <a:r>
+              <a:rPr lang="zh-CN" altLang="en-US" sz="1400" dirty="0"/>
+              <a:t>与</a:t>
+            </a:r>
+            <a:r>
+              <a:rPr lang="en-US" altLang="zh-CN" sz="1400" dirty="0"/>
+              <a:t>6</a:t>
+            </a:r>
+            <a:r>
+              <a:rPr lang="zh-CN" altLang="en-US" sz="1400" dirty="0"/>
+              <a:t>自由度相机姿态的图像序列。</a:t>
+            </a:r>
+            <a:endParaRPr lang="en-US" altLang="zh-CN" sz="1400" dirty="0"/>
           </a:p>
           <a:p>
-            <a:pPr algn="l"/>
-            <a:r>
-              <a:rPr lang="zh-CN" altLang="en-US" sz="1200" dirty="0"/>
-              <a:t>由</a:t>
-            </a:r>
-            <a:r>
-              <a:rPr lang="en-US" altLang="zh-CN" sz="1200" dirty="0"/>
-              <a:t>3D</a:t>
-            </a:r>
-            <a:r>
-              <a:rPr lang="zh-CN" altLang="en-US" sz="1200" dirty="0"/>
-              <a:t>传感器生成的点云流首先在动态体素网格中累积。采用增量式区域生长算法对机器人周围半径为</a:t>
-            </a:r>
-            <a:r>
-              <a:rPr lang="en-US" altLang="zh-CN" sz="1200" dirty="0"/>
-              <a:t>R</a:t>
-            </a:r>
-            <a:r>
-              <a:rPr lang="zh-CN" altLang="en-US" sz="1200" dirty="0"/>
-              <a:t>的圆形区域进行有效分割</a:t>
-            </a:r>
-            <a:endParaRPr lang="en-US" altLang="zh-CN" sz="1200" dirty="0"/>
+            <a:pPr marL="285750" indent="-285750" algn="l">
+              <a:buFont typeface="Arial" panose="020B0604020202020204" pitchFamily="34" charset="0"/>
+              <a:buChar char="•"/>
+            </a:pPr>
+            <a:r>
+              <a:rPr lang="en-US" altLang="zh-CN" sz="1400" dirty="0"/>
+              <a:t>KITTI</a:t>
+            </a:r>
+            <a:r>
+              <a:rPr lang="zh-CN" altLang="en-US" sz="1400" dirty="0"/>
+              <a:t>数据集被设计用于评估驾驶场景中的视觉系统，并包括多种类型的数据。在该数据集中，提供了视觉测程数据集。使用</a:t>
+            </a:r>
+            <a:r>
+              <a:rPr lang="en-US" altLang="zh-CN" sz="1400" dirty="0"/>
+              <a:t>RTK-GPS</a:t>
+            </a:r>
+            <a:r>
+              <a:rPr lang="zh-CN" altLang="en-US" sz="1400" dirty="0"/>
+              <a:t>获得地面真实摄像机的姿态。</a:t>
+            </a:r>
+            <a:endParaRPr lang="en-US" altLang="zh-CN" sz="1400" dirty="0"/>
           </a:p>
           <a:p>
-            <a:pPr algn="l"/>
-            <a:r>
-              <a:rPr lang="zh-CN" altLang="en-US" sz="1200" b="1" dirty="0"/>
-              <a:t>描述符</a:t>
-            </a:r>
-            <a:endParaRPr lang="en-US" altLang="zh-CN" sz="1200" b="1" dirty="0"/>
+            <a:pPr marL="285750" indent="-285750" algn="l">
+              <a:buFont typeface="Arial" panose="020B0604020202020204" pitchFamily="34" charset="0"/>
+              <a:buChar char="•"/>
+            </a:pPr>
+            <a:r>
+              <a:rPr lang="en-US" altLang="zh-CN" sz="1400" dirty="0" err="1"/>
+              <a:t>SLAMBench</a:t>
+            </a:r>
+            <a:r>
+              <a:rPr lang="zh-CN" altLang="en-US" sz="1400" dirty="0"/>
+              <a:t>提供了一个框架，用于评估来自精度和能耗的</a:t>
+            </a:r>
+            <a:r>
+              <a:rPr lang="en-US" altLang="zh-CN" sz="1400" dirty="0" err="1"/>
+              <a:t>vSLAM</a:t>
+            </a:r>
+            <a:r>
+              <a:rPr lang="zh-CN" altLang="en-US" sz="1400" dirty="0"/>
+              <a:t>算法。</a:t>
+            </a:r>
+            <a:endParaRPr lang="en-US" altLang="zh-CN" sz="1400" dirty="0"/>
           </a:p>
           <a:p>
-            <a:pPr algn="l"/>
-            <a:r>
-              <a:rPr lang="zh-CN" altLang="en-US" sz="1200" dirty="0"/>
-              <a:t>描述符提取器由</a:t>
-            </a:r>
-            <a:r>
-              <a:rPr lang="en-US" altLang="zh-CN" sz="1200" dirty="0"/>
-              <a:t>3</a:t>
-            </a:r>
-            <a:r>
-              <a:rPr lang="zh-CN" altLang="en-US" sz="1200" dirty="0"/>
-              <a:t>个卷积层和</a:t>
-            </a:r>
-            <a:r>
-              <a:rPr lang="en-US" altLang="zh-CN" sz="1200" dirty="0"/>
-              <a:t>2</a:t>
-            </a:r>
-            <a:r>
-              <a:rPr lang="zh-CN" altLang="en-US" sz="1200" dirty="0"/>
-              <a:t>个全连接层组成。</a:t>
-            </a:r>
-            <a:endParaRPr lang="en-US" altLang="zh-CN" sz="1200" dirty="0"/>
-          </a:p>
-          <a:p>
-            <a:pPr algn="l"/>
-            <a:r>
-              <a:rPr lang="zh-CN" altLang="en-US" sz="1200" b="1" dirty="0"/>
-              <a:t>定位</a:t>
-            </a:r>
-            <a:endParaRPr lang="en-US" altLang="zh-CN" sz="1200" b="1" dirty="0"/>
-          </a:p>
-          <a:p>
-            <a:pPr algn="l"/>
-            <a:r>
-              <a:rPr lang="zh-CN" altLang="en-US" sz="1200" dirty="0"/>
-              <a:t>在下一步中，使用特征空间中的</a:t>
-            </a:r>
-            <a:r>
-              <a:rPr lang="en-US" altLang="zh-CN" sz="1200" dirty="0"/>
-              <a:t>k</a:t>
-            </a:r>
-            <a:r>
-              <a:rPr lang="zh-CN" altLang="en-US" sz="1200" dirty="0"/>
-              <a:t>近邻</a:t>
-            </a:r>
-            <a:r>
-              <a:rPr lang="en-US" altLang="zh-CN" sz="1200" dirty="0"/>
-              <a:t>( k-NN )</a:t>
-            </a:r>
-            <a:r>
-              <a:rPr lang="zh-CN" altLang="en-US" sz="1200" dirty="0"/>
-              <a:t>在全局和局部片段之间确定候选对应关系。最终通过使用基于段质心的增量几何验证策略过滤这些候选对应来执行定位</a:t>
-            </a:r>
-            <a:endParaRPr lang="en-US" altLang="zh-CN" sz="1200" dirty="0"/>
-          </a:p>
-          <a:p>
-            <a:pPr algn="l"/>
-            <a:r>
-              <a:rPr lang="zh-CN" altLang="en-US" sz="1200" b="1" dirty="0"/>
-              <a:t>重构与语义</a:t>
-            </a:r>
-            <a:endParaRPr lang="en-US" altLang="zh-CN" sz="1200" b="1" dirty="0"/>
-          </a:p>
-          <a:p>
-            <a:pPr algn="l"/>
-            <a:r>
-              <a:rPr lang="zh-CN" altLang="en-US" sz="1200" dirty="0"/>
-              <a:t>压缩表示可以在任何时候用来重构地图和提取语义信息</a:t>
-            </a:r>
-            <a:endParaRPr lang="en-US" altLang="zh-CN" sz="1200" dirty="0"/>
-          </a:p>
-          <a:p>
-            <a:pPr algn="l"/>
-            <a:endParaRPr lang="zh-CN" altLang="en-US" sz="1200" dirty="0"/>
+            <a:pPr marL="285750" indent="-285750" algn="l">
+              <a:buFont typeface="Arial" panose="020B0604020202020204" pitchFamily="34" charset="0"/>
+              <a:buChar char="•"/>
+            </a:pPr>
+            <a:endParaRPr lang="en-US" altLang="zh-CN" sz="1400" dirty="0"/>
           </a:p>
         </p:txBody>
       </p:sp>
       <p:pic>
         <p:nvPicPr>
-          <p:cNvPr id="14" name="图片 13">
+          <p:cNvPr id="18" name="图片 17">
             <a:extLst>
               <a:ext uri="{FF2B5EF4-FFF2-40B4-BE49-F238E27FC236}">
-                <a16:creationId xmlns:a16="http://schemas.microsoft.com/office/drawing/2014/main" id="{E5458DAE-2BA1-4280-A28D-54D6FDC80C6D}"/>
+                <a16:creationId xmlns:a16="http://schemas.microsoft.com/office/drawing/2014/main" id="{FED195AA-32D2-4431-9909-89F25F5CDB40}"/>
               </a:ext>
             </a:extLst>
           </p:cNvPr>
@@ -8067,125 +9676,18 @@
         </p:blipFill>
         <p:spPr>
           <a:xfrm>
-            <a:off x="298409" y="3935133"/>
-            <a:ext cx="5234205" cy="2467078"/>
+            <a:off x="752040" y="3544728"/>
+            <a:ext cx="7681341" cy="3101311"/>
           </a:xfrm>
           <a:prstGeom prst="rect">
             <a:avLst/>
           </a:prstGeom>
         </p:spPr>
       </p:pic>
-      <p:sp>
-        <p:nvSpPr>
-          <p:cNvPr id="15" name="文本框 14">
-            <a:extLst>
-              <a:ext uri="{FF2B5EF4-FFF2-40B4-BE49-F238E27FC236}">
-                <a16:creationId xmlns:a16="http://schemas.microsoft.com/office/drawing/2014/main" id="{60942D3D-7ADD-4D58-8424-2D1B81AC4835}"/>
-              </a:ext>
-            </a:extLst>
-          </p:cNvPr>
-          <p:cNvSpPr txBox="1"/>
-          <p:nvPr/>
-        </p:nvSpPr>
-        <p:spPr>
-          <a:xfrm>
-            <a:off x="1713575" y="6419849"/>
-            <a:ext cx="1384995" cy="276999"/>
-          </a:xfrm>
-          <a:prstGeom prst="rect">
-            <a:avLst/>
-          </a:prstGeom>
-          <a:noFill/>
-        </p:spPr>
-        <p:txBody>
-          <a:bodyPr wrap="none" lIns="0" tIns="0" rIns="0" bIns="0" rtlCol="0">
-            <a:spAutoFit/>
-          </a:bodyPr>
-          <a:lstStyle/>
-          <a:p>
-            <a:pPr algn="l"/>
-            <a:r>
-              <a:rPr lang="zh-CN" altLang="en-US" dirty="0"/>
-              <a:t>全局定位管道</a:t>
-            </a:r>
-          </a:p>
-        </p:txBody>
-      </p:sp>
-      <p:pic>
-        <p:nvPicPr>
-          <p:cNvPr id="19" name="图片 18">
-            <a:extLst>
-              <a:ext uri="{FF2B5EF4-FFF2-40B4-BE49-F238E27FC236}">
-                <a16:creationId xmlns:a16="http://schemas.microsoft.com/office/drawing/2014/main" id="{7A251B72-9A9C-4B20-AD42-8D34D7D7FA6E}"/>
-              </a:ext>
-            </a:extLst>
-          </p:cNvPr>
-          <p:cNvPicPr>
-            <a:picLocks noChangeAspect="1"/>
-          </p:cNvPicPr>
-          <p:nvPr/>
-        </p:nvPicPr>
-        <p:blipFill>
-          <a:blip r:embed="rId4"/>
-          <a:stretch>
-            <a:fillRect/>
-          </a:stretch>
-        </p:blipFill>
-        <p:spPr>
-          <a:xfrm>
-            <a:off x="7194122" y="3665284"/>
-            <a:ext cx="2788078" cy="2642917"/>
-          </a:xfrm>
-          <a:prstGeom prst="rect">
-            <a:avLst/>
-          </a:prstGeom>
-        </p:spPr>
-      </p:pic>
-      <p:sp>
-        <p:nvSpPr>
-          <p:cNvPr id="24" name="文本框 23">
-            <a:extLst>
-              <a:ext uri="{FF2B5EF4-FFF2-40B4-BE49-F238E27FC236}">
-                <a16:creationId xmlns:a16="http://schemas.microsoft.com/office/drawing/2014/main" id="{C908108F-84AB-4443-8997-C55C5A4B81B8}"/>
-              </a:ext>
-            </a:extLst>
-          </p:cNvPr>
-          <p:cNvSpPr txBox="1"/>
-          <p:nvPr/>
-        </p:nvSpPr>
-        <p:spPr>
-          <a:xfrm>
-            <a:off x="7761988" y="6324599"/>
-            <a:ext cx="1715213" cy="276999"/>
-          </a:xfrm>
-          <a:prstGeom prst="rect">
-            <a:avLst/>
-          </a:prstGeom>
-          <a:noFill/>
-        </p:spPr>
-        <p:txBody>
-          <a:bodyPr wrap="none" lIns="0" tIns="0" rIns="0" bIns="0" rtlCol="0">
-            <a:spAutoFit/>
-          </a:bodyPr>
-          <a:lstStyle/>
-          <a:p>
-            <a:pPr algn="l"/>
-            <a:r>
-              <a:rPr lang="zh-CN" altLang="en-US" dirty="0"/>
-              <a:t>多模态</a:t>
-            </a:r>
-            <a:r>
-              <a:rPr lang="en-US" altLang="zh-CN" dirty="0"/>
-              <a:t>descriptor</a:t>
-            </a:r>
-            <a:endParaRPr lang="zh-CN" altLang="en-US" dirty="0"/>
-          </a:p>
-        </p:txBody>
-      </p:sp>
     </p:spTree>
     <p:extLst>
       <p:ext uri="{BB962C8B-B14F-4D97-AF65-F5344CB8AC3E}">
-        <p14:creationId xmlns:p14="http://schemas.microsoft.com/office/powerpoint/2010/main" val="998027100"/>
+        <p14:creationId xmlns:p14="http://schemas.microsoft.com/office/powerpoint/2010/main" val="4119255796"/>
       </p:ext>
     </p:extLst>
   </p:cSld>
@@ -8212,36 +9714,6 @@
           <a:chExt cx="0" cy="0"/>
         </a:xfrm>
       </p:grpSpPr>
-      <p:pic>
-        <p:nvPicPr>
-          <p:cNvPr id="17" name="图片 16">
-            <a:extLst>
-              <a:ext uri="{FF2B5EF4-FFF2-40B4-BE49-F238E27FC236}">
-                <a16:creationId xmlns:a16="http://schemas.microsoft.com/office/drawing/2014/main" id="{6C6E4EF4-52A5-4959-B1DD-9320779D9CC1}"/>
-              </a:ext>
-            </a:extLst>
-          </p:cNvPr>
-          <p:cNvPicPr>
-            <a:picLocks noChangeAspect="1"/>
-          </p:cNvPicPr>
-          <p:nvPr/>
-        </p:nvPicPr>
-        <p:blipFill>
-          <a:blip r:embed="rId3"/>
-          <a:stretch>
-            <a:fillRect/>
-          </a:stretch>
-        </p:blipFill>
-        <p:spPr>
-          <a:xfrm>
-            <a:off x="5838729" y="1707200"/>
-            <a:ext cx="6247018" cy="4183833"/>
-          </a:xfrm>
-          <a:prstGeom prst="rect">
-            <a:avLst/>
-          </a:prstGeom>
-        </p:spPr>
-      </p:pic>
       <p:sp>
         <p:nvSpPr>
           <p:cNvPr id="2" name="矩形 1">
@@ -8885,7 +10357,7 @@
         <p:spPr>
           <a:xfrm>
             <a:off x="207947" y="666393"/>
-            <a:ext cx="11261564" cy="492443"/>
+            <a:ext cx="10824674" cy="492443"/>
           </a:xfrm>
           <a:prstGeom prst="rect">
             <a:avLst/>
@@ -8898,6 +10370,28 @@
           </a:bodyPr>
           <a:lstStyle/>
           <a:p>
+            <a:r>
+              <a:rPr lang="en-US" altLang="zh-CN" sz="3200" dirty="0" err="1">
+                <a:gradFill flip="none" rotWithShape="1">
+                  <a:gsLst>
+                    <a:gs pos="59000">
+                      <a:schemeClr val="accent1"/>
+                    </a:gs>
+                    <a:gs pos="100000">
+                      <a:schemeClr val="accent1">
+                        <a:lumMod val="25000"/>
+                        <a:lumOff val="75000"/>
+                      </a:schemeClr>
+                    </a:gs>
+                  </a:gsLst>
+                  <a:lin ang="2700000" scaled="1"/>
+                  <a:tileRect/>
+                </a:gradFill>
+                <a:latin typeface="+mj-ea"/>
+                <a:ea typeface="+mj-ea"/>
+              </a:rPr>
+              <a:t>MonoSLAM</a:t>
+            </a:r>
             <a:r>
               <a:rPr lang="en-US" altLang="zh-CN" sz="3200" dirty="0">
                 <a:gradFill flip="none" rotWithShape="1">
@@ -8918,253 +10412,9 @@
                 <a:latin typeface="+mj-ea"/>
                 <a:ea typeface="+mj-ea"/>
               </a:rPr>
-              <a:t>3D LiDAR-Based Global Localization Using Siamese Neural Network</a:t>
+              <a:t>: Real-Time Single Camera SLAM</a:t>
             </a:r>
             <a:endParaRPr lang="zh-CN" altLang="en-US" sz="3200" dirty="0">
-              <a:gradFill flip="none" rotWithShape="1">
-                <a:gsLst>
-                  <a:gs pos="59000">
-                    <a:schemeClr val="accent1"/>
-                  </a:gs>
-                  <a:gs pos="100000">
-                    <a:schemeClr val="accent1">
-                      <a:lumMod val="25000"/>
-                      <a:lumOff val="75000"/>
-                    </a:schemeClr>
-                  </a:gs>
-                </a:gsLst>
-                <a:lin ang="2700000" scaled="1"/>
-                <a:tileRect/>
-              </a:gradFill>
-              <a:latin typeface="+mj-ea"/>
-              <a:ea typeface="+mj-ea"/>
-            </a:endParaRPr>
-          </a:p>
-        </p:txBody>
-      </p:sp>
-      <p:sp>
-        <p:nvSpPr>
-          <p:cNvPr id="21" name="文本框 20">
-            <a:extLst>
-              <a:ext uri="{FF2B5EF4-FFF2-40B4-BE49-F238E27FC236}">
-                <a16:creationId xmlns:a16="http://schemas.microsoft.com/office/drawing/2014/main" id="{0D9080BB-7830-4E06-B581-D5FCFD83ECF8}"/>
-              </a:ext>
-            </a:extLst>
-          </p:cNvPr>
-          <p:cNvSpPr txBox="1"/>
-          <p:nvPr/>
-        </p:nvSpPr>
-        <p:spPr>
-          <a:xfrm>
-            <a:off x="322020" y="4279182"/>
-            <a:ext cx="5639970" cy="2215991"/>
-          </a:xfrm>
-          <a:prstGeom prst="rect">
-            <a:avLst/>
-          </a:prstGeom>
-          <a:noFill/>
-        </p:spPr>
-        <p:txBody>
-          <a:bodyPr wrap="square" lIns="0" tIns="0" rIns="0" bIns="0" rtlCol="0">
-            <a:spAutoFit/>
-          </a:bodyPr>
-          <a:lstStyle/>
-          <a:p>
-            <a:pPr marL="285750" indent="-285750" algn="l">
-              <a:buFont typeface="Arial" panose="020B0604020202020204" pitchFamily="34" charset="0"/>
-              <a:buChar char="•"/>
-            </a:pPr>
-            <a:r>
-              <a:rPr lang="zh-CN" altLang="en-US" sz="1600" dirty="0"/>
-              <a:t>提出了一种</a:t>
-            </a:r>
-            <a:r>
-              <a:rPr lang="en-US" altLang="zh-CN" sz="1600" dirty="0"/>
-              <a:t>3D</a:t>
-            </a:r>
-            <a:r>
-              <a:rPr lang="zh-CN" altLang="en-US" sz="1600" dirty="0"/>
-              <a:t>点云的半手工表示方法，通过</a:t>
-            </a:r>
-            <a:r>
-              <a:rPr lang="en-US" altLang="zh-CN" sz="1600" dirty="0" err="1"/>
-              <a:t>LocNet</a:t>
-            </a:r>
-            <a:r>
-              <a:rPr lang="zh-CN" altLang="en-US" sz="1600" dirty="0"/>
-              <a:t>实现了旋转不变性。最终的低维特征之间的相似性可以在欧几里得空间中进行评估，从而保证了位置识别的搜索效率。</a:t>
-            </a:r>
-            <a:endParaRPr lang="en-US" altLang="zh-CN" sz="1600" dirty="0"/>
-          </a:p>
-          <a:p>
-            <a:pPr marL="285750" indent="-285750" algn="l">
-              <a:buFont typeface="Arial" panose="020B0604020202020204" pitchFamily="34" charset="0"/>
-              <a:buChar char="•"/>
-            </a:pPr>
-            <a:r>
-              <a:rPr lang="zh-CN" altLang="en-US" sz="1600" dirty="0"/>
-              <a:t>提出了使用学习的表示和匹配结果进行位置测量的全局定位框架。高斯混合模型用于对位置识别结果的多个假设进行建模，在出现错误测量时成功实现全局定位。</a:t>
-            </a:r>
-            <a:endParaRPr lang="en-US" altLang="zh-CN" sz="1600" dirty="0"/>
-          </a:p>
-          <a:p>
-            <a:pPr marL="285750" indent="-285750" algn="l">
-              <a:buFont typeface="Arial" panose="020B0604020202020204" pitchFamily="34" charset="0"/>
-              <a:buChar char="•"/>
-            </a:pPr>
-            <a:r>
-              <a:rPr lang="zh-CN" altLang="en-US" sz="1600" dirty="0"/>
-              <a:t>我们对定位框架进行了可观测性分析，为所提系统添加了理论基础和实践指南。进行了深入的实验来证明所提出的全局定位方法的有效性和效率。</a:t>
-            </a:r>
-          </a:p>
-        </p:txBody>
-      </p:sp>
-      <p:sp>
-        <p:nvSpPr>
-          <p:cNvPr id="36" name="文本框 137">
-            <a:extLst>
-              <a:ext uri="{FF2B5EF4-FFF2-40B4-BE49-F238E27FC236}">
-                <a16:creationId xmlns:a16="http://schemas.microsoft.com/office/drawing/2014/main" id="{F78CD1CC-465A-432A-A641-C72D343573E3}"/>
-              </a:ext>
-            </a:extLst>
-          </p:cNvPr>
-          <p:cNvSpPr txBox="1"/>
-          <p:nvPr/>
-        </p:nvSpPr>
-        <p:spPr>
-          <a:xfrm>
-            <a:off x="278585" y="3799117"/>
-            <a:ext cx="2048591" cy="400110"/>
-          </a:xfrm>
-          <a:prstGeom prst="rect">
-            <a:avLst/>
-          </a:prstGeom>
-          <a:noFill/>
-        </p:spPr>
-        <p:txBody>
-          <a:bodyPr wrap="square">
-            <a:spAutoFit/>
-          </a:bodyPr>
-          <a:lstStyle>
-            <a:defPPr>
-              <a:defRPr lang="zh-CN"/>
-            </a:defPPr>
-            <a:lvl1pPr marL="0" algn="l" defTabSz="914400" rtl="0" eaLnBrk="1" latinLnBrk="0" hangingPunct="1">
-              <a:defRPr sz="1800" kern="1200">
-                <a:solidFill>
-                  <a:schemeClr val="tx1"/>
-                </a:solidFill>
-                <a:latin typeface="+mn-lt"/>
-                <a:ea typeface="+mn-ea"/>
-                <a:cs typeface="+mn-cs"/>
-              </a:defRPr>
-            </a:lvl1pPr>
-            <a:lvl2pPr marL="457200" algn="l" defTabSz="914400" rtl="0" eaLnBrk="1" latinLnBrk="0" hangingPunct="1">
-              <a:defRPr sz="1800" kern="1200">
-                <a:solidFill>
-                  <a:schemeClr val="tx1"/>
-                </a:solidFill>
-                <a:latin typeface="+mn-lt"/>
-                <a:ea typeface="+mn-ea"/>
-                <a:cs typeface="+mn-cs"/>
-              </a:defRPr>
-            </a:lvl2pPr>
-            <a:lvl3pPr marL="914400" algn="l" defTabSz="914400" rtl="0" eaLnBrk="1" latinLnBrk="0" hangingPunct="1">
-              <a:defRPr sz="1800" kern="1200">
-                <a:solidFill>
-                  <a:schemeClr val="tx1"/>
-                </a:solidFill>
-                <a:latin typeface="+mn-lt"/>
-                <a:ea typeface="+mn-ea"/>
-                <a:cs typeface="+mn-cs"/>
-              </a:defRPr>
-            </a:lvl3pPr>
-            <a:lvl4pPr marL="1371600" algn="l" defTabSz="914400" rtl="0" eaLnBrk="1" latinLnBrk="0" hangingPunct="1">
-              <a:defRPr sz="1800" kern="1200">
-                <a:solidFill>
-                  <a:schemeClr val="tx1"/>
-                </a:solidFill>
-                <a:latin typeface="+mn-lt"/>
-                <a:ea typeface="+mn-ea"/>
-                <a:cs typeface="+mn-cs"/>
-              </a:defRPr>
-            </a:lvl4pPr>
-            <a:lvl5pPr marL="1828800" algn="l" defTabSz="914400" rtl="0" eaLnBrk="1" latinLnBrk="0" hangingPunct="1">
-              <a:defRPr sz="1800" kern="1200">
-                <a:solidFill>
-                  <a:schemeClr val="tx1"/>
-                </a:solidFill>
-                <a:latin typeface="+mn-lt"/>
-                <a:ea typeface="+mn-ea"/>
-                <a:cs typeface="+mn-cs"/>
-              </a:defRPr>
-            </a:lvl5pPr>
-            <a:lvl6pPr marL="2286000" algn="l" defTabSz="914400" rtl="0" eaLnBrk="1" latinLnBrk="0" hangingPunct="1">
-              <a:defRPr sz="1800" kern="1200">
-                <a:solidFill>
-                  <a:schemeClr val="tx1"/>
-                </a:solidFill>
-                <a:latin typeface="+mn-lt"/>
-                <a:ea typeface="+mn-ea"/>
-                <a:cs typeface="+mn-cs"/>
-              </a:defRPr>
-            </a:lvl6pPr>
-            <a:lvl7pPr marL="2743200" algn="l" defTabSz="914400" rtl="0" eaLnBrk="1" latinLnBrk="0" hangingPunct="1">
-              <a:defRPr sz="1800" kern="1200">
-                <a:solidFill>
-                  <a:schemeClr val="tx1"/>
-                </a:solidFill>
-                <a:latin typeface="+mn-lt"/>
-                <a:ea typeface="+mn-ea"/>
-                <a:cs typeface="+mn-cs"/>
-              </a:defRPr>
-            </a:lvl7pPr>
-            <a:lvl8pPr marL="3200400" algn="l" defTabSz="914400" rtl="0" eaLnBrk="1" latinLnBrk="0" hangingPunct="1">
-              <a:defRPr sz="1800" kern="1200">
-                <a:solidFill>
-                  <a:schemeClr val="tx1"/>
-                </a:solidFill>
-                <a:latin typeface="+mn-lt"/>
-                <a:ea typeface="+mn-ea"/>
-                <a:cs typeface="+mn-cs"/>
-              </a:defRPr>
-            </a:lvl8pPr>
-            <a:lvl9pPr marL="3657600" algn="l" defTabSz="914400" rtl="0" eaLnBrk="1" latinLnBrk="0" hangingPunct="1">
-              <a:defRPr sz="1800" kern="1200">
-                <a:solidFill>
-                  <a:schemeClr val="tx1"/>
-                </a:solidFill>
-                <a:latin typeface="+mn-lt"/>
-                <a:ea typeface="+mn-ea"/>
-                <a:cs typeface="+mn-cs"/>
-              </a:defRPr>
-            </a:lvl9pPr>
-          </a:lstStyle>
-          <a:p>
-            <a:pPr algn="ctr"/>
-            <a:r>
-              <a:rPr lang="en-US" altLang="zh-CN" sz="2000" dirty="0">
-                <a:gradFill flip="none" rotWithShape="1">
-                  <a:gsLst>
-                    <a:gs pos="59000">
-                      <a:schemeClr val="accent1"/>
-                    </a:gs>
-                    <a:gs pos="100000">
-                      <a:schemeClr val="accent1">
-                        <a:lumMod val="25000"/>
-                        <a:lumOff val="75000"/>
-                      </a:schemeClr>
-                    </a:gs>
-                  </a:gsLst>
-                  <a:lin ang="2700000" scaled="1"/>
-                  <a:tileRect/>
-                </a:gradFill>
-                <a:latin typeface="+mj-ea"/>
-                <a:ea typeface="+mj-ea"/>
-              </a:rPr>
-              <a:t>Contributions</a:t>
-            </a:r>
-            <a:endParaRPr lang="zh-CN" altLang="en-US" sz="2000" dirty="0">
               <a:gradFill flip="none" rotWithShape="1">
                 <a:gsLst>
                   <a:gs pos="59000">
@@ -9329,7 +10579,7 @@
                 <a:latin typeface="+mj-ea"/>
                 <a:ea typeface="+mj-ea"/>
               </a:rPr>
-              <a:t>Approach</a:t>
+              <a:t>Contributions</a:t>
             </a:r>
             <a:endParaRPr lang="zh-CN" altLang="en-US" sz="2000" dirty="0">
               <a:gradFill flip="none" rotWithShape="1">
@@ -9368,7 +10618,7 @@
         <p:spPr>
           <a:xfrm>
             <a:off x="698040" y="1770557"/>
-            <a:ext cx="4801060" cy="1969770"/>
+            <a:ext cx="6744160" cy="1477328"/>
           </a:xfrm>
           <a:prstGeom prst="rect">
             <a:avLst/>
@@ -9383,50 +10633,173 @@
           <a:p>
             <a:pPr algn="l"/>
             <a:r>
-              <a:rPr lang="zh-CN" altLang="en-US" sz="1600" dirty="0"/>
-              <a:t>我们提出了一个全球定位系统，其输入是</a:t>
-            </a:r>
-            <a:r>
-              <a:rPr lang="en-US" altLang="zh-CN" sz="1600" dirty="0"/>
-              <a:t>3D</a:t>
-            </a:r>
-            <a:r>
-              <a:rPr lang="zh-CN" altLang="en-US" sz="1600" dirty="0"/>
-              <a:t>激光雷达扫描。该系统基于仅有位置测量的粒子滤波器。关键的测量模型依赖于所提出的</a:t>
-            </a:r>
-            <a:r>
-              <a:rPr lang="en-US" altLang="zh-CN" sz="1600" dirty="0" err="1"/>
-              <a:t>LocNet</a:t>
-            </a:r>
-            <a:r>
-              <a:rPr lang="zh-CN" altLang="en-US" sz="1600" dirty="0"/>
-              <a:t>，它是一个深度神经网络，可以在欧氏空间中为激光雷达扫描建立低维特征表示，从而实现有效的搜索。在实验中，</a:t>
-            </a:r>
-            <a:r>
-              <a:rPr lang="en-US" altLang="zh-CN" sz="1600" dirty="0" err="1"/>
-              <a:t>LocNet</a:t>
-            </a:r>
-            <a:r>
-              <a:rPr lang="zh-CN" altLang="en-US" sz="1600" dirty="0"/>
-              <a:t>与其他用于地图扫描搜索的</a:t>
-            </a:r>
-            <a:r>
-              <a:rPr lang="en-US" altLang="zh-CN" sz="1600" dirty="0"/>
-              <a:t>LiDAR</a:t>
-            </a:r>
-            <a:r>
-              <a:rPr lang="zh-CN" altLang="en-US" sz="1600" dirty="0"/>
-              <a:t>扫描特征进行了比较，并在精度和效率方面取得了最佳性能。然后，在全局定位和位姿跟踪任务中对整个系统进行了验证。</a:t>
+              <a:rPr lang="zh-CN" altLang="en-US" sz="1600" dirty="0">
+                <a:latin typeface="微软雅黑" panose="020B0503020204020204" pitchFamily="34" charset="-122"/>
+                <a:ea typeface="微软雅黑" panose="020B0503020204020204" pitchFamily="34" charset="-122"/>
+              </a:rPr>
+              <a:t>第一个单眼</a:t>
+            </a:r>
+            <a:r>
+              <a:rPr lang="en-US" altLang="zh-CN" sz="1600" dirty="0" err="1">
+                <a:latin typeface="微软雅黑" panose="020B0503020204020204" pitchFamily="34" charset="-122"/>
+                <a:ea typeface="微软雅黑" panose="020B0503020204020204" pitchFamily="34" charset="-122"/>
+              </a:rPr>
+              <a:t>vSLAM</a:t>
+            </a:r>
+            <a:r>
+              <a:rPr lang="zh-CN" altLang="en-US" sz="1600" dirty="0">
+                <a:latin typeface="微软雅黑" panose="020B0503020204020204" pitchFamily="34" charset="-122"/>
+                <a:ea typeface="微软雅黑" panose="020B0503020204020204" pitchFamily="34" charset="-122"/>
+              </a:rPr>
+              <a:t>，</a:t>
+            </a:r>
+            <a:r>
+              <a:rPr lang="en-US" altLang="zh-CN" sz="1600" dirty="0">
+                <a:latin typeface="微软雅黑" panose="020B0503020204020204" pitchFamily="34" charset="-122"/>
+                <a:ea typeface="微软雅黑" panose="020B0503020204020204" pitchFamily="34" charset="-122"/>
+              </a:rPr>
+              <a:t>Feature-based</a:t>
+            </a:r>
+          </a:p>
+          <a:p>
+            <a:pPr algn="l"/>
+            <a:r>
+              <a:rPr lang="en-US" altLang="zh-CN" sz="1600" dirty="0" err="1">
+                <a:latin typeface="微软雅黑" panose="020B0503020204020204" pitchFamily="34" charset="-122"/>
+                <a:ea typeface="微软雅黑" panose="020B0503020204020204" pitchFamily="34" charset="-122"/>
+              </a:rPr>
+              <a:t>MonoSLAM</a:t>
+            </a:r>
+            <a:r>
+              <a:rPr lang="zh-CN" altLang="en-US" sz="1600" dirty="0">
+                <a:latin typeface="微软雅黑" panose="020B0503020204020204" pitchFamily="34" charset="-122"/>
+                <a:ea typeface="微软雅黑" panose="020B0503020204020204" pitchFamily="34" charset="-122"/>
+              </a:rPr>
+              <a:t>被认为是基于滤波器的</a:t>
+            </a:r>
+            <a:r>
+              <a:rPr lang="en-US" altLang="zh-CN" sz="1600" dirty="0" err="1">
+                <a:latin typeface="微软雅黑" panose="020B0503020204020204" pitchFamily="34" charset="-122"/>
+                <a:ea typeface="微软雅黑" panose="020B0503020204020204" pitchFamily="34" charset="-122"/>
+              </a:rPr>
+              <a:t>vSLAM</a:t>
+            </a:r>
+            <a:r>
+              <a:rPr lang="zh-CN" altLang="en-US" sz="1600" dirty="0">
+                <a:latin typeface="微软雅黑" panose="020B0503020204020204" pitchFamily="34" charset="-122"/>
+                <a:ea typeface="微软雅黑" panose="020B0503020204020204" pitchFamily="34" charset="-122"/>
+              </a:rPr>
+              <a:t>算法中的一种具有代表性的方法。在</a:t>
+            </a:r>
+            <a:r>
+              <a:rPr lang="en-US" altLang="zh-CN" sz="1600" dirty="0" err="1">
+                <a:latin typeface="微软雅黑" panose="020B0503020204020204" pitchFamily="34" charset="-122"/>
+                <a:ea typeface="微软雅黑" panose="020B0503020204020204" pitchFamily="34" charset="-122"/>
+              </a:rPr>
+              <a:t>MonoSLAM</a:t>
+            </a:r>
+            <a:r>
+              <a:rPr lang="zh-CN" altLang="en-US" sz="1600" dirty="0">
+                <a:latin typeface="微软雅黑" panose="020B0503020204020204" pitchFamily="34" charset="-122"/>
+                <a:ea typeface="微软雅黑" panose="020B0503020204020204" pitchFamily="34" charset="-122"/>
+              </a:rPr>
+              <a:t>中，利用扩展卡尔曼滤波器（</a:t>
+            </a:r>
+            <a:r>
+              <a:rPr lang="en-US" altLang="zh-CN" sz="1600" dirty="0">
+                <a:latin typeface="微软雅黑" panose="020B0503020204020204" pitchFamily="34" charset="-122"/>
+                <a:ea typeface="微软雅黑" panose="020B0503020204020204" pitchFamily="34" charset="-122"/>
+              </a:rPr>
+              <a:t>EKF</a:t>
+            </a:r>
+            <a:r>
+              <a:rPr lang="zh-CN" altLang="en-US" sz="1600" dirty="0">
+                <a:latin typeface="微软雅黑" panose="020B0503020204020204" pitchFamily="34" charset="-122"/>
+                <a:ea typeface="微软雅黑" panose="020B0503020204020204" pitchFamily="34" charset="-122"/>
+              </a:rPr>
+              <a:t>）同时估计了未知环境下的摄像机运动和三维结构。</a:t>
+            </a:r>
+            <a:r>
+              <a:rPr lang="en-US" altLang="zh-CN" sz="1600" dirty="0">
+                <a:latin typeface="微软雅黑" panose="020B0503020204020204" pitchFamily="34" charset="-122"/>
+                <a:ea typeface="微软雅黑" panose="020B0503020204020204" pitchFamily="34" charset="-122"/>
+              </a:rPr>
+              <a:t>6</a:t>
+            </a:r>
+            <a:r>
+              <a:rPr lang="zh-CN" altLang="en-US" sz="1600" dirty="0">
+                <a:latin typeface="微软雅黑" panose="020B0503020204020204" pitchFamily="34" charset="-122"/>
+                <a:ea typeface="微软雅黑" panose="020B0503020204020204" pitchFamily="34" charset="-122"/>
+              </a:rPr>
+              <a:t>个自由度（</a:t>
+            </a:r>
+            <a:r>
+              <a:rPr lang="en-US" altLang="zh-CN" sz="1600" dirty="0" err="1">
+                <a:latin typeface="微软雅黑" panose="020B0503020204020204" pitchFamily="34" charset="-122"/>
+                <a:ea typeface="微软雅黑" panose="020B0503020204020204" pitchFamily="34" charset="-122"/>
+              </a:rPr>
+              <a:t>DoF</a:t>
+            </a:r>
+            <a:r>
+              <a:rPr lang="zh-CN" altLang="en-US" sz="1600" dirty="0">
+                <a:latin typeface="微软雅黑" panose="020B0503020204020204" pitchFamily="34" charset="-122"/>
+                <a:ea typeface="微软雅黑" panose="020B0503020204020204" pitchFamily="34" charset="-122"/>
+              </a:rPr>
+              <a:t>）相机运动和特征点的三维位置在</a:t>
+            </a:r>
+            <a:r>
+              <a:rPr lang="en-US" altLang="zh-CN" sz="1600" dirty="0">
+                <a:latin typeface="微软雅黑" panose="020B0503020204020204" pitchFamily="34" charset="-122"/>
+                <a:ea typeface="微软雅黑" panose="020B0503020204020204" pitchFamily="34" charset="-122"/>
+              </a:rPr>
+              <a:t>EKF</a:t>
+            </a:r>
+            <a:r>
+              <a:rPr lang="zh-CN" altLang="en-US" sz="1600" dirty="0">
+                <a:latin typeface="微软雅黑" panose="020B0503020204020204" pitchFamily="34" charset="-122"/>
+                <a:ea typeface="微软雅黑" panose="020B0503020204020204" pitchFamily="34" charset="-122"/>
+              </a:rPr>
+              <a:t>中以状态向量表示。预测模型假设均匀运动，并以特征点跟踪的结果作为观测。根据照相机的移动情况，新的特征点会被添加到状态向量中。</a:t>
             </a:r>
           </a:p>
         </p:txBody>
       </p:sp>
+      <p:pic>
+        <p:nvPicPr>
+          <p:cNvPr id="15" name="图片 14">
+            <a:extLst>
+              <a:ext uri="{FF2B5EF4-FFF2-40B4-BE49-F238E27FC236}">
+                <a16:creationId xmlns:a16="http://schemas.microsoft.com/office/drawing/2014/main" id="{35BE7290-4696-4E5B-9BE2-CAF8923AF0FA}"/>
+              </a:ext>
+            </a:extLst>
+          </p:cNvPr>
+          <p:cNvPicPr>
+            <a:picLocks noChangeAspect="1"/>
+          </p:cNvPicPr>
+          <p:nvPr/>
+        </p:nvPicPr>
+        <p:blipFill>
+          <a:blip r:embed="rId3"/>
+          <a:stretch>
+            <a:fillRect/>
+          </a:stretch>
+        </p:blipFill>
+        <p:spPr>
+          <a:xfrm>
+            <a:off x="207947" y="3327823"/>
+            <a:ext cx="10579100" cy="3305969"/>
+          </a:xfrm>
+          <a:prstGeom prst="rect">
+            <a:avLst/>
+          </a:prstGeom>
+        </p:spPr>
+      </p:pic>
       <p:sp>
         <p:nvSpPr>
-          <p:cNvPr id="19" name="文本框 18">
+          <p:cNvPr id="17" name="文本框 16">
             <a:extLst>
               <a:ext uri="{FF2B5EF4-FFF2-40B4-BE49-F238E27FC236}">
-                <a16:creationId xmlns:a16="http://schemas.microsoft.com/office/drawing/2014/main" id="{C6B5C26E-6DCB-47F5-926E-B9DAE32D9B27}"/>
+                <a16:creationId xmlns:a16="http://schemas.microsoft.com/office/drawing/2014/main" id="{12DEC324-1169-461C-B301-5097059DA64F}"/>
               </a:ext>
             </a:extLst>
           </p:cNvPr>
@@ -9435,8 +10808,8 @@
         </p:nvSpPr>
         <p:spPr>
           <a:xfrm>
-            <a:off x="8331371" y="5969316"/>
-            <a:ext cx="1384995" cy="276999"/>
+            <a:off x="7883180" y="1886338"/>
+            <a:ext cx="3860800" cy="1384995"/>
           </a:xfrm>
           <a:prstGeom prst="rect">
             <a:avLst/>
@@ -9444,15 +10817,51 @@
           <a:noFill/>
         </p:spPr>
         <p:txBody>
-          <a:bodyPr wrap="none" lIns="0" tIns="0" rIns="0" bIns="0" rtlCol="0">
+          <a:bodyPr wrap="square" lIns="0" tIns="0" rIns="0" bIns="0" rtlCol="0">
             <a:spAutoFit/>
           </a:bodyPr>
           <a:lstStyle/>
           <a:p>
             <a:pPr algn="l"/>
             <a:r>
+              <a:rPr lang="en-US" altLang="zh-CN" dirty="0" err="1"/>
+              <a:t>MonoSLAM</a:t>
+            </a:r>
+            <a:r>
               <a:rPr lang="zh-CN" altLang="en-US" dirty="0"/>
-              <a:t>全局定位系统</a:t>
+              <a:t>由以下组件组成：</a:t>
+            </a:r>
+            <a:endParaRPr lang="en-US" altLang="zh-CN" dirty="0"/>
+          </a:p>
+          <a:p>
+            <a:pPr algn="l"/>
+            <a:r>
+              <a:rPr lang="zh-CN" altLang="en-US" dirty="0"/>
+              <a:t>映射的初始化是通过使用一个已知的对象来完成的。</a:t>
+            </a:r>
+            <a:endParaRPr lang="en-US" altLang="zh-CN" dirty="0"/>
+          </a:p>
+          <a:p>
+            <a:pPr algn="l"/>
+            <a:r>
+              <a:rPr lang="zh-CN" altLang="en-US" dirty="0"/>
+              <a:t>使用</a:t>
+            </a:r>
+            <a:r>
+              <a:rPr lang="en-US" altLang="zh-CN" dirty="0"/>
+              <a:t>EKF</a:t>
+            </a:r>
+            <a:r>
+              <a:rPr lang="zh-CN" altLang="en-US" dirty="0"/>
+              <a:t>估计了</a:t>
+            </a:r>
+            <a:r>
+              <a:rPr lang="en-US" altLang="zh-CN" dirty="0"/>
+              <a:t>•</a:t>
+            </a:r>
+            <a:r>
+              <a:rPr lang="zh-CN" altLang="en-US" dirty="0"/>
+              <a:t>相机的运动和特征点的三维位置。</a:t>
             </a:r>
           </a:p>
         </p:txBody>
@@ -9460,7 +10869,7 @@
     </p:spTree>
     <p:extLst>
       <p:ext uri="{BB962C8B-B14F-4D97-AF65-F5344CB8AC3E}">
-        <p14:creationId xmlns:p14="http://schemas.microsoft.com/office/powerpoint/2010/main" val="3328313572"/>
+        <p14:creationId xmlns:p14="http://schemas.microsoft.com/office/powerpoint/2010/main" val="986524471"/>
       </p:ext>
     </p:extLst>
   </p:cSld>
@@ -9487,1814 +10896,6 @@
           <a:chExt cx="0" cy="0"/>
         </a:xfrm>
       </p:grpSpPr>
-      <p:grpSp>
-        <p:nvGrpSpPr>
-          <p:cNvPr id="15" name="组合 14">
-            <a:extLst>
-              <a:ext uri="{FF2B5EF4-FFF2-40B4-BE49-F238E27FC236}">
-                <a16:creationId xmlns:a16="http://schemas.microsoft.com/office/drawing/2014/main" id="{3BD1A270-5326-D5A4-A4AA-10709BF76778}"/>
-              </a:ext>
-            </a:extLst>
-          </p:cNvPr>
-          <p:cNvGrpSpPr/>
-          <p:nvPr/>
-        </p:nvGrpSpPr>
-        <p:grpSpPr>
-          <a:xfrm>
-            <a:off x="609600" y="447997"/>
-            <a:ext cx="914400" cy="300379"/>
-            <a:chOff x="609600" y="447997"/>
-            <a:chExt cx="914400" cy="300379"/>
-          </a:xfrm>
-        </p:grpSpPr>
-        <p:sp>
-          <p:nvSpPr>
-            <p:cNvPr id="62" name="TextBox 58">
-              <a:extLst>
-                <a:ext uri="{FF2B5EF4-FFF2-40B4-BE49-F238E27FC236}">
-                  <a16:creationId xmlns:a16="http://schemas.microsoft.com/office/drawing/2014/main" id="{EA22077C-6958-04B9-2AC5-29CA9A641CE0}"/>
-                </a:ext>
-              </a:extLst>
-            </p:cNvPr>
-            <p:cNvSpPr txBox="1"/>
-            <p:nvPr>
-              <p:custDataLst>
-                <p:tags r:id="rId1"/>
-              </p:custDataLst>
-            </p:nvPr>
-          </p:nvSpPr>
-          <p:spPr>
-            <a:xfrm>
-              <a:off x="609600" y="522600"/>
-              <a:ext cx="914400" cy="151174"/>
-            </a:xfrm>
-            <a:custGeom>
-              <a:avLst/>
-              <a:gdLst/>
-              <a:ahLst/>
-              <a:cxnLst/>
-              <a:rect l="l" t="t" r="r" b="b"/>
-              <a:pathLst>
-                <a:path w="6179857" h="1021690">
-                  <a:moveTo>
-                    <a:pt x="361854" y="607162"/>
-                  </a:moveTo>
-                  <a:lnTo>
-                    <a:pt x="296380" y="799795"/>
-                  </a:lnTo>
-                  <a:lnTo>
-                    <a:pt x="415861" y="799795"/>
-                  </a:lnTo>
-                  <a:cubicBezTo>
-                    <a:pt x="480885" y="799795"/>
-                    <a:pt x="533978" y="791261"/>
-                    <a:pt x="575138" y="774192"/>
-                  </a:cubicBezTo>
-                  <a:cubicBezTo>
-                    <a:pt x="616299" y="757123"/>
-                    <a:pt x="642404" y="732333"/>
-                    <a:pt x="653453" y="699821"/>
-                  </a:cubicBezTo>
-                  <a:cubicBezTo>
-                    <a:pt x="663664" y="669747"/>
-                    <a:pt x="653786" y="646786"/>
-                    <a:pt x="623821" y="630936"/>
-                  </a:cubicBezTo>
-                  <a:cubicBezTo>
-                    <a:pt x="593855" y="615087"/>
-                    <a:pt x="545954" y="607162"/>
-                    <a:pt x="480117" y="607162"/>
-                  </a:cubicBezTo>
-                  <a:close/>
-                  <a:moveTo>
-                    <a:pt x="4747832" y="312115"/>
-                  </a:moveTo>
-                  <a:lnTo>
-                    <a:pt x="4557026" y="593751"/>
-                  </a:lnTo>
-                  <a:lnTo>
-                    <a:pt x="4754537" y="593751"/>
-                  </a:lnTo>
-                  <a:lnTo>
-                    <a:pt x="4755146" y="312115"/>
-                  </a:lnTo>
-                  <a:close/>
-                  <a:moveTo>
-                    <a:pt x="492785" y="221895"/>
-                  </a:moveTo>
-                  <a:lnTo>
-                    <a:pt x="431463" y="402336"/>
-                  </a:lnTo>
-                  <a:lnTo>
-                    <a:pt x="537533" y="402336"/>
-                  </a:lnTo>
-                  <a:cubicBezTo>
-                    <a:pt x="591991" y="402336"/>
-                    <a:pt x="636613" y="394208"/>
-                    <a:pt x="671398" y="377952"/>
-                  </a:cubicBezTo>
-                  <a:cubicBezTo>
-                    <a:pt x="706183" y="361696"/>
-                    <a:pt x="728681" y="338531"/>
-                    <a:pt x="738892" y="308458"/>
-                  </a:cubicBezTo>
-                  <a:cubicBezTo>
-                    <a:pt x="748290" y="280823"/>
-                    <a:pt x="741118" y="259487"/>
-                    <a:pt x="717375" y="244450"/>
-                  </a:cubicBezTo>
-                  <a:cubicBezTo>
-                    <a:pt x="693633" y="229413"/>
-                    <a:pt x="654532" y="221895"/>
-                    <a:pt x="600075" y="221895"/>
-                  </a:cubicBezTo>
-                  <a:close/>
-                  <a:moveTo>
-                    <a:pt x="5784837" y="212141"/>
-                  </a:moveTo>
-                  <a:cubicBezTo>
-                    <a:pt x="5715749" y="212141"/>
-                    <a:pt x="5651973" y="238963"/>
-                    <a:pt x="5593508" y="292608"/>
-                  </a:cubicBezTo>
-                  <a:cubicBezTo>
-                    <a:pt x="5535044" y="346253"/>
-                    <a:pt x="5490203" y="418999"/>
-                    <a:pt x="5458986" y="510845"/>
-                  </a:cubicBezTo>
-                  <a:cubicBezTo>
-                    <a:pt x="5427770" y="602691"/>
-                    <a:pt x="5423163" y="675437"/>
-                    <a:pt x="5445166" y="729082"/>
-                  </a:cubicBezTo>
-                  <a:cubicBezTo>
-                    <a:pt x="5467169" y="782727"/>
-                    <a:pt x="5512715" y="809549"/>
-                    <a:pt x="5581802" y="809549"/>
-                  </a:cubicBezTo>
-                  <a:cubicBezTo>
-                    <a:pt x="5650890" y="809549"/>
-                    <a:pt x="5714666" y="782727"/>
-                    <a:pt x="5773131" y="729082"/>
-                  </a:cubicBezTo>
-                  <a:cubicBezTo>
-                    <a:pt x="5831595" y="675437"/>
-                    <a:pt x="5876436" y="602691"/>
-                    <a:pt x="5907652" y="510845"/>
-                  </a:cubicBezTo>
-                  <a:cubicBezTo>
-                    <a:pt x="5938869" y="418999"/>
-                    <a:pt x="5943476" y="346253"/>
-                    <a:pt x="5921473" y="292608"/>
-                  </a:cubicBezTo>
-                  <a:cubicBezTo>
-                    <a:pt x="5899471" y="238963"/>
-                    <a:pt x="5853925" y="212141"/>
-                    <a:pt x="5784837" y="212141"/>
-                  </a:cubicBezTo>
-                  <a:close/>
-                  <a:moveTo>
-                    <a:pt x="4735944" y="17069"/>
-                  </a:moveTo>
-                  <a:lnTo>
-                    <a:pt x="4967592" y="17069"/>
-                  </a:lnTo>
-                  <a:lnTo>
-                    <a:pt x="4995291" y="1004621"/>
-                  </a:lnTo>
-                  <a:lnTo>
-                    <a:pt x="4755108" y="1004621"/>
-                  </a:lnTo>
-                  <a:lnTo>
-                    <a:pt x="4755585" y="805891"/>
-                  </a:lnTo>
-                  <a:lnTo>
-                    <a:pt x="4411770" y="805891"/>
-                  </a:lnTo>
-                  <a:lnTo>
-                    <a:pt x="4277182" y="1004621"/>
-                  </a:lnTo>
-                  <a:lnTo>
-                    <a:pt x="4036999" y="1004621"/>
-                  </a:lnTo>
-                  <a:close/>
-                  <a:moveTo>
-                    <a:pt x="3440773" y="17069"/>
-                  </a:moveTo>
-                  <a:lnTo>
-                    <a:pt x="3667544" y="17069"/>
-                  </a:lnTo>
-                  <a:lnTo>
-                    <a:pt x="3540747" y="390144"/>
-                  </a:lnTo>
-                  <a:lnTo>
-                    <a:pt x="3928453" y="390144"/>
-                  </a:lnTo>
-                  <a:lnTo>
-                    <a:pt x="4055249" y="17069"/>
-                  </a:lnTo>
-                  <a:lnTo>
-                    <a:pt x="4282021" y="17069"/>
-                  </a:lnTo>
-                  <a:lnTo>
-                    <a:pt x="3946398" y="1004621"/>
-                  </a:lnTo>
-                  <a:lnTo>
-                    <a:pt x="3719627" y="1004621"/>
-                  </a:lnTo>
-                  <a:lnTo>
-                    <a:pt x="3856367" y="602285"/>
-                  </a:lnTo>
-                  <a:lnTo>
-                    <a:pt x="3468662" y="602285"/>
-                  </a:lnTo>
-                  <a:lnTo>
-                    <a:pt x="3331921" y="1004621"/>
-                  </a:lnTo>
-                  <a:lnTo>
-                    <a:pt x="3105149" y="1004621"/>
-                  </a:lnTo>
-                  <a:close/>
-                  <a:moveTo>
-                    <a:pt x="1631023" y="17069"/>
-                  </a:moveTo>
-                  <a:lnTo>
-                    <a:pt x="1838287" y="17069"/>
-                  </a:lnTo>
-                  <a:lnTo>
-                    <a:pt x="2017509" y="576682"/>
-                  </a:lnTo>
-                  <a:lnTo>
-                    <a:pt x="2024824" y="576682"/>
-                  </a:lnTo>
-                  <a:lnTo>
-                    <a:pt x="2215019" y="17069"/>
-                  </a:lnTo>
-                  <a:lnTo>
-                    <a:pt x="2441791" y="17069"/>
-                  </a:lnTo>
-                  <a:lnTo>
-                    <a:pt x="2106168" y="1004621"/>
-                  </a:lnTo>
-                  <a:lnTo>
-                    <a:pt x="1911096" y="1004621"/>
-                  </a:lnTo>
-                  <a:lnTo>
-                    <a:pt x="1719662" y="445008"/>
-                  </a:lnTo>
-                  <a:lnTo>
-                    <a:pt x="1712347" y="445008"/>
-                  </a:lnTo>
-                  <a:lnTo>
-                    <a:pt x="1522171" y="1004621"/>
-                  </a:lnTo>
-                  <a:lnTo>
-                    <a:pt x="1295400" y="1004621"/>
-                  </a:lnTo>
-                  <a:close/>
-                  <a:moveTo>
-                    <a:pt x="1250023" y="17069"/>
-                  </a:moveTo>
-                  <a:lnTo>
-                    <a:pt x="1476794" y="17069"/>
-                  </a:lnTo>
-                  <a:lnTo>
-                    <a:pt x="1141171" y="1004621"/>
-                  </a:lnTo>
-                  <a:lnTo>
-                    <a:pt x="914400" y="1004621"/>
-                  </a:lnTo>
-                  <a:close/>
-                  <a:moveTo>
-                    <a:pt x="335623" y="17069"/>
-                  </a:moveTo>
-                  <a:lnTo>
-                    <a:pt x="696506" y="17069"/>
-                  </a:lnTo>
-                  <a:cubicBezTo>
-                    <a:pt x="816800" y="17069"/>
-                    <a:pt x="901728" y="39218"/>
-                    <a:pt x="951290" y="83515"/>
-                  </a:cubicBezTo>
-                  <a:cubicBezTo>
-                    <a:pt x="1000852" y="127813"/>
-                    <a:pt x="1011682" y="191008"/>
-                    <a:pt x="983780" y="273101"/>
-                  </a:cubicBezTo>
-                  <a:cubicBezTo>
-                    <a:pt x="945108" y="386893"/>
-                    <a:pt x="860501" y="461264"/>
-                    <a:pt x="729958" y="496215"/>
-                  </a:cubicBezTo>
-                  <a:lnTo>
-                    <a:pt x="727462" y="503530"/>
-                  </a:lnTo>
-                  <a:cubicBezTo>
-                    <a:pt x="797845" y="514096"/>
-                    <a:pt x="845512" y="538277"/>
-                    <a:pt x="870461" y="576072"/>
-                  </a:cubicBezTo>
-                  <a:cubicBezTo>
-                    <a:pt x="895410" y="613867"/>
-                    <a:pt x="897248" y="664058"/>
-                    <a:pt x="875976" y="726643"/>
-                  </a:cubicBezTo>
-                  <a:cubicBezTo>
-                    <a:pt x="845598" y="816051"/>
-                    <a:pt x="786901" y="884733"/>
-                    <a:pt x="699887" y="932688"/>
-                  </a:cubicBezTo>
-                  <a:cubicBezTo>
-                    <a:pt x="612873" y="980643"/>
-                    <a:pt x="503936" y="1004621"/>
-                    <a:pt x="373075" y="1004621"/>
-                  </a:cubicBezTo>
-                  <a:lnTo>
-                    <a:pt x="0" y="1004621"/>
-                  </a:lnTo>
-                  <a:close/>
-                  <a:moveTo>
-                    <a:pt x="5856922" y="0"/>
-                  </a:moveTo>
-                  <a:cubicBezTo>
-                    <a:pt x="5949582" y="0"/>
-                    <a:pt x="6023210" y="20727"/>
-                    <a:pt x="6077807" y="62179"/>
-                  </a:cubicBezTo>
-                  <a:cubicBezTo>
-                    <a:pt x="6132404" y="103632"/>
-                    <a:pt x="6165142" y="162763"/>
-                    <a:pt x="6176019" y="239573"/>
-                  </a:cubicBezTo>
-                  <a:cubicBezTo>
-                    <a:pt x="6186897" y="316383"/>
-                    <a:pt x="6174657" y="406807"/>
-                    <a:pt x="6139300" y="510845"/>
-                  </a:cubicBezTo>
-                  <a:cubicBezTo>
-                    <a:pt x="6103944" y="614883"/>
-                    <a:pt x="6054722" y="705307"/>
-                    <a:pt x="5991634" y="782117"/>
-                  </a:cubicBezTo>
-                  <a:cubicBezTo>
-                    <a:pt x="5928547" y="858927"/>
-                    <a:pt x="5855617" y="918058"/>
-                    <a:pt x="5772845" y="959511"/>
-                  </a:cubicBezTo>
-                  <a:cubicBezTo>
-                    <a:pt x="5690073" y="1000963"/>
-                    <a:pt x="5602357" y="1021690"/>
-                    <a:pt x="5509698" y="1021690"/>
-                  </a:cubicBezTo>
-                  <a:cubicBezTo>
-                    <a:pt x="5417038" y="1021690"/>
-                    <a:pt x="5343413" y="1000963"/>
-                    <a:pt x="5288822" y="959511"/>
-                  </a:cubicBezTo>
-                  <a:cubicBezTo>
-                    <a:pt x="5234232" y="918058"/>
-                    <a:pt x="5201498" y="858927"/>
-                    <a:pt x="5190620" y="782117"/>
-                  </a:cubicBezTo>
-                  <a:cubicBezTo>
-                    <a:pt x="5179742" y="705307"/>
-                    <a:pt x="5191982" y="614883"/>
-                    <a:pt x="5227339" y="510845"/>
-                  </a:cubicBezTo>
-                  <a:cubicBezTo>
-                    <a:pt x="5262696" y="406807"/>
-                    <a:pt x="5311918" y="316383"/>
-                    <a:pt x="5375005" y="239573"/>
-                  </a:cubicBezTo>
-                  <a:cubicBezTo>
-                    <a:pt x="5438092" y="162763"/>
-                    <a:pt x="5511019" y="103632"/>
-                    <a:pt x="5593785" y="62179"/>
-                  </a:cubicBezTo>
-                  <a:cubicBezTo>
-                    <a:pt x="5676551" y="20727"/>
-                    <a:pt x="5764263" y="0"/>
-                    <a:pt x="5856922" y="0"/>
-                  </a:cubicBezTo>
-                  <a:close/>
-                  <a:moveTo>
-                    <a:pt x="2957055" y="0"/>
-                  </a:moveTo>
-                  <a:cubicBezTo>
-                    <a:pt x="3130994" y="0"/>
-                    <a:pt x="3228549" y="80061"/>
-                    <a:pt x="3249720" y="240183"/>
-                  </a:cubicBezTo>
-                  <a:lnTo>
-                    <a:pt x="3023577" y="331623"/>
-                  </a:lnTo>
-                  <a:cubicBezTo>
-                    <a:pt x="3017634" y="286919"/>
-                    <a:pt x="3003346" y="254813"/>
-                    <a:pt x="2980715" y="235306"/>
-                  </a:cubicBezTo>
-                  <a:cubicBezTo>
-                    <a:pt x="2958083" y="215799"/>
-                    <a:pt x="2926042" y="206045"/>
-                    <a:pt x="2884589" y="206045"/>
-                  </a:cubicBezTo>
-                  <a:cubicBezTo>
-                    <a:pt x="2845574" y="206045"/>
-                    <a:pt x="2810233" y="214376"/>
-                    <a:pt x="2778566" y="231039"/>
-                  </a:cubicBezTo>
-                  <a:cubicBezTo>
-                    <a:pt x="2746899" y="247701"/>
-                    <a:pt x="2726918" y="268224"/>
-                    <a:pt x="2718625" y="292608"/>
-                  </a:cubicBezTo>
-                  <a:cubicBezTo>
-                    <a:pt x="2711996" y="312115"/>
-                    <a:pt x="2711621" y="328168"/>
-                    <a:pt x="2717501" y="340767"/>
-                  </a:cubicBezTo>
-                  <a:cubicBezTo>
-                    <a:pt x="2723381" y="353365"/>
-                    <a:pt x="2736919" y="364947"/>
-                    <a:pt x="2758116" y="375514"/>
-                  </a:cubicBezTo>
-                  <a:cubicBezTo>
-                    <a:pt x="2779312" y="386080"/>
-                    <a:pt x="2812764" y="398272"/>
-                    <a:pt x="2858471" y="412090"/>
-                  </a:cubicBezTo>
-                  <a:cubicBezTo>
-                    <a:pt x="2916878" y="429159"/>
-                    <a:pt x="2964850" y="447040"/>
-                    <a:pt x="3002384" y="465735"/>
-                  </a:cubicBezTo>
-                  <a:cubicBezTo>
-                    <a:pt x="3039919" y="484429"/>
-                    <a:pt x="3068583" y="513690"/>
-                    <a:pt x="3088376" y="553517"/>
-                  </a:cubicBezTo>
-                  <a:cubicBezTo>
-                    <a:pt x="3108169" y="593344"/>
-                    <a:pt x="3106737" y="646583"/>
-                    <a:pt x="3084080" y="713232"/>
-                  </a:cubicBezTo>
-                  <a:cubicBezTo>
-                    <a:pt x="3063087" y="775005"/>
-                    <a:pt x="3028394" y="829259"/>
-                    <a:pt x="2980001" y="875995"/>
-                  </a:cubicBezTo>
-                  <a:cubicBezTo>
-                    <a:pt x="2931607" y="922731"/>
-                    <a:pt x="2874070" y="958698"/>
-                    <a:pt x="2807389" y="983895"/>
-                  </a:cubicBezTo>
-                  <a:cubicBezTo>
-                    <a:pt x="2740707" y="1009091"/>
-                    <a:pt x="2669977" y="1021690"/>
-                    <a:pt x="2595200" y="1021690"/>
-                  </a:cubicBezTo>
-                  <a:cubicBezTo>
-                    <a:pt x="2503354" y="1021690"/>
-                    <a:pt x="2431233" y="998931"/>
-                    <a:pt x="2378840" y="953415"/>
-                  </a:cubicBezTo>
-                  <a:cubicBezTo>
-                    <a:pt x="2326446" y="907898"/>
-                    <a:pt x="2296699" y="847751"/>
-                    <a:pt x="2289600" y="772973"/>
-                  </a:cubicBezTo>
-                  <a:lnTo>
-                    <a:pt x="2516962" y="681533"/>
-                  </a:lnTo>
-                  <a:cubicBezTo>
-                    <a:pt x="2518295" y="725424"/>
-                    <a:pt x="2532367" y="758749"/>
-                    <a:pt x="2559177" y="781507"/>
-                  </a:cubicBezTo>
-                  <a:cubicBezTo>
-                    <a:pt x="2585986" y="804266"/>
-                    <a:pt x="2621743" y="815645"/>
-                    <a:pt x="2666447" y="815645"/>
-                  </a:cubicBezTo>
-                  <a:cubicBezTo>
-                    <a:pt x="2712777" y="815645"/>
-                    <a:pt x="2752388" y="807314"/>
-                    <a:pt x="2785281" y="790651"/>
-                  </a:cubicBezTo>
-                  <a:cubicBezTo>
-                    <a:pt x="2818174" y="773989"/>
-                    <a:pt x="2839180" y="752247"/>
-                    <a:pt x="2848298" y="725424"/>
-                  </a:cubicBezTo>
-                  <a:cubicBezTo>
-                    <a:pt x="2854648" y="706730"/>
-                    <a:pt x="2855020" y="691287"/>
-                    <a:pt x="2849413" y="679095"/>
-                  </a:cubicBezTo>
-                  <a:cubicBezTo>
-                    <a:pt x="2843806" y="666903"/>
-                    <a:pt x="2830268" y="655320"/>
-                    <a:pt x="2808798" y="644347"/>
-                  </a:cubicBezTo>
-                  <a:cubicBezTo>
-                    <a:pt x="2787329" y="633375"/>
-                    <a:pt x="2754153" y="620979"/>
-                    <a:pt x="2709272" y="607162"/>
-                  </a:cubicBezTo>
-                  <a:cubicBezTo>
-                    <a:pt x="2649785" y="588467"/>
-                    <a:pt x="2601474" y="569773"/>
-                    <a:pt x="2564339" y="551079"/>
-                  </a:cubicBezTo>
-                  <a:cubicBezTo>
-                    <a:pt x="2527205" y="532384"/>
-                    <a:pt x="2498813" y="502920"/>
-                    <a:pt x="2479166" y="462687"/>
-                  </a:cubicBezTo>
-                  <a:cubicBezTo>
-                    <a:pt x="2459520" y="422453"/>
-                    <a:pt x="2460879" y="369418"/>
-                    <a:pt x="2483244" y="303581"/>
-                  </a:cubicBezTo>
-                  <a:cubicBezTo>
-                    <a:pt x="2503132" y="245059"/>
-                    <a:pt x="2537339" y="192837"/>
-                    <a:pt x="2585865" y="146914"/>
-                  </a:cubicBezTo>
-                  <a:cubicBezTo>
-                    <a:pt x="2634392" y="100991"/>
-                    <a:pt x="2691320" y="65024"/>
-                    <a:pt x="2756649" y="39015"/>
-                  </a:cubicBezTo>
-                  <a:cubicBezTo>
-                    <a:pt x="2821978" y="13005"/>
-                    <a:pt x="2888780" y="0"/>
-                    <a:pt x="2957055" y="0"/>
-                  </a:cubicBezTo>
-                  <a:close/>
-                </a:path>
-              </a:pathLst>
-            </a:custGeom>
-            <a:noFill/>
-            <a:ln>
-              <a:gradFill flip="none" rotWithShape="1">
-                <a:gsLst>
-                  <a:gs pos="50000">
-                    <a:schemeClr val="bg1">
-                      <a:alpha val="0"/>
-                    </a:schemeClr>
-                  </a:gs>
-                  <a:gs pos="100000">
-                    <a:schemeClr val="accent1"/>
-                  </a:gs>
-                </a:gsLst>
-                <a:lin ang="5400000" scaled="1"/>
-                <a:tileRect/>
-              </a:gradFill>
-            </a:ln>
-            <a:effectLst>
-              <a:glow>
-                <a:srgbClr val="000000"/>
-              </a:glow>
-            </a:effectLst>
-          </p:spPr>
-          <p:txBody>
-            <a:bodyPr rot="0" spcFirstLastPara="0" vertOverflow="overflow" horzOverflow="overflow" vert="horz" wrap="square" lIns="91440" tIns="45720" rIns="91440" bIns="45720" numCol="1" spcCol="0" rtlCol="0" fromWordArt="0" anchor="t" anchorCtr="0" forceAA="0" compatLnSpc="1">
-              <a:prstTxWarp prst="textNoShape">
-                <a:avLst/>
-              </a:prstTxWarp>
-              <a:noAutofit/>
-            </a:bodyPr>
-            <a:lstStyle>
-              <a:defPPr>
-                <a:defRPr lang="zh-CN"/>
-              </a:defPPr>
-              <a:lvl1pPr algn="ctr">
-                <a:defRPr sz="6600" i="1">
-                  <a:solidFill>
-                    <a:schemeClr val="bg1"/>
-                  </a:solidFill>
-                  <a:latin typeface="+mj-ea"/>
-                  <a:ea typeface="+mj-ea"/>
-                </a:defRPr>
-              </a:lvl1pPr>
-            </a:lstStyle>
-            <a:p>
-              <a:endParaRPr lang="zh-CN" altLang="en-US" dirty="0"/>
-            </a:p>
-          </p:txBody>
-        </p:sp>
-        <p:sp>
-          <p:nvSpPr>
-            <p:cNvPr id="63" name="TextBox 58">
-              <a:extLst>
-                <a:ext uri="{FF2B5EF4-FFF2-40B4-BE49-F238E27FC236}">
-                  <a16:creationId xmlns:a16="http://schemas.microsoft.com/office/drawing/2014/main" id="{A56FD1C3-5626-00BA-8075-F8E86164EB19}"/>
-                </a:ext>
-              </a:extLst>
-            </p:cNvPr>
-            <p:cNvSpPr txBox="1"/>
-            <p:nvPr>
-              <p:custDataLst>
-                <p:tags r:id="rId2"/>
-              </p:custDataLst>
-            </p:nvPr>
-          </p:nvSpPr>
-          <p:spPr>
-            <a:xfrm>
-              <a:off x="609600" y="597202"/>
-              <a:ext cx="914400" cy="151174"/>
-            </a:xfrm>
-            <a:custGeom>
-              <a:avLst/>
-              <a:gdLst/>
-              <a:ahLst/>
-              <a:cxnLst/>
-              <a:rect l="l" t="t" r="r" b="b"/>
-              <a:pathLst>
-                <a:path w="6179857" h="1021690">
-                  <a:moveTo>
-                    <a:pt x="361854" y="607162"/>
-                  </a:moveTo>
-                  <a:lnTo>
-                    <a:pt x="296380" y="799795"/>
-                  </a:lnTo>
-                  <a:lnTo>
-                    <a:pt x="415861" y="799795"/>
-                  </a:lnTo>
-                  <a:cubicBezTo>
-                    <a:pt x="480885" y="799795"/>
-                    <a:pt x="533978" y="791261"/>
-                    <a:pt x="575138" y="774192"/>
-                  </a:cubicBezTo>
-                  <a:cubicBezTo>
-                    <a:pt x="616299" y="757123"/>
-                    <a:pt x="642404" y="732333"/>
-                    <a:pt x="653453" y="699821"/>
-                  </a:cubicBezTo>
-                  <a:cubicBezTo>
-                    <a:pt x="663664" y="669747"/>
-                    <a:pt x="653786" y="646786"/>
-                    <a:pt x="623821" y="630936"/>
-                  </a:cubicBezTo>
-                  <a:cubicBezTo>
-                    <a:pt x="593855" y="615087"/>
-                    <a:pt x="545954" y="607162"/>
-                    <a:pt x="480117" y="607162"/>
-                  </a:cubicBezTo>
-                  <a:close/>
-                  <a:moveTo>
-                    <a:pt x="4747832" y="312115"/>
-                  </a:moveTo>
-                  <a:lnTo>
-                    <a:pt x="4557026" y="593751"/>
-                  </a:lnTo>
-                  <a:lnTo>
-                    <a:pt x="4754537" y="593751"/>
-                  </a:lnTo>
-                  <a:lnTo>
-                    <a:pt x="4755146" y="312115"/>
-                  </a:lnTo>
-                  <a:close/>
-                  <a:moveTo>
-                    <a:pt x="492785" y="221895"/>
-                  </a:moveTo>
-                  <a:lnTo>
-                    <a:pt x="431463" y="402336"/>
-                  </a:lnTo>
-                  <a:lnTo>
-                    <a:pt x="537533" y="402336"/>
-                  </a:lnTo>
-                  <a:cubicBezTo>
-                    <a:pt x="591991" y="402336"/>
-                    <a:pt x="636613" y="394208"/>
-                    <a:pt x="671398" y="377952"/>
-                  </a:cubicBezTo>
-                  <a:cubicBezTo>
-                    <a:pt x="706183" y="361696"/>
-                    <a:pt x="728681" y="338531"/>
-                    <a:pt x="738892" y="308458"/>
-                  </a:cubicBezTo>
-                  <a:cubicBezTo>
-                    <a:pt x="748290" y="280823"/>
-                    <a:pt x="741118" y="259487"/>
-                    <a:pt x="717375" y="244450"/>
-                  </a:cubicBezTo>
-                  <a:cubicBezTo>
-                    <a:pt x="693633" y="229413"/>
-                    <a:pt x="654532" y="221895"/>
-                    <a:pt x="600075" y="221895"/>
-                  </a:cubicBezTo>
-                  <a:close/>
-                  <a:moveTo>
-                    <a:pt x="5784837" y="212141"/>
-                  </a:moveTo>
-                  <a:cubicBezTo>
-                    <a:pt x="5715749" y="212141"/>
-                    <a:pt x="5651973" y="238963"/>
-                    <a:pt x="5593508" y="292608"/>
-                  </a:cubicBezTo>
-                  <a:cubicBezTo>
-                    <a:pt x="5535044" y="346253"/>
-                    <a:pt x="5490203" y="418999"/>
-                    <a:pt x="5458986" y="510845"/>
-                  </a:cubicBezTo>
-                  <a:cubicBezTo>
-                    <a:pt x="5427770" y="602691"/>
-                    <a:pt x="5423163" y="675437"/>
-                    <a:pt x="5445166" y="729082"/>
-                  </a:cubicBezTo>
-                  <a:cubicBezTo>
-                    <a:pt x="5467169" y="782727"/>
-                    <a:pt x="5512715" y="809549"/>
-                    <a:pt x="5581802" y="809549"/>
-                  </a:cubicBezTo>
-                  <a:cubicBezTo>
-                    <a:pt x="5650890" y="809549"/>
-                    <a:pt x="5714666" y="782727"/>
-                    <a:pt x="5773131" y="729082"/>
-                  </a:cubicBezTo>
-                  <a:cubicBezTo>
-                    <a:pt x="5831595" y="675437"/>
-                    <a:pt x="5876436" y="602691"/>
-                    <a:pt x="5907652" y="510845"/>
-                  </a:cubicBezTo>
-                  <a:cubicBezTo>
-                    <a:pt x="5938869" y="418999"/>
-                    <a:pt x="5943476" y="346253"/>
-                    <a:pt x="5921473" y="292608"/>
-                  </a:cubicBezTo>
-                  <a:cubicBezTo>
-                    <a:pt x="5899471" y="238963"/>
-                    <a:pt x="5853925" y="212141"/>
-                    <a:pt x="5784837" y="212141"/>
-                  </a:cubicBezTo>
-                  <a:close/>
-                  <a:moveTo>
-                    <a:pt x="4735944" y="17069"/>
-                  </a:moveTo>
-                  <a:lnTo>
-                    <a:pt x="4967592" y="17069"/>
-                  </a:lnTo>
-                  <a:lnTo>
-                    <a:pt x="4995291" y="1004621"/>
-                  </a:lnTo>
-                  <a:lnTo>
-                    <a:pt x="4755108" y="1004621"/>
-                  </a:lnTo>
-                  <a:lnTo>
-                    <a:pt x="4755585" y="805891"/>
-                  </a:lnTo>
-                  <a:lnTo>
-                    <a:pt x="4411770" y="805891"/>
-                  </a:lnTo>
-                  <a:lnTo>
-                    <a:pt x="4277182" y="1004621"/>
-                  </a:lnTo>
-                  <a:lnTo>
-                    <a:pt x="4036999" y="1004621"/>
-                  </a:lnTo>
-                  <a:close/>
-                  <a:moveTo>
-                    <a:pt x="3440773" y="17069"/>
-                  </a:moveTo>
-                  <a:lnTo>
-                    <a:pt x="3667544" y="17069"/>
-                  </a:lnTo>
-                  <a:lnTo>
-                    <a:pt x="3540747" y="390144"/>
-                  </a:lnTo>
-                  <a:lnTo>
-                    <a:pt x="3928453" y="390144"/>
-                  </a:lnTo>
-                  <a:lnTo>
-                    <a:pt x="4055249" y="17069"/>
-                  </a:lnTo>
-                  <a:lnTo>
-                    <a:pt x="4282021" y="17069"/>
-                  </a:lnTo>
-                  <a:lnTo>
-                    <a:pt x="3946398" y="1004621"/>
-                  </a:lnTo>
-                  <a:lnTo>
-                    <a:pt x="3719627" y="1004621"/>
-                  </a:lnTo>
-                  <a:lnTo>
-                    <a:pt x="3856367" y="602285"/>
-                  </a:lnTo>
-                  <a:lnTo>
-                    <a:pt x="3468662" y="602285"/>
-                  </a:lnTo>
-                  <a:lnTo>
-                    <a:pt x="3331921" y="1004621"/>
-                  </a:lnTo>
-                  <a:lnTo>
-                    <a:pt x="3105149" y="1004621"/>
-                  </a:lnTo>
-                  <a:close/>
-                  <a:moveTo>
-                    <a:pt x="1631023" y="17069"/>
-                  </a:moveTo>
-                  <a:lnTo>
-                    <a:pt x="1838287" y="17069"/>
-                  </a:lnTo>
-                  <a:lnTo>
-                    <a:pt x="2017509" y="576682"/>
-                  </a:lnTo>
-                  <a:lnTo>
-                    <a:pt x="2024824" y="576682"/>
-                  </a:lnTo>
-                  <a:lnTo>
-                    <a:pt x="2215019" y="17069"/>
-                  </a:lnTo>
-                  <a:lnTo>
-                    <a:pt x="2441791" y="17069"/>
-                  </a:lnTo>
-                  <a:lnTo>
-                    <a:pt x="2106168" y="1004621"/>
-                  </a:lnTo>
-                  <a:lnTo>
-                    <a:pt x="1911096" y="1004621"/>
-                  </a:lnTo>
-                  <a:lnTo>
-                    <a:pt x="1719662" y="445008"/>
-                  </a:lnTo>
-                  <a:lnTo>
-                    <a:pt x="1712347" y="445008"/>
-                  </a:lnTo>
-                  <a:lnTo>
-                    <a:pt x="1522171" y="1004621"/>
-                  </a:lnTo>
-                  <a:lnTo>
-                    <a:pt x="1295400" y="1004621"/>
-                  </a:lnTo>
-                  <a:close/>
-                  <a:moveTo>
-                    <a:pt x="1250023" y="17069"/>
-                  </a:moveTo>
-                  <a:lnTo>
-                    <a:pt x="1476794" y="17069"/>
-                  </a:lnTo>
-                  <a:lnTo>
-                    <a:pt x="1141171" y="1004621"/>
-                  </a:lnTo>
-                  <a:lnTo>
-                    <a:pt x="914400" y="1004621"/>
-                  </a:lnTo>
-                  <a:close/>
-                  <a:moveTo>
-                    <a:pt x="335623" y="17069"/>
-                  </a:moveTo>
-                  <a:lnTo>
-                    <a:pt x="696506" y="17069"/>
-                  </a:lnTo>
-                  <a:cubicBezTo>
-                    <a:pt x="816800" y="17069"/>
-                    <a:pt x="901728" y="39218"/>
-                    <a:pt x="951290" y="83515"/>
-                  </a:cubicBezTo>
-                  <a:cubicBezTo>
-                    <a:pt x="1000852" y="127813"/>
-                    <a:pt x="1011682" y="191008"/>
-                    <a:pt x="983780" y="273101"/>
-                  </a:cubicBezTo>
-                  <a:cubicBezTo>
-                    <a:pt x="945108" y="386893"/>
-                    <a:pt x="860501" y="461264"/>
-                    <a:pt x="729958" y="496215"/>
-                  </a:cubicBezTo>
-                  <a:lnTo>
-                    <a:pt x="727462" y="503530"/>
-                  </a:lnTo>
-                  <a:cubicBezTo>
-                    <a:pt x="797845" y="514096"/>
-                    <a:pt x="845512" y="538277"/>
-                    <a:pt x="870461" y="576072"/>
-                  </a:cubicBezTo>
-                  <a:cubicBezTo>
-                    <a:pt x="895410" y="613867"/>
-                    <a:pt x="897248" y="664058"/>
-                    <a:pt x="875976" y="726643"/>
-                  </a:cubicBezTo>
-                  <a:cubicBezTo>
-                    <a:pt x="845598" y="816051"/>
-                    <a:pt x="786901" y="884733"/>
-                    <a:pt x="699887" y="932688"/>
-                  </a:cubicBezTo>
-                  <a:cubicBezTo>
-                    <a:pt x="612873" y="980643"/>
-                    <a:pt x="503936" y="1004621"/>
-                    <a:pt x="373075" y="1004621"/>
-                  </a:cubicBezTo>
-                  <a:lnTo>
-                    <a:pt x="0" y="1004621"/>
-                  </a:lnTo>
-                  <a:close/>
-                  <a:moveTo>
-                    <a:pt x="5856922" y="0"/>
-                  </a:moveTo>
-                  <a:cubicBezTo>
-                    <a:pt x="5949582" y="0"/>
-                    <a:pt x="6023210" y="20727"/>
-                    <a:pt x="6077807" y="62179"/>
-                  </a:cubicBezTo>
-                  <a:cubicBezTo>
-                    <a:pt x="6132404" y="103632"/>
-                    <a:pt x="6165142" y="162763"/>
-                    <a:pt x="6176019" y="239573"/>
-                  </a:cubicBezTo>
-                  <a:cubicBezTo>
-                    <a:pt x="6186897" y="316383"/>
-                    <a:pt x="6174657" y="406807"/>
-                    <a:pt x="6139300" y="510845"/>
-                  </a:cubicBezTo>
-                  <a:cubicBezTo>
-                    <a:pt x="6103944" y="614883"/>
-                    <a:pt x="6054722" y="705307"/>
-                    <a:pt x="5991634" y="782117"/>
-                  </a:cubicBezTo>
-                  <a:cubicBezTo>
-                    <a:pt x="5928547" y="858927"/>
-                    <a:pt x="5855617" y="918058"/>
-                    <a:pt x="5772845" y="959511"/>
-                  </a:cubicBezTo>
-                  <a:cubicBezTo>
-                    <a:pt x="5690073" y="1000963"/>
-                    <a:pt x="5602357" y="1021690"/>
-                    <a:pt x="5509698" y="1021690"/>
-                  </a:cubicBezTo>
-                  <a:cubicBezTo>
-                    <a:pt x="5417038" y="1021690"/>
-                    <a:pt x="5343413" y="1000963"/>
-                    <a:pt x="5288822" y="959511"/>
-                  </a:cubicBezTo>
-                  <a:cubicBezTo>
-                    <a:pt x="5234232" y="918058"/>
-                    <a:pt x="5201498" y="858927"/>
-                    <a:pt x="5190620" y="782117"/>
-                  </a:cubicBezTo>
-                  <a:cubicBezTo>
-                    <a:pt x="5179742" y="705307"/>
-                    <a:pt x="5191982" y="614883"/>
-                    <a:pt x="5227339" y="510845"/>
-                  </a:cubicBezTo>
-                  <a:cubicBezTo>
-                    <a:pt x="5262696" y="406807"/>
-                    <a:pt x="5311918" y="316383"/>
-                    <a:pt x="5375005" y="239573"/>
-                  </a:cubicBezTo>
-                  <a:cubicBezTo>
-                    <a:pt x="5438092" y="162763"/>
-                    <a:pt x="5511019" y="103632"/>
-                    <a:pt x="5593785" y="62179"/>
-                  </a:cubicBezTo>
-                  <a:cubicBezTo>
-                    <a:pt x="5676551" y="20727"/>
-                    <a:pt x="5764263" y="0"/>
-                    <a:pt x="5856922" y="0"/>
-                  </a:cubicBezTo>
-                  <a:close/>
-                  <a:moveTo>
-                    <a:pt x="2957055" y="0"/>
-                  </a:moveTo>
-                  <a:cubicBezTo>
-                    <a:pt x="3130994" y="0"/>
-                    <a:pt x="3228549" y="80061"/>
-                    <a:pt x="3249720" y="240183"/>
-                  </a:cubicBezTo>
-                  <a:lnTo>
-                    <a:pt x="3023577" y="331623"/>
-                  </a:lnTo>
-                  <a:cubicBezTo>
-                    <a:pt x="3017634" y="286919"/>
-                    <a:pt x="3003346" y="254813"/>
-                    <a:pt x="2980715" y="235306"/>
-                  </a:cubicBezTo>
-                  <a:cubicBezTo>
-                    <a:pt x="2958083" y="215799"/>
-                    <a:pt x="2926042" y="206045"/>
-                    <a:pt x="2884589" y="206045"/>
-                  </a:cubicBezTo>
-                  <a:cubicBezTo>
-                    <a:pt x="2845574" y="206045"/>
-                    <a:pt x="2810233" y="214376"/>
-                    <a:pt x="2778566" y="231039"/>
-                  </a:cubicBezTo>
-                  <a:cubicBezTo>
-                    <a:pt x="2746899" y="247701"/>
-                    <a:pt x="2726918" y="268224"/>
-                    <a:pt x="2718625" y="292608"/>
-                  </a:cubicBezTo>
-                  <a:cubicBezTo>
-                    <a:pt x="2711996" y="312115"/>
-                    <a:pt x="2711621" y="328168"/>
-                    <a:pt x="2717501" y="340767"/>
-                  </a:cubicBezTo>
-                  <a:cubicBezTo>
-                    <a:pt x="2723381" y="353365"/>
-                    <a:pt x="2736919" y="364947"/>
-                    <a:pt x="2758116" y="375514"/>
-                  </a:cubicBezTo>
-                  <a:cubicBezTo>
-                    <a:pt x="2779312" y="386080"/>
-                    <a:pt x="2812764" y="398272"/>
-                    <a:pt x="2858471" y="412090"/>
-                  </a:cubicBezTo>
-                  <a:cubicBezTo>
-                    <a:pt x="2916878" y="429159"/>
-                    <a:pt x="2964850" y="447040"/>
-                    <a:pt x="3002384" y="465735"/>
-                  </a:cubicBezTo>
-                  <a:cubicBezTo>
-                    <a:pt x="3039919" y="484429"/>
-                    <a:pt x="3068583" y="513690"/>
-                    <a:pt x="3088376" y="553517"/>
-                  </a:cubicBezTo>
-                  <a:cubicBezTo>
-                    <a:pt x="3108169" y="593344"/>
-                    <a:pt x="3106737" y="646583"/>
-                    <a:pt x="3084080" y="713232"/>
-                  </a:cubicBezTo>
-                  <a:cubicBezTo>
-                    <a:pt x="3063087" y="775005"/>
-                    <a:pt x="3028394" y="829259"/>
-                    <a:pt x="2980001" y="875995"/>
-                  </a:cubicBezTo>
-                  <a:cubicBezTo>
-                    <a:pt x="2931607" y="922731"/>
-                    <a:pt x="2874070" y="958698"/>
-                    <a:pt x="2807389" y="983895"/>
-                  </a:cubicBezTo>
-                  <a:cubicBezTo>
-                    <a:pt x="2740707" y="1009091"/>
-                    <a:pt x="2669977" y="1021690"/>
-                    <a:pt x="2595200" y="1021690"/>
-                  </a:cubicBezTo>
-                  <a:cubicBezTo>
-                    <a:pt x="2503354" y="1021690"/>
-                    <a:pt x="2431233" y="998931"/>
-                    <a:pt x="2378840" y="953415"/>
-                  </a:cubicBezTo>
-                  <a:cubicBezTo>
-                    <a:pt x="2326446" y="907898"/>
-                    <a:pt x="2296699" y="847751"/>
-                    <a:pt x="2289600" y="772973"/>
-                  </a:cubicBezTo>
-                  <a:lnTo>
-                    <a:pt x="2516962" y="681533"/>
-                  </a:lnTo>
-                  <a:cubicBezTo>
-                    <a:pt x="2518295" y="725424"/>
-                    <a:pt x="2532367" y="758749"/>
-                    <a:pt x="2559177" y="781507"/>
-                  </a:cubicBezTo>
-                  <a:cubicBezTo>
-                    <a:pt x="2585986" y="804266"/>
-                    <a:pt x="2621743" y="815645"/>
-                    <a:pt x="2666447" y="815645"/>
-                  </a:cubicBezTo>
-                  <a:cubicBezTo>
-                    <a:pt x="2712777" y="815645"/>
-                    <a:pt x="2752388" y="807314"/>
-                    <a:pt x="2785281" y="790651"/>
-                  </a:cubicBezTo>
-                  <a:cubicBezTo>
-                    <a:pt x="2818174" y="773989"/>
-                    <a:pt x="2839180" y="752247"/>
-                    <a:pt x="2848298" y="725424"/>
-                  </a:cubicBezTo>
-                  <a:cubicBezTo>
-                    <a:pt x="2854648" y="706730"/>
-                    <a:pt x="2855020" y="691287"/>
-                    <a:pt x="2849413" y="679095"/>
-                  </a:cubicBezTo>
-                  <a:cubicBezTo>
-                    <a:pt x="2843806" y="666903"/>
-                    <a:pt x="2830268" y="655320"/>
-                    <a:pt x="2808798" y="644347"/>
-                  </a:cubicBezTo>
-                  <a:cubicBezTo>
-                    <a:pt x="2787329" y="633375"/>
-                    <a:pt x="2754153" y="620979"/>
-                    <a:pt x="2709272" y="607162"/>
-                  </a:cubicBezTo>
-                  <a:cubicBezTo>
-                    <a:pt x="2649785" y="588467"/>
-                    <a:pt x="2601474" y="569773"/>
-                    <a:pt x="2564339" y="551079"/>
-                  </a:cubicBezTo>
-                  <a:cubicBezTo>
-                    <a:pt x="2527205" y="532384"/>
-                    <a:pt x="2498813" y="502920"/>
-                    <a:pt x="2479166" y="462687"/>
-                  </a:cubicBezTo>
-                  <a:cubicBezTo>
-                    <a:pt x="2459520" y="422453"/>
-                    <a:pt x="2460879" y="369418"/>
-                    <a:pt x="2483244" y="303581"/>
-                  </a:cubicBezTo>
-                  <a:cubicBezTo>
-                    <a:pt x="2503132" y="245059"/>
-                    <a:pt x="2537339" y="192837"/>
-                    <a:pt x="2585865" y="146914"/>
-                  </a:cubicBezTo>
-                  <a:cubicBezTo>
-                    <a:pt x="2634392" y="100991"/>
-                    <a:pt x="2691320" y="65024"/>
-                    <a:pt x="2756649" y="39015"/>
-                  </a:cubicBezTo>
-                  <a:cubicBezTo>
-                    <a:pt x="2821978" y="13005"/>
-                    <a:pt x="2888780" y="0"/>
-                    <a:pt x="2957055" y="0"/>
-                  </a:cubicBezTo>
-                  <a:close/>
-                </a:path>
-              </a:pathLst>
-            </a:custGeom>
-            <a:noFill/>
-            <a:ln>
-              <a:gradFill flip="none" rotWithShape="1">
-                <a:gsLst>
-                  <a:gs pos="50000">
-                    <a:schemeClr val="bg1">
-                      <a:alpha val="0"/>
-                    </a:schemeClr>
-                  </a:gs>
-                  <a:gs pos="100000">
-                    <a:schemeClr val="accent1"/>
-                  </a:gs>
-                </a:gsLst>
-                <a:lin ang="5400000" scaled="1"/>
-                <a:tileRect/>
-              </a:gradFill>
-            </a:ln>
-            <a:effectLst>
-              <a:glow>
-                <a:srgbClr val="000000"/>
-              </a:glow>
-            </a:effectLst>
-          </p:spPr>
-          <p:txBody>
-            <a:bodyPr rot="0" spcFirstLastPara="0" vertOverflow="overflow" horzOverflow="overflow" vert="horz" wrap="square" lIns="91440" tIns="45720" rIns="91440" bIns="45720" numCol="1" spcCol="0" rtlCol="0" fromWordArt="0" anchor="t" anchorCtr="0" forceAA="0" compatLnSpc="1">
-              <a:prstTxWarp prst="textNoShape">
-                <a:avLst/>
-              </a:prstTxWarp>
-              <a:noAutofit/>
-            </a:bodyPr>
-            <a:lstStyle>
-              <a:defPPr>
-                <a:defRPr lang="zh-CN"/>
-              </a:defPPr>
-              <a:lvl1pPr algn="ctr">
-                <a:defRPr sz="6600" i="1">
-                  <a:solidFill>
-                    <a:schemeClr val="bg1"/>
-                  </a:solidFill>
-                  <a:latin typeface="+mj-ea"/>
-                  <a:ea typeface="+mj-ea"/>
-                </a:defRPr>
-              </a:lvl1pPr>
-            </a:lstStyle>
-            <a:p>
-              <a:endParaRPr lang="zh-CN" altLang="en-US" dirty="0"/>
-            </a:p>
-          </p:txBody>
-        </p:sp>
-        <p:sp>
-          <p:nvSpPr>
-            <p:cNvPr id="65" name="TextBox 58">
-              <a:extLst>
-                <a:ext uri="{FF2B5EF4-FFF2-40B4-BE49-F238E27FC236}">
-                  <a16:creationId xmlns:a16="http://schemas.microsoft.com/office/drawing/2014/main" id="{E586AE69-3E6F-8091-51CD-1661B44B2468}"/>
-                </a:ext>
-              </a:extLst>
-            </p:cNvPr>
-            <p:cNvSpPr txBox="1"/>
-            <p:nvPr>
-              <p:custDataLst>
-                <p:tags r:id="rId3"/>
-              </p:custDataLst>
-            </p:nvPr>
-          </p:nvSpPr>
-          <p:spPr>
-            <a:xfrm>
-              <a:off x="609600" y="447997"/>
-              <a:ext cx="914400" cy="151174"/>
-            </a:xfrm>
-            <a:custGeom>
-              <a:avLst/>
-              <a:gdLst/>
-              <a:ahLst/>
-              <a:cxnLst/>
-              <a:rect l="l" t="t" r="r" b="b"/>
-              <a:pathLst>
-                <a:path w="6179857" h="1021690">
-                  <a:moveTo>
-                    <a:pt x="361854" y="607162"/>
-                  </a:moveTo>
-                  <a:lnTo>
-                    <a:pt x="296380" y="799795"/>
-                  </a:lnTo>
-                  <a:lnTo>
-                    <a:pt x="415861" y="799795"/>
-                  </a:lnTo>
-                  <a:cubicBezTo>
-                    <a:pt x="480885" y="799795"/>
-                    <a:pt x="533978" y="791261"/>
-                    <a:pt x="575138" y="774192"/>
-                  </a:cubicBezTo>
-                  <a:cubicBezTo>
-                    <a:pt x="616299" y="757123"/>
-                    <a:pt x="642404" y="732333"/>
-                    <a:pt x="653453" y="699821"/>
-                  </a:cubicBezTo>
-                  <a:cubicBezTo>
-                    <a:pt x="663664" y="669747"/>
-                    <a:pt x="653786" y="646786"/>
-                    <a:pt x="623821" y="630936"/>
-                  </a:cubicBezTo>
-                  <a:cubicBezTo>
-                    <a:pt x="593855" y="615087"/>
-                    <a:pt x="545954" y="607162"/>
-                    <a:pt x="480117" y="607162"/>
-                  </a:cubicBezTo>
-                  <a:close/>
-                  <a:moveTo>
-                    <a:pt x="4747832" y="312115"/>
-                  </a:moveTo>
-                  <a:lnTo>
-                    <a:pt x="4557026" y="593751"/>
-                  </a:lnTo>
-                  <a:lnTo>
-                    <a:pt x="4754537" y="593751"/>
-                  </a:lnTo>
-                  <a:lnTo>
-                    <a:pt x="4755146" y="312115"/>
-                  </a:lnTo>
-                  <a:close/>
-                  <a:moveTo>
-                    <a:pt x="492785" y="221895"/>
-                  </a:moveTo>
-                  <a:lnTo>
-                    <a:pt x="431463" y="402336"/>
-                  </a:lnTo>
-                  <a:lnTo>
-                    <a:pt x="537533" y="402336"/>
-                  </a:lnTo>
-                  <a:cubicBezTo>
-                    <a:pt x="591991" y="402336"/>
-                    <a:pt x="636613" y="394208"/>
-                    <a:pt x="671398" y="377952"/>
-                  </a:cubicBezTo>
-                  <a:cubicBezTo>
-                    <a:pt x="706183" y="361696"/>
-                    <a:pt x="728681" y="338531"/>
-                    <a:pt x="738892" y="308458"/>
-                  </a:cubicBezTo>
-                  <a:cubicBezTo>
-                    <a:pt x="748290" y="280823"/>
-                    <a:pt x="741118" y="259487"/>
-                    <a:pt x="717375" y="244450"/>
-                  </a:cubicBezTo>
-                  <a:cubicBezTo>
-                    <a:pt x="693633" y="229413"/>
-                    <a:pt x="654532" y="221895"/>
-                    <a:pt x="600075" y="221895"/>
-                  </a:cubicBezTo>
-                  <a:close/>
-                  <a:moveTo>
-                    <a:pt x="5784837" y="212141"/>
-                  </a:moveTo>
-                  <a:cubicBezTo>
-                    <a:pt x="5715749" y="212141"/>
-                    <a:pt x="5651973" y="238963"/>
-                    <a:pt x="5593508" y="292608"/>
-                  </a:cubicBezTo>
-                  <a:cubicBezTo>
-                    <a:pt x="5535044" y="346253"/>
-                    <a:pt x="5490203" y="418999"/>
-                    <a:pt x="5458986" y="510845"/>
-                  </a:cubicBezTo>
-                  <a:cubicBezTo>
-                    <a:pt x="5427770" y="602691"/>
-                    <a:pt x="5423163" y="675437"/>
-                    <a:pt x="5445166" y="729082"/>
-                  </a:cubicBezTo>
-                  <a:cubicBezTo>
-                    <a:pt x="5467169" y="782727"/>
-                    <a:pt x="5512715" y="809549"/>
-                    <a:pt x="5581802" y="809549"/>
-                  </a:cubicBezTo>
-                  <a:cubicBezTo>
-                    <a:pt x="5650890" y="809549"/>
-                    <a:pt x="5714666" y="782727"/>
-                    <a:pt x="5773131" y="729082"/>
-                  </a:cubicBezTo>
-                  <a:cubicBezTo>
-                    <a:pt x="5831595" y="675437"/>
-                    <a:pt x="5876436" y="602691"/>
-                    <a:pt x="5907652" y="510845"/>
-                  </a:cubicBezTo>
-                  <a:cubicBezTo>
-                    <a:pt x="5938869" y="418999"/>
-                    <a:pt x="5943476" y="346253"/>
-                    <a:pt x="5921473" y="292608"/>
-                  </a:cubicBezTo>
-                  <a:cubicBezTo>
-                    <a:pt x="5899471" y="238963"/>
-                    <a:pt x="5853925" y="212141"/>
-                    <a:pt x="5784837" y="212141"/>
-                  </a:cubicBezTo>
-                  <a:close/>
-                  <a:moveTo>
-                    <a:pt x="4735944" y="17069"/>
-                  </a:moveTo>
-                  <a:lnTo>
-                    <a:pt x="4967592" y="17069"/>
-                  </a:lnTo>
-                  <a:lnTo>
-                    <a:pt x="4995291" y="1004621"/>
-                  </a:lnTo>
-                  <a:lnTo>
-                    <a:pt x="4755108" y="1004621"/>
-                  </a:lnTo>
-                  <a:lnTo>
-                    <a:pt x="4755585" y="805891"/>
-                  </a:lnTo>
-                  <a:lnTo>
-                    <a:pt x="4411770" y="805891"/>
-                  </a:lnTo>
-                  <a:lnTo>
-                    <a:pt x="4277182" y="1004621"/>
-                  </a:lnTo>
-                  <a:lnTo>
-                    <a:pt x="4036999" y="1004621"/>
-                  </a:lnTo>
-                  <a:close/>
-                  <a:moveTo>
-                    <a:pt x="3440773" y="17069"/>
-                  </a:moveTo>
-                  <a:lnTo>
-                    <a:pt x="3667544" y="17069"/>
-                  </a:lnTo>
-                  <a:lnTo>
-                    <a:pt x="3540747" y="390144"/>
-                  </a:lnTo>
-                  <a:lnTo>
-                    <a:pt x="3928453" y="390144"/>
-                  </a:lnTo>
-                  <a:lnTo>
-                    <a:pt x="4055249" y="17069"/>
-                  </a:lnTo>
-                  <a:lnTo>
-                    <a:pt x="4282021" y="17069"/>
-                  </a:lnTo>
-                  <a:lnTo>
-                    <a:pt x="3946398" y="1004621"/>
-                  </a:lnTo>
-                  <a:lnTo>
-                    <a:pt x="3719627" y="1004621"/>
-                  </a:lnTo>
-                  <a:lnTo>
-                    <a:pt x="3856367" y="602285"/>
-                  </a:lnTo>
-                  <a:lnTo>
-                    <a:pt x="3468662" y="602285"/>
-                  </a:lnTo>
-                  <a:lnTo>
-                    <a:pt x="3331921" y="1004621"/>
-                  </a:lnTo>
-                  <a:lnTo>
-                    <a:pt x="3105149" y="1004621"/>
-                  </a:lnTo>
-                  <a:close/>
-                  <a:moveTo>
-                    <a:pt x="1631023" y="17069"/>
-                  </a:moveTo>
-                  <a:lnTo>
-                    <a:pt x="1838287" y="17069"/>
-                  </a:lnTo>
-                  <a:lnTo>
-                    <a:pt x="2017509" y="576682"/>
-                  </a:lnTo>
-                  <a:lnTo>
-                    <a:pt x="2024824" y="576682"/>
-                  </a:lnTo>
-                  <a:lnTo>
-                    <a:pt x="2215019" y="17069"/>
-                  </a:lnTo>
-                  <a:lnTo>
-                    <a:pt x="2441791" y="17069"/>
-                  </a:lnTo>
-                  <a:lnTo>
-                    <a:pt x="2106168" y="1004621"/>
-                  </a:lnTo>
-                  <a:lnTo>
-                    <a:pt x="1911096" y="1004621"/>
-                  </a:lnTo>
-                  <a:lnTo>
-                    <a:pt x="1719662" y="445008"/>
-                  </a:lnTo>
-                  <a:lnTo>
-                    <a:pt x="1712347" y="445008"/>
-                  </a:lnTo>
-                  <a:lnTo>
-                    <a:pt x="1522171" y="1004621"/>
-                  </a:lnTo>
-                  <a:lnTo>
-                    <a:pt x="1295400" y="1004621"/>
-                  </a:lnTo>
-                  <a:close/>
-                  <a:moveTo>
-                    <a:pt x="1250023" y="17069"/>
-                  </a:moveTo>
-                  <a:lnTo>
-                    <a:pt x="1476794" y="17069"/>
-                  </a:lnTo>
-                  <a:lnTo>
-                    <a:pt x="1141171" y="1004621"/>
-                  </a:lnTo>
-                  <a:lnTo>
-                    <a:pt x="914400" y="1004621"/>
-                  </a:lnTo>
-                  <a:close/>
-                  <a:moveTo>
-                    <a:pt x="335623" y="17069"/>
-                  </a:moveTo>
-                  <a:lnTo>
-                    <a:pt x="696506" y="17069"/>
-                  </a:lnTo>
-                  <a:cubicBezTo>
-                    <a:pt x="816800" y="17069"/>
-                    <a:pt x="901728" y="39218"/>
-                    <a:pt x="951290" y="83515"/>
-                  </a:cubicBezTo>
-                  <a:cubicBezTo>
-                    <a:pt x="1000852" y="127813"/>
-                    <a:pt x="1011682" y="191008"/>
-                    <a:pt x="983780" y="273101"/>
-                  </a:cubicBezTo>
-                  <a:cubicBezTo>
-                    <a:pt x="945108" y="386893"/>
-                    <a:pt x="860501" y="461264"/>
-                    <a:pt x="729958" y="496215"/>
-                  </a:cubicBezTo>
-                  <a:lnTo>
-                    <a:pt x="727462" y="503530"/>
-                  </a:lnTo>
-                  <a:cubicBezTo>
-                    <a:pt x="797845" y="514096"/>
-                    <a:pt x="845512" y="538277"/>
-                    <a:pt x="870461" y="576072"/>
-                  </a:cubicBezTo>
-                  <a:cubicBezTo>
-                    <a:pt x="895410" y="613867"/>
-                    <a:pt x="897248" y="664058"/>
-                    <a:pt x="875976" y="726643"/>
-                  </a:cubicBezTo>
-                  <a:cubicBezTo>
-                    <a:pt x="845598" y="816051"/>
-                    <a:pt x="786901" y="884733"/>
-                    <a:pt x="699887" y="932688"/>
-                  </a:cubicBezTo>
-                  <a:cubicBezTo>
-                    <a:pt x="612873" y="980643"/>
-                    <a:pt x="503936" y="1004621"/>
-                    <a:pt x="373075" y="1004621"/>
-                  </a:cubicBezTo>
-                  <a:lnTo>
-                    <a:pt x="0" y="1004621"/>
-                  </a:lnTo>
-                  <a:close/>
-                  <a:moveTo>
-                    <a:pt x="5856922" y="0"/>
-                  </a:moveTo>
-                  <a:cubicBezTo>
-                    <a:pt x="5949582" y="0"/>
-                    <a:pt x="6023210" y="20727"/>
-                    <a:pt x="6077807" y="62179"/>
-                  </a:cubicBezTo>
-                  <a:cubicBezTo>
-                    <a:pt x="6132404" y="103632"/>
-                    <a:pt x="6165142" y="162763"/>
-                    <a:pt x="6176019" y="239573"/>
-                  </a:cubicBezTo>
-                  <a:cubicBezTo>
-                    <a:pt x="6186897" y="316383"/>
-                    <a:pt x="6174657" y="406807"/>
-                    <a:pt x="6139300" y="510845"/>
-                  </a:cubicBezTo>
-                  <a:cubicBezTo>
-                    <a:pt x="6103944" y="614883"/>
-                    <a:pt x="6054722" y="705307"/>
-                    <a:pt x="5991634" y="782117"/>
-                  </a:cubicBezTo>
-                  <a:cubicBezTo>
-                    <a:pt x="5928547" y="858927"/>
-                    <a:pt x="5855617" y="918058"/>
-                    <a:pt x="5772845" y="959511"/>
-                  </a:cubicBezTo>
-                  <a:cubicBezTo>
-                    <a:pt x="5690073" y="1000963"/>
-                    <a:pt x="5602357" y="1021690"/>
-                    <a:pt x="5509698" y="1021690"/>
-                  </a:cubicBezTo>
-                  <a:cubicBezTo>
-                    <a:pt x="5417038" y="1021690"/>
-                    <a:pt x="5343413" y="1000963"/>
-                    <a:pt x="5288822" y="959511"/>
-                  </a:cubicBezTo>
-                  <a:cubicBezTo>
-                    <a:pt x="5234232" y="918058"/>
-                    <a:pt x="5201498" y="858927"/>
-                    <a:pt x="5190620" y="782117"/>
-                  </a:cubicBezTo>
-                  <a:cubicBezTo>
-                    <a:pt x="5179742" y="705307"/>
-                    <a:pt x="5191982" y="614883"/>
-                    <a:pt x="5227339" y="510845"/>
-                  </a:cubicBezTo>
-                  <a:cubicBezTo>
-                    <a:pt x="5262696" y="406807"/>
-                    <a:pt x="5311918" y="316383"/>
-                    <a:pt x="5375005" y="239573"/>
-                  </a:cubicBezTo>
-                  <a:cubicBezTo>
-                    <a:pt x="5438092" y="162763"/>
-                    <a:pt x="5511019" y="103632"/>
-                    <a:pt x="5593785" y="62179"/>
-                  </a:cubicBezTo>
-                  <a:cubicBezTo>
-                    <a:pt x="5676551" y="20727"/>
-                    <a:pt x="5764263" y="0"/>
-                    <a:pt x="5856922" y="0"/>
-                  </a:cubicBezTo>
-                  <a:close/>
-                  <a:moveTo>
-                    <a:pt x="2957055" y="0"/>
-                  </a:moveTo>
-                  <a:cubicBezTo>
-                    <a:pt x="3130994" y="0"/>
-                    <a:pt x="3228549" y="80061"/>
-                    <a:pt x="3249720" y="240183"/>
-                  </a:cubicBezTo>
-                  <a:lnTo>
-                    <a:pt x="3023577" y="331623"/>
-                  </a:lnTo>
-                  <a:cubicBezTo>
-                    <a:pt x="3017634" y="286919"/>
-                    <a:pt x="3003346" y="254813"/>
-                    <a:pt x="2980715" y="235306"/>
-                  </a:cubicBezTo>
-                  <a:cubicBezTo>
-                    <a:pt x="2958083" y="215799"/>
-                    <a:pt x="2926042" y="206045"/>
-                    <a:pt x="2884589" y="206045"/>
-                  </a:cubicBezTo>
-                  <a:cubicBezTo>
-                    <a:pt x="2845574" y="206045"/>
-                    <a:pt x="2810233" y="214376"/>
-                    <a:pt x="2778566" y="231039"/>
-                  </a:cubicBezTo>
-                  <a:cubicBezTo>
-                    <a:pt x="2746899" y="247701"/>
-                    <a:pt x="2726918" y="268224"/>
-                    <a:pt x="2718625" y="292608"/>
-                  </a:cubicBezTo>
-                  <a:cubicBezTo>
-                    <a:pt x="2711996" y="312115"/>
-                    <a:pt x="2711621" y="328168"/>
-                    <a:pt x="2717501" y="340767"/>
-                  </a:cubicBezTo>
-                  <a:cubicBezTo>
-                    <a:pt x="2723381" y="353365"/>
-                    <a:pt x="2736919" y="364947"/>
-                    <a:pt x="2758116" y="375514"/>
-                  </a:cubicBezTo>
-                  <a:cubicBezTo>
-                    <a:pt x="2779312" y="386080"/>
-                    <a:pt x="2812764" y="398272"/>
-                    <a:pt x="2858471" y="412090"/>
-                  </a:cubicBezTo>
-                  <a:cubicBezTo>
-                    <a:pt x="2916878" y="429159"/>
-                    <a:pt x="2964850" y="447040"/>
-                    <a:pt x="3002384" y="465735"/>
-                  </a:cubicBezTo>
-                  <a:cubicBezTo>
-                    <a:pt x="3039919" y="484429"/>
-                    <a:pt x="3068583" y="513690"/>
-                    <a:pt x="3088376" y="553517"/>
-                  </a:cubicBezTo>
-                  <a:cubicBezTo>
-                    <a:pt x="3108169" y="593344"/>
-                    <a:pt x="3106737" y="646583"/>
-                    <a:pt x="3084080" y="713232"/>
-                  </a:cubicBezTo>
-                  <a:cubicBezTo>
-                    <a:pt x="3063087" y="775005"/>
-                    <a:pt x="3028394" y="829259"/>
-                    <a:pt x="2980001" y="875995"/>
-                  </a:cubicBezTo>
-                  <a:cubicBezTo>
-                    <a:pt x="2931607" y="922731"/>
-                    <a:pt x="2874070" y="958698"/>
-                    <a:pt x="2807389" y="983895"/>
-                  </a:cubicBezTo>
-                  <a:cubicBezTo>
-                    <a:pt x="2740707" y="1009091"/>
-                    <a:pt x="2669977" y="1021690"/>
-                    <a:pt x="2595200" y="1021690"/>
-                  </a:cubicBezTo>
-                  <a:cubicBezTo>
-                    <a:pt x="2503354" y="1021690"/>
-                    <a:pt x="2431233" y="998931"/>
-                    <a:pt x="2378840" y="953415"/>
-                  </a:cubicBezTo>
-                  <a:cubicBezTo>
-                    <a:pt x="2326446" y="907898"/>
-                    <a:pt x="2296699" y="847751"/>
-                    <a:pt x="2289600" y="772973"/>
-                  </a:cubicBezTo>
-                  <a:lnTo>
-                    <a:pt x="2516962" y="681533"/>
-                  </a:lnTo>
-                  <a:cubicBezTo>
-                    <a:pt x="2518295" y="725424"/>
-                    <a:pt x="2532367" y="758749"/>
-                    <a:pt x="2559177" y="781507"/>
-                  </a:cubicBezTo>
-                  <a:cubicBezTo>
-                    <a:pt x="2585986" y="804266"/>
-                    <a:pt x="2621743" y="815645"/>
-                    <a:pt x="2666447" y="815645"/>
-                  </a:cubicBezTo>
-                  <a:cubicBezTo>
-                    <a:pt x="2712777" y="815645"/>
-                    <a:pt x="2752388" y="807314"/>
-                    <a:pt x="2785281" y="790651"/>
-                  </a:cubicBezTo>
-                  <a:cubicBezTo>
-                    <a:pt x="2818174" y="773989"/>
-                    <a:pt x="2839180" y="752247"/>
-                    <a:pt x="2848298" y="725424"/>
-                  </a:cubicBezTo>
-                  <a:cubicBezTo>
-                    <a:pt x="2854648" y="706730"/>
-                    <a:pt x="2855020" y="691287"/>
-                    <a:pt x="2849413" y="679095"/>
-                  </a:cubicBezTo>
-                  <a:cubicBezTo>
-                    <a:pt x="2843806" y="666903"/>
-                    <a:pt x="2830268" y="655320"/>
-                    <a:pt x="2808798" y="644347"/>
-                  </a:cubicBezTo>
-                  <a:cubicBezTo>
-                    <a:pt x="2787329" y="633375"/>
-                    <a:pt x="2754153" y="620979"/>
-                    <a:pt x="2709272" y="607162"/>
-                  </a:cubicBezTo>
-                  <a:cubicBezTo>
-                    <a:pt x="2649785" y="588467"/>
-                    <a:pt x="2601474" y="569773"/>
-                    <a:pt x="2564339" y="551079"/>
-                  </a:cubicBezTo>
-                  <a:cubicBezTo>
-                    <a:pt x="2527205" y="532384"/>
-                    <a:pt x="2498813" y="502920"/>
-                    <a:pt x="2479166" y="462687"/>
-                  </a:cubicBezTo>
-                  <a:cubicBezTo>
-                    <a:pt x="2459520" y="422453"/>
-                    <a:pt x="2460879" y="369418"/>
-                    <a:pt x="2483244" y="303581"/>
-                  </a:cubicBezTo>
-                  <a:cubicBezTo>
-                    <a:pt x="2503132" y="245059"/>
-                    <a:pt x="2537339" y="192837"/>
-                    <a:pt x="2585865" y="146914"/>
-                  </a:cubicBezTo>
-                  <a:cubicBezTo>
-                    <a:pt x="2634392" y="100991"/>
-                    <a:pt x="2691320" y="65024"/>
-                    <a:pt x="2756649" y="39015"/>
-                  </a:cubicBezTo>
-                  <a:cubicBezTo>
-                    <a:pt x="2821978" y="13005"/>
-                    <a:pt x="2888780" y="0"/>
-                    <a:pt x="2957055" y="0"/>
-                  </a:cubicBezTo>
-                  <a:close/>
-                </a:path>
-              </a:pathLst>
-            </a:custGeom>
-            <a:solidFill>
-              <a:schemeClr val="accent1"/>
-            </a:solidFill>
-            <a:ln>
-              <a:noFill/>
-            </a:ln>
-            <a:effectLst>
-              <a:glow>
-                <a:srgbClr val="000000"/>
-              </a:glow>
-            </a:effectLst>
-          </p:spPr>
-          <p:txBody>
-            <a:bodyPr rot="0" spcFirstLastPara="0" vertOverflow="overflow" horzOverflow="overflow" vert="horz" wrap="square" lIns="91440" tIns="45720" rIns="91440" bIns="45720" numCol="1" spcCol="0" rtlCol="0" fromWordArt="0" anchor="t" anchorCtr="0" forceAA="0" compatLnSpc="1">
-              <a:prstTxWarp prst="textNoShape">
-                <a:avLst/>
-              </a:prstTxWarp>
-              <a:noAutofit/>
-            </a:bodyPr>
-            <a:lstStyle/>
-            <a:p>
-              <a:pPr algn="ctr"/>
-              <a:endParaRPr lang="zh-CN" altLang="en-US" sz="6600" i="1" dirty="0">
-                <a:solidFill>
-                  <a:schemeClr val="bg1"/>
-                </a:solidFill>
-                <a:latin typeface="+mj-ea"/>
-                <a:ea typeface="+mj-ea"/>
-              </a:endParaRPr>
-            </a:p>
-          </p:txBody>
-        </p:sp>
-      </p:grpSp>
-      <p:sp>
-        <p:nvSpPr>
-          <p:cNvPr id="659" name="文本框 658">
-            <a:extLst>
-              <a:ext uri="{FF2B5EF4-FFF2-40B4-BE49-F238E27FC236}">
-                <a16:creationId xmlns:a16="http://schemas.microsoft.com/office/drawing/2014/main" id="{5E83D321-7A7F-E8B8-D2B3-93B0C57B1F51}"/>
-              </a:ext>
-            </a:extLst>
-          </p:cNvPr>
-          <p:cNvSpPr txBox="1"/>
-          <p:nvPr/>
-        </p:nvSpPr>
-        <p:spPr>
-          <a:xfrm>
-            <a:off x="2041205" y="2367171"/>
-            <a:ext cx="8109591" cy="2123658"/>
-          </a:xfrm>
-          <a:prstGeom prst="rect">
-            <a:avLst/>
-          </a:prstGeom>
-          <a:noFill/>
-        </p:spPr>
-        <p:txBody>
-          <a:bodyPr wrap="none" lIns="0" tIns="0" rIns="0" bIns="0" rtlCol="0">
-            <a:spAutoFit/>
-          </a:bodyPr>
-          <a:lstStyle/>
-          <a:p>
-            <a:pPr algn="ctr"/>
-            <a:r>
-              <a:rPr lang="en-US" altLang="zh-CN" sz="13800" dirty="0">
-                <a:gradFill flip="none" rotWithShape="1">
-                  <a:gsLst>
-                    <a:gs pos="59000">
-                      <a:schemeClr val="accent1"/>
-                    </a:gs>
-                    <a:gs pos="100000">
-                      <a:schemeClr val="accent1">
-                        <a:lumMod val="25000"/>
-                        <a:lumOff val="75000"/>
-                      </a:schemeClr>
-                    </a:gs>
-                  </a:gsLst>
-                  <a:lin ang="2700000" scaled="1"/>
-                  <a:tileRect/>
-                </a:gradFill>
-                <a:latin typeface="+mj-ea"/>
-                <a:ea typeface="+mj-ea"/>
-              </a:rPr>
-              <a:t>THANKS</a:t>
-            </a:r>
-            <a:endParaRPr lang="zh-CN" altLang="en-US" sz="13800" dirty="0">
-              <a:gradFill flip="none" rotWithShape="1">
-                <a:gsLst>
-                  <a:gs pos="59000">
-                    <a:schemeClr val="accent1"/>
-                  </a:gs>
-                  <a:gs pos="100000">
-                    <a:schemeClr val="accent1">
-                      <a:lumMod val="25000"/>
-                      <a:lumOff val="75000"/>
-                    </a:schemeClr>
-                  </a:gs>
-                </a:gsLst>
-                <a:lin ang="2700000" scaled="1"/>
-                <a:tileRect/>
-              </a:gradFill>
-              <a:latin typeface="+mj-ea"/>
-              <a:ea typeface="+mj-ea"/>
-            </a:endParaRPr>
-          </a:p>
-        </p:txBody>
-      </p:sp>
       <p:sp>
         <p:nvSpPr>
           <p:cNvPr id="2" name="矩形 1">
@@ -11925,10 +11526,10 @@
       </p:grpSp>
       <p:sp>
         <p:nvSpPr>
-          <p:cNvPr id="14" name="文本框 13">
+          <p:cNvPr id="16" name="文本框 15">
             <a:extLst>
               <a:ext uri="{FF2B5EF4-FFF2-40B4-BE49-F238E27FC236}">
-                <a16:creationId xmlns:a16="http://schemas.microsoft.com/office/drawing/2014/main" id="{933C2F62-3509-146F-2507-227C7F8A589A}"/>
+                <a16:creationId xmlns:a16="http://schemas.microsoft.com/office/drawing/2014/main" id="{E11F8E31-9110-F464-0469-8FDDBC912898}"/>
               </a:ext>
             </a:extLst>
           </p:cNvPr>
@@ -11937,8 +11538,8 @@
         </p:nvSpPr>
         <p:spPr>
           <a:xfrm>
-            <a:off x="4841796" y="447997"/>
-            <a:ext cx="6771084" cy="276999"/>
+            <a:off x="207947" y="666393"/>
+            <a:ext cx="10824674" cy="492443"/>
           </a:xfrm>
           <a:prstGeom prst="rect">
             <a:avLst/>
@@ -11951,21 +11552,1962 @@
           </a:bodyPr>
           <a:lstStyle/>
           <a:p>
-            <a:pPr algn="r"/>
-            <a:r>
-              <a:rPr lang="en-US" altLang="zh-CN" dirty="0">
+            <a:r>
+              <a:rPr lang="en-US" altLang="zh-CN" sz="3200" dirty="0">
+                <a:gradFill flip="none" rotWithShape="1">
+                  <a:gsLst>
+                    <a:gs pos="59000">
+                      <a:schemeClr val="accent1"/>
+                    </a:gs>
+                    <a:gs pos="100000">
+                      <a:schemeClr val="accent1">
+                        <a:lumMod val="25000"/>
+                        <a:lumOff val="75000"/>
+                      </a:schemeClr>
+                    </a:gs>
+                  </a:gsLst>
+                  <a:lin ang="2700000" scaled="1"/>
+                  <a:tileRect/>
+                </a:gradFill>
+                <a:latin typeface="+mj-ea"/>
+                <a:ea typeface="+mj-ea"/>
+              </a:rPr>
+              <a:t>DTAM: Dense Tracking and Mapping in Real-Time</a:t>
+            </a:r>
+            <a:endParaRPr lang="zh-CN" altLang="en-US" sz="3200" dirty="0">
+              <a:gradFill flip="none" rotWithShape="1">
+                <a:gsLst>
+                  <a:gs pos="59000">
+                    <a:schemeClr val="accent1"/>
+                  </a:gs>
+                  <a:gs pos="100000">
+                    <a:schemeClr val="accent1">
+                      <a:lumMod val="25000"/>
+                      <a:lumOff val="75000"/>
+                    </a:schemeClr>
+                  </a:gs>
+                </a:gsLst>
+                <a:lin ang="2700000" scaled="1"/>
+                <a:tileRect/>
+              </a:gradFill>
+              <a:latin typeface="+mj-ea"/>
+              <a:ea typeface="+mj-ea"/>
+            </a:endParaRPr>
+          </a:p>
+        </p:txBody>
+      </p:sp>
+      <p:sp>
+        <p:nvSpPr>
+          <p:cNvPr id="21" name="文本框 20">
+            <a:extLst>
+              <a:ext uri="{FF2B5EF4-FFF2-40B4-BE49-F238E27FC236}">
+                <a16:creationId xmlns:a16="http://schemas.microsoft.com/office/drawing/2014/main" id="{0D9080BB-7830-4E06-B581-D5FCFD83ECF8}"/>
+              </a:ext>
+            </a:extLst>
+          </p:cNvPr>
+          <p:cNvSpPr txBox="1"/>
+          <p:nvPr/>
+        </p:nvSpPr>
+        <p:spPr>
+          <a:xfrm>
+            <a:off x="644040" y="4661006"/>
+            <a:ext cx="5639970" cy="1661993"/>
+          </a:xfrm>
+          <a:prstGeom prst="rect">
+            <a:avLst/>
+          </a:prstGeom>
+          <a:noFill/>
+        </p:spPr>
+        <p:txBody>
+          <a:bodyPr wrap="square" lIns="0" tIns="0" rIns="0" bIns="0" rtlCol="0">
+            <a:spAutoFit/>
+          </a:bodyPr>
+          <a:lstStyle/>
+          <a:p>
+            <a:pPr algn="l"/>
+            <a:r>
+              <a:rPr lang="zh-CN" altLang="en-US" dirty="0"/>
+              <a:t>我们的算法的总体结构很简单。给定一个密集的场景模型，我们使用密集的整个图像对齐与该模型来跟踪摄像机运动的帧率。与此紧密交织，给定来自被跟踪的相机姿态的图像，我们通过构建和细化密集的纹理深度地图来更新和扩展模型。一旦引导，系统是完全自支持的，不需要基于特性的骨架或跟踪。</a:t>
+            </a:r>
+          </a:p>
+        </p:txBody>
+      </p:sp>
+      <p:sp>
+        <p:nvSpPr>
+          <p:cNvPr id="36" name="文本框 137">
+            <a:extLst>
+              <a:ext uri="{FF2B5EF4-FFF2-40B4-BE49-F238E27FC236}">
+                <a16:creationId xmlns:a16="http://schemas.microsoft.com/office/drawing/2014/main" id="{F78CD1CC-465A-432A-A641-C72D343573E3}"/>
+              </a:ext>
+            </a:extLst>
+          </p:cNvPr>
+          <p:cNvSpPr txBox="1"/>
+          <p:nvPr/>
+        </p:nvSpPr>
+        <p:spPr>
+          <a:xfrm>
+            <a:off x="0" y="4198159"/>
+            <a:ext cx="2048591" cy="400110"/>
+          </a:xfrm>
+          <a:prstGeom prst="rect">
+            <a:avLst/>
+          </a:prstGeom>
+          <a:noFill/>
+        </p:spPr>
+        <p:txBody>
+          <a:bodyPr wrap="square">
+            <a:spAutoFit/>
+          </a:bodyPr>
+          <a:lstStyle>
+            <a:defPPr>
+              <a:defRPr lang="zh-CN"/>
+            </a:defPPr>
+            <a:lvl1pPr marL="0" algn="l" defTabSz="914400" rtl="0" eaLnBrk="1" latinLnBrk="0" hangingPunct="1">
+              <a:defRPr sz="1800" kern="1200">
                 <a:solidFill>
-                  <a:schemeClr val="accent1"/>
+                  <a:schemeClr val="tx1"/>
                 </a:solidFill>
-                <a:latin typeface="+mn-ea"/>
+                <a:latin typeface="+mn-lt"/>
+                <a:ea typeface="+mn-ea"/>
+                <a:cs typeface="+mn-cs"/>
+              </a:defRPr>
+            </a:lvl1pPr>
+            <a:lvl2pPr marL="457200" algn="l" defTabSz="914400" rtl="0" eaLnBrk="1" latinLnBrk="0" hangingPunct="1">
+              <a:defRPr sz="1800" kern="1200">
+                <a:solidFill>
+                  <a:schemeClr val="tx1"/>
+                </a:solidFill>
+                <a:latin typeface="+mn-lt"/>
+                <a:ea typeface="+mn-ea"/>
+                <a:cs typeface="+mn-cs"/>
+              </a:defRPr>
+            </a:lvl2pPr>
+            <a:lvl3pPr marL="914400" algn="l" defTabSz="914400" rtl="0" eaLnBrk="1" latinLnBrk="0" hangingPunct="1">
+              <a:defRPr sz="1800" kern="1200">
+                <a:solidFill>
+                  <a:schemeClr val="tx1"/>
+                </a:solidFill>
+                <a:latin typeface="+mn-lt"/>
+                <a:ea typeface="+mn-ea"/>
+                <a:cs typeface="+mn-cs"/>
+              </a:defRPr>
+            </a:lvl3pPr>
+            <a:lvl4pPr marL="1371600" algn="l" defTabSz="914400" rtl="0" eaLnBrk="1" latinLnBrk="0" hangingPunct="1">
+              <a:defRPr sz="1800" kern="1200">
+                <a:solidFill>
+                  <a:schemeClr val="tx1"/>
+                </a:solidFill>
+                <a:latin typeface="+mn-lt"/>
+                <a:ea typeface="+mn-ea"/>
+                <a:cs typeface="+mn-cs"/>
+              </a:defRPr>
+            </a:lvl4pPr>
+            <a:lvl5pPr marL="1828800" algn="l" defTabSz="914400" rtl="0" eaLnBrk="1" latinLnBrk="0" hangingPunct="1">
+              <a:defRPr sz="1800" kern="1200">
+                <a:solidFill>
+                  <a:schemeClr val="tx1"/>
+                </a:solidFill>
+                <a:latin typeface="+mn-lt"/>
+                <a:ea typeface="+mn-ea"/>
+                <a:cs typeface="+mn-cs"/>
+              </a:defRPr>
+            </a:lvl5pPr>
+            <a:lvl6pPr marL="2286000" algn="l" defTabSz="914400" rtl="0" eaLnBrk="1" latinLnBrk="0" hangingPunct="1">
+              <a:defRPr sz="1800" kern="1200">
+                <a:solidFill>
+                  <a:schemeClr val="tx1"/>
+                </a:solidFill>
+                <a:latin typeface="+mn-lt"/>
+                <a:ea typeface="+mn-ea"/>
+                <a:cs typeface="+mn-cs"/>
+              </a:defRPr>
+            </a:lvl6pPr>
+            <a:lvl7pPr marL="2743200" algn="l" defTabSz="914400" rtl="0" eaLnBrk="1" latinLnBrk="0" hangingPunct="1">
+              <a:defRPr sz="1800" kern="1200">
+                <a:solidFill>
+                  <a:schemeClr val="tx1"/>
+                </a:solidFill>
+                <a:latin typeface="+mn-lt"/>
+                <a:ea typeface="+mn-ea"/>
+                <a:cs typeface="+mn-cs"/>
+              </a:defRPr>
+            </a:lvl7pPr>
+            <a:lvl8pPr marL="3200400" algn="l" defTabSz="914400" rtl="0" eaLnBrk="1" latinLnBrk="0" hangingPunct="1">
+              <a:defRPr sz="1800" kern="1200">
+                <a:solidFill>
+                  <a:schemeClr val="tx1"/>
+                </a:solidFill>
+                <a:latin typeface="+mn-lt"/>
+                <a:ea typeface="+mn-ea"/>
+                <a:cs typeface="+mn-cs"/>
+              </a:defRPr>
+            </a:lvl8pPr>
+            <a:lvl9pPr marL="3657600" algn="l" defTabSz="914400" rtl="0" eaLnBrk="1" latinLnBrk="0" hangingPunct="1">
+              <a:defRPr sz="1800" kern="1200">
+                <a:solidFill>
+                  <a:schemeClr val="tx1"/>
+                </a:solidFill>
+                <a:latin typeface="+mn-lt"/>
+                <a:ea typeface="+mn-ea"/>
+                <a:cs typeface="+mn-cs"/>
+              </a:defRPr>
+            </a:lvl9pPr>
+          </a:lstStyle>
+          <a:p>
+            <a:pPr algn="ctr"/>
+            <a:r>
+              <a:rPr lang="en-US" altLang="zh-CN" sz="2000" dirty="0">
+                <a:gradFill flip="none" rotWithShape="1">
+                  <a:gsLst>
+                    <a:gs pos="59000">
+                      <a:schemeClr val="accent1"/>
+                    </a:gs>
+                    <a:gs pos="100000">
+                      <a:schemeClr val="accent1">
+                        <a:lumMod val="25000"/>
+                        <a:lumOff val="75000"/>
+                      </a:schemeClr>
+                    </a:gs>
+                  </a:gsLst>
+                  <a:lin ang="2700000" scaled="1"/>
+                  <a:tileRect/>
+                </a:gradFill>
+                <a:latin typeface="+mj-ea"/>
+                <a:ea typeface="+mj-ea"/>
               </a:rPr>
-              <a:t>20XX-XX-XX</a:t>
-            </a:r>
-            <a:endParaRPr lang="zh-CN" altLang="en-US" dirty="0">
-              <a:solidFill>
-                <a:schemeClr val="accent1"/>
-              </a:solidFill>
-              <a:latin typeface="+mn-ea"/>
+              <a:t>Method</a:t>
+            </a:r>
+            <a:endParaRPr lang="zh-CN" altLang="en-US" sz="2000" dirty="0">
+              <a:gradFill flip="none" rotWithShape="1">
+                <a:gsLst>
+                  <a:gs pos="59000">
+                    <a:schemeClr val="accent1"/>
+                  </a:gs>
+                  <a:gs pos="100000">
+                    <a:schemeClr val="accent1">
+                      <a:lumMod val="25000"/>
+                      <a:lumOff val="75000"/>
+                    </a:schemeClr>
+                  </a:gs>
+                </a:gsLst>
+                <a:lin ang="2700000" scaled="1"/>
+                <a:tileRect/>
+              </a:gradFill>
+              <a:latin typeface="+mj-ea"/>
+              <a:ea typeface="+mj-ea"/>
+            </a:endParaRPr>
+          </a:p>
+        </p:txBody>
+      </p:sp>
+      <p:sp>
+        <p:nvSpPr>
+          <p:cNvPr id="38" name="文本框 137">
+            <a:extLst>
+              <a:ext uri="{FF2B5EF4-FFF2-40B4-BE49-F238E27FC236}">
+                <a16:creationId xmlns:a16="http://schemas.microsoft.com/office/drawing/2014/main" id="{E4BE3456-3B60-4CFB-83C9-E66D1C3A7312}"/>
+              </a:ext>
+            </a:extLst>
+          </p:cNvPr>
+          <p:cNvSpPr txBox="1"/>
+          <p:nvPr/>
+        </p:nvSpPr>
+        <p:spPr>
+          <a:xfrm>
+            <a:off x="207947" y="1290509"/>
+            <a:ext cx="2048591" cy="400110"/>
+          </a:xfrm>
+          <a:prstGeom prst="rect">
+            <a:avLst/>
+          </a:prstGeom>
+          <a:noFill/>
+        </p:spPr>
+        <p:txBody>
+          <a:bodyPr wrap="square">
+            <a:spAutoFit/>
+          </a:bodyPr>
+          <a:lstStyle>
+            <a:defPPr>
+              <a:defRPr lang="zh-CN"/>
+            </a:defPPr>
+            <a:lvl1pPr marL="0" algn="l" defTabSz="914400" rtl="0" eaLnBrk="1" latinLnBrk="0" hangingPunct="1">
+              <a:defRPr sz="1800" kern="1200">
+                <a:solidFill>
+                  <a:schemeClr val="tx1"/>
+                </a:solidFill>
+                <a:latin typeface="+mn-lt"/>
+                <a:ea typeface="+mn-ea"/>
+                <a:cs typeface="+mn-cs"/>
+              </a:defRPr>
+            </a:lvl1pPr>
+            <a:lvl2pPr marL="457200" algn="l" defTabSz="914400" rtl="0" eaLnBrk="1" latinLnBrk="0" hangingPunct="1">
+              <a:defRPr sz="1800" kern="1200">
+                <a:solidFill>
+                  <a:schemeClr val="tx1"/>
+                </a:solidFill>
+                <a:latin typeface="+mn-lt"/>
+                <a:ea typeface="+mn-ea"/>
+                <a:cs typeface="+mn-cs"/>
+              </a:defRPr>
+            </a:lvl2pPr>
+            <a:lvl3pPr marL="914400" algn="l" defTabSz="914400" rtl="0" eaLnBrk="1" latinLnBrk="0" hangingPunct="1">
+              <a:defRPr sz="1800" kern="1200">
+                <a:solidFill>
+                  <a:schemeClr val="tx1"/>
+                </a:solidFill>
+                <a:latin typeface="+mn-lt"/>
+                <a:ea typeface="+mn-ea"/>
+                <a:cs typeface="+mn-cs"/>
+              </a:defRPr>
+            </a:lvl3pPr>
+            <a:lvl4pPr marL="1371600" algn="l" defTabSz="914400" rtl="0" eaLnBrk="1" latinLnBrk="0" hangingPunct="1">
+              <a:defRPr sz="1800" kern="1200">
+                <a:solidFill>
+                  <a:schemeClr val="tx1"/>
+                </a:solidFill>
+                <a:latin typeface="+mn-lt"/>
+                <a:ea typeface="+mn-ea"/>
+                <a:cs typeface="+mn-cs"/>
+              </a:defRPr>
+            </a:lvl4pPr>
+            <a:lvl5pPr marL="1828800" algn="l" defTabSz="914400" rtl="0" eaLnBrk="1" latinLnBrk="0" hangingPunct="1">
+              <a:defRPr sz="1800" kern="1200">
+                <a:solidFill>
+                  <a:schemeClr val="tx1"/>
+                </a:solidFill>
+                <a:latin typeface="+mn-lt"/>
+                <a:ea typeface="+mn-ea"/>
+                <a:cs typeface="+mn-cs"/>
+              </a:defRPr>
+            </a:lvl5pPr>
+            <a:lvl6pPr marL="2286000" algn="l" defTabSz="914400" rtl="0" eaLnBrk="1" latinLnBrk="0" hangingPunct="1">
+              <a:defRPr sz="1800" kern="1200">
+                <a:solidFill>
+                  <a:schemeClr val="tx1"/>
+                </a:solidFill>
+                <a:latin typeface="+mn-lt"/>
+                <a:ea typeface="+mn-ea"/>
+                <a:cs typeface="+mn-cs"/>
+              </a:defRPr>
+            </a:lvl6pPr>
+            <a:lvl7pPr marL="2743200" algn="l" defTabSz="914400" rtl="0" eaLnBrk="1" latinLnBrk="0" hangingPunct="1">
+              <a:defRPr sz="1800" kern="1200">
+                <a:solidFill>
+                  <a:schemeClr val="tx1"/>
+                </a:solidFill>
+                <a:latin typeface="+mn-lt"/>
+                <a:ea typeface="+mn-ea"/>
+                <a:cs typeface="+mn-cs"/>
+              </a:defRPr>
+            </a:lvl7pPr>
+            <a:lvl8pPr marL="3200400" algn="l" defTabSz="914400" rtl="0" eaLnBrk="1" latinLnBrk="0" hangingPunct="1">
+              <a:defRPr sz="1800" kern="1200">
+                <a:solidFill>
+                  <a:schemeClr val="tx1"/>
+                </a:solidFill>
+                <a:latin typeface="+mn-lt"/>
+                <a:ea typeface="+mn-ea"/>
+                <a:cs typeface="+mn-cs"/>
+              </a:defRPr>
+            </a:lvl8pPr>
+            <a:lvl9pPr marL="3657600" algn="l" defTabSz="914400" rtl="0" eaLnBrk="1" latinLnBrk="0" hangingPunct="1">
+              <a:defRPr sz="1800" kern="1200">
+                <a:solidFill>
+                  <a:schemeClr val="tx1"/>
+                </a:solidFill>
+                <a:latin typeface="+mn-lt"/>
+                <a:ea typeface="+mn-ea"/>
+                <a:cs typeface="+mn-cs"/>
+              </a:defRPr>
+            </a:lvl9pPr>
+          </a:lstStyle>
+          <a:p>
+            <a:pPr algn="ctr"/>
+            <a:r>
+              <a:rPr lang="en-US" altLang="zh-CN" sz="2000" dirty="0">
+                <a:gradFill flip="none" rotWithShape="1">
+                  <a:gsLst>
+                    <a:gs pos="59000">
+                      <a:schemeClr val="accent1"/>
+                    </a:gs>
+                    <a:gs pos="100000">
+                      <a:schemeClr val="accent1">
+                        <a:lumMod val="25000"/>
+                        <a:lumOff val="75000"/>
+                      </a:schemeClr>
+                    </a:gs>
+                  </a:gsLst>
+                  <a:lin ang="2700000" scaled="1"/>
+                  <a:tileRect/>
+                </a:gradFill>
+                <a:latin typeface="+mj-ea"/>
+                <a:ea typeface="+mj-ea"/>
+              </a:rPr>
+              <a:t>Approach</a:t>
+            </a:r>
+            <a:endParaRPr lang="zh-CN" altLang="en-US" sz="2000" dirty="0">
+              <a:gradFill flip="none" rotWithShape="1">
+                <a:gsLst>
+                  <a:gs pos="59000">
+                    <a:schemeClr val="accent1"/>
+                  </a:gs>
+                  <a:gs pos="100000">
+                    <a:schemeClr val="accent1">
+                      <a:lumMod val="25000"/>
+                      <a:lumOff val="75000"/>
+                    </a:schemeClr>
+                  </a:gs>
+                </a:gsLst>
+                <a:lin ang="2700000" scaled="1"/>
+                <a:tileRect/>
+              </a:gradFill>
+              <a:latin typeface="+mj-ea"/>
+              <a:ea typeface="+mj-ea"/>
+            </a:endParaRPr>
+          </a:p>
+        </p:txBody>
+      </p:sp>
+      <p:sp>
+        <p:nvSpPr>
+          <p:cNvPr id="23" name="文本框 22">
+            <a:extLst>
+              <a:ext uri="{FF2B5EF4-FFF2-40B4-BE49-F238E27FC236}">
+                <a16:creationId xmlns:a16="http://schemas.microsoft.com/office/drawing/2014/main" id="{2B52958B-1403-443A-B696-DD88FBB3C790}"/>
+              </a:ext>
+            </a:extLst>
+          </p:cNvPr>
+          <p:cNvSpPr txBox="1"/>
+          <p:nvPr/>
+        </p:nvSpPr>
+        <p:spPr>
+          <a:xfrm>
+            <a:off x="698040" y="1770557"/>
+            <a:ext cx="4801060" cy="1969770"/>
+          </a:xfrm>
+          <a:prstGeom prst="rect">
+            <a:avLst/>
+          </a:prstGeom>
+          <a:noFill/>
+        </p:spPr>
+        <p:txBody>
+          <a:bodyPr wrap="square" lIns="0" tIns="0" rIns="0" bIns="0" rtlCol="0">
+            <a:spAutoFit/>
+          </a:bodyPr>
+          <a:lstStyle/>
+          <a:p>
+            <a:pPr algn="l"/>
+            <a:r>
+              <a:rPr lang="zh-CN" altLang="en-US" sz="1600" dirty="0"/>
+              <a:t>纽科姆等人提出了一种完全直接的方法</a:t>
+            </a:r>
+            <a:r>
+              <a:rPr lang="en-US" altLang="zh-CN" sz="1600" dirty="0"/>
+              <a:t>[43]</a:t>
+            </a:r>
+            <a:r>
+              <a:rPr lang="zh-CN" altLang="en-US" sz="1600" dirty="0"/>
+              <a:t>，称为</a:t>
+            </a:r>
+            <a:r>
+              <a:rPr lang="en-US" altLang="zh-CN" sz="1600" dirty="0"/>
+              <a:t>DTAM</a:t>
+            </a:r>
+            <a:r>
+              <a:rPr lang="zh-CN" altLang="en-US" sz="1600" dirty="0"/>
+              <a:t>。在</a:t>
+            </a:r>
+            <a:r>
+              <a:rPr lang="en-US" altLang="zh-CN" sz="1600" dirty="0"/>
+              <a:t>DTAM</a:t>
+            </a:r>
+            <a:r>
+              <a:rPr lang="zh-CN" altLang="en-US" sz="1600" dirty="0"/>
+              <a:t>中，跟踪是通过将输入的图像与重建地图生成的合成视图图像进行比较来完成的。这仅仅相当于图像和地图的三维模型之间的配准，并在</a:t>
+            </a:r>
+            <a:r>
+              <a:rPr lang="en-US" altLang="zh-CN" sz="1600" dirty="0"/>
+              <a:t>DTAM</a:t>
+            </a:r>
+            <a:r>
+              <a:rPr lang="zh-CN" altLang="en-US" sz="1600" dirty="0"/>
+              <a:t>中的</a:t>
+            </a:r>
+            <a:r>
+              <a:rPr lang="en-US" altLang="zh-CN" sz="1600" dirty="0"/>
+              <a:t>GPU</a:t>
+            </a:r>
+            <a:r>
+              <a:rPr lang="zh-CN" altLang="en-US" sz="1600" dirty="0"/>
+              <a:t>上有效地实现。利用多基线立体进行映射，然后通过考虑空间连续性对映射进行优化，从而计算出所有像素的三维坐标。初始的深度贴图是使用像</a:t>
+            </a:r>
+            <a:r>
+              <a:rPr lang="en-US" altLang="zh-CN" sz="1600" dirty="0"/>
+              <a:t>PTAM</a:t>
+            </a:r>
+            <a:r>
+              <a:rPr lang="zh-CN" altLang="en-US" sz="1600" dirty="0"/>
+              <a:t>这样的立体测量方法来创建的。</a:t>
+            </a:r>
+          </a:p>
+        </p:txBody>
+      </p:sp>
+      <p:pic>
+        <p:nvPicPr>
+          <p:cNvPr id="15" name="图片 14">
+            <a:extLst>
+              <a:ext uri="{FF2B5EF4-FFF2-40B4-BE49-F238E27FC236}">
+                <a16:creationId xmlns:a16="http://schemas.microsoft.com/office/drawing/2014/main" id="{78085025-9476-4E0A-AB67-BEB0908343E8}"/>
+              </a:ext>
+            </a:extLst>
+          </p:cNvPr>
+          <p:cNvPicPr>
+            <a:picLocks noChangeAspect="1"/>
+          </p:cNvPicPr>
+          <p:nvPr/>
+        </p:nvPicPr>
+        <p:blipFill>
+          <a:blip r:embed="rId3"/>
+          <a:stretch>
+            <a:fillRect/>
+          </a:stretch>
+        </p:blipFill>
+        <p:spPr>
+          <a:xfrm>
+            <a:off x="6293021" y="1386394"/>
+            <a:ext cx="4752381" cy="5028571"/>
+          </a:xfrm>
+          <a:prstGeom prst="rect">
+            <a:avLst/>
+          </a:prstGeom>
+        </p:spPr>
+      </p:pic>
+    </p:spTree>
+    <p:extLst>
+      <p:ext uri="{BB962C8B-B14F-4D97-AF65-F5344CB8AC3E}">
+        <p14:creationId xmlns:p14="http://schemas.microsoft.com/office/powerpoint/2010/main" val="3640631874"/>
+      </p:ext>
+    </p:extLst>
+  </p:cSld>
+  <p:clrMapOvr>
+    <a:masterClrMapping/>
+  </p:clrMapOvr>
+</p:sld>
+</file>
+
+<file path=ppt/slides/slide9.xml><?xml version="1.0" encoding="utf-8"?>
+<p:sld xmlns:a="http://schemas.openxmlformats.org/drawingml/2006/main" xmlns:r="http://schemas.openxmlformats.org/officeDocument/2006/relationships" xmlns:p="http://schemas.openxmlformats.org/presentationml/2006/main">
+  <p:cSld>
+    <p:spTree>
+      <p:nvGrpSpPr>
+        <p:cNvPr id="1" name=""/>
+        <p:cNvGrpSpPr/>
+        <p:nvPr/>
+      </p:nvGrpSpPr>
+      <p:grpSpPr>
+        <a:xfrm>
+          <a:off x="0" y="0"/>
+          <a:ext cx="0" cy="0"/>
+          <a:chOff x="0" y="0"/>
+          <a:chExt cx="0" cy="0"/>
+        </a:xfrm>
+      </p:grpSpPr>
+      <p:sp>
+        <p:nvSpPr>
+          <p:cNvPr id="2" name="矩形 1">
+            <a:extLst>
+              <a:ext uri="{FF2B5EF4-FFF2-40B4-BE49-F238E27FC236}">
+                <a16:creationId xmlns:a16="http://schemas.microsoft.com/office/drawing/2014/main" id="{C78A307F-98D3-4383-4014-BCB2CD231521}"/>
+              </a:ext>
+            </a:extLst>
+          </p:cNvPr>
+          <p:cNvSpPr/>
+          <p:nvPr/>
+        </p:nvSpPr>
+        <p:spPr>
+          <a:xfrm>
+            <a:off x="0" y="0"/>
+            <a:ext cx="12192000" cy="334665"/>
+          </a:xfrm>
+          <a:prstGeom prst="rect">
+            <a:avLst/>
+          </a:prstGeom>
+          <a:ln>
+            <a:noFill/>
+          </a:ln>
+        </p:spPr>
+        <p:style>
+          <a:lnRef idx="2">
+            <a:schemeClr val="accent1">
+              <a:shade val="50000"/>
+            </a:schemeClr>
+          </a:lnRef>
+          <a:fillRef idx="1">
+            <a:schemeClr val="accent1"/>
+          </a:fillRef>
+          <a:effectRef idx="0">
+            <a:schemeClr val="accent1"/>
+          </a:effectRef>
+          <a:fontRef idx="minor">
+            <a:schemeClr val="lt1"/>
+          </a:fontRef>
+        </p:style>
+        <p:txBody>
+          <a:bodyPr rtlCol="0" anchor="ctr"/>
+          <a:lstStyle/>
+          <a:p>
+            <a:pPr algn="ctr"/>
+            <a:endParaRPr lang="zh-CN" altLang="en-US"/>
+          </a:p>
+        </p:txBody>
+      </p:sp>
+      <p:sp>
+        <p:nvSpPr>
+          <p:cNvPr id="3" name="椭圆 2">
+            <a:extLst>
+              <a:ext uri="{FF2B5EF4-FFF2-40B4-BE49-F238E27FC236}">
+                <a16:creationId xmlns:a16="http://schemas.microsoft.com/office/drawing/2014/main" id="{84B989A1-8AEC-A934-4A06-EFE298A58D49}"/>
+              </a:ext>
+            </a:extLst>
+          </p:cNvPr>
+          <p:cNvSpPr/>
+          <p:nvPr/>
+        </p:nvSpPr>
+        <p:spPr>
+          <a:xfrm>
+            <a:off x="268020" y="113332"/>
+            <a:ext cx="108000" cy="108000"/>
+          </a:xfrm>
+          <a:prstGeom prst="ellipse">
+            <a:avLst/>
+          </a:prstGeom>
+          <a:solidFill>
+            <a:schemeClr val="bg1"/>
+          </a:solidFill>
+          <a:ln>
+            <a:noFill/>
+          </a:ln>
+        </p:spPr>
+        <p:style>
+          <a:lnRef idx="2">
+            <a:schemeClr val="accent1">
+              <a:shade val="50000"/>
+            </a:schemeClr>
+          </a:lnRef>
+          <a:fillRef idx="1">
+            <a:schemeClr val="accent1"/>
+          </a:fillRef>
+          <a:effectRef idx="0">
+            <a:schemeClr val="accent1"/>
+          </a:effectRef>
+          <a:fontRef idx="minor">
+            <a:schemeClr val="lt1"/>
+          </a:fontRef>
+        </p:style>
+        <p:txBody>
+          <a:bodyPr rtlCol="0" anchor="ctr"/>
+          <a:lstStyle/>
+          <a:p>
+            <a:pPr algn="ctr"/>
+            <a:endParaRPr lang="zh-CN" altLang="en-US"/>
+          </a:p>
+        </p:txBody>
+      </p:sp>
+      <p:sp>
+        <p:nvSpPr>
+          <p:cNvPr id="4" name="椭圆 3">
+            <a:extLst>
+              <a:ext uri="{FF2B5EF4-FFF2-40B4-BE49-F238E27FC236}">
+                <a16:creationId xmlns:a16="http://schemas.microsoft.com/office/drawing/2014/main" id="{EE13081F-9BFD-5C3C-BBF7-701F07FF52F0}"/>
+              </a:ext>
+            </a:extLst>
+          </p:cNvPr>
+          <p:cNvSpPr/>
+          <p:nvPr/>
+        </p:nvSpPr>
+        <p:spPr>
+          <a:xfrm>
+            <a:off x="456030" y="113332"/>
+            <a:ext cx="108000" cy="108000"/>
+          </a:xfrm>
+          <a:prstGeom prst="ellipse">
+            <a:avLst/>
+          </a:prstGeom>
+          <a:solidFill>
+            <a:schemeClr val="bg1"/>
+          </a:solidFill>
+          <a:ln>
+            <a:noFill/>
+          </a:ln>
+        </p:spPr>
+        <p:style>
+          <a:lnRef idx="2">
+            <a:schemeClr val="accent1">
+              <a:shade val="50000"/>
+            </a:schemeClr>
+          </a:lnRef>
+          <a:fillRef idx="1">
+            <a:schemeClr val="accent1"/>
+          </a:fillRef>
+          <a:effectRef idx="0">
+            <a:schemeClr val="accent1"/>
+          </a:effectRef>
+          <a:fontRef idx="minor">
+            <a:schemeClr val="lt1"/>
+          </a:fontRef>
+        </p:style>
+        <p:txBody>
+          <a:bodyPr rtlCol="0" anchor="ctr"/>
+          <a:lstStyle/>
+          <a:p>
+            <a:pPr algn="ctr"/>
+            <a:endParaRPr lang="zh-CN" altLang="en-US"/>
+          </a:p>
+        </p:txBody>
+      </p:sp>
+      <p:sp>
+        <p:nvSpPr>
+          <p:cNvPr id="5" name="椭圆 4">
+            <a:extLst>
+              <a:ext uri="{FF2B5EF4-FFF2-40B4-BE49-F238E27FC236}">
+                <a16:creationId xmlns:a16="http://schemas.microsoft.com/office/drawing/2014/main" id="{075270D0-8FDD-C032-8E9B-2916B117314D}"/>
+              </a:ext>
+            </a:extLst>
+          </p:cNvPr>
+          <p:cNvSpPr/>
+          <p:nvPr/>
+        </p:nvSpPr>
+        <p:spPr>
+          <a:xfrm>
+            <a:off x="644040" y="113332"/>
+            <a:ext cx="108000" cy="108000"/>
+          </a:xfrm>
+          <a:prstGeom prst="ellipse">
+            <a:avLst/>
+          </a:prstGeom>
+          <a:solidFill>
+            <a:schemeClr val="bg1"/>
+          </a:solidFill>
+          <a:ln>
+            <a:noFill/>
+          </a:ln>
+        </p:spPr>
+        <p:style>
+          <a:lnRef idx="2">
+            <a:schemeClr val="accent1">
+              <a:shade val="50000"/>
+            </a:schemeClr>
+          </a:lnRef>
+          <a:fillRef idx="1">
+            <a:schemeClr val="accent1"/>
+          </a:fillRef>
+          <a:effectRef idx="0">
+            <a:schemeClr val="accent1"/>
+          </a:effectRef>
+          <a:fontRef idx="minor">
+            <a:schemeClr val="lt1"/>
+          </a:fontRef>
+        </p:style>
+        <p:txBody>
+          <a:bodyPr rtlCol="0" anchor="ctr"/>
+          <a:lstStyle/>
+          <a:p>
+            <a:pPr algn="ctr"/>
+            <a:endParaRPr lang="zh-CN" altLang="en-US"/>
+          </a:p>
+        </p:txBody>
+      </p:sp>
+      <p:grpSp>
+        <p:nvGrpSpPr>
+          <p:cNvPr id="10" name="组合 9">
+            <a:extLst>
+              <a:ext uri="{FF2B5EF4-FFF2-40B4-BE49-F238E27FC236}">
+                <a16:creationId xmlns:a16="http://schemas.microsoft.com/office/drawing/2014/main" id="{E51183F8-FAFB-E163-F6DC-40711A1B11BD}"/>
+              </a:ext>
+            </a:extLst>
+          </p:cNvPr>
+          <p:cNvGrpSpPr/>
+          <p:nvPr/>
+        </p:nvGrpSpPr>
+        <p:grpSpPr>
+          <a:xfrm>
+            <a:off x="11743980" y="85054"/>
+            <a:ext cx="180000" cy="164557"/>
+            <a:chOff x="11743980" y="92775"/>
+            <a:chExt cx="180000" cy="164557"/>
+          </a:xfrm>
+        </p:grpSpPr>
+        <p:sp>
+          <p:nvSpPr>
+            <p:cNvPr id="7" name="矩形 6">
+              <a:extLst>
+                <a:ext uri="{FF2B5EF4-FFF2-40B4-BE49-F238E27FC236}">
+                  <a16:creationId xmlns:a16="http://schemas.microsoft.com/office/drawing/2014/main" id="{48624736-172F-644F-3921-02B2CEABC0F2}"/>
+                </a:ext>
+              </a:extLst>
+            </p:cNvPr>
+            <p:cNvSpPr/>
+            <p:nvPr/>
+          </p:nvSpPr>
+          <p:spPr>
+            <a:xfrm>
+              <a:off x="11743980" y="92775"/>
+              <a:ext cx="180000" cy="36000"/>
+            </a:xfrm>
+            <a:prstGeom prst="rect">
+              <a:avLst/>
+            </a:prstGeom>
+            <a:solidFill>
+              <a:schemeClr val="bg1"/>
+            </a:solidFill>
+            <a:ln>
+              <a:noFill/>
+            </a:ln>
+          </p:spPr>
+          <p:style>
+            <a:lnRef idx="2">
+              <a:schemeClr val="accent1">
+                <a:shade val="50000"/>
+              </a:schemeClr>
+            </a:lnRef>
+            <a:fillRef idx="1">
+              <a:schemeClr val="accent1"/>
+            </a:fillRef>
+            <a:effectRef idx="0">
+              <a:schemeClr val="accent1"/>
+            </a:effectRef>
+            <a:fontRef idx="minor">
+              <a:schemeClr val="lt1"/>
+            </a:fontRef>
+          </p:style>
+          <p:txBody>
+            <a:bodyPr rtlCol="0" anchor="ctr"/>
+            <a:lstStyle/>
+            <a:p>
+              <a:pPr algn="ctr"/>
+              <a:endParaRPr lang="zh-CN" altLang="en-US"/>
+            </a:p>
+          </p:txBody>
+        </p:sp>
+        <p:sp>
+          <p:nvSpPr>
+            <p:cNvPr id="8" name="矩形 7">
+              <a:extLst>
+                <a:ext uri="{FF2B5EF4-FFF2-40B4-BE49-F238E27FC236}">
+                  <a16:creationId xmlns:a16="http://schemas.microsoft.com/office/drawing/2014/main" id="{5D09B6FD-D303-8B7E-553A-9CC387EED7D4}"/>
+                </a:ext>
+              </a:extLst>
+            </p:cNvPr>
+            <p:cNvSpPr/>
+            <p:nvPr/>
+          </p:nvSpPr>
+          <p:spPr>
+            <a:xfrm>
+              <a:off x="11743980" y="157054"/>
+              <a:ext cx="180000" cy="36000"/>
+            </a:xfrm>
+            <a:prstGeom prst="rect">
+              <a:avLst/>
+            </a:prstGeom>
+            <a:solidFill>
+              <a:schemeClr val="bg1"/>
+            </a:solidFill>
+            <a:ln>
+              <a:noFill/>
+            </a:ln>
+          </p:spPr>
+          <p:style>
+            <a:lnRef idx="2">
+              <a:schemeClr val="accent1">
+                <a:shade val="50000"/>
+              </a:schemeClr>
+            </a:lnRef>
+            <a:fillRef idx="1">
+              <a:schemeClr val="accent1"/>
+            </a:fillRef>
+            <a:effectRef idx="0">
+              <a:schemeClr val="accent1"/>
+            </a:effectRef>
+            <a:fontRef idx="minor">
+              <a:schemeClr val="lt1"/>
+            </a:fontRef>
+          </p:style>
+          <p:txBody>
+            <a:bodyPr rtlCol="0" anchor="ctr"/>
+            <a:lstStyle/>
+            <a:p>
+              <a:pPr algn="ctr"/>
+              <a:endParaRPr lang="zh-CN" altLang="en-US"/>
+            </a:p>
+          </p:txBody>
+        </p:sp>
+        <p:sp>
+          <p:nvSpPr>
+            <p:cNvPr id="9" name="矩形 8">
+              <a:extLst>
+                <a:ext uri="{FF2B5EF4-FFF2-40B4-BE49-F238E27FC236}">
+                  <a16:creationId xmlns:a16="http://schemas.microsoft.com/office/drawing/2014/main" id="{8E5DE636-BACA-D1B8-F688-63140FBEBEA3}"/>
+                </a:ext>
+              </a:extLst>
+            </p:cNvPr>
+            <p:cNvSpPr/>
+            <p:nvPr/>
+          </p:nvSpPr>
+          <p:spPr>
+            <a:xfrm>
+              <a:off x="11743980" y="221332"/>
+              <a:ext cx="180000" cy="36000"/>
+            </a:xfrm>
+            <a:prstGeom prst="rect">
+              <a:avLst/>
+            </a:prstGeom>
+            <a:solidFill>
+              <a:schemeClr val="bg1"/>
+            </a:solidFill>
+            <a:ln>
+              <a:noFill/>
+            </a:ln>
+          </p:spPr>
+          <p:style>
+            <a:lnRef idx="2">
+              <a:schemeClr val="accent1">
+                <a:shade val="50000"/>
+              </a:schemeClr>
+            </a:lnRef>
+            <a:fillRef idx="1">
+              <a:schemeClr val="accent1"/>
+            </a:fillRef>
+            <a:effectRef idx="0">
+              <a:schemeClr val="accent1"/>
+            </a:effectRef>
+            <a:fontRef idx="minor">
+              <a:schemeClr val="lt1"/>
+            </a:fontRef>
+          </p:style>
+          <p:txBody>
+            <a:bodyPr rtlCol="0" anchor="ctr"/>
+            <a:lstStyle/>
+            <a:p>
+              <a:pPr algn="ctr"/>
+              <a:endParaRPr lang="zh-CN" altLang="en-US"/>
+            </a:p>
+          </p:txBody>
+        </p:sp>
+      </p:grpSp>
+      <p:grpSp>
+        <p:nvGrpSpPr>
+          <p:cNvPr id="11" name="组合 10">
+            <a:extLst>
+              <a:ext uri="{FF2B5EF4-FFF2-40B4-BE49-F238E27FC236}">
+                <a16:creationId xmlns:a16="http://schemas.microsoft.com/office/drawing/2014/main" id="{55AFBF35-AD23-4C2C-ABAA-3E3F1209F2E4}"/>
+              </a:ext>
+            </a:extLst>
+          </p:cNvPr>
+          <p:cNvGrpSpPr/>
+          <p:nvPr/>
+        </p:nvGrpSpPr>
+        <p:grpSpPr>
+          <a:xfrm>
+            <a:off x="11391900" y="6324600"/>
+            <a:ext cx="190500" cy="190500"/>
+            <a:chOff x="10896600" y="5829299"/>
+            <a:chExt cx="685800" cy="685801"/>
+          </a:xfrm>
+          <a:solidFill>
+            <a:schemeClr val="accent1"/>
+          </a:solidFill>
+        </p:grpSpPr>
+        <p:sp>
+          <p:nvSpPr>
+            <p:cNvPr id="12" name="任意多边形: 形状 11">
+              <a:extLst>
+                <a:ext uri="{FF2B5EF4-FFF2-40B4-BE49-F238E27FC236}">
+                  <a16:creationId xmlns:a16="http://schemas.microsoft.com/office/drawing/2014/main" id="{09FBCA90-A7AC-5F96-243A-A1A77AE37CE7}"/>
+                </a:ext>
+              </a:extLst>
+            </p:cNvPr>
+            <p:cNvSpPr/>
+            <p:nvPr/>
+          </p:nvSpPr>
+          <p:spPr>
+            <a:xfrm rot="16200000">
+              <a:off x="10896600" y="5829300"/>
+              <a:ext cx="685800" cy="685800"/>
+            </a:xfrm>
+            <a:custGeom>
+              <a:avLst/>
+              <a:gdLst>
+                <a:gd name="connsiteX0" fmla="*/ 685800 w 685800"/>
+                <a:gd name="connsiteY0" fmla="*/ 406400 h 685800"/>
+                <a:gd name="connsiteX1" fmla="*/ 685800 w 685800"/>
+                <a:gd name="connsiteY1" fmla="*/ 685800 h 685800"/>
+                <a:gd name="connsiteX2" fmla="*/ 279400 w 685800"/>
+                <a:gd name="connsiteY2" fmla="*/ 685800 h 685800"/>
+                <a:gd name="connsiteX3" fmla="*/ 0 w 685800"/>
+                <a:gd name="connsiteY3" fmla="*/ 685800 h 685800"/>
+                <a:gd name="connsiteX4" fmla="*/ 0 w 685800"/>
+                <a:gd name="connsiteY4" fmla="*/ 406400 h 685800"/>
+                <a:gd name="connsiteX5" fmla="*/ 0 w 685800"/>
+                <a:gd name="connsiteY5" fmla="*/ 0 h 685800"/>
+                <a:gd name="connsiteX6" fmla="*/ 279400 w 685800"/>
+                <a:gd name="connsiteY6" fmla="*/ 0 h 685800"/>
+                <a:gd name="connsiteX7" fmla="*/ 279400 w 685800"/>
+                <a:gd name="connsiteY7" fmla="*/ 406400 h 685800"/>
+              </a:gdLst>
+              <a:ahLst/>
+              <a:cxnLst>
+                <a:cxn ang="0">
+                  <a:pos x="connsiteX0" y="connsiteY0"/>
+                </a:cxn>
+                <a:cxn ang="0">
+                  <a:pos x="connsiteX1" y="connsiteY1"/>
+                </a:cxn>
+                <a:cxn ang="0">
+                  <a:pos x="connsiteX2" y="connsiteY2"/>
+                </a:cxn>
+                <a:cxn ang="0">
+                  <a:pos x="connsiteX3" y="connsiteY3"/>
+                </a:cxn>
+                <a:cxn ang="0">
+                  <a:pos x="connsiteX4" y="connsiteY4"/>
+                </a:cxn>
+                <a:cxn ang="0">
+                  <a:pos x="connsiteX5" y="connsiteY5"/>
+                </a:cxn>
+                <a:cxn ang="0">
+                  <a:pos x="connsiteX6" y="connsiteY6"/>
+                </a:cxn>
+                <a:cxn ang="0">
+                  <a:pos x="connsiteX7" y="connsiteY7"/>
+                </a:cxn>
+              </a:cxnLst>
+              <a:rect l="l" t="t" r="r" b="b"/>
+              <a:pathLst>
+                <a:path w="685800" h="685800">
+                  <a:moveTo>
+                    <a:pt x="685800" y="406400"/>
+                  </a:moveTo>
+                  <a:lnTo>
+                    <a:pt x="685800" y="685800"/>
+                  </a:lnTo>
+                  <a:lnTo>
+                    <a:pt x="279400" y="685800"/>
+                  </a:lnTo>
+                  <a:lnTo>
+                    <a:pt x="0" y="685800"/>
+                  </a:lnTo>
+                  <a:lnTo>
+                    <a:pt x="0" y="406400"/>
+                  </a:lnTo>
+                  <a:lnTo>
+                    <a:pt x="0" y="0"/>
+                  </a:lnTo>
+                  <a:lnTo>
+                    <a:pt x="279400" y="0"/>
+                  </a:lnTo>
+                  <a:lnTo>
+                    <a:pt x="279400" y="406400"/>
+                  </a:lnTo>
+                  <a:close/>
+                </a:path>
+              </a:pathLst>
+            </a:custGeom>
+            <a:grpFill/>
+            <a:ln>
+              <a:noFill/>
+            </a:ln>
+          </p:spPr>
+          <p:style>
+            <a:lnRef idx="2">
+              <a:schemeClr val="accent1">
+                <a:shade val="50000"/>
+              </a:schemeClr>
+            </a:lnRef>
+            <a:fillRef idx="1">
+              <a:schemeClr val="accent1"/>
+            </a:fillRef>
+            <a:effectRef idx="0">
+              <a:schemeClr val="accent1"/>
+            </a:effectRef>
+            <a:fontRef idx="minor">
+              <a:schemeClr val="lt1"/>
+            </a:fontRef>
+          </p:style>
+          <p:txBody>
+            <a:bodyPr wrap="square" rtlCol="0" anchor="ctr">
+              <a:noAutofit/>
+            </a:bodyPr>
+            <a:lstStyle/>
+            <a:p>
+              <a:pPr algn="ctr"/>
+              <a:endParaRPr lang="zh-CN" altLang="en-US"/>
+            </a:p>
+          </p:txBody>
+        </p:sp>
+        <p:sp>
+          <p:nvSpPr>
+            <p:cNvPr id="13" name="任意多边形: 形状 12">
+              <a:extLst>
+                <a:ext uri="{FF2B5EF4-FFF2-40B4-BE49-F238E27FC236}">
+                  <a16:creationId xmlns:a16="http://schemas.microsoft.com/office/drawing/2014/main" id="{3E20355F-5C8D-EE1A-3162-D0FB0C55514D}"/>
+                </a:ext>
+              </a:extLst>
+            </p:cNvPr>
+            <p:cNvSpPr/>
+            <p:nvPr/>
+          </p:nvSpPr>
+          <p:spPr>
+            <a:xfrm rot="16200000">
+              <a:off x="10896600" y="5829299"/>
+              <a:ext cx="279400" cy="279400"/>
+            </a:xfrm>
+            <a:custGeom>
+              <a:avLst/>
+              <a:gdLst>
+                <a:gd name="connsiteX0" fmla="*/ 279400 w 279400"/>
+                <a:gd name="connsiteY0" fmla="*/ 0 h 279400"/>
+                <a:gd name="connsiteX1" fmla="*/ 279400 w 279400"/>
+                <a:gd name="connsiteY1" fmla="*/ 279400 h 279400"/>
+                <a:gd name="connsiteX2" fmla="*/ 0 w 279400"/>
+                <a:gd name="connsiteY2" fmla="*/ 279400 h 279400"/>
+                <a:gd name="connsiteX3" fmla="*/ 0 w 279400"/>
+                <a:gd name="connsiteY3" fmla="*/ 0 h 279400"/>
+              </a:gdLst>
+              <a:ahLst/>
+              <a:cxnLst>
+                <a:cxn ang="0">
+                  <a:pos x="connsiteX0" y="connsiteY0"/>
+                </a:cxn>
+                <a:cxn ang="0">
+                  <a:pos x="connsiteX1" y="connsiteY1"/>
+                </a:cxn>
+                <a:cxn ang="0">
+                  <a:pos x="connsiteX2" y="connsiteY2"/>
+                </a:cxn>
+                <a:cxn ang="0">
+                  <a:pos x="connsiteX3" y="connsiteY3"/>
+                </a:cxn>
+              </a:cxnLst>
+              <a:rect l="l" t="t" r="r" b="b"/>
+              <a:pathLst>
+                <a:path w="279400" h="279400">
+                  <a:moveTo>
+                    <a:pt x="279400" y="0"/>
+                  </a:moveTo>
+                  <a:lnTo>
+                    <a:pt x="279400" y="279400"/>
+                  </a:lnTo>
+                  <a:lnTo>
+                    <a:pt x="0" y="279400"/>
+                  </a:lnTo>
+                  <a:lnTo>
+                    <a:pt x="0" y="0"/>
+                  </a:lnTo>
+                  <a:close/>
+                </a:path>
+              </a:pathLst>
+            </a:custGeom>
+            <a:grpFill/>
+            <a:ln>
+              <a:noFill/>
+            </a:ln>
+          </p:spPr>
+          <p:style>
+            <a:lnRef idx="2">
+              <a:schemeClr val="accent1">
+                <a:shade val="50000"/>
+              </a:schemeClr>
+            </a:lnRef>
+            <a:fillRef idx="1">
+              <a:schemeClr val="accent1"/>
+            </a:fillRef>
+            <a:effectRef idx="0">
+              <a:schemeClr val="accent1"/>
+            </a:effectRef>
+            <a:fontRef idx="minor">
+              <a:schemeClr val="lt1"/>
+            </a:fontRef>
+          </p:style>
+          <p:txBody>
+            <a:bodyPr wrap="square" rtlCol="0" anchor="ctr">
+              <a:noAutofit/>
+            </a:bodyPr>
+            <a:lstStyle/>
+            <a:p>
+              <a:pPr algn="ctr"/>
+              <a:endParaRPr lang="zh-CN" altLang="en-US"/>
+            </a:p>
+          </p:txBody>
+        </p:sp>
+      </p:grpSp>
+      <p:sp>
+        <p:nvSpPr>
+          <p:cNvPr id="16" name="文本框 15">
+            <a:extLst>
+              <a:ext uri="{FF2B5EF4-FFF2-40B4-BE49-F238E27FC236}">
+                <a16:creationId xmlns:a16="http://schemas.microsoft.com/office/drawing/2014/main" id="{E11F8E31-9110-F464-0469-8FDDBC912898}"/>
+              </a:ext>
+            </a:extLst>
+          </p:cNvPr>
+          <p:cNvSpPr txBox="1"/>
+          <p:nvPr/>
+        </p:nvSpPr>
+        <p:spPr>
+          <a:xfrm>
+            <a:off x="207946" y="666393"/>
+            <a:ext cx="11869753" cy="984885"/>
+          </a:xfrm>
+          <a:prstGeom prst="rect">
+            <a:avLst/>
+          </a:prstGeom>
+          <a:noFill/>
+        </p:spPr>
+        <p:txBody>
+          <a:bodyPr wrap="square" lIns="0" tIns="0" rIns="0" bIns="0" rtlCol="0">
+            <a:spAutoFit/>
+          </a:bodyPr>
+          <a:lstStyle/>
+          <a:p>
+            <a:r>
+              <a:rPr lang="en-US" altLang="zh-CN" sz="3200" dirty="0">
+                <a:gradFill flip="none" rotWithShape="1">
+                  <a:gsLst>
+                    <a:gs pos="59000">
+                      <a:schemeClr val="accent1"/>
+                    </a:gs>
+                    <a:gs pos="100000">
+                      <a:schemeClr val="accent1">
+                        <a:lumMod val="25000"/>
+                        <a:lumOff val="75000"/>
+                      </a:schemeClr>
+                    </a:gs>
+                  </a:gsLst>
+                  <a:lin ang="2700000" scaled="1"/>
+                  <a:tileRect/>
+                </a:gradFill>
+                <a:latin typeface="+mj-ea"/>
+                <a:ea typeface="+mj-ea"/>
+              </a:rPr>
+              <a:t>SLAM++: Simultaneous </a:t>
+            </a:r>
+            <a:r>
+              <a:rPr lang="en-US" altLang="zh-CN" sz="3200" dirty="0" err="1">
+                <a:gradFill flip="none" rotWithShape="1">
+                  <a:gsLst>
+                    <a:gs pos="59000">
+                      <a:schemeClr val="accent1"/>
+                    </a:gs>
+                    <a:gs pos="100000">
+                      <a:schemeClr val="accent1">
+                        <a:lumMod val="25000"/>
+                        <a:lumOff val="75000"/>
+                      </a:schemeClr>
+                    </a:gs>
+                  </a:gsLst>
+                  <a:lin ang="2700000" scaled="1"/>
+                  <a:tileRect/>
+                </a:gradFill>
+                <a:latin typeface="+mj-ea"/>
+                <a:ea typeface="+mj-ea"/>
+              </a:rPr>
+              <a:t>Localisation</a:t>
+            </a:r>
+            <a:r>
+              <a:rPr lang="en-US" altLang="zh-CN" sz="3200" dirty="0">
+                <a:gradFill flip="none" rotWithShape="1">
+                  <a:gsLst>
+                    <a:gs pos="59000">
+                      <a:schemeClr val="accent1"/>
+                    </a:gs>
+                    <a:gs pos="100000">
+                      <a:schemeClr val="accent1">
+                        <a:lumMod val="25000"/>
+                        <a:lumOff val="75000"/>
+                      </a:schemeClr>
+                    </a:gs>
+                  </a:gsLst>
+                  <a:lin ang="2700000" scaled="1"/>
+                  <a:tileRect/>
+                </a:gradFill>
+                <a:latin typeface="+mj-ea"/>
+                <a:ea typeface="+mj-ea"/>
+              </a:rPr>
+              <a:t> and Mapping at the Level of Objects</a:t>
+            </a:r>
+            <a:endParaRPr lang="zh-CN" altLang="en-US" sz="3200" dirty="0">
+              <a:gradFill flip="none" rotWithShape="1">
+                <a:gsLst>
+                  <a:gs pos="59000">
+                    <a:schemeClr val="accent1"/>
+                  </a:gs>
+                  <a:gs pos="100000">
+                    <a:schemeClr val="accent1">
+                      <a:lumMod val="25000"/>
+                      <a:lumOff val="75000"/>
+                    </a:schemeClr>
+                  </a:gs>
+                </a:gsLst>
+                <a:lin ang="2700000" scaled="1"/>
+                <a:tileRect/>
+              </a:gradFill>
+              <a:latin typeface="+mj-ea"/>
+              <a:ea typeface="+mj-ea"/>
+            </a:endParaRPr>
+          </a:p>
+        </p:txBody>
+      </p:sp>
+      <p:sp>
+        <p:nvSpPr>
+          <p:cNvPr id="38" name="文本框 137">
+            <a:extLst>
+              <a:ext uri="{FF2B5EF4-FFF2-40B4-BE49-F238E27FC236}">
+                <a16:creationId xmlns:a16="http://schemas.microsoft.com/office/drawing/2014/main" id="{E4BE3456-3B60-4CFB-83C9-E66D1C3A7312}"/>
+              </a:ext>
+            </a:extLst>
+          </p:cNvPr>
+          <p:cNvSpPr txBox="1"/>
+          <p:nvPr/>
+        </p:nvSpPr>
+        <p:spPr>
+          <a:xfrm>
+            <a:off x="207946" y="1709159"/>
+            <a:ext cx="2048591" cy="400110"/>
+          </a:xfrm>
+          <a:prstGeom prst="rect">
+            <a:avLst/>
+          </a:prstGeom>
+          <a:noFill/>
+        </p:spPr>
+        <p:txBody>
+          <a:bodyPr wrap="square">
+            <a:spAutoFit/>
+          </a:bodyPr>
+          <a:lstStyle>
+            <a:defPPr>
+              <a:defRPr lang="zh-CN"/>
+            </a:defPPr>
+            <a:lvl1pPr marL="0" algn="l" defTabSz="914400" rtl="0" eaLnBrk="1" latinLnBrk="0" hangingPunct="1">
+              <a:defRPr sz="1800" kern="1200">
+                <a:solidFill>
+                  <a:schemeClr val="tx1"/>
+                </a:solidFill>
+                <a:latin typeface="+mn-lt"/>
+                <a:ea typeface="+mn-ea"/>
+                <a:cs typeface="+mn-cs"/>
+              </a:defRPr>
+            </a:lvl1pPr>
+            <a:lvl2pPr marL="457200" algn="l" defTabSz="914400" rtl="0" eaLnBrk="1" latinLnBrk="0" hangingPunct="1">
+              <a:defRPr sz="1800" kern="1200">
+                <a:solidFill>
+                  <a:schemeClr val="tx1"/>
+                </a:solidFill>
+                <a:latin typeface="+mn-lt"/>
+                <a:ea typeface="+mn-ea"/>
+                <a:cs typeface="+mn-cs"/>
+              </a:defRPr>
+            </a:lvl2pPr>
+            <a:lvl3pPr marL="914400" algn="l" defTabSz="914400" rtl="0" eaLnBrk="1" latinLnBrk="0" hangingPunct="1">
+              <a:defRPr sz="1800" kern="1200">
+                <a:solidFill>
+                  <a:schemeClr val="tx1"/>
+                </a:solidFill>
+                <a:latin typeface="+mn-lt"/>
+                <a:ea typeface="+mn-ea"/>
+                <a:cs typeface="+mn-cs"/>
+              </a:defRPr>
+            </a:lvl3pPr>
+            <a:lvl4pPr marL="1371600" algn="l" defTabSz="914400" rtl="0" eaLnBrk="1" latinLnBrk="0" hangingPunct="1">
+              <a:defRPr sz="1800" kern="1200">
+                <a:solidFill>
+                  <a:schemeClr val="tx1"/>
+                </a:solidFill>
+                <a:latin typeface="+mn-lt"/>
+                <a:ea typeface="+mn-ea"/>
+                <a:cs typeface="+mn-cs"/>
+              </a:defRPr>
+            </a:lvl4pPr>
+            <a:lvl5pPr marL="1828800" algn="l" defTabSz="914400" rtl="0" eaLnBrk="1" latinLnBrk="0" hangingPunct="1">
+              <a:defRPr sz="1800" kern="1200">
+                <a:solidFill>
+                  <a:schemeClr val="tx1"/>
+                </a:solidFill>
+                <a:latin typeface="+mn-lt"/>
+                <a:ea typeface="+mn-ea"/>
+                <a:cs typeface="+mn-cs"/>
+              </a:defRPr>
+            </a:lvl5pPr>
+            <a:lvl6pPr marL="2286000" algn="l" defTabSz="914400" rtl="0" eaLnBrk="1" latinLnBrk="0" hangingPunct="1">
+              <a:defRPr sz="1800" kern="1200">
+                <a:solidFill>
+                  <a:schemeClr val="tx1"/>
+                </a:solidFill>
+                <a:latin typeface="+mn-lt"/>
+                <a:ea typeface="+mn-ea"/>
+                <a:cs typeface="+mn-cs"/>
+              </a:defRPr>
+            </a:lvl6pPr>
+            <a:lvl7pPr marL="2743200" algn="l" defTabSz="914400" rtl="0" eaLnBrk="1" latinLnBrk="0" hangingPunct="1">
+              <a:defRPr sz="1800" kern="1200">
+                <a:solidFill>
+                  <a:schemeClr val="tx1"/>
+                </a:solidFill>
+                <a:latin typeface="+mn-lt"/>
+                <a:ea typeface="+mn-ea"/>
+                <a:cs typeface="+mn-cs"/>
+              </a:defRPr>
+            </a:lvl7pPr>
+            <a:lvl8pPr marL="3200400" algn="l" defTabSz="914400" rtl="0" eaLnBrk="1" latinLnBrk="0" hangingPunct="1">
+              <a:defRPr sz="1800" kern="1200">
+                <a:solidFill>
+                  <a:schemeClr val="tx1"/>
+                </a:solidFill>
+                <a:latin typeface="+mn-lt"/>
+                <a:ea typeface="+mn-ea"/>
+                <a:cs typeface="+mn-cs"/>
+              </a:defRPr>
+            </a:lvl8pPr>
+            <a:lvl9pPr marL="3657600" algn="l" defTabSz="914400" rtl="0" eaLnBrk="1" latinLnBrk="0" hangingPunct="1">
+              <a:defRPr sz="1800" kern="1200">
+                <a:solidFill>
+                  <a:schemeClr val="tx1"/>
+                </a:solidFill>
+                <a:latin typeface="+mn-lt"/>
+                <a:ea typeface="+mn-ea"/>
+                <a:cs typeface="+mn-cs"/>
+              </a:defRPr>
+            </a:lvl9pPr>
+          </a:lstStyle>
+          <a:p>
+            <a:pPr algn="ctr"/>
+            <a:r>
+              <a:rPr lang="en-US" altLang="zh-CN" sz="2000" dirty="0">
+                <a:gradFill flip="none" rotWithShape="1">
+                  <a:gsLst>
+                    <a:gs pos="59000">
+                      <a:schemeClr val="accent1"/>
+                    </a:gs>
+                    <a:gs pos="100000">
+                      <a:schemeClr val="accent1">
+                        <a:lumMod val="25000"/>
+                        <a:lumOff val="75000"/>
+                      </a:schemeClr>
+                    </a:gs>
+                  </a:gsLst>
+                  <a:lin ang="2700000" scaled="1"/>
+                  <a:tileRect/>
+                </a:gradFill>
+                <a:latin typeface="+mj-ea"/>
+                <a:ea typeface="+mj-ea"/>
+              </a:rPr>
+              <a:t>Approach</a:t>
+            </a:r>
+            <a:endParaRPr lang="zh-CN" altLang="en-US" sz="2000" dirty="0">
+              <a:gradFill flip="none" rotWithShape="1">
+                <a:gsLst>
+                  <a:gs pos="59000">
+                    <a:schemeClr val="accent1"/>
+                  </a:gs>
+                  <a:gs pos="100000">
+                    <a:schemeClr val="accent1">
+                      <a:lumMod val="25000"/>
+                      <a:lumOff val="75000"/>
+                    </a:schemeClr>
+                  </a:gs>
+                </a:gsLst>
+                <a:lin ang="2700000" scaled="1"/>
+                <a:tileRect/>
+              </a:gradFill>
+              <a:latin typeface="+mj-ea"/>
+              <a:ea typeface="+mj-ea"/>
+            </a:endParaRPr>
+          </a:p>
+        </p:txBody>
+      </p:sp>
+      <p:sp>
+        <p:nvSpPr>
+          <p:cNvPr id="23" name="文本框 22">
+            <a:extLst>
+              <a:ext uri="{FF2B5EF4-FFF2-40B4-BE49-F238E27FC236}">
+                <a16:creationId xmlns:a16="http://schemas.microsoft.com/office/drawing/2014/main" id="{2B52958B-1403-443A-B696-DD88FBB3C790}"/>
+              </a:ext>
+            </a:extLst>
+          </p:cNvPr>
+          <p:cNvSpPr txBox="1"/>
+          <p:nvPr/>
+        </p:nvSpPr>
+        <p:spPr>
+          <a:xfrm>
+            <a:off x="456030" y="2201287"/>
+            <a:ext cx="6933354" cy="1846659"/>
+          </a:xfrm>
+          <a:prstGeom prst="rect">
+            <a:avLst/>
+          </a:prstGeom>
+          <a:noFill/>
+        </p:spPr>
+        <p:txBody>
+          <a:bodyPr wrap="square" lIns="0" tIns="0" rIns="0" bIns="0" rtlCol="0">
+            <a:spAutoFit/>
+          </a:bodyPr>
+          <a:lstStyle/>
+          <a:p>
+            <a:pPr marL="285750" indent="-285750" algn="l">
+              <a:buFont typeface="Arial" panose="020B0604020202020204" pitchFamily="34" charset="0"/>
+              <a:buChar char="•"/>
+            </a:pPr>
+            <a:r>
+              <a:rPr lang="zh-CN" altLang="en-US" sz="1200" dirty="0"/>
+              <a:t>给定一个实时深度地图</a:t>
+            </a:r>
+            <a:r>
+              <a:rPr lang="en-US" altLang="zh-CN" sz="1200" dirty="0"/>
+              <a:t>Dl</a:t>
+            </a:r>
+            <a:r>
+              <a:rPr lang="zh-CN" altLang="en-US" sz="1200" dirty="0"/>
+              <a:t>，我们首先以顶点和法线地图</a:t>
+            </a:r>
+            <a:r>
+              <a:rPr lang="en-US" altLang="zh-CN" sz="1200" dirty="0" err="1"/>
+              <a:t>Nl</a:t>
+            </a:r>
+            <a:r>
+              <a:rPr lang="zh-CN" altLang="en-US" sz="1200" dirty="0"/>
+              <a:t>的形式计算一个表面测量，为顺序计算的相机跟踪和目标检测管道提供输入。</a:t>
+            </a:r>
+            <a:endParaRPr lang="en-US" altLang="zh-CN" sz="1200" dirty="0"/>
+          </a:p>
+          <a:p>
+            <a:pPr marL="285750" indent="-285750" algn="l">
+              <a:buFont typeface="Arial" panose="020B0604020202020204" pitchFamily="34" charset="0"/>
+              <a:buChar char="•"/>
+            </a:pPr>
+            <a:r>
+              <a:rPr lang="en-US" altLang="zh-CN" sz="1200" dirty="0"/>
+              <a:t>(1)</a:t>
+            </a:r>
+            <a:r>
+              <a:rPr lang="zh-CN" altLang="en-US" sz="1200" dirty="0"/>
+              <a:t>我们跟踪现场相机姿势</a:t>
+            </a:r>
+            <a:r>
+              <a:rPr lang="en-US" altLang="zh-CN" sz="1200" dirty="0" err="1"/>
+              <a:t>Twl</a:t>
+            </a:r>
+            <a:r>
+              <a:rPr lang="zh-CN" altLang="en-US" sz="1200" dirty="0"/>
+              <a:t>迭代最近点方法使用密集的多对象场景预测捕获在当前</a:t>
+            </a:r>
+            <a:r>
+              <a:rPr lang="en-US" altLang="zh-CN" sz="1200" dirty="0"/>
+              <a:t>SLAM</a:t>
+            </a:r>
+            <a:r>
+              <a:rPr lang="zh-CN" altLang="en-US" sz="1200" dirty="0"/>
+              <a:t>图</a:t>
+            </a:r>
+            <a:r>
+              <a:rPr lang="en-US" altLang="zh-CN" sz="1200" dirty="0"/>
+              <a:t>G. </a:t>
+            </a:r>
+          </a:p>
+          <a:p>
+            <a:pPr marL="285750" indent="-285750" algn="l">
+              <a:buFont typeface="Arial" panose="020B0604020202020204" pitchFamily="34" charset="0"/>
+              <a:buChar char="•"/>
+            </a:pPr>
+            <a:r>
+              <a:rPr lang="en-US" altLang="zh-CN" sz="1200" dirty="0"/>
+              <a:t>(2)</a:t>
+            </a:r>
+            <a:r>
+              <a:rPr lang="zh-CN" altLang="en-US" sz="1200" dirty="0"/>
+              <a:t>接下来我们试图检测对象，以前存储在数据库中，出现在实时帧，生成检测候选人估计姿态。首先使用与检测到的姿态初始化的第二个</a:t>
+            </a:r>
+            <a:r>
+              <a:rPr lang="en-US" altLang="zh-CN" sz="1200" dirty="0"/>
+              <a:t>ICP</a:t>
+            </a:r>
+            <a:r>
+              <a:rPr lang="zh-CN" altLang="en-US" sz="1200" dirty="0"/>
+              <a:t>估计来细化或拒绝候选人。</a:t>
+            </a:r>
+            <a:endParaRPr lang="en-US" altLang="zh-CN" sz="1200" dirty="0"/>
+          </a:p>
+          <a:p>
+            <a:pPr marL="285750" indent="-285750" algn="l">
+              <a:buFont typeface="Arial" panose="020B0604020202020204" pitchFamily="34" charset="0"/>
+              <a:buChar char="•"/>
+            </a:pPr>
+            <a:r>
+              <a:rPr lang="en-US" altLang="zh-CN" sz="1200" dirty="0"/>
+              <a:t>(3)</a:t>
+            </a:r>
+            <a:r>
+              <a:rPr lang="zh-CN" altLang="en-US" sz="1200" dirty="0"/>
+              <a:t>我们将成功检测到的对象</a:t>
+            </a:r>
+            <a:r>
+              <a:rPr lang="en-US" altLang="zh-CN" sz="1200" dirty="0"/>
+              <a:t>g</a:t>
+            </a:r>
+            <a:r>
+              <a:rPr lang="zh-CN" altLang="en-US" sz="1200" dirty="0"/>
+              <a:t>以物体姿态顶点的形式添加到</a:t>
+            </a:r>
+            <a:r>
+              <a:rPr lang="en-US" altLang="zh-CN" sz="1200" dirty="0"/>
+              <a:t>SLAM</a:t>
+            </a:r>
+            <a:r>
+              <a:rPr lang="zh-CN" altLang="en-US" sz="1200" dirty="0"/>
+              <a:t>图中，通过测量边连接到实时估计的相机姿态顶点</a:t>
+            </a:r>
+            <a:endParaRPr lang="en-US" altLang="zh-CN" sz="1200" dirty="0"/>
+          </a:p>
+          <a:p>
+            <a:pPr marL="285750" indent="-285750" algn="l">
+              <a:buFont typeface="Arial" panose="020B0604020202020204" pitchFamily="34" charset="0"/>
+              <a:buChar char="•"/>
+            </a:pPr>
+            <a:r>
+              <a:rPr lang="en-US" altLang="zh-CN" sz="1200" dirty="0"/>
+              <a:t>(4)</a:t>
+            </a:r>
+            <a:r>
+              <a:rPr lang="zh-CN" altLang="en-US" sz="1200" dirty="0"/>
+              <a:t>从</a:t>
+            </a:r>
+            <a:r>
+              <a:rPr lang="en-US" altLang="zh-CN" sz="1200" dirty="0"/>
+              <a:t>SLAM</a:t>
+            </a:r>
+            <a:r>
+              <a:rPr lang="zh-CN" altLang="en-US" sz="1200" dirty="0"/>
+              <a:t>图中渲染对象将将预测深度</a:t>
+            </a:r>
+            <a:r>
+              <a:rPr lang="en-US" altLang="zh-CN" sz="1200" dirty="0"/>
+              <a:t>Dr</a:t>
+            </a:r>
+            <a:r>
+              <a:rPr lang="zh-CN" altLang="en-US" sz="1200" dirty="0"/>
+              <a:t>和法线映射</a:t>
+            </a:r>
+            <a:r>
+              <a:rPr lang="en-US" altLang="zh-CN" sz="1200" dirty="0"/>
+              <a:t>Nr</a:t>
+            </a:r>
+            <a:r>
+              <a:rPr lang="zh-CN" altLang="en-US" sz="1200" dirty="0"/>
+              <a:t>生成到实时估计帧中，使我们能够主动搜索那些图中当前对象没有描述的像素。我们在每个对象和实时图像之间运行一个单独的</a:t>
+            </a:r>
+            <a:r>
+              <a:rPr lang="en-US" altLang="zh-CN" sz="1200" dirty="0"/>
+              <a:t>ICP</a:t>
+            </a:r>
+            <a:r>
+              <a:rPr lang="zh-CN" altLang="en-US" sz="1200" dirty="0"/>
+              <a:t>，从而在</a:t>
+            </a:r>
+            <a:r>
+              <a:rPr lang="en-US" altLang="zh-CN" sz="1200" dirty="0"/>
+              <a:t>SLAM</a:t>
+            </a:r>
+            <a:r>
+              <a:rPr lang="zh-CN" altLang="en-US" sz="1200" dirty="0"/>
+              <a:t>图中添加了一个新的相机</a:t>
+            </a:r>
+            <a:r>
+              <a:rPr lang="en-US" altLang="zh-CN" sz="1200" dirty="0"/>
+              <a:t>-</a:t>
+            </a:r>
+            <a:r>
+              <a:rPr lang="zh-CN" altLang="en-US" sz="1200" dirty="0"/>
+              <a:t>对象约束。</a:t>
+            </a:r>
+          </a:p>
+        </p:txBody>
+      </p:sp>
+      <p:pic>
+        <p:nvPicPr>
+          <p:cNvPr id="17" name="图片 16">
+            <a:extLst>
+              <a:ext uri="{FF2B5EF4-FFF2-40B4-BE49-F238E27FC236}">
+                <a16:creationId xmlns:a16="http://schemas.microsoft.com/office/drawing/2014/main" id="{2BBEB033-59A4-4263-80B9-A860C2BF6819}"/>
+              </a:ext>
+            </a:extLst>
+          </p:cNvPr>
+          <p:cNvPicPr>
+            <a:picLocks noChangeAspect="1"/>
+          </p:cNvPicPr>
+          <p:nvPr/>
+        </p:nvPicPr>
+        <p:blipFill>
+          <a:blip r:embed="rId3"/>
+          <a:stretch>
+            <a:fillRect/>
+          </a:stretch>
+        </p:blipFill>
+        <p:spPr>
+          <a:xfrm>
+            <a:off x="875290" y="4105827"/>
+            <a:ext cx="9247619" cy="2285714"/>
+          </a:xfrm>
+          <a:prstGeom prst="rect">
+            <a:avLst/>
+          </a:prstGeom>
+        </p:spPr>
+      </p:pic>
+      <p:sp>
+        <p:nvSpPr>
+          <p:cNvPr id="18" name="文本框 17">
+            <a:extLst>
+              <a:ext uri="{FF2B5EF4-FFF2-40B4-BE49-F238E27FC236}">
+                <a16:creationId xmlns:a16="http://schemas.microsoft.com/office/drawing/2014/main" id="{D60CF966-511B-4010-B8F8-99956AE0CD5E}"/>
+              </a:ext>
+            </a:extLst>
+          </p:cNvPr>
+          <p:cNvSpPr txBox="1"/>
+          <p:nvPr/>
+        </p:nvSpPr>
+        <p:spPr>
+          <a:xfrm>
+            <a:off x="2256537" y="1564139"/>
+            <a:ext cx="1540486" cy="553998"/>
+          </a:xfrm>
+          <a:prstGeom prst="rect">
+            <a:avLst/>
+          </a:prstGeom>
+          <a:noFill/>
+        </p:spPr>
+        <p:txBody>
+          <a:bodyPr wrap="none" lIns="0" tIns="0" rIns="0" bIns="0" rtlCol="0">
+            <a:spAutoFit/>
+          </a:bodyPr>
+          <a:lstStyle/>
+          <a:p>
+            <a:pPr algn="l"/>
+            <a:r>
+              <a:rPr lang="en-US" altLang="zh-CN" dirty="0"/>
+              <a:t>Object-oriented</a:t>
+            </a:r>
+          </a:p>
+          <a:p>
+            <a:pPr algn="l"/>
+            <a:r>
+              <a:rPr lang="en-US" altLang="zh-CN" dirty="0"/>
+              <a:t>RGB-D camera</a:t>
+            </a:r>
+            <a:endParaRPr lang="zh-CN" altLang="en-US" dirty="0"/>
+          </a:p>
+        </p:txBody>
+      </p:sp>
+      <p:sp>
+        <p:nvSpPr>
+          <p:cNvPr id="25" name="文本框 24">
+            <a:extLst>
+              <a:ext uri="{FF2B5EF4-FFF2-40B4-BE49-F238E27FC236}">
+                <a16:creationId xmlns:a16="http://schemas.microsoft.com/office/drawing/2014/main" id="{862BD86E-74C9-4BEC-8EC0-6B7E67D58737}"/>
+              </a:ext>
+            </a:extLst>
+          </p:cNvPr>
+          <p:cNvSpPr txBox="1"/>
+          <p:nvPr/>
+        </p:nvSpPr>
+        <p:spPr>
+          <a:xfrm>
+            <a:off x="7828380" y="2118419"/>
+            <a:ext cx="3820695" cy="1661993"/>
+          </a:xfrm>
+          <a:prstGeom prst="rect">
+            <a:avLst/>
+          </a:prstGeom>
+          <a:noFill/>
+        </p:spPr>
+        <p:txBody>
+          <a:bodyPr wrap="square" lIns="0" tIns="0" rIns="0" bIns="0" rtlCol="0">
+            <a:spAutoFit/>
+          </a:bodyPr>
+          <a:lstStyle/>
+          <a:p>
+            <a:pPr algn="l"/>
+            <a:r>
+              <a:rPr lang="zh-CN" altLang="en-US" dirty="0"/>
+              <a:t>我们展示了一个新的实时定位和映射性能水平，在几何描述的质量和密度方面超过了以前的</a:t>
+            </a:r>
+            <a:r>
+              <a:rPr lang="en-US" altLang="zh-CN" dirty="0"/>
+              <a:t>SLAM</a:t>
+            </a:r>
+            <a:r>
+              <a:rPr lang="zh-CN" altLang="en-US" dirty="0"/>
+              <a:t>系统，因为我们的表示空间非常小；在对象识别和配置描述方面，还可与离线多视图场景标签系统相媲美。</a:t>
+            </a:r>
+          </a:p>
+        </p:txBody>
+      </p:sp>
+      <p:sp>
+        <p:nvSpPr>
+          <p:cNvPr id="29" name="文本框 137">
+            <a:extLst>
+              <a:ext uri="{FF2B5EF4-FFF2-40B4-BE49-F238E27FC236}">
+                <a16:creationId xmlns:a16="http://schemas.microsoft.com/office/drawing/2014/main" id="{2F492229-C614-4EAA-94B7-AFD3D84662CE}"/>
+              </a:ext>
+            </a:extLst>
+          </p:cNvPr>
+          <p:cNvSpPr txBox="1"/>
+          <p:nvPr/>
+        </p:nvSpPr>
+        <p:spPr>
+          <a:xfrm>
+            <a:off x="7599346" y="1651278"/>
+            <a:ext cx="2048591" cy="400110"/>
+          </a:xfrm>
+          <a:prstGeom prst="rect">
+            <a:avLst/>
+          </a:prstGeom>
+          <a:noFill/>
+        </p:spPr>
+        <p:txBody>
+          <a:bodyPr wrap="square">
+            <a:spAutoFit/>
+          </a:bodyPr>
+          <a:lstStyle>
+            <a:defPPr>
+              <a:defRPr lang="zh-CN"/>
+            </a:defPPr>
+            <a:lvl1pPr marL="0" algn="l" defTabSz="914400" rtl="0" eaLnBrk="1" latinLnBrk="0" hangingPunct="1">
+              <a:defRPr sz="1800" kern="1200">
+                <a:solidFill>
+                  <a:schemeClr val="tx1"/>
+                </a:solidFill>
+                <a:latin typeface="+mn-lt"/>
+                <a:ea typeface="+mn-ea"/>
+                <a:cs typeface="+mn-cs"/>
+              </a:defRPr>
+            </a:lvl1pPr>
+            <a:lvl2pPr marL="457200" algn="l" defTabSz="914400" rtl="0" eaLnBrk="1" latinLnBrk="0" hangingPunct="1">
+              <a:defRPr sz="1800" kern="1200">
+                <a:solidFill>
+                  <a:schemeClr val="tx1"/>
+                </a:solidFill>
+                <a:latin typeface="+mn-lt"/>
+                <a:ea typeface="+mn-ea"/>
+                <a:cs typeface="+mn-cs"/>
+              </a:defRPr>
+            </a:lvl2pPr>
+            <a:lvl3pPr marL="914400" algn="l" defTabSz="914400" rtl="0" eaLnBrk="1" latinLnBrk="0" hangingPunct="1">
+              <a:defRPr sz="1800" kern="1200">
+                <a:solidFill>
+                  <a:schemeClr val="tx1"/>
+                </a:solidFill>
+                <a:latin typeface="+mn-lt"/>
+                <a:ea typeface="+mn-ea"/>
+                <a:cs typeface="+mn-cs"/>
+              </a:defRPr>
+            </a:lvl3pPr>
+            <a:lvl4pPr marL="1371600" algn="l" defTabSz="914400" rtl="0" eaLnBrk="1" latinLnBrk="0" hangingPunct="1">
+              <a:defRPr sz="1800" kern="1200">
+                <a:solidFill>
+                  <a:schemeClr val="tx1"/>
+                </a:solidFill>
+                <a:latin typeface="+mn-lt"/>
+                <a:ea typeface="+mn-ea"/>
+                <a:cs typeface="+mn-cs"/>
+              </a:defRPr>
+            </a:lvl4pPr>
+            <a:lvl5pPr marL="1828800" algn="l" defTabSz="914400" rtl="0" eaLnBrk="1" latinLnBrk="0" hangingPunct="1">
+              <a:defRPr sz="1800" kern="1200">
+                <a:solidFill>
+                  <a:schemeClr val="tx1"/>
+                </a:solidFill>
+                <a:latin typeface="+mn-lt"/>
+                <a:ea typeface="+mn-ea"/>
+                <a:cs typeface="+mn-cs"/>
+              </a:defRPr>
+            </a:lvl5pPr>
+            <a:lvl6pPr marL="2286000" algn="l" defTabSz="914400" rtl="0" eaLnBrk="1" latinLnBrk="0" hangingPunct="1">
+              <a:defRPr sz="1800" kern="1200">
+                <a:solidFill>
+                  <a:schemeClr val="tx1"/>
+                </a:solidFill>
+                <a:latin typeface="+mn-lt"/>
+                <a:ea typeface="+mn-ea"/>
+                <a:cs typeface="+mn-cs"/>
+              </a:defRPr>
+            </a:lvl6pPr>
+            <a:lvl7pPr marL="2743200" algn="l" defTabSz="914400" rtl="0" eaLnBrk="1" latinLnBrk="0" hangingPunct="1">
+              <a:defRPr sz="1800" kern="1200">
+                <a:solidFill>
+                  <a:schemeClr val="tx1"/>
+                </a:solidFill>
+                <a:latin typeface="+mn-lt"/>
+                <a:ea typeface="+mn-ea"/>
+                <a:cs typeface="+mn-cs"/>
+              </a:defRPr>
+            </a:lvl7pPr>
+            <a:lvl8pPr marL="3200400" algn="l" defTabSz="914400" rtl="0" eaLnBrk="1" latinLnBrk="0" hangingPunct="1">
+              <a:defRPr sz="1800" kern="1200">
+                <a:solidFill>
+                  <a:schemeClr val="tx1"/>
+                </a:solidFill>
+                <a:latin typeface="+mn-lt"/>
+                <a:ea typeface="+mn-ea"/>
+                <a:cs typeface="+mn-cs"/>
+              </a:defRPr>
+            </a:lvl8pPr>
+            <a:lvl9pPr marL="3657600" algn="l" defTabSz="914400" rtl="0" eaLnBrk="1" latinLnBrk="0" hangingPunct="1">
+              <a:defRPr sz="1800" kern="1200">
+                <a:solidFill>
+                  <a:schemeClr val="tx1"/>
+                </a:solidFill>
+                <a:latin typeface="+mn-lt"/>
+                <a:ea typeface="+mn-ea"/>
+                <a:cs typeface="+mn-cs"/>
+              </a:defRPr>
+            </a:lvl9pPr>
+          </a:lstStyle>
+          <a:p>
+            <a:pPr algn="ctr"/>
+            <a:r>
+              <a:rPr lang="en-US" altLang="zh-CN" sz="2000" dirty="0">
+                <a:gradFill flip="none" rotWithShape="1">
+                  <a:gsLst>
+                    <a:gs pos="59000">
+                      <a:schemeClr val="accent1"/>
+                    </a:gs>
+                    <a:gs pos="100000">
+                      <a:schemeClr val="accent1">
+                        <a:lumMod val="25000"/>
+                        <a:lumOff val="75000"/>
+                      </a:schemeClr>
+                    </a:gs>
+                  </a:gsLst>
+                  <a:lin ang="2700000" scaled="1"/>
+                  <a:tileRect/>
+                </a:gradFill>
+                <a:latin typeface="+mj-ea"/>
+                <a:ea typeface="+mj-ea"/>
+              </a:rPr>
+              <a:t>Contributions</a:t>
+            </a:r>
+            <a:endParaRPr lang="zh-CN" altLang="en-US" sz="2000" dirty="0">
+              <a:gradFill flip="none" rotWithShape="1">
+                <a:gsLst>
+                  <a:gs pos="59000">
+                    <a:schemeClr val="accent1"/>
+                  </a:gs>
+                  <a:gs pos="100000">
+                    <a:schemeClr val="accent1">
+                      <a:lumMod val="25000"/>
+                      <a:lumOff val="75000"/>
+                    </a:schemeClr>
+                  </a:gs>
+                </a:gsLst>
+                <a:lin ang="2700000" scaled="1"/>
+                <a:tileRect/>
+              </a:gradFill>
+              <a:latin typeface="+mj-ea"/>
+              <a:ea typeface="+mj-ea"/>
             </a:endParaRPr>
           </a:p>
         </p:txBody>
@@ -11973,7 +13515,7 @@
     </p:spTree>
     <p:extLst>
       <p:ext uri="{BB962C8B-B14F-4D97-AF65-F5344CB8AC3E}">
-        <p14:creationId xmlns:p14="http://schemas.microsoft.com/office/powerpoint/2010/main" val="4087428213"/>
+        <p14:creationId xmlns:p14="http://schemas.microsoft.com/office/powerpoint/2010/main" val="998027100"/>
       </p:ext>
     </p:extLst>
   </p:cSld>
